--- a/Диплом/Презентация ВКР.pptx
+++ b/Диплом/Презентация ВКР.pptx
@@ -5,10 +5,10 @@
     <p:sldMasterId id="2147483648" r:id="rId1"/>
   </p:sldMasterIdLst>
   <p:notesMasterIdLst>
-    <p:notesMasterId r:id="rId10"/>
+    <p:notesMasterId r:id="rId20"/>
   </p:notesMasterIdLst>
   <p:handoutMasterIdLst>
-    <p:handoutMasterId r:id="rId11"/>
+    <p:handoutMasterId r:id="rId21"/>
   </p:handoutMasterIdLst>
   <p:sldIdLst>
     <p:sldId id="256" r:id="rId2"/>
@@ -19,6 +19,16 @@
     <p:sldId id="262" r:id="rId7"/>
     <p:sldId id="263" r:id="rId8"/>
     <p:sldId id="264" r:id="rId9"/>
+    <p:sldId id="265" r:id="rId10"/>
+    <p:sldId id="266" r:id="rId11"/>
+    <p:sldId id="267" r:id="rId12"/>
+    <p:sldId id="268" r:id="rId13"/>
+    <p:sldId id="269" r:id="rId14"/>
+    <p:sldId id="270" r:id="rId15"/>
+    <p:sldId id="271" r:id="rId16"/>
+    <p:sldId id="272" r:id="rId17"/>
+    <p:sldId id="273" r:id="rId18"/>
+    <p:sldId id="274" r:id="rId19"/>
   </p:sldIdLst>
   <p:sldSz cx="12192000" cy="6858000"/>
   <p:notesSz cx="6858000" cy="9144000"/>
@@ -146,13 +156,31 @@
         <p14:section name="Работа процедуры" id="{41F4E912-60D9-4E27-B1B6-3ED0813C8316}">
           <p14:sldIdLst>
             <p14:sldId id="264"/>
+            <p14:sldId id="265"/>
+            <p14:sldId id="266"/>
+            <p14:sldId id="267"/>
+            <p14:sldId id="268"/>
+          </p14:sldIdLst>
+        </p14:section>
+        <p14:section name="Макетный пример" id="{F67FA294-3AA7-4EE2-8C03-94946B0E0C53}">
+          <p14:sldIdLst>
+            <p14:sldId id="269"/>
+            <p14:sldId id="270"/>
+            <p14:sldId id="271"/>
+            <p14:sldId id="272"/>
+            <p14:sldId id="273"/>
+          </p14:sldIdLst>
+        </p14:section>
+        <p14:section name="Заключение" id="{0C737BB6-F6AD-4313-BBE3-823C4BA56E7D}">
+          <p14:sldIdLst>
+            <p14:sldId id="274"/>
           </p14:sldIdLst>
         </p14:section>
       </p14:sectionLst>
     </p:ext>
     <p:ext uri="{EFAFB233-063F-42B5-8137-9DF3F51BA10A}">
       <p15:sldGuideLst xmlns:p15="http://schemas.microsoft.com/office/powerpoint/2012/main">
-        <p15:guide id="1" orient="horz" pos="2160" userDrawn="1">
+        <p15:guide id="1" orient="horz" pos="2840" userDrawn="1">
           <p15:clr>
             <a:srgbClr val="A4A3A4"/>
           </p15:clr>
@@ -4279,6 +4307,1202 @@
 </p:sld>
 </file>
 
+<file path=ppt/slides/slide10.xml><?xml version="1.0" encoding="utf-8"?>
+<p:sld xmlns:a="http://schemas.openxmlformats.org/drawingml/2006/main" xmlns:r="http://schemas.openxmlformats.org/officeDocument/2006/relationships" xmlns:p="http://schemas.openxmlformats.org/presentationml/2006/main">
+  <p:cSld>
+    <p:spTree>
+      <p:nvGrpSpPr>
+        <p:cNvPr id="1" name=""/>
+        <p:cNvGrpSpPr/>
+        <p:nvPr/>
+      </p:nvGrpSpPr>
+      <p:grpSpPr>
+        <a:xfrm>
+          <a:off x="0" y="0"/>
+          <a:ext cx="0" cy="0"/>
+          <a:chOff x="0" y="0"/>
+          <a:chExt cx="0" cy="0"/>
+        </a:xfrm>
+      </p:grpSpPr>
+      <p:sp>
+        <p:nvSpPr>
+          <p:cNvPr id="2" name="Заголовок 3">
+            <a:extLst>
+              <a:ext uri="{FF2B5EF4-FFF2-40B4-BE49-F238E27FC236}">
+                <a16:creationId xmlns:a16="http://schemas.microsoft.com/office/drawing/2014/main" id="{1FC35223-FAC8-4555-881B-BEC613D4202F}"/>
+              </a:ext>
+            </a:extLst>
+          </p:cNvPr>
+          <p:cNvSpPr txBox="1">
+            <a:spLocks/>
+          </p:cNvSpPr>
+          <p:nvPr/>
+        </p:nvSpPr>
+        <p:spPr>
+          <a:xfrm>
+            <a:off x="3755740" y="116632"/>
+            <a:ext cx="4680520" cy="1311128"/>
+          </a:xfrm>
+          <a:prstGeom prst="rect">
+            <a:avLst/>
+          </a:prstGeom>
+        </p:spPr>
+        <p:txBody>
+          <a:bodyPr wrap="square">
+            <a:spAutoFit/>
+          </a:bodyPr>
+          <a:lstStyle>
+            <a:lvl1pPr algn="l" defTabSz="914400" rtl="0" eaLnBrk="1" latinLnBrk="0" hangingPunct="1">
+              <a:lnSpc>
+                <a:spcPct val="90000"/>
+              </a:lnSpc>
+              <a:spcBef>
+                <a:spcPct val="0"/>
+              </a:spcBef>
+              <a:buNone/>
+              <a:defRPr sz="4400" kern="1200">
+                <a:solidFill>
+                  <a:schemeClr val="tx1"/>
+                </a:solidFill>
+                <a:latin typeface="+mj-lt"/>
+                <a:ea typeface="+mj-ea"/>
+                <a:cs typeface="+mj-cs"/>
+              </a:defRPr>
+            </a:lvl1pPr>
+          </a:lstStyle>
+          <a:p>
+            <a:pPr algn="ctr"/>
+            <a:r>
+              <a:rPr lang="ru-RU" b="1" dirty="0"/>
+              <a:t>Построение подграфов потоков</a:t>
+            </a:r>
+          </a:p>
+        </p:txBody>
+      </p:sp>
+      <p:sp>
+        <p:nvSpPr>
+          <p:cNvPr id="3" name="TextBox 2">
+            <a:extLst>
+              <a:ext uri="{FF2B5EF4-FFF2-40B4-BE49-F238E27FC236}">
+                <a16:creationId xmlns:a16="http://schemas.microsoft.com/office/drawing/2014/main" id="{2542AAF5-D6A7-4D79-AA51-C9E4A7AE46A2}"/>
+              </a:ext>
+            </a:extLst>
+          </p:cNvPr>
+          <p:cNvSpPr txBox="1"/>
+          <p:nvPr/>
+        </p:nvSpPr>
+        <p:spPr>
+          <a:xfrm>
+            <a:off x="911424" y="1772816"/>
+            <a:ext cx="11280576" cy="1384995"/>
+          </a:xfrm>
+          <a:prstGeom prst="rect">
+            <a:avLst/>
+          </a:prstGeom>
+          <a:noFill/>
+        </p:spPr>
+        <p:txBody>
+          <a:bodyPr wrap="square" rtlCol="0">
+            <a:spAutoFit/>
+          </a:bodyPr>
+          <a:lstStyle/>
+          <a:p>
+            <a:r>
+              <a:rPr lang="ru-RU" sz="2800" dirty="0"/>
+              <a:t>Теперь построим граф потока, как подграф графа зоны, также списками потомков. Для этого воспользуемся поиском в глубину со стартовой вершины.</a:t>
+            </a:r>
+          </a:p>
+        </p:txBody>
+      </p:sp>
+    </p:spTree>
+    <p:extLst>
+      <p:ext uri="{BB962C8B-B14F-4D97-AF65-F5344CB8AC3E}">
+        <p14:creationId xmlns:p14="http://schemas.microsoft.com/office/powerpoint/2010/main" val="430272011"/>
+      </p:ext>
+    </p:extLst>
+  </p:cSld>
+  <p:clrMapOvr>
+    <a:masterClrMapping/>
+  </p:clrMapOvr>
+</p:sld>
+</file>
+
+<file path=ppt/slides/slide11.xml><?xml version="1.0" encoding="utf-8"?>
+<p:sld xmlns:a="http://schemas.openxmlformats.org/drawingml/2006/main" xmlns:r="http://schemas.openxmlformats.org/officeDocument/2006/relationships" xmlns:p="http://schemas.openxmlformats.org/presentationml/2006/main">
+  <p:cSld>
+    <p:spTree>
+      <p:nvGrpSpPr>
+        <p:cNvPr id="1" name=""/>
+        <p:cNvGrpSpPr/>
+        <p:nvPr/>
+      </p:nvGrpSpPr>
+      <p:grpSpPr>
+        <a:xfrm>
+          <a:off x="0" y="0"/>
+          <a:ext cx="0" cy="0"/>
+          <a:chOff x="0" y="0"/>
+          <a:chExt cx="0" cy="0"/>
+        </a:xfrm>
+      </p:grpSpPr>
+      <p:sp>
+        <p:nvSpPr>
+          <p:cNvPr id="2" name="Заголовок 3">
+            <a:extLst>
+              <a:ext uri="{FF2B5EF4-FFF2-40B4-BE49-F238E27FC236}">
+                <a16:creationId xmlns:a16="http://schemas.microsoft.com/office/drawing/2014/main" id="{E718FEE9-2C04-4DEA-9F1F-44DEE973EFB0}"/>
+              </a:ext>
+            </a:extLst>
+          </p:cNvPr>
+          <p:cNvSpPr txBox="1">
+            <a:spLocks/>
+          </p:cNvSpPr>
+          <p:nvPr/>
+        </p:nvSpPr>
+        <p:spPr>
+          <a:xfrm>
+            <a:off x="2909646" y="116632"/>
+            <a:ext cx="6372708" cy="1311128"/>
+          </a:xfrm>
+          <a:prstGeom prst="rect">
+            <a:avLst/>
+          </a:prstGeom>
+        </p:spPr>
+        <p:txBody>
+          <a:bodyPr wrap="square">
+            <a:spAutoFit/>
+          </a:bodyPr>
+          <a:lstStyle>
+            <a:lvl1pPr algn="l" defTabSz="914400" rtl="0" eaLnBrk="1" latinLnBrk="0" hangingPunct="1">
+              <a:lnSpc>
+                <a:spcPct val="90000"/>
+              </a:lnSpc>
+              <a:spcBef>
+                <a:spcPct val="0"/>
+              </a:spcBef>
+              <a:buNone/>
+              <a:defRPr sz="4400" kern="1200">
+                <a:solidFill>
+                  <a:schemeClr val="tx1"/>
+                </a:solidFill>
+                <a:latin typeface="+mj-lt"/>
+                <a:ea typeface="+mj-ea"/>
+                <a:cs typeface="+mj-cs"/>
+              </a:defRPr>
+            </a:lvl1pPr>
+          </a:lstStyle>
+          <a:p>
+            <a:pPr algn="ctr"/>
+            <a:r>
+              <a:rPr lang="ru-RU" b="1" dirty="0"/>
+              <a:t>Топологическая сортировка</a:t>
+            </a:r>
+          </a:p>
+        </p:txBody>
+      </p:sp>
+    </p:spTree>
+    <p:extLst>
+      <p:ext uri="{BB962C8B-B14F-4D97-AF65-F5344CB8AC3E}">
+        <p14:creationId xmlns:p14="http://schemas.microsoft.com/office/powerpoint/2010/main" val="2713448861"/>
+      </p:ext>
+    </p:extLst>
+  </p:cSld>
+  <p:clrMapOvr>
+    <a:masterClrMapping/>
+  </p:clrMapOvr>
+</p:sld>
+</file>
+
+<file path=ppt/slides/slide12.xml><?xml version="1.0" encoding="utf-8"?>
+<p:sld xmlns:a="http://schemas.openxmlformats.org/drawingml/2006/main" xmlns:r="http://schemas.openxmlformats.org/officeDocument/2006/relationships" xmlns:p="http://schemas.openxmlformats.org/presentationml/2006/main">
+  <p:cSld>
+    <p:spTree>
+      <p:nvGrpSpPr>
+        <p:cNvPr id="1" name=""/>
+        <p:cNvGrpSpPr/>
+        <p:nvPr/>
+      </p:nvGrpSpPr>
+      <p:grpSpPr>
+        <a:xfrm>
+          <a:off x="0" y="0"/>
+          <a:ext cx="0" cy="0"/>
+          <a:chOff x="0" y="0"/>
+          <a:chExt cx="0" cy="0"/>
+        </a:xfrm>
+      </p:grpSpPr>
+      <p:sp>
+        <p:nvSpPr>
+          <p:cNvPr id="2" name="Заголовок 3">
+            <a:extLst>
+              <a:ext uri="{FF2B5EF4-FFF2-40B4-BE49-F238E27FC236}">
+                <a16:creationId xmlns:a16="http://schemas.microsoft.com/office/drawing/2014/main" id="{0C89A5B6-CE3A-4977-9043-B75394EEED11}"/>
+              </a:ext>
+            </a:extLst>
+          </p:cNvPr>
+          <p:cNvSpPr txBox="1">
+            <a:spLocks/>
+          </p:cNvSpPr>
+          <p:nvPr/>
+        </p:nvSpPr>
+        <p:spPr>
+          <a:xfrm>
+            <a:off x="2909646" y="116632"/>
+            <a:ext cx="6372708" cy="1311128"/>
+          </a:xfrm>
+          <a:prstGeom prst="rect">
+            <a:avLst/>
+          </a:prstGeom>
+        </p:spPr>
+        <p:txBody>
+          <a:bodyPr wrap="square">
+            <a:spAutoFit/>
+          </a:bodyPr>
+          <a:lstStyle>
+            <a:lvl1pPr algn="l" defTabSz="914400" rtl="0" eaLnBrk="1" latinLnBrk="0" hangingPunct="1">
+              <a:lnSpc>
+                <a:spcPct val="90000"/>
+              </a:lnSpc>
+              <a:spcBef>
+                <a:spcPct val="0"/>
+              </a:spcBef>
+              <a:buNone/>
+              <a:defRPr sz="4400" kern="1200">
+                <a:solidFill>
+                  <a:schemeClr val="tx1"/>
+                </a:solidFill>
+                <a:latin typeface="+mj-lt"/>
+                <a:ea typeface="+mj-ea"/>
+                <a:cs typeface="+mj-cs"/>
+              </a:defRPr>
+            </a:lvl1pPr>
+          </a:lstStyle>
+          <a:p>
+            <a:pPr algn="ctr"/>
+            <a:r>
+              <a:rPr lang="ru-RU" b="1" dirty="0"/>
+              <a:t>Расчёт временных интервалов</a:t>
+            </a:r>
+          </a:p>
+        </p:txBody>
+      </p:sp>
+    </p:spTree>
+    <p:extLst>
+      <p:ext uri="{BB962C8B-B14F-4D97-AF65-F5344CB8AC3E}">
+        <p14:creationId xmlns:p14="http://schemas.microsoft.com/office/powerpoint/2010/main" val="2151477292"/>
+      </p:ext>
+    </p:extLst>
+  </p:cSld>
+  <p:clrMapOvr>
+    <a:masterClrMapping/>
+  </p:clrMapOvr>
+</p:sld>
+</file>
+
+<file path=ppt/slides/slide13.xml><?xml version="1.0" encoding="utf-8"?>
+<p:sld xmlns:a="http://schemas.openxmlformats.org/drawingml/2006/main" xmlns:r="http://schemas.openxmlformats.org/officeDocument/2006/relationships" xmlns:p="http://schemas.openxmlformats.org/presentationml/2006/main">
+  <p:cSld>
+    <p:spTree>
+      <p:nvGrpSpPr>
+        <p:cNvPr id="1" name=""/>
+        <p:cNvGrpSpPr/>
+        <p:nvPr/>
+      </p:nvGrpSpPr>
+      <p:grpSpPr>
+        <a:xfrm>
+          <a:off x="0" y="0"/>
+          <a:ext cx="0" cy="0"/>
+          <a:chOff x="0" y="0"/>
+          <a:chExt cx="0" cy="0"/>
+        </a:xfrm>
+      </p:grpSpPr>
+      <p:sp>
+        <p:nvSpPr>
+          <p:cNvPr id="2" name="Заголовок 3">
+            <a:extLst>
+              <a:ext uri="{FF2B5EF4-FFF2-40B4-BE49-F238E27FC236}">
+                <a16:creationId xmlns:a16="http://schemas.microsoft.com/office/drawing/2014/main" id="{446CA8A5-B9A9-4692-94D4-4BBB57C84FAB}"/>
+              </a:ext>
+            </a:extLst>
+          </p:cNvPr>
+          <p:cNvSpPr txBox="1">
+            <a:spLocks/>
+          </p:cNvSpPr>
+          <p:nvPr/>
+        </p:nvSpPr>
+        <p:spPr>
+          <a:xfrm>
+            <a:off x="2909646" y="116632"/>
+            <a:ext cx="6372708" cy="701731"/>
+          </a:xfrm>
+          <a:prstGeom prst="rect">
+            <a:avLst/>
+          </a:prstGeom>
+        </p:spPr>
+        <p:txBody>
+          <a:bodyPr wrap="square">
+            <a:spAutoFit/>
+          </a:bodyPr>
+          <a:lstStyle>
+            <a:lvl1pPr algn="l" defTabSz="914400" rtl="0" eaLnBrk="1" latinLnBrk="0" hangingPunct="1">
+              <a:lnSpc>
+                <a:spcPct val="90000"/>
+              </a:lnSpc>
+              <a:spcBef>
+                <a:spcPct val="0"/>
+              </a:spcBef>
+              <a:buNone/>
+              <a:defRPr sz="4400" kern="1200">
+                <a:solidFill>
+                  <a:schemeClr val="tx1"/>
+                </a:solidFill>
+                <a:latin typeface="+mj-lt"/>
+                <a:ea typeface="+mj-ea"/>
+                <a:cs typeface="+mj-cs"/>
+              </a:defRPr>
+            </a:lvl1pPr>
+          </a:lstStyle>
+          <a:p>
+            <a:pPr algn="ctr"/>
+            <a:r>
+              <a:rPr lang="ru-RU" b="1" dirty="0"/>
+              <a:t>Макетный пример</a:t>
+            </a:r>
+          </a:p>
+        </p:txBody>
+      </p:sp>
+      <p:pic>
+        <p:nvPicPr>
+          <p:cNvPr id="4" name="Рисунок 3" descr="Изображение выглядит как вода, мужчина, собака&#10;&#10;Автоматически созданное описание">
+            <a:extLst>
+              <a:ext uri="{FF2B5EF4-FFF2-40B4-BE49-F238E27FC236}">
+                <a16:creationId xmlns:a16="http://schemas.microsoft.com/office/drawing/2014/main" id="{513C8CAA-88D2-4813-B1A0-99DBB8D84C5A}"/>
+              </a:ext>
+            </a:extLst>
+          </p:cNvPr>
+          <p:cNvPicPr>
+            <a:picLocks noChangeAspect="1"/>
+          </p:cNvPicPr>
+          <p:nvPr/>
+        </p:nvPicPr>
+        <p:blipFill>
+          <a:blip r:embed="rId2">
+            <a:extLst>
+              <a:ext uri="{28A0092B-C50C-407E-A947-70E740481C1C}">
+                <a14:useLocalDpi xmlns:a14="http://schemas.microsoft.com/office/drawing/2010/main" val="0"/>
+              </a:ext>
+            </a:extLst>
+          </a:blip>
+          <a:stretch>
+            <a:fillRect/>
+          </a:stretch>
+        </p:blipFill>
+        <p:spPr>
+          <a:xfrm>
+            <a:off x="0" y="1479204"/>
+            <a:ext cx="12192000" cy="3899591"/>
+          </a:xfrm>
+          <a:prstGeom prst="rect">
+            <a:avLst/>
+          </a:prstGeom>
+        </p:spPr>
+      </p:pic>
+    </p:spTree>
+    <p:extLst>
+      <p:ext uri="{BB962C8B-B14F-4D97-AF65-F5344CB8AC3E}">
+        <p14:creationId xmlns:p14="http://schemas.microsoft.com/office/powerpoint/2010/main" val="1283031420"/>
+      </p:ext>
+    </p:extLst>
+  </p:cSld>
+  <p:clrMapOvr>
+    <a:masterClrMapping/>
+  </p:clrMapOvr>
+</p:sld>
+</file>
+
+<file path=ppt/slides/slide14.xml><?xml version="1.0" encoding="utf-8"?>
+<p:sld xmlns:a="http://schemas.openxmlformats.org/drawingml/2006/main" xmlns:r="http://schemas.openxmlformats.org/officeDocument/2006/relationships" xmlns:p="http://schemas.openxmlformats.org/presentationml/2006/main">
+  <p:cSld>
+    <p:spTree>
+      <p:nvGrpSpPr>
+        <p:cNvPr id="1" name=""/>
+        <p:cNvGrpSpPr/>
+        <p:nvPr/>
+      </p:nvGrpSpPr>
+      <p:grpSpPr>
+        <a:xfrm>
+          <a:off x="0" y="0"/>
+          <a:ext cx="0" cy="0"/>
+          <a:chOff x="0" y="0"/>
+          <a:chExt cx="0" cy="0"/>
+        </a:xfrm>
+      </p:grpSpPr>
+      <p:sp>
+        <p:nvSpPr>
+          <p:cNvPr id="2" name="Заголовок 3">
+            <a:extLst>
+              <a:ext uri="{FF2B5EF4-FFF2-40B4-BE49-F238E27FC236}">
+                <a16:creationId xmlns:a16="http://schemas.microsoft.com/office/drawing/2014/main" id="{C0407515-3124-45F4-A075-40601AB2F9D6}"/>
+              </a:ext>
+            </a:extLst>
+          </p:cNvPr>
+          <p:cNvSpPr txBox="1">
+            <a:spLocks/>
+          </p:cNvSpPr>
+          <p:nvPr/>
+        </p:nvSpPr>
+        <p:spPr>
+          <a:xfrm>
+            <a:off x="2909646" y="116632"/>
+            <a:ext cx="6372708" cy="701731"/>
+          </a:xfrm>
+          <a:prstGeom prst="rect">
+            <a:avLst/>
+          </a:prstGeom>
+        </p:spPr>
+        <p:txBody>
+          <a:bodyPr wrap="square">
+            <a:spAutoFit/>
+          </a:bodyPr>
+          <a:lstStyle>
+            <a:lvl1pPr algn="l" defTabSz="914400" rtl="0" eaLnBrk="1" latinLnBrk="0" hangingPunct="1">
+              <a:lnSpc>
+                <a:spcPct val="90000"/>
+              </a:lnSpc>
+              <a:spcBef>
+                <a:spcPct val="0"/>
+              </a:spcBef>
+              <a:buNone/>
+              <a:defRPr sz="4400" kern="1200">
+                <a:solidFill>
+                  <a:schemeClr val="tx1"/>
+                </a:solidFill>
+                <a:latin typeface="+mj-lt"/>
+                <a:ea typeface="+mj-ea"/>
+                <a:cs typeface="+mj-cs"/>
+              </a:defRPr>
+            </a:lvl1pPr>
+          </a:lstStyle>
+          <a:p>
+            <a:pPr algn="ctr"/>
+            <a:r>
+              <a:rPr lang="ru-RU" b="1" dirty="0"/>
+              <a:t>Макетный пример</a:t>
+            </a:r>
+          </a:p>
+        </p:txBody>
+      </p:sp>
+      <p:sp>
+        <p:nvSpPr>
+          <p:cNvPr id="3" name="Прямоугольник 2">
+            <a:extLst>
+              <a:ext uri="{FF2B5EF4-FFF2-40B4-BE49-F238E27FC236}">
+                <a16:creationId xmlns:a16="http://schemas.microsoft.com/office/drawing/2014/main" id="{78FC5744-28FA-45E8-B91F-E7C800780244}"/>
+              </a:ext>
+            </a:extLst>
+          </p:cNvPr>
+          <p:cNvSpPr/>
+          <p:nvPr/>
+        </p:nvSpPr>
+        <p:spPr>
+          <a:xfrm>
+            <a:off x="573885" y="1340768"/>
+            <a:ext cx="3312368" cy="5136471"/>
+          </a:xfrm>
+          <a:prstGeom prst="rect">
+            <a:avLst/>
+          </a:prstGeom>
+        </p:spPr>
+        <p:txBody>
+          <a:bodyPr wrap="square">
+            <a:spAutoFit/>
+          </a:bodyPr>
+          <a:lstStyle/>
+          <a:p>
+            <a:pPr>
+              <a:lnSpc>
+                <a:spcPct val="125000"/>
+              </a:lnSpc>
+            </a:pPr>
+            <a:r>
+              <a:rPr lang="ru-RU" sz="2400" dirty="0"/>
+              <a:t>Файл с данными точек:</a:t>
+            </a:r>
+          </a:p>
+          <a:p>
+            <a:pPr>
+              <a:lnSpc>
+                <a:spcPct val="125000"/>
+              </a:lnSpc>
+            </a:pPr>
+            <a:r>
+              <a:rPr lang="ru-RU" sz="2400" dirty="0"/>
+              <a:t>9</a:t>
+            </a:r>
+          </a:p>
+          <a:p>
+            <a:pPr>
+              <a:lnSpc>
+                <a:spcPct val="125000"/>
+              </a:lnSpc>
+            </a:pPr>
+            <a:r>
+              <a:rPr lang="ru-RU" sz="2400" dirty="0"/>
+              <a:t>a -100 0 0 5 10</a:t>
+            </a:r>
+          </a:p>
+          <a:p>
+            <a:pPr>
+              <a:lnSpc>
+                <a:spcPct val="125000"/>
+              </a:lnSpc>
+            </a:pPr>
+            <a:r>
+              <a:rPr lang="ru-RU" sz="2400" dirty="0"/>
+              <a:t>b -50 0 0 5 10</a:t>
+            </a:r>
+          </a:p>
+          <a:p>
+            <a:pPr>
+              <a:lnSpc>
+                <a:spcPct val="125000"/>
+              </a:lnSpc>
+            </a:pPr>
+            <a:r>
+              <a:rPr lang="ru-RU" sz="2400" dirty="0"/>
+              <a:t>c 0 0 0 5 10</a:t>
+            </a:r>
+          </a:p>
+          <a:p>
+            <a:pPr>
+              <a:lnSpc>
+                <a:spcPct val="125000"/>
+              </a:lnSpc>
+            </a:pPr>
+            <a:r>
+              <a:rPr lang="ru-RU" sz="2400" dirty="0"/>
+              <a:t>d 50 0 0 5 10</a:t>
+            </a:r>
+          </a:p>
+          <a:p>
+            <a:pPr>
+              <a:lnSpc>
+                <a:spcPct val="125000"/>
+              </a:lnSpc>
+            </a:pPr>
+            <a:r>
+              <a:rPr lang="ru-RU" sz="2400" dirty="0"/>
+              <a:t>e 200 0 0 4 6</a:t>
+            </a:r>
+          </a:p>
+          <a:p>
+            <a:pPr>
+              <a:lnSpc>
+                <a:spcPct val="125000"/>
+              </a:lnSpc>
+            </a:pPr>
+            <a:r>
+              <a:rPr lang="ru-RU" sz="2400" dirty="0"/>
+              <a:t>f 50 100 0 4 8</a:t>
+            </a:r>
+          </a:p>
+          <a:p>
+            <a:pPr>
+              <a:lnSpc>
+                <a:spcPct val="125000"/>
+              </a:lnSpc>
+            </a:pPr>
+            <a:r>
+              <a:rPr lang="ru-RU" sz="2400" dirty="0"/>
+              <a:t>g -50 50 0 5 10</a:t>
+            </a:r>
+          </a:p>
+          <a:p>
+            <a:pPr>
+              <a:lnSpc>
+                <a:spcPct val="125000"/>
+              </a:lnSpc>
+            </a:pPr>
+            <a:r>
+              <a:rPr lang="ru-RU" sz="2400" dirty="0"/>
+              <a:t>h -200 50 0 5 10</a:t>
+            </a:r>
+          </a:p>
+          <a:p>
+            <a:pPr>
+              <a:lnSpc>
+                <a:spcPct val="125000"/>
+              </a:lnSpc>
+            </a:pPr>
+            <a:r>
+              <a:rPr lang="ru-RU" sz="2400" dirty="0"/>
+              <a:t>r 400 0 0 2 5 LAND</a:t>
+            </a:r>
+          </a:p>
+        </p:txBody>
+      </p:sp>
+      <p:sp>
+        <p:nvSpPr>
+          <p:cNvPr id="4" name="Прямоугольник 3">
+            <a:extLst>
+              <a:ext uri="{FF2B5EF4-FFF2-40B4-BE49-F238E27FC236}">
+                <a16:creationId xmlns:a16="http://schemas.microsoft.com/office/drawing/2014/main" id="{1BCDB8CD-E7DA-4196-BB21-86F1DBB13225}"/>
+              </a:ext>
+            </a:extLst>
+          </p:cNvPr>
+          <p:cNvSpPr/>
+          <p:nvPr/>
+        </p:nvSpPr>
+        <p:spPr>
+          <a:xfrm>
+            <a:off x="4390308" y="1340768"/>
+            <a:ext cx="4297981" cy="3289811"/>
+          </a:xfrm>
+          <a:prstGeom prst="rect">
+            <a:avLst/>
+          </a:prstGeom>
+        </p:spPr>
+        <p:txBody>
+          <a:bodyPr wrap="square">
+            <a:spAutoFit/>
+          </a:bodyPr>
+          <a:lstStyle/>
+          <a:p>
+            <a:pPr>
+              <a:lnSpc>
+                <a:spcPct val="125000"/>
+              </a:lnSpc>
+            </a:pPr>
+            <a:r>
+              <a:rPr lang="ru-RU" sz="2400" dirty="0"/>
+              <a:t>Файл с данными схем:</a:t>
+            </a:r>
+          </a:p>
+          <a:p>
+            <a:pPr>
+              <a:lnSpc>
+                <a:spcPct val="125000"/>
+              </a:lnSpc>
+            </a:pPr>
+            <a:r>
+              <a:rPr lang="ru-RU" sz="2400" dirty="0"/>
+              <a:t>3</a:t>
+            </a:r>
+          </a:p>
+          <a:p>
+            <a:pPr>
+              <a:lnSpc>
+                <a:spcPct val="125000"/>
+              </a:lnSpc>
+            </a:pPr>
+            <a:r>
+              <a:rPr lang="ru-RU" sz="2400" dirty="0"/>
+              <a:t>1</a:t>
+            </a:r>
+          </a:p>
+          <a:p>
+            <a:pPr>
+              <a:lnSpc>
+                <a:spcPct val="125000"/>
+              </a:lnSpc>
+            </a:pPr>
+            <a:r>
+              <a:rPr lang="ru-RU" sz="2400" dirty="0"/>
+              <a:t>Name1 (e)(r):</a:t>
+            </a:r>
+          </a:p>
+          <a:p>
+            <a:pPr>
+              <a:lnSpc>
+                <a:spcPct val="125000"/>
+              </a:lnSpc>
+            </a:pPr>
+            <a:r>
+              <a:rPr lang="ru-RU" sz="2400" dirty="0"/>
+              <a:t>Name2 (a)(e): a </a:t>
+            </a:r>
+            <a:r>
+              <a:rPr lang="ru-RU" sz="2400" dirty="0" err="1"/>
+              <a:t>Str</a:t>
+            </a:r>
+            <a:r>
+              <a:rPr lang="ru-RU" sz="2400" dirty="0"/>
+              <a:t>(f) b c d /</a:t>
+            </a:r>
+            <a:r>
+              <a:rPr lang="ru-RU" sz="2400" dirty="0" err="1"/>
+              <a:t>Str</a:t>
+            </a:r>
+            <a:r>
+              <a:rPr lang="ru-RU" sz="2400" dirty="0"/>
+              <a:t> f e</a:t>
+            </a:r>
+          </a:p>
+          <a:p>
+            <a:pPr>
+              <a:lnSpc>
+                <a:spcPct val="125000"/>
+              </a:lnSpc>
+            </a:pPr>
+            <a:r>
+              <a:rPr lang="ru-RU" sz="2400" dirty="0"/>
+              <a:t>NameSt1 (0): b g h</a:t>
+            </a:r>
+          </a:p>
+        </p:txBody>
+      </p:sp>
+      <p:sp>
+        <p:nvSpPr>
+          <p:cNvPr id="5" name="Прямоугольник 4">
+            <a:extLst>
+              <a:ext uri="{FF2B5EF4-FFF2-40B4-BE49-F238E27FC236}">
+                <a16:creationId xmlns:a16="http://schemas.microsoft.com/office/drawing/2014/main" id="{71B92E7F-3771-4856-9039-4D25B6740BC4}"/>
+              </a:ext>
+            </a:extLst>
+          </p:cNvPr>
+          <p:cNvSpPr/>
+          <p:nvPr/>
+        </p:nvSpPr>
+        <p:spPr>
+          <a:xfrm>
+            <a:off x="9192344" y="1340768"/>
+            <a:ext cx="2614789" cy="2366482"/>
+          </a:xfrm>
+          <a:prstGeom prst="rect">
+            <a:avLst/>
+          </a:prstGeom>
+        </p:spPr>
+        <p:txBody>
+          <a:bodyPr wrap="square">
+            <a:spAutoFit/>
+          </a:bodyPr>
+          <a:lstStyle/>
+          <a:p>
+            <a:pPr>
+              <a:lnSpc>
+                <a:spcPct val="125000"/>
+              </a:lnSpc>
+            </a:pPr>
+            <a:r>
+              <a:rPr lang="ru-RU" sz="2400" dirty="0"/>
+              <a:t>Файл с данными потоков:</a:t>
+            </a:r>
+          </a:p>
+          <a:p>
+            <a:pPr>
+              <a:lnSpc>
+                <a:spcPct val="125000"/>
+              </a:lnSpc>
+            </a:pPr>
+            <a:r>
+              <a:rPr lang="ru-RU" sz="2400" dirty="0"/>
+              <a:t>3</a:t>
+            </a:r>
+          </a:p>
+          <a:p>
+            <a:pPr>
+              <a:lnSpc>
+                <a:spcPct val="125000"/>
+              </a:lnSpc>
+            </a:pPr>
+            <a:r>
+              <a:rPr lang="ru-RU" sz="2400" dirty="0"/>
+              <a:t>Flow1 e</a:t>
+            </a:r>
+          </a:p>
+          <a:p>
+            <a:pPr>
+              <a:lnSpc>
+                <a:spcPct val="125000"/>
+              </a:lnSpc>
+            </a:pPr>
+            <a:r>
+              <a:rPr lang="ru-RU" sz="2400" dirty="0"/>
+              <a:t>Flow2 a</a:t>
+            </a:r>
+          </a:p>
+        </p:txBody>
+      </p:sp>
+    </p:spTree>
+    <p:extLst>
+      <p:ext uri="{BB962C8B-B14F-4D97-AF65-F5344CB8AC3E}">
+        <p14:creationId xmlns:p14="http://schemas.microsoft.com/office/powerpoint/2010/main" val="3125061401"/>
+      </p:ext>
+    </p:extLst>
+  </p:cSld>
+  <p:clrMapOvr>
+    <a:masterClrMapping/>
+  </p:clrMapOvr>
+</p:sld>
+</file>
+
+<file path=ppt/slides/slide15.xml><?xml version="1.0" encoding="utf-8"?>
+<p:sld xmlns:a="http://schemas.openxmlformats.org/drawingml/2006/main" xmlns:r="http://schemas.openxmlformats.org/officeDocument/2006/relationships" xmlns:p="http://schemas.openxmlformats.org/presentationml/2006/main">
+  <p:cSld>
+    <p:spTree>
+      <p:nvGrpSpPr>
+        <p:cNvPr id="1" name=""/>
+        <p:cNvGrpSpPr/>
+        <p:nvPr/>
+      </p:nvGrpSpPr>
+      <p:grpSpPr>
+        <a:xfrm>
+          <a:off x="0" y="0"/>
+          <a:ext cx="0" cy="0"/>
+          <a:chOff x="0" y="0"/>
+          <a:chExt cx="0" cy="0"/>
+        </a:xfrm>
+      </p:grpSpPr>
+      <p:sp>
+        <p:nvSpPr>
+          <p:cNvPr id="2" name="Заголовок 3">
+            <a:extLst>
+              <a:ext uri="{FF2B5EF4-FFF2-40B4-BE49-F238E27FC236}">
+                <a16:creationId xmlns:a16="http://schemas.microsoft.com/office/drawing/2014/main" id="{C0407515-3124-45F4-A075-40601AB2F9D6}"/>
+              </a:ext>
+            </a:extLst>
+          </p:cNvPr>
+          <p:cNvSpPr txBox="1">
+            <a:spLocks/>
+          </p:cNvSpPr>
+          <p:nvPr/>
+        </p:nvSpPr>
+        <p:spPr>
+          <a:xfrm>
+            <a:off x="2909646" y="116632"/>
+            <a:ext cx="6372708" cy="701731"/>
+          </a:xfrm>
+          <a:prstGeom prst="rect">
+            <a:avLst/>
+          </a:prstGeom>
+        </p:spPr>
+        <p:txBody>
+          <a:bodyPr wrap="square">
+            <a:spAutoFit/>
+          </a:bodyPr>
+          <a:lstStyle>
+            <a:lvl1pPr algn="l" defTabSz="914400" rtl="0" eaLnBrk="1" latinLnBrk="0" hangingPunct="1">
+              <a:lnSpc>
+                <a:spcPct val="90000"/>
+              </a:lnSpc>
+              <a:spcBef>
+                <a:spcPct val="0"/>
+              </a:spcBef>
+              <a:buNone/>
+              <a:defRPr sz="4400" kern="1200">
+                <a:solidFill>
+                  <a:schemeClr val="tx1"/>
+                </a:solidFill>
+                <a:latin typeface="+mj-lt"/>
+                <a:ea typeface="+mj-ea"/>
+                <a:cs typeface="+mj-cs"/>
+              </a:defRPr>
+            </a:lvl1pPr>
+          </a:lstStyle>
+          <a:p>
+            <a:pPr algn="ctr"/>
+            <a:r>
+              <a:rPr lang="ru-RU" b="1"/>
+              <a:t>Макетный пример</a:t>
+            </a:r>
+            <a:endParaRPr lang="ru-RU" b="1" dirty="0"/>
+          </a:p>
+        </p:txBody>
+      </p:sp>
+      <p:pic>
+        <p:nvPicPr>
+          <p:cNvPr id="7" name="Рисунок 6" descr="Изображение выглядит как снимок экрана&#10;&#10;Автоматически созданное описание">
+            <a:extLst>
+              <a:ext uri="{FF2B5EF4-FFF2-40B4-BE49-F238E27FC236}">
+                <a16:creationId xmlns:a16="http://schemas.microsoft.com/office/drawing/2014/main" id="{62A93D3F-ECAF-4C02-9E17-F21D04413562}"/>
+              </a:ext>
+            </a:extLst>
+          </p:cNvPr>
+          <p:cNvPicPr>
+            <a:picLocks noChangeAspect="1"/>
+          </p:cNvPicPr>
+          <p:nvPr/>
+        </p:nvPicPr>
+        <p:blipFill>
+          <a:blip r:embed="rId2">
+            <a:extLst>
+              <a:ext uri="{28A0092B-C50C-407E-A947-70E740481C1C}">
+                <a14:useLocalDpi xmlns:a14="http://schemas.microsoft.com/office/drawing/2010/main" val="0"/>
+              </a:ext>
+            </a:extLst>
+          </a:blip>
+          <a:stretch>
+            <a:fillRect/>
+          </a:stretch>
+        </p:blipFill>
+        <p:spPr>
+          <a:xfrm>
+            <a:off x="394492" y="818363"/>
+            <a:ext cx="11403016" cy="5953956"/>
+          </a:xfrm>
+          <a:prstGeom prst="rect">
+            <a:avLst/>
+          </a:prstGeom>
+        </p:spPr>
+      </p:pic>
+    </p:spTree>
+    <p:extLst>
+      <p:ext uri="{BB962C8B-B14F-4D97-AF65-F5344CB8AC3E}">
+        <p14:creationId xmlns:p14="http://schemas.microsoft.com/office/powerpoint/2010/main" val="2146539531"/>
+      </p:ext>
+    </p:extLst>
+  </p:cSld>
+  <p:clrMapOvr>
+    <a:masterClrMapping/>
+  </p:clrMapOvr>
+</p:sld>
+</file>
+
+<file path=ppt/slides/slide16.xml><?xml version="1.0" encoding="utf-8"?>
+<p:sld xmlns:a="http://schemas.openxmlformats.org/drawingml/2006/main" xmlns:r="http://schemas.openxmlformats.org/officeDocument/2006/relationships" xmlns:p="http://schemas.openxmlformats.org/presentationml/2006/main">
+  <p:cSld>
+    <p:spTree>
+      <p:nvGrpSpPr>
+        <p:cNvPr id="1" name=""/>
+        <p:cNvGrpSpPr/>
+        <p:nvPr/>
+      </p:nvGrpSpPr>
+      <p:grpSpPr>
+        <a:xfrm>
+          <a:off x="0" y="0"/>
+          <a:ext cx="0" cy="0"/>
+          <a:chOff x="0" y="0"/>
+          <a:chExt cx="0" cy="0"/>
+        </a:xfrm>
+      </p:grpSpPr>
+      <p:pic>
+        <p:nvPicPr>
+          <p:cNvPr id="5" name="Рисунок 4">
+            <a:extLst>
+              <a:ext uri="{FF2B5EF4-FFF2-40B4-BE49-F238E27FC236}">
+                <a16:creationId xmlns:a16="http://schemas.microsoft.com/office/drawing/2014/main" id="{25CC2378-6623-4A9A-A298-9AD71B0D6036}"/>
+              </a:ext>
+            </a:extLst>
+          </p:cNvPr>
+          <p:cNvPicPr>
+            <a:picLocks noChangeAspect="1"/>
+          </p:cNvPicPr>
+          <p:nvPr/>
+        </p:nvPicPr>
+        <p:blipFill>
+          <a:blip r:embed="rId2"/>
+          <a:stretch>
+            <a:fillRect/>
+          </a:stretch>
+        </p:blipFill>
+        <p:spPr>
+          <a:xfrm>
+            <a:off x="570000" y="0"/>
+            <a:ext cx="11052000" cy="6858000"/>
+          </a:xfrm>
+          <a:prstGeom prst="rect">
+            <a:avLst/>
+          </a:prstGeom>
+        </p:spPr>
+      </p:pic>
+    </p:spTree>
+    <p:extLst>
+      <p:ext uri="{BB962C8B-B14F-4D97-AF65-F5344CB8AC3E}">
+        <p14:creationId xmlns:p14="http://schemas.microsoft.com/office/powerpoint/2010/main" val="510561066"/>
+      </p:ext>
+    </p:extLst>
+  </p:cSld>
+  <p:clrMapOvr>
+    <a:masterClrMapping/>
+  </p:clrMapOvr>
+</p:sld>
+</file>
+
+<file path=ppt/slides/slide17.xml><?xml version="1.0" encoding="utf-8"?>
+<p:sld xmlns:a="http://schemas.openxmlformats.org/drawingml/2006/main" xmlns:r="http://schemas.openxmlformats.org/officeDocument/2006/relationships" xmlns:p="http://schemas.openxmlformats.org/presentationml/2006/main">
+  <p:cSld>
+    <p:spTree>
+      <p:nvGrpSpPr>
+        <p:cNvPr id="1" name=""/>
+        <p:cNvGrpSpPr/>
+        <p:nvPr/>
+      </p:nvGrpSpPr>
+      <p:grpSpPr>
+        <a:xfrm>
+          <a:off x="0" y="0"/>
+          <a:ext cx="0" cy="0"/>
+          <a:chOff x="0" y="0"/>
+          <a:chExt cx="0" cy="0"/>
+        </a:xfrm>
+      </p:grpSpPr>
+      <p:pic>
+        <p:nvPicPr>
+          <p:cNvPr id="3" name="Рисунок 2">
+            <a:extLst>
+              <a:ext uri="{FF2B5EF4-FFF2-40B4-BE49-F238E27FC236}">
+                <a16:creationId xmlns:a16="http://schemas.microsoft.com/office/drawing/2014/main" id="{837B2B54-C84E-4290-85BE-00CE4522987A}"/>
+              </a:ext>
+            </a:extLst>
+          </p:cNvPr>
+          <p:cNvPicPr>
+            <a:picLocks noChangeAspect="1"/>
+          </p:cNvPicPr>
+          <p:nvPr/>
+        </p:nvPicPr>
+        <p:blipFill>
+          <a:blip r:embed="rId2">
+            <a:extLst>
+              <a:ext uri="{28A0092B-C50C-407E-A947-70E740481C1C}">
+                <a14:useLocalDpi xmlns:a14="http://schemas.microsoft.com/office/drawing/2010/main" val="0"/>
+              </a:ext>
+            </a:extLst>
+          </a:blip>
+          <a:stretch>
+            <a:fillRect/>
+          </a:stretch>
+        </p:blipFill>
+        <p:spPr>
+          <a:xfrm>
+            <a:off x="0" y="0"/>
+            <a:ext cx="12192000" cy="6858000"/>
+          </a:xfrm>
+          <a:prstGeom prst="rect">
+            <a:avLst/>
+          </a:prstGeom>
+        </p:spPr>
+      </p:pic>
+      <p:pic>
+        <p:nvPicPr>
+          <p:cNvPr id="5" name="Рисунок 4">
+            <a:extLst>
+              <a:ext uri="{FF2B5EF4-FFF2-40B4-BE49-F238E27FC236}">
+                <a16:creationId xmlns:a16="http://schemas.microsoft.com/office/drawing/2014/main" id="{FE22BC67-04E5-40DB-A210-D6E512C4361C}"/>
+              </a:ext>
+            </a:extLst>
+          </p:cNvPr>
+          <p:cNvPicPr>
+            <a:picLocks noChangeAspect="1"/>
+          </p:cNvPicPr>
+          <p:nvPr/>
+        </p:nvPicPr>
+        <p:blipFill>
+          <a:blip r:embed="rId3">
+            <a:extLst>
+              <a:ext uri="{28A0092B-C50C-407E-A947-70E740481C1C}">
+                <a14:useLocalDpi xmlns:a14="http://schemas.microsoft.com/office/drawing/2010/main" val="0"/>
+              </a:ext>
+            </a:extLst>
+          </a:blip>
+          <a:stretch>
+            <a:fillRect/>
+          </a:stretch>
+        </p:blipFill>
+        <p:spPr>
+          <a:xfrm>
+            <a:off x="6090175" y="116632"/>
+            <a:ext cx="5620534" cy="5191850"/>
+          </a:xfrm>
+          <a:prstGeom prst="rect">
+            <a:avLst/>
+          </a:prstGeom>
+        </p:spPr>
+      </p:pic>
+    </p:spTree>
+    <p:extLst>
+      <p:ext uri="{BB962C8B-B14F-4D97-AF65-F5344CB8AC3E}">
+        <p14:creationId xmlns:p14="http://schemas.microsoft.com/office/powerpoint/2010/main" val="4226940592"/>
+      </p:ext>
+    </p:extLst>
+  </p:cSld>
+  <p:clrMapOvr>
+    <a:masterClrMapping/>
+  </p:clrMapOvr>
+</p:sld>
+</file>
+
+<file path=ppt/slides/slide18.xml><?xml version="1.0" encoding="utf-8"?>
+<p:sld xmlns:a="http://schemas.openxmlformats.org/drawingml/2006/main" xmlns:r="http://schemas.openxmlformats.org/officeDocument/2006/relationships" xmlns:p="http://schemas.openxmlformats.org/presentationml/2006/main">
+  <p:cSld>
+    <p:spTree>
+      <p:nvGrpSpPr>
+        <p:cNvPr id="1" name=""/>
+        <p:cNvGrpSpPr/>
+        <p:nvPr/>
+      </p:nvGrpSpPr>
+      <p:grpSpPr>
+        <a:xfrm>
+          <a:off x="0" y="0"/>
+          <a:ext cx="0" cy="0"/>
+          <a:chOff x="0" y="0"/>
+          <a:chExt cx="0" cy="0"/>
+        </a:xfrm>
+      </p:grpSpPr>
+      <p:sp>
+        <p:nvSpPr>
+          <p:cNvPr id="3" name="Заголовок 3">
+            <a:extLst>
+              <a:ext uri="{FF2B5EF4-FFF2-40B4-BE49-F238E27FC236}">
+                <a16:creationId xmlns:a16="http://schemas.microsoft.com/office/drawing/2014/main" id="{ACC838A8-BA2E-4A06-A179-463E924F2049}"/>
+              </a:ext>
+            </a:extLst>
+          </p:cNvPr>
+          <p:cNvSpPr txBox="1">
+            <a:spLocks/>
+          </p:cNvSpPr>
+          <p:nvPr/>
+        </p:nvSpPr>
+        <p:spPr>
+          <a:xfrm>
+            <a:off x="2639616" y="1268760"/>
+            <a:ext cx="6372708" cy="840230"/>
+          </a:xfrm>
+          <a:prstGeom prst="rect">
+            <a:avLst/>
+          </a:prstGeom>
+        </p:spPr>
+        <p:txBody>
+          <a:bodyPr wrap="square">
+            <a:spAutoFit/>
+          </a:bodyPr>
+          <a:lstStyle>
+            <a:lvl1pPr algn="l" defTabSz="914400" rtl="0" eaLnBrk="1" latinLnBrk="0" hangingPunct="1">
+              <a:lnSpc>
+                <a:spcPct val="90000"/>
+              </a:lnSpc>
+              <a:spcBef>
+                <a:spcPct val="0"/>
+              </a:spcBef>
+              <a:buNone/>
+              <a:defRPr sz="4400" kern="1200">
+                <a:solidFill>
+                  <a:schemeClr val="tx1"/>
+                </a:solidFill>
+                <a:latin typeface="+mj-lt"/>
+                <a:ea typeface="+mj-ea"/>
+                <a:cs typeface="+mj-cs"/>
+              </a:defRPr>
+            </a:lvl1pPr>
+          </a:lstStyle>
+          <a:p>
+            <a:pPr algn="ctr"/>
+            <a:r>
+              <a:rPr lang="ru-RU" sz="5400" b="1" dirty="0"/>
+              <a:t>Спасибо за внимание</a:t>
+            </a:r>
+          </a:p>
+        </p:txBody>
+      </p:sp>
+    </p:spTree>
+    <p:extLst>
+      <p:ext uri="{BB962C8B-B14F-4D97-AF65-F5344CB8AC3E}">
+        <p14:creationId xmlns:p14="http://schemas.microsoft.com/office/powerpoint/2010/main" val="251902452"/>
+      </p:ext>
+    </p:extLst>
+  </p:cSld>
+  <p:clrMapOvr>
+    <a:masterClrMapping/>
+  </p:clrMapOvr>
+</p:sld>
+</file>
+
 <file path=ppt/slides/slide2.xml><?xml version="1.0" encoding="utf-8"?>
 <p:sld xmlns:a="http://schemas.openxmlformats.org/drawingml/2006/main" xmlns:r="http://schemas.openxmlformats.org/officeDocument/2006/relationships" xmlns:p="http://schemas.openxmlformats.org/presentationml/2006/main">
   <p:cSld>
@@ -5499,8 +6723,8 @@
           </a:p>
         </p:txBody>
       </p:sp>
-      <mc:AlternateContent xmlns:mc="http://schemas.openxmlformats.org/markup-compatibility/2006">
-        <mc:Choice xmlns:psez="http://schemas.microsoft.com/office/powerpoint/2016/sectionzoom" Requires="psez">
+      <mc:AlternateContent xmlns:mc="http://schemas.openxmlformats.org/markup-compatibility/2006" xmlns:psez="http://schemas.microsoft.com/office/powerpoint/2016/sectionzoom">
+        <mc:Choice Requires="psez">
           <p:graphicFrame>
             <p:nvGraphicFramePr>
               <p:cNvPr id="7" name="Ссылка на раздел 6">
@@ -5582,7 +6806,7 @@
             </a:graphic>
           </p:graphicFrame>
         </mc:Choice>
-        <mc:Fallback>
+        <mc:Fallback xmlns="">
           <p:pic>
             <p:nvPicPr>
               <p:cNvPr id="7" name="Ссылка на раздел 6">
@@ -5599,7 +6823,7 @@
               <p:nvPr/>
             </p:nvPicPr>
             <p:blipFill>
-              <a:blip r:embed="rId2"/>
+              <a:blip r:embed="rId4"/>
               <a:stretch>
                 <a:fillRect/>
               </a:stretch>
@@ -5829,6 +7053,126 @@
     <p:extLst>
       <p:ext uri="{BB962C8B-B14F-4D97-AF65-F5344CB8AC3E}">
         <p14:creationId xmlns:p14="http://schemas.microsoft.com/office/powerpoint/2010/main" val="3414441838"/>
+      </p:ext>
+    </p:extLst>
+  </p:cSld>
+  <p:clrMapOvr>
+    <a:masterClrMapping/>
+  </p:clrMapOvr>
+</p:sld>
+</file>
+
+<file path=ppt/slides/slide9.xml><?xml version="1.0" encoding="utf-8"?>
+<p:sld xmlns:a="http://schemas.openxmlformats.org/drawingml/2006/main" xmlns:r="http://schemas.openxmlformats.org/officeDocument/2006/relationships" xmlns:p="http://schemas.openxmlformats.org/presentationml/2006/main">
+  <p:cSld>
+    <p:spTree>
+      <p:nvGrpSpPr>
+        <p:cNvPr id="1" name=""/>
+        <p:cNvGrpSpPr/>
+        <p:nvPr/>
+      </p:nvGrpSpPr>
+      <p:grpSpPr>
+        <a:xfrm>
+          <a:off x="0" y="0"/>
+          <a:ext cx="0" cy="0"/>
+          <a:chOff x="0" y="0"/>
+          <a:chExt cx="0" cy="0"/>
+        </a:xfrm>
+      </p:grpSpPr>
+      <p:sp>
+        <p:nvSpPr>
+          <p:cNvPr id="2" name="Заголовок 3">
+            <a:extLst>
+              <a:ext uri="{FF2B5EF4-FFF2-40B4-BE49-F238E27FC236}">
+                <a16:creationId xmlns:a16="http://schemas.microsoft.com/office/drawing/2014/main" id="{98CDA95B-5D23-47C6-8E90-0EE4CCFDF639}"/>
+              </a:ext>
+            </a:extLst>
+          </p:cNvPr>
+          <p:cNvSpPr txBox="1">
+            <a:spLocks/>
+          </p:cNvSpPr>
+          <p:nvPr/>
+        </p:nvSpPr>
+        <p:spPr>
+          <a:xfrm>
+            <a:off x="3755740" y="116632"/>
+            <a:ext cx="4680520" cy="1311128"/>
+          </a:xfrm>
+          <a:prstGeom prst="rect">
+            <a:avLst/>
+          </a:prstGeom>
+        </p:spPr>
+        <p:txBody>
+          <a:bodyPr wrap="square">
+            <a:spAutoFit/>
+          </a:bodyPr>
+          <a:lstStyle>
+            <a:lvl1pPr algn="l" defTabSz="914400" rtl="0" eaLnBrk="1" latinLnBrk="0" hangingPunct="1">
+              <a:lnSpc>
+                <a:spcPct val="90000"/>
+              </a:lnSpc>
+              <a:spcBef>
+                <a:spcPct val="0"/>
+              </a:spcBef>
+              <a:buNone/>
+              <a:defRPr sz="4400" kern="1200">
+                <a:solidFill>
+                  <a:schemeClr val="tx1"/>
+                </a:solidFill>
+                <a:latin typeface="+mj-lt"/>
+                <a:ea typeface="+mj-ea"/>
+                <a:cs typeface="+mj-cs"/>
+              </a:defRPr>
+            </a:lvl1pPr>
+          </a:lstStyle>
+          <a:p>
+            <a:pPr algn="ctr"/>
+            <a:r>
+              <a:rPr lang="ru-RU" b="1" dirty="0"/>
+              <a:t>Построение графа зоны</a:t>
+            </a:r>
+          </a:p>
+        </p:txBody>
+      </p:sp>
+      <p:sp>
+        <p:nvSpPr>
+          <p:cNvPr id="3" name="TextBox 2">
+            <a:extLst>
+              <a:ext uri="{FF2B5EF4-FFF2-40B4-BE49-F238E27FC236}">
+                <a16:creationId xmlns:a16="http://schemas.microsoft.com/office/drawing/2014/main" id="{0E005D2F-828B-470E-80C3-259E6EFB69AB}"/>
+              </a:ext>
+            </a:extLst>
+          </p:cNvPr>
+          <p:cNvSpPr txBox="1"/>
+          <p:nvPr/>
+        </p:nvSpPr>
+        <p:spPr>
+          <a:xfrm>
+            <a:off x="911424" y="1772816"/>
+            <a:ext cx="11280576" cy="1815882"/>
+          </a:xfrm>
+          <a:prstGeom prst="rect">
+            <a:avLst/>
+          </a:prstGeom>
+          <a:noFill/>
+        </p:spPr>
+        <p:txBody>
+          <a:bodyPr wrap="square" rtlCol="0">
+            <a:spAutoFit/>
+          </a:bodyPr>
+          <a:lstStyle/>
+          <a:p>
+            <a:r>
+              <a:rPr lang="ru-RU" sz="2800" dirty="0"/>
+              <a:t>Граф зоны будем строить списками следующих. То есть соединять ребрами данную вершину, со всеми вершинами, которые имеют связь с данной. Делать это будем следующим образом: идём по массиву схем и с помощью полей «путь» и «спрямление» строим граф зоны.</a:t>
+            </a:r>
+          </a:p>
+        </p:txBody>
+      </p:sp>
+    </p:spTree>
+    <p:extLst>
+      <p:ext uri="{BB962C8B-B14F-4D97-AF65-F5344CB8AC3E}">
+        <p14:creationId xmlns:p14="http://schemas.microsoft.com/office/powerpoint/2010/main" val="2888279926"/>
       </p:ext>
     </p:extLst>
   </p:cSld>

--- a/Диплом/Презентация ВКР.pptx
+++ b/Диплом/Презентация ВКР.pptx
@@ -5,10 +5,10 @@
     <p:sldMasterId id="2147483648" r:id="rId1"/>
   </p:sldMasterIdLst>
   <p:notesMasterIdLst>
-    <p:notesMasterId r:id="rId20"/>
+    <p:notesMasterId r:id="rId21"/>
   </p:notesMasterIdLst>
   <p:handoutMasterIdLst>
-    <p:handoutMasterId r:id="rId21"/>
+    <p:handoutMasterId r:id="rId22"/>
   </p:handoutMasterIdLst>
   <p:sldIdLst>
     <p:sldId id="256" r:id="rId2"/>
@@ -16,19 +16,20 @@
     <p:sldId id="259" r:id="rId4"/>
     <p:sldId id="260" r:id="rId5"/>
     <p:sldId id="261" r:id="rId6"/>
-    <p:sldId id="262" r:id="rId7"/>
-    <p:sldId id="263" r:id="rId8"/>
-    <p:sldId id="264" r:id="rId9"/>
-    <p:sldId id="265" r:id="rId10"/>
-    <p:sldId id="266" r:id="rId11"/>
-    <p:sldId id="267" r:id="rId12"/>
-    <p:sldId id="268" r:id="rId13"/>
+    <p:sldId id="275" r:id="rId7"/>
+    <p:sldId id="262" r:id="rId8"/>
+    <p:sldId id="263" r:id="rId9"/>
+    <p:sldId id="277" r:id="rId10"/>
+    <p:sldId id="276" r:id="rId11"/>
+    <p:sldId id="264" r:id="rId12"/>
+    <p:sldId id="278" r:id="rId13"/>
     <p:sldId id="269" r:id="rId14"/>
     <p:sldId id="270" r:id="rId15"/>
     <p:sldId id="271" r:id="rId16"/>
-    <p:sldId id="272" r:id="rId17"/>
-    <p:sldId id="273" r:id="rId18"/>
-    <p:sldId id="274" r:id="rId19"/>
+    <p:sldId id="279" r:id="rId17"/>
+    <p:sldId id="272" r:id="rId18"/>
+    <p:sldId id="273" r:id="rId19"/>
+    <p:sldId id="274" r:id="rId20"/>
   </p:sldIdLst>
   <p:sldSz cx="12192000" cy="6858000"/>
   <p:notesSz cx="6858000" cy="9144000"/>
@@ -149,17 +150,17 @@
         </p14:section>
         <p14:section name="Описание зоны аэропорта" id="{EDB4724E-3DDE-4A40-9ABC-2A698270A0D2}">
           <p14:sldIdLst>
+            <p14:sldId id="275"/>
             <p14:sldId id="262"/>
             <p14:sldId id="263"/>
+            <p14:sldId id="277"/>
+            <p14:sldId id="276"/>
           </p14:sldIdLst>
         </p14:section>
         <p14:section name="Работа процедуры" id="{41F4E912-60D9-4E27-B1B6-3ED0813C8316}">
           <p14:sldIdLst>
             <p14:sldId id="264"/>
-            <p14:sldId id="265"/>
-            <p14:sldId id="266"/>
-            <p14:sldId id="267"/>
-            <p14:sldId id="268"/>
+            <p14:sldId id="278"/>
           </p14:sldIdLst>
         </p14:section>
         <p14:section name="Макетный пример" id="{F67FA294-3AA7-4EE2-8C03-94946B0E0C53}">
@@ -167,6 +168,7 @@
             <p14:sldId id="269"/>
             <p14:sldId id="270"/>
             <p14:sldId id="271"/>
+            <p14:sldId id="279"/>
             <p14:sldId id="272"/>
             <p14:sldId id="273"/>
           </p14:sldIdLst>
@@ -185,7 +187,7 @@
             <a:srgbClr val="A4A3A4"/>
           </p15:clr>
         </p15:guide>
-        <p15:guide id="2" pos="3840" userDrawn="1">
+        <p15:guide id="2" pos="7680" userDrawn="1">
           <p15:clr>
             <a:srgbClr val="A4A3A4"/>
           </p15:clr>
@@ -304,7 +306,7 @@
           <a:p>
             <a:fld id="{A6D7135F-42E0-41B1-9B70-43B2A1FEB41A}" type="datetimeFigureOut">
               <a:rPr lang="ru-RU" smtClean="0"/>
-              <a:t>15.06.2020</a:t>
+              <a:t>16.06.2020</a:t>
             </a:fld>
             <a:endParaRPr lang="ru-RU" dirty="0"/>
           </a:p>
@@ -481,7 +483,7 @@
           <a:p>
             <a:fld id="{50DF36C8-D930-4C11-97EB-A8986A20B62D}" type="datetimeFigureOut">
               <a:rPr lang="ru-RU" smtClean="0"/>
-              <a:t>15.06.2020</a:t>
+              <a:t>16.06.2020</a:t>
             </a:fld>
             <a:endParaRPr lang="ru-RU"/>
           </a:p>
@@ -979,7 +981,7 @@
           <a:p>
             <a:fld id="{BB1B9503-628D-4213-8B0B-F5850544B277}" type="datetimeFigureOut">
               <a:rPr lang="ru-RU" smtClean="0"/>
-              <a:t>15.06.2020</a:t>
+              <a:t>16.06.2020</a:t>
             </a:fld>
             <a:endParaRPr lang="ru-RU"/>
           </a:p>
@@ -1177,7 +1179,7 @@
           <a:p>
             <a:fld id="{BB1B9503-628D-4213-8B0B-F5850544B277}" type="datetimeFigureOut">
               <a:rPr lang="ru-RU" smtClean="0"/>
-              <a:t>15.06.2020</a:t>
+              <a:t>16.06.2020</a:t>
             </a:fld>
             <a:endParaRPr lang="ru-RU"/>
           </a:p>
@@ -1385,7 +1387,7 @@
           <a:p>
             <a:fld id="{BB1B9503-628D-4213-8B0B-F5850544B277}" type="datetimeFigureOut">
               <a:rPr lang="ru-RU" smtClean="0"/>
-              <a:t>15.06.2020</a:t>
+              <a:t>16.06.2020</a:t>
             </a:fld>
             <a:endParaRPr lang="ru-RU"/>
           </a:p>
@@ -1583,7 +1585,7 @@
           <a:p>
             <a:fld id="{BB1B9503-628D-4213-8B0B-F5850544B277}" type="datetimeFigureOut">
               <a:rPr lang="ru-RU" smtClean="0"/>
-              <a:t>15.06.2020</a:t>
+              <a:t>16.06.2020</a:t>
             </a:fld>
             <a:endParaRPr lang="ru-RU"/>
           </a:p>
@@ -1858,7 +1860,7 @@
           <a:p>
             <a:fld id="{BB1B9503-628D-4213-8B0B-F5850544B277}" type="datetimeFigureOut">
               <a:rPr lang="ru-RU" smtClean="0"/>
-              <a:t>15.06.2020</a:t>
+              <a:t>16.06.2020</a:t>
             </a:fld>
             <a:endParaRPr lang="ru-RU"/>
           </a:p>
@@ -2123,7 +2125,7 @@
           <a:p>
             <a:fld id="{BB1B9503-628D-4213-8B0B-F5850544B277}" type="datetimeFigureOut">
               <a:rPr lang="ru-RU" smtClean="0"/>
-              <a:t>15.06.2020</a:t>
+              <a:t>16.06.2020</a:t>
             </a:fld>
             <a:endParaRPr lang="ru-RU"/>
           </a:p>
@@ -2535,7 +2537,7 @@
           <a:p>
             <a:fld id="{BB1B9503-628D-4213-8B0B-F5850544B277}" type="datetimeFigureOut">
               <a:rPr lang="ru-RU" smtClean="0"/>
-              <a:t>15.06.2020</a:t>
+              <a:t>16.06.2020</a:t>
             </a:fld>
             <a:endParaRPr lang="ru-RU"/>
           </a:p>
@@ -2676,7 +2678,7 @@
           <a:p>
             <a:fld id="{BB1B9503-628D-4213-8B0B-F5850544B277}" type="datetimeFigureOut">
               <a:rPr lang="ru-RU" smtClean="0"/>
-              <a:t>15.06.2020</a:t>
+              <a:t>16.06.2020</a:t>
             </a:fld>
             <a:endParaRPr lang="ru-RU"/>
           </a:p>
@@ -2789,7 +2791,7 @@
           <a:p>
             <a:fld id="{BB1B9503-628D-4213-8B0B-F5850544B277}" type="datetimeFigureOut">
               <a:rPr lang="ru-RU" smtClean="0"/>
-              <a:t>15.06.2020</a:t>
+              <a:t>16.06.2020</a:t>
             </a:fld>
             <a:endParaRPr lang="ru-RU"/>
           </a:p>
@@ -3100,7 +3102,7 @@
           <a:p>
             <a:fld id="{BB1B9503-628D-4213-8B0B-F5850544B277}" type="datetimeFigureOut">
               <a:rPr lang="ru-RU" smtClean="0"/>
-              <a:t>15.06.2020</a:t>
+              <a:t>16.06.2020</a:t>
             </a:fld>
             <a:endParaRPr lang="ru-RU"/>
           </a:p>
@@ -3388,7 +3390,7 @@
           <a:p>
             <a:fld id="{BB1B9503-628D-4213-8B0B-F5850544B277}" type="datetimeFigureOut">
               <a:rPr lang="ru-RU" smtClean="0"/>
-              <a:t>15.06.2020</a:t>
+              <a:t>16.06.2020</a:t>
             </a:fld>
             <a:endParaRPr lang="ru-RU"/>
           </a:p>
@@ -3637,7 +3639,7 @@
           <a:p>
             <a:fld id="{BB1B9503-628D-4213-8B0B-F5850544B277}" type="datetimeFigureOut">
               <a:rPr lang="ru-RU" smtClean="0"/>
-              <a:t>15.06.2020</a:t>
+              <a:t>16.06.2020</a:t>
             </a:fld>
             <a:endParaRPr lang="ru-RU"/>
           </a:p>
@@ -4068,8 +4070,8 @@
         </p:nvSpPr>
         <p:spPr>
           <a:xfrm>
-            <a:off x="1055440" y="5517232"/>
-            <a:ext cx="3302000" cy="830997"/>
+            <a:off x="226985" y="5145764"/>
+            <a:ext cx="5112931" cy="1200329"/>
           </a:xfrm>
           <a:prstGeom prst="rect">
             <a:avLst/>
@@ -4084,14 +4086,28 @@
           <a:p>
             <a:r>
               <a:rPr lang="ru-RU" sz="2400" dirty="0"/>
-              <a:t>01.03.01 «Математика»</a:t>
+              <a:t>Направление: 01.03.01 «Математика»</a:t>
             </a:r>
             <a:br>
               <a:rPr lang="ru-RU" sz="2400" dirty="0"/>
             </a:br>
             <a:r>
               <a:rPr lang="ru-RU" sz="2400" dirty="0"/>
-              <a:t>Михайлов А.В.</a:t>
+              <a:t>Студент: Михайлов А.В.</a:t>
+            </a:r>
+          </a:p>
+          <a:p>
+            <a:r>
+              <a:rPr lang="ru-RU" sz="2400" dirty="0"/>
+              <a:t>Научный руководитель:  </a:t>
+            </a:r>
+            <a:r>
+              <a:rPr lang="ru-RU" sz="2400" dirty="0" err="1"/>
+              <a:t>Кумков</a:t>
+            </a:r>
+            <a:r>
+              <a:rPr lang="ru-RU" sz="2400" dirty="0"/>
+              <a:t> С.С.</a:t>
             </a:r>
           </a:p>
         </p:txBody>
@@ -4329,7 +4345,7 @@
           <p:cNvPr id="2" name="Заголовок 3">
             <a:extLst>
               <a:ext uri="{FF2B5EF4-FFF2-40B4-BE49-F238E27FC236}">
-                <a16:creationId xmlns:a16="http://schemas.microsoft.com/office/drawing/2014/main" id="{1FC35223-FAC8-4555-881B-BEC613D4202F}"/>
+                <a16:creationId xmlns:a16="http://schemas.microsoft.com/office/drawing/2014/main" id="{E315E723-6F07-42B5-9EAD-FEA776A346D8}"/>
               </a:ext>
             </a:extLst>
           </p:cNvPr>
@@ -4341,7 +4357,7 @@
         <p:spPr>
           <a:xfrm>
             <a:off x="3755740" y="116632"/>
-            <a:ext cx="4680520" cy="1311128"/>
+            <a:ext cx="5004554" cy="1311128"/>
           </a:xfrm>
           <a:prstGeom prst="rect">
             <a:avLst/>
@@ -4374,7 +4390,7 @@
             <a:pPr algn="ctr"/>
             <a:r>
               <a:rPr lang="ru-RU" b="1" dirty="0"/>
-              <a:t>Построение подграфов потоков</a:t>
+              <a:t>Файл с данными о потоках</a:t>
             </a:r>
           </a:p>
         </p:txBody>
@@ -4384,7 +4400,7 @@
           <p:cNvPr id="3" name="TextBox 2">
             <a:extLst>
               <a:ext uri="{FF2B5EF4-FFF2-40B4-BE49-F238E27FC236}">
-                <a16:creationId xmlns:a16="http://schemas.microsoft.com/office/drawing/2014/main" id="{2542AAF5-D6A7-4D79-AA51-C9E4A7AE46A2}"/>
+                <a16:creationId xmlns:a16="http://schemas.microsoft.com/office/drawing/2014/main" id="{9A73005A-14A7-4E86-81A2-4B96FEA55641}"/>
               </a:ext>
             </a:extLst>
           </p:cNvPr>
@@ -4393,8 +4409,8 @@
         </p:nvSpPr>
         <p:spPr>
           <a:xfrm>
-            <a:off x="911424" y="1772816"/>
-            <a:ext cx="11280576" cy="1384995"/>
+            <a:off x="911424" y="1556792"/>
+            <a:ext cx="11280576" cy="1815882"/>
           </a:xfrm>
           <a:prstGeom prst="rect">
             <a:avLst/>
@@ -4409,15 +4425,102 @@
           <a:p>
             <a:r>
               <a:rPr lang="ru-RU" sz="2800" dirty="0"/>
-              <a:t>Теперь построим граф потока, как подграф графа зоны, также списками потомков. Для этого воспользуемся поиском в глубину со стартовой вершины.</a:t>
-            </a:r>
+              <a:t>В первой строке хранится количество потоков. Следующие строки хранят информацию о потоках в виде</a:t>
+            </a:r>
+            <a:r>
+              <a:rPr lang="en-US" sz="2800" dirty="0"/>
+              <a:t>:</a:t>
+            </a:r>
+            <a:endParaRPr lang="ru-RU" sz="2800" dirty="0"/>
+          </a:p>
+          <a:p>
+            <a:endParaRPr lang="ru-RU" sz="2800" dirty="0"/>
+          </a:p>
+          <a:p>
+            <a:pPr algn="ctr"/>
+            <a:r>
+              <a:rPr lang="ru-RU" sz="2800" i="1" dirty="0" err="1"/>
+              <a:t>Название_потока</a:t>
+            </a:r>
+            <a:r>
+              <a:rPr lang="ru-RU" sz="2800" i="1" dirty="0"/>
+              <a:t>   </a:t>
+            </a:r>
+            <a:r>
+              <a:rPr lang="ru-RU" sz="2800" i="1" dirty="0" err="1"/>
+              <a:t>Имя_первой_точки</a:t>
+            </a:r>
+            <a:endParaRPr lang="ru-RU" sz="2800" i="1" dirty="0"/>
+          </a:p>
+        </p:txBody>
+      </p:sp>
+      <p:sp>
+        <p:nvSpPr>
+          <p:cNvPr id="5" name="Прямоугольник 4">
+            <a:extLst>
+              <a:ext uri="{FF2B5EF4-FFF2-40B4-BE49-F238E27FC236}">
+                <a16:creationId xmlns:a16="http://schemas.microsoft.com/office/drawing/2014/main" id="{5D429D1C-CB3D-4C54-85D2-D244AF086A11}"/>
+              </a:ext>
+            </a:extLst>
+          </p:cNvPr>
+          <p:cNvSpPr/>
+          <p:nvPr/>
+        </p:nvSpPr>
+        <p:spPr>
+          <a:xfrm>
+            <a:off x="4749515" y="3789040"/>
+            <a:ext cx="2692969" cy="1815882"/>
+          </a:xfrm>
+          <a:prstGeom prst="rect">
+            <a:avLst/>
+          </a:prstGeom>
+        </p:spPr>
+        <p:txBody>
+          <a:bodyPr wrap="square">
+            <a:spAutoFit/>
+          </a:bodyPr>
+          <a:lstStyle/>
+          <a:p>
+            <a:r>
+              <a:rPr lang="ru-RU" sz="2800" dirty="0"/>
+              <a:t>Пример файла:</a:t>
+            </a:r>
+            <a:endParaRPr lang="en-US" sz="2800" dirty="0"/>
+          </a:p>
+          <a:p>
+            <a:r>
+              <a:rPr lang="ru-RU" sz="2800" dirty="0"/>
+              <a:t>2</a:t>
+            </a:r>
+          </a:p>
+          <a:p>
+            <a:r>
+              <a:rPr lang="ru-RU" sz="2800" dirty="0"/>
+              <a:t>Flow1 </a:t>
+            </a:r>
+            <a:r>
+              <a:rPr lang="en-US" sz="2800" dirty="0"/>
+              <a:t>A</a:t>
+            </a:r>
+            <a:endParaRPr lang="ru-RU" sz="2800" dirty="0"/>
+          </a:p>
+          <a:p>
+            <a:r>
+              <a:rPr lang="ru-RU" sz="2800" dirty="0"/>
+              <a:t>Flow2 </a:t>
+            </a:r>
+            <a:r>
+              <a:rPr lang="en-US" sz="2800" dirty="0"/>
+              <a:t>Y</a:t>
+            </a:r>
+            <a:endParaRPr lang="ru-RU" sz="2800" dirty="0"/>
           </a:p>
         </p:txBody>
       </p:sp>
     </p:spTree>
     <p:extLst>
       <p:ext uri="{BB962C8B-B14F-4D97-AF65-F5344CB8AC3E}">
-        <p14:creationId xmlns:p14="http://schemas.microsoft.com/office/powerpoint/2010/main" val="430272011"/>
+        <p14:creationId xmlns:p14="http://schemas.microsoft.com/office/powerpoint/2010/main" val="3177169167"/>
       </p:ext>
     </p:extLst>
   </p:cSld>
@@ -4449,7 +4552,7 @@
           <p:cNvPr id="2" name="Заголовок 3">
             <a:extLst>
               <a:ext uri="{FF2B5EF4-FFF2-40B4-BE49-F238E27FC236}">
-                <a16:creationId xmlns:a16="http://schemas.microsoft.com/office/drawing/2014/main" id="{E718FEE9-2C04-4DEA-9F1F-44DEE973EFB0}"/>
+                <a16:creationId xmlns:a16="http://schemas.microsoft.com/office/drawing/2014/main" id="{96F8F973-663C-440E-8915-5264BEF010DE}"/>
               </a:ext>
             </a:extLst>
           </p:cNvPr>
@@ -4460,8 +4563,8 @@
         </p:nvSpPr>
         <p:spPr>
           <a:xfrm>
-            <a:off x="2909646" y="116632"/>
-            <a:ext cx="6372708" cy="1311128"/>
+            <a:off x="3755740" y="116632"/>
+            <a:ext cx="4680520" cy="701731"/>
           </a:xfrm>
           <a:prstGeom prst="rect">
             <a:avLst/>
@@ -4494,7 +4597,135 @@
             <a:pPr algn="ctr"/>
             <a:r>
               <a:rPr lang="ru-RU" b="1" dirty="0"/>
-              <a:t>Топологическая сортировка</a:t>
+              <a:t>Работа процедуры</a:t>
+            </a:r>
+          </a:p>
+        </p:txBody>
+      </p:sp>
+      <p:sp>
+        <p:nvSpPr>
+          <p:cNvPr id="3" name="TextBox 2">
+            <a:extLst>
+              <a:ext uri="{FF2B5EF4-FFF2-40B4-BE49-F238E27FC236}">
+                <a16:creationId xmlns:a16="http://schemas.microsoft.com/office/drawing/2014/main" id="{3D03046D-E28A-4081-AEC9-E466555CEC4D}"/>
+              </a:ext>
+            </a:extLst>
+          </p:cNvPr>
+          <p:cNvSpPr txBox="1"/>
+          <p:nvPr/>
+        </p:nvSpPr>
+        <p:spPr>
+          <a:xfrm>
+            <a:off x="1055440" y="1348270"/>
+            <a:ext cx="9505056" cy="4161460"/>
+          </a:xfrm>
+          <a:prstGeom prst="rect">
+            <a:avLst/>
+          </a:prstGeom>
+          <a:noFill/>
+        </p:spPr>
+        <p:txBody>
+          <a:bodyPr wrap="square" rtlCol="0">
+            <a:spAutoFit/>
+          </a:bodyPr>
+          <a:lstStyle/>
+          <a:p>
+            <a:pPr marL="514350" indent="-514350">
+              <a:lnSpc>
+                <a:spcPct val="150000"/>
+              </a:lnSpc>
+              <a:buFont typeface="+mj-lt"/>
+              <a:buAutoNum type="arabicPeriod"/>
+            </a:pPr>
+            <a:r>
+              <a:rPr lang="ru-RU" sz="3600" dirty="0"/>
+              <a:t>Чтение исходных данных</a:t>
+            </a:r>
+            <a:r>
+              <a:rPr lang="en-US" sz="3600" dirty="0"/>
+              <a:t> (</a:t>
+            </a:r>
+            <a:r>
+              <a:rPr lang="en-US" sz="3600" dirty="0" err="1"/>
+              <a:t>RegExp</a:t>
+            </a:r>
+            <a:r>
+              <a:rPr lang="en-US" sz="3600" dirty="0"/>
+              <a:t>)</a:t>
+            </a:r>
+            <a:endParaRPr lang="ru-RU" sz="3600" dirty="0"/>
+          </a:p>
+          <a:p>
+            <a:pPr marL="514350" indent="-514350">
+              <a:lnSpc>
+                <a:spcPct val="150000"/>
+              </a:lnSpc>
+              <a:buFont typeface="+mj-lt"/>
+              <a:buAutoNum type="arabicPeriod"/>
+            </a:pPr>
+            <a:r>
+              <a:rPr lang="ru-RU" sz="3600" dirty="0"/>
+              <a:t>Построение графа зоны аэропорта</a:t>
+            </a:r>
+          </a:p>
+          <a:p>
+            <a:pPr marL="514350" indent="-514350">
+              <a:lnSpc>
+                <a:spcPct val="150000"/>
+              </a:lnSpc>
+              <a:buFont typeface="+mj-lt"/>
+              <a:buAutoNum type="arabicPeriod"/>
+            </a:pPr>
+            <a:r>
+              <a:rPr lang="ru-RU" sz="3600" dirty="0"/>
+              <a:t>Построение подграфов потоков</a:t>
+            </a:r>
+            <a:r>
+              <a:rPr lang="en-US" sz="3600" dirty="0"/>
+              <a:t> </a:t>
+            </a:r>
+            <a:r>
+              <a:rPr lang="ru-RU" sz="3600" dirty="0"/>
+              <a:t>(</a:t>
+            </a:r>
+            <a:r>
+              <a:rPr lang="en-US" sz="3600" dirty="0"/>
+              <a:t>DFS</a:t>
+            </a:r>
+            <a:r>
+              <a:rPr lang="ru-RU" sz="3600" dirty="0"/>
+              <a:t>)</a:t>
+            </a:r>
+          </a:p>
+          <a:p>
+            <a:pPr marL="514350" indent="-514350">
+              <a:lnSpc>
+                <a:spcPct val="150000"/>
+              </a:lnSpc>
+              <a:buFont typeface="+mj-lt"/>
+              <a:buAutoNum type="arabicPeriod"/>
+            </a:pPr>
+            <a:r>
+              <a:rPr lang="ru-RU" sz="3600" dirty="0"/>
+              <a:t>Топологическая сортировка потоков</a:t>
+            </a:r>
+            <a:r>
+              <a:rPr lang="en-US" sz="3600" dirty="0"/>
+              <a:t> </a:t>
+            </a:r>
+            <a:endParaRPr lang="ru-RU" sz="3600" dirty="0"/>
+          </a:p>
+          <a:p>
+            <a:pPr marL="514350" indent="-514350">
+              <a:lnSpc>
+                <a:spcPct val="150000"/>
+              </a:lnSpc>
+              <a:buFont typeface="+mj-lt"/>
+              <a:buAutoNum type="arabicPeriod"/>
+            </a:pPr>
+            <a:r>
+              <a:rPr lang="ru-RU" sz="3600" dirty="0"/>
+              <a:t>Расчёт временных интервалов</a:t>
             </a:r>
           </a:p>
         </p:txBody>
@@ -4502,7 +4733,7 @@
     </p:spTree>
     <p:extLst>
       <p:ext uri="{BB962C8B-B14F-4D97-AF65-F5344CB8AC3E}">
-        <p14:creationId xmlns:p14="http://schemas.microsoft.com/office/powerpoint/2010/main" val="2713448861"/>
+        <p14:creationId xmlns:p14="http://schemas.microsoft.com/office/powerpoint/2010/main" val="3414441838"/>
       </p:ext>
     </p:extLst>
   </p:cSld>
@@ -4534,7 +4765,7 @@
           <p:cNvPr id="2" name="Заголовок 3">
             <a:extLst>
               <a:ext uri="{FF2B5EF4-FFF2-40B4-BE49-F238E27FC236}">
-                <a16:creationId xmlns:a16="http://schemas.microsoft.com/office/drawing/2014/main" id="{0C89A5B6-CE3A-4977-9043-B75394EEED11}"/>
+                <a16:creationId xmlns:a16="http://schemas.microsoft.com/office/drawing/2014/main" id="{D3277D4E-4C95-4D79-AC6E-3AC88B7161BF}"/>
               </a:ext>
             </a:extLst>
           </p:cNvPr>
@@ -4545,8 +4776,8 @@
         </p:nvSpPr>
         <p:spPr>
           <a:xfrm>
-            <a:off x="2909646" y="116632"/>
-            <a:ext cx="6372708" cy="1311128"/>
+            <a:off x="3755740" y="116632"/>
+            <a:ext cx="4680520" cy="701731"/>
           </a:xfrm>
           <a:prstGeom prst="rect">
             <a:avLst/>
@@ -4579,7 +4810,207 @@
             <a:pPr algn="ctr"/>
             <a:r>
               <a:rPr lang="ru-RU" b="1" dirty="0"/>
-              <a:t>Расчёт временных интервалов</a:t>
+              <a:t>Расчёт времён</a:t>
+            </a:r>
+          </a:p>
+        </p:txBody>
+      </p:sp>
+      <p:sp>
+        <p:nvSpPr>
+          <p:cNvPr id="3" name="Прямоугольник 2">
+            <a:extLst>
+              <a:ext uri="{FF2B5EF4-FFF2-40B4-BE49-F238E27FC236}">
+                <a16:creationId xmlns:a16="http://schemas.microsoft.com/office/drawing/2014/main" id="{9F8BD30A-A4A0-4A04-B958-9A0DDCB8FCC6}"/>
+              </a:ext>
+            </a:extLst>
+          </p:cNvPr>
+          <p:cNvSpPr/>
+          <p:nvPr/>
+        </p:nvSpPr>
+        <p:spPr>
+          <a:xfrm>
+            <a:off x="659396" y="1196752"/>
+            <a:ext cx="10873208" cy="2246769"/>
+          </a:xfrm>
+          <a:prstGeom prst="rect">
+            <a:avLst/>
+          </a:prstGeom>
+        </p:spPr>
+        <p:txBody>
+          <a:bodyPr wrap="square">
+            <a:spAutoFit/>
+          </a:bodyPr>
+          <a:lstStyle/>
+          <a:p>
+            <a:pPr algn="just"/>
+            <a:r>
+              <a:rPr lang="ru-RU" sz="2800" dirty="0"/>
+              <a:t>Так как поток топологически отсортирован, будем двигаться по возрастанию идентификатора вершин до тех пор, пока не дойдём до вершины с максимальным индексом, рассчитывая возможное время прибытия в следующие точки из данной, как при равнопеременном движении:</a:t>
+            </a:r>
+          </a:p>
+        </p:txBody>
+      </p:sp>
+      <p:pic>
+        <p:nvPicPr>
+          <p:cNvPr id="9" name="Рисунок 8">
+            <a:extLst>
+              <a:ext uri="{FF2B5EF4-FFF2-40B4-BE49-F238E27FC236}">
+                <a16:creationId xmlns:a16="http://schemas.microsoft.com/office/drawing/2014/main" id="{761EB2D8-F48A-4D6C-8AF6-0750EA4A53D6}"/>
+              </a:ext>
+            </a:extLst>
+          </p:cNvPr>
+          <p:cNvPicPr>
+            <a:picLocks noChangeAspect="1"/>
+          </p:cNvPicPr>
+          <p:nvPr/>
+        </p:nvPicPr>
+        <p:blipFill>
+          <a:blip r:embed="rId2">
+            <a:extLst>
+              <a:ext uri="{28A0092B-C50C-407E-A947-70E740481C1C}">
+                <a14:useLocalDpi xmlns:a14="http://schemas.microsoft.com/office/drawing/2010/main" val="0"/>
+              </a:ext>
+            </a:extLst>
+          </a:blip>
+          <a:stretch>
+            <a:fillRect/>
+          </a:stretch>
+        </p:blipFill>
+        <p:spPr>
+          <a:xfrm>
+            <a:off x="659396" y="4005064"/>
+            <a:ext cx="5839640" cy="733527"/>
+          </a:xfrm>
+          <a:prstGeom prst="rect">
+            <a:avLst/>
+          </a:prstGeom>
+        </p:spPr>
+      </p:pic>
+      <p:pic>
+        <p:nvPicPr>
+          <p:cNvPr id="10" name="Рисунок 9">
+            <a:extLst>
+              <a:ext uri="{FF2B5EF4-FFF2-40B4-BE49-F238E27FC236}">
+                <a16:creationId xmlns:a16="http://schemas.microsoft.com/office/drawing/2014/main" id="{1113B113-EA2A-4B4C-914B-B975E34F420A}"/>
+              </a:ext>
+            </a:extLst>
+          </p:cNvPr>
+          <p:cNvPicPr>
+            <a:picLocks noChangeAspect="1"/>
+          </p:cNvPicPr>
+          <p:nvPr/>
+        </p:nvPicPr>
+        <p:blipFill>
+          <a:blip r:embed="rId3"/>
+          <a:stretch>
+            <a:fillRect/>
+          </a:stretch>
+        </p:blipFill>
+        <p:spPr>
+          <a:xfrm>
+            <a:off x="2532485" y="2981325"/>
+            <a:ext cx="2695575" cy="895350"/>
+          </a:xfrm>
+          <a:prstGeom prst="rect">
+            <a:avLst/>
+          </a:prstGeom>
+        </p:spPr>
+      </p:pic>
+      <p:sp>
+        <p:nvSpPr>
+          <p:cNvPr id="11" name="TextBox 10">
+            <a:extLst>
+              <a:ext uri="{FF2B5EF4-FFF2-40B4-BE49-F238E27FC236}">
+                <a16:creationId xmlns:a16="http://schemas.microsoft.com/office/drawing/2014/main" id="{57EAB2BA-1D4E-4D17-932A-B982B845948A}"/>
+              </a:ext>
+            </a:extLst>
+          </p:cNvPr>
+          <p:cNvSpPr txBox="1"/>
+          <p:nvPr/>
+        </p:nvSpPr>
+        <p:spPr>
+          <a:xfrm>
+            <a:off x="5228060" y="3006114"/>
+            <a:ext cx="378630" cy="523220"/>
+          </a:xfrm>
+          <a:prstGeom prst="rect">
+            <a:avLst/>
+          </a:prstGeom>
+          <a:noFill/>
+        </p:spPr>
+        <p:txBody>
+          <a:bodyPr wrap="none" rtlCol="0">
+            <a:spAutoFit/>
+          </a:bodyPr>
+          <a:lstStyle/>
+          <a:p>
+            <a:r>
+              <a:rPr lang="ru-RU" sz="2800" dirty="0"/>
+              <a:t>и</a:t>
+            </a:r>
+          </a:p>
+        </p:txBody>
+      </p:sp>
+      <p:pic>
+        <p:nvPicPr>
+          <p:cNvPr id="12" name="Рисунок 11">
+            <a:extLst>
+              <a:ext uri="{FF2B5EF4-FFF2-40B4-BE49-F238E27FC236}">
+                <a16:creationId xmlns:a16="http://schemas.microsoft.com/office/drawing/2014/main" id="{602C174D-4B05-4783-A421-0045D0F355D5}"/>
+              </a:ext>
+            </a:extLst>
+          </p:cNvPr>
+          <p:cNvPicPr>
+            <a:picLocks noChangeAspect="1"/>
+          </p:cNvPicPr>
+          <p:nvPr/>
+        </p:nvPicPr>
+        <p:blipFill>
+          <a:blip r:embed="rId4"/>
+          <a:stretch>
+            <a:fillRect/>
+          </a:stretch>
+        </p:blipFill>
+        <p:spPr>
+          <a:xfrm>
+            <a:off x="5568529" y="2981325"/>
+            <a:ext cx="2790825" cy="790575"/>
+          </a:xfrm>
+          <a:prstGeom prst="rect">
+            <a:avLst/>
+          </a:prstGeom>
+        </p:spPr>
+      </p:pic>
+      <p:sp>
+        <p:nvSpPr>
+          <p:cNvPr id="13" name="Прямоугольник 12">
+            <a:extLst>
+              <a:ext uri="{FF2B5EF4-FFF2-40B4-BE49-F238E27FC236}">
+                <a16:creationId xmlns:a16="http://schemas.microsoft.com/office/drawing/2014/main" id="{84541296-AB9C-4BD2-BBFE-504DEF8D0691}"/>
+              </a:ext>
+            </a:extLst>
+          </p:cNvPr>
+          <p:cNvSpPr/>
+          <p:nvPr/>
+        </p:nvSpPr>
+        <p:spPr>
+          <a:xfrm>
+            <a:off x="659396" y="5338696"/>
+            <a:ext cx="10873208" cy="954107"/>
+          </a:xfrm>
+          <a:prstGeom prst="rect">
+            <a:avLst/>
+          </a:prstGeom>
+        </p:spPr>
+        <p:txBody>
+          <a:bodyPr wrap="square">
+            <a:spAutoFit/>
+          </a:bodyPr>
+          <a:lstStyle/>
+          <a:p>
+            <a:r>
+              <a:rPr lang="ru-RU" sz="2800" dirty="0"/>
+              <a:t>После чего добавляем к каждому интервалу полученные времена, и этот новый интервал записываем в массив времён потомка.</a:t>
             </a:r>
           </a:p>
         </p:txBody>
@@ -4587,7 +5018,7 @@
     </p:spTree>
     <p:extLst>
       <p:ext uri="{BB962C8B-B14F-4D97-AF65-F5344CB8AC3E}">
-        <p14:creationId xmlns:p14="http://schemas.microsoft.com/office/powerpoint/2010/main" val="2151477292"/>
+        <p14:creationId xmlns:p14="http://schemas.microsoft.com/office/powerpoint/2010/main" val="1358298524"/>
       </p:ext>
     </p:extLst>
   </p:cSld>
@@ -4671,10 +5102,10 @@
       </p:sp>
       <p:pic>
         <p:nvPicPr>
-          <p:cNvPr id="4" name="Рисунок 3" descr="Изображение выглядит как вода, мужчина, собака&#10;&#10;Автоматически созданное описание">
-            <a:extLst>
-              <a:ext uri="{FF2B5EF4-FFF2-40B4-BE49-F238E27FC236}">
-                <a16:creationId xmlns:a16="http://schemas.microsoft.com/office/drawing/2014/main" id="{513C8CAA-88D2-4813-B1A0-99DBB8D84C5A}"/>
+          <p:cNvPr id="3" name="Рисунок 2">
+            <a:extLst>
+              <a:ext uri="{FF2B5EF4-FFF2-40B4-BE49-F238E27FC236}">
+                <a16:creationId xmlns:a16="http://schemas.microsoft.com/office/drawing/2014/main" id="{C2DE7F4A-F8C3-4925-B479-8213DFD2B27D}"/>
               </a:ext>
             </a:extLst>
           </p:cNvPr>
@@ -4684,21 +5115,15 @@
           <p:nvPr/>
         </p:nvPicPr>
         <p:blipFill>
-          <a:blip r:embed="rId2">
-            <a:extLst>
-              <a:ext uri="{28A0092B-C50C-407E-A947-70E740481C1C}">
-                <a14:useLocalDpi xmlns:a14="http://schemas.microsoft.com/office/drawing/2010/main" val="0"/>
-              </a:ext>
-            </a:extLst>
-          </a:blip>
+          <a:blip r:embed="rId2"/>
           <a:stretch>
             <a:fillRect/>
           </a:stretch>
         </p:blipFill>
         <p:spPr>
           <a:xfrm>
-            <a:off x="0" y="1479204"/>
-            <a:ext cx="12192000" cy="3899591"/>
+            <a:off x="0" y="1772816"/>
+            <a:ext cx="12218821" cy="3988391"/>
           </a:xfrm>
           <a:prstGeom prst="rect">
             <a:avLst/>
@@ -4954,7 +5379,7 @@
         <p:spPr>
           <a:xfrm>
             <a:off x="4390308" y="1340768"/>
-            <a:ext cx="4297981" cy="3289811"/>
+            <a:ext cx="4441996" cy="2828147"/>
           </a:xfrm>
           <a:prstGeom prst="rect">
             <a:avLst/>
@@ -5063,7 +5488,7 @@
         </p:nvSpPr>
         <p:spPr>
           <a:xfrm>
-            <a:off x="9192344" y="1340768"/>
+            <a:off x="9336359" y="1340768"/>
             <a:ext cx="2614789" cy="2366482"/>
           </a:xfrm>
           <a:prstGeom prst="rect">
@@ -5093,9 +5518,10 @@
               </a:lnSpc>
             </a:pPr>
             <a:r>
-              <a:rPr lang="ru-RU" sz="2400" dirty="0"/>
-              <a:t>3</a:t>
-            </a:r>
+              <a:rPr lang="en-US" sz="2400" dirty="0"/>
+              <a:t>2</a:t>
+            </a:r>
+            <a:endParaRPr lang="ru-RU" sz="2400" dirty="0"/>
           </a:p>
           <a:p>
             <a:pPr>
@@ -5200,10 +5626,9 @@
           <a:p>
             <a:pPr algn="ctr"/>
             <a:r>
-              <a:rPr lang="ru-RU" b="1"/>
+              <a:rPr lang="ru-RU" b="1" dirty="0"/>
               <a:t>Макетный пример</a:t>
             </a:r>
-            <a:endParaRPr lang="ru-RU" b="1" dirty="0"/>
           </a:p>
         </p:txBody>
       </p:sp>
@@ -5273,40 +5698,202 @@
           <a:chExt cx="0" cy="0"/>
         </a:xfrm>
       </p:grpSpPr>
-      <p:pic>
-        <p:nvPicPr>
-          <p:cNvPr id="5" name="Рисунок 4">
-            <a:extLst>
-              <a:ext uri="{FF2B5EF4-FFF2-40B4-BE49-F238E27FC236}">
-                <a16:creationId xmlns:a16="http://schemas.microsoft.com/office/drawing/2014/main" id="{25CC2378-6623-4A9A-A298-9AD71B0D6036}"/>
-              </a:ext>
-            </a:extLst>
-          </p:cNvPr>
-          <p:cNvPicPr>
-            <a:picLocks noChangeAspect="1"/>
-          </p:cNvPicPr>
+      <p:sp>
+        <p:nvSpPr>
+          <p:cNvPr id="2" name="Прямоугольник 1">
+            <a:extLst>
+              <a:ext uri="{FF2B5EF4-FFF2-40B4-BE49-F238E27FC236}">
+                <a16:creationId xmlns:a16="http://schemas.microsoft.com/office/drawing/2014/main" id="{484B75B1-60F0-4026-90AD-32DA40FD947B}"/>
+              </a:ext>
+            </a:extLst>
+          </p:cNvPr>
+          <p:cNvSpPr/>
           <p:nvPr/>
-        </p:nvPicPr>
-        <p:blipFill>
-          <a:blip r:embed="rId2"/>
-          <a:stretch>
-            <a:fillRect/>
-          </a:stretch>
-        </p:blipFill>
+        </p:nvSpPr>
         <p:spPr>
           <a:xfrm>
-            <a:off x="570000" y="0"/>
-            <a:ext cx="11052000" cy="6858000"/>
+            <a:off x="2387588" y="1340768"/>
+            <a:ext cx="7416824" cy="4361322"/>
           </a:xfrm>
           <a:prstGeom prst="rect">
             <a:avLst/>
           </a:prstGeom>
         </p:spPr>
-      </p:pic>
+        <p:txBody>
+          <a:bodyPr wrap="square">
+            <a:spAutoFit/>
+          </a:bodyPr>
+          <a:lstStyle/>
+          <a:p>
+            <a:pPr>
+              <a:lnSpc>
+                <a:spcPct val="125000"/>
+              </a:lnSpc>
+            </a:pPr>
+            <a:r>
+              <a:rPr lang="ru-RU" sz="2800" dirty="0"/>
+              <a:t>Теперь «запустим» стандартную схему:</a:t>
+            </a:r>
+          </a:p>
+          <a:p>
+            <a:pPr>
+              <a:lnSpc>
+                <a:spcPct val="125000"/>
+              </a:lnSpc>
+            </a:pPr>
+            <a:endParaRPr lang="en-US" sz="2800" dirty="0"/>
+          </a:p>
+          <a:p>
+            <a:pPr>
+              <a:lnSpc>
+                <a:spcPct val="125000"/>
+              </a:lnSpc>
+            </a:pPr>
+            <a:r>
+              <a:rPr lang="ru-RU" sz="2800" dirty="0"/>
+              <a:t>Файл с данными схем:</a:t>
+            </a:r>
+          </a:p>
+          <a:p>
+            <a:pPr>
+              <a:lnSpc>
+                <a:spcPct val="125000"/>
+              </a:lnSpc>
+            </a:pPr>
+            <a:r>
+              <a:rPr lang="ru-RU" sz="2800" dirty="0"/>
+              <a:t>3</a:t>
+            </a:r>
+          </a:p>
+          <a:p>
+            <a:pPr>
+              <a:lnSpc>
+                <a:spcPct val="125000"/>
+              </a:lnSpc>
+            </a:pPr>
+            <a:r>
+              <a:rPr lang="ru-RU" sz="2800" dirty="0"/>
+              <a:t>1</a:t>
+            </a:r>
+          </a:p>
+          <a:p>
+            <a:pPr>
+              <a:lnSpc>
+                <a:spcPct val="125000"/>
+              </a:lnSpc>
+            </a:pPr>
+            <a:r>
+              <a:rPr lang="ru-RU" sz="2800" dirty="0"/>
+              <a:t>Name1 (e)(r):</a:t>
+            </a:r>
+          </a:p>
+          <a:p>
+            <a:pPr>
+              <a:lnSpc>
+                <a:spcPct val="125000"/>
+              </a:lnSpc>
+            </a:pPr>
+            <a:r>
+              <a:rPr lang="ru-RU" sz="2800" dirty="0"/>
+              <a:t>Name2 (a)(e): a </a:t>
+            </a:r>
+            <a:r>
+              <a:rPr lang="ru-RU" sz="2800" dirty="0" err="1"/>
+              <a:t>Str</a:t>
+            </a:r>
+            <a:r>
+              <a:rPr lang="ru-RU" sz="2800" dirty="0"/>
+              <a:t>(f) b c d /</a:t>
+            </a:r>
+            <a:r>
+              <a:rPr lang="ru-RU" sz="2800" dirty="0" err="1"/>
+              <a:t>Str</a:t>
+            </a:r>
+            <a:r>
+              <a:rPr lang="ru-RU" sz="2800" dirty="0"/>
+              <a:t> f e</a:t>
+            </a:r>
+          </a:p>
+          <a:p>
+            <a:pPr>
+              <a:lnSpc>
+                <a:spcPct val="125000"/>
+              </a:lnSpc>
+            </a:pPr>
+            <a:r>
+              <a:rPr lang="ru-RU" sz="2800" dirty="0"/>
+              <a:t>NameSt1 (</a:t>
+            </a:r>
+            <a:r>
+              <a:rPr lang="ru-RU" sz="2800" b="1" u="sng" dirty="0"/>
+              <a:t> 1 </a:t>
+            </a:r>
+            <a:r>
+              <a:rPr lang="ru-RU" sz="2800" dirty="0"/>
+              <a:t>): b g h</a:t>
+            </a:r>
+          </a:p>
+        </p:txBody>
+      </p:sp>
+      <p:sp>
+        <p:nvSpPr>
+          <p:cNvPr id="3" name="Заголовок 3">
+            <a:extLst>
+              <a:ext uri="{FF2B5EF4-FFF2-40B4-BE49-F238E27FC236}">
+                <a16:creationId xmlns:a16="http://schemas.microsoft.com/office/drawing/2014/main" id="{6E73DE99-0E74-444F-8B10-72835CCDD05A}"/>
+              </a:ext>
+            </a:extLst>
+          </p:cNvPr>
+          <p:cNvSpPr txBox="1">
+            <a:spLocks/>
+          </p:cNvSpPr>
+          <p:nvPr/>
+        </p:nvSpPr>
+        <p:spPr>
+          <a:xfrm>
+            <a:off x="2909646" y="116632"/>
+            <a:ext cx="6372708" cy="701731"/>
+          </a:xfrm>
+          <a:prstGeom prst="rect">
+            <a:avLst/>
+          </a:prstGeom>
+        </p:spPr>
+        <p:txBody>
+          <a:bodyPr wrap="square">
+            <a:spAutoFit/>
+          </a:bodyPr>
+          <a:lstStyle>
+            <a:lvl1pPr algn="l" defTabSz="914400" rtl="0" eaLnBrk="1" latinLnBrk="0" hangingPunct="1">
+              <a:lnSpc>
+                <a:spcPct val="90000"/>
+              </a:lnSpc>
+              <a:spcBef>
+                <a:spcPct val="0"/>
+              </a:spcBef>
+              <a:buNone/>
+              <a:defRPr sz="4400" kern="1200">
+                <a:solidFill>
+                  <a:schemeClr val="tx1"/>
+                </a:solidFill>
+                <a:latin typeface="+mj-lt"/>
+                <a:ea typeface="+mj-ea"/>
+                <a:cs typeface="+mj-cs"/>
+              </a:defRPr>
+            </a:lvl1pPr>
+          </a:lstStyle>
+          <a:p>
+            <a:pPr algn="ctr"/>
+            <a:r>
+              <a:rPr lang="ru-RU" b="1" dirty="0"/>
+              <a:t>Макетный пример</a:t>
+            </a:r>
+          </a:p>
+        </p:txBody>
+      </p:sp>
     </p:spTree>
     <p:extLst>
       <p:ext uri="{BB962C8B-B14F-4D97-AF65-F5344CB8AC3E}">
-        <p14:creationId xmlns:p14="http://schemas.microsoft.com/office/powerpoint/2010/main" val="510561066"/>
+        <p14:creationId xmlns:p14="http://schemas.microsoft.com/office/powerpoint/2010/main" val="3429685726"/>
       </p:ext>
     </p:extLst>
   </p:cSld>
@@ -5335,10 +5922,10 @@
       </p:grpSpPr>
       <p:pic>
         <p:nvPicPr>
-          <p:cNvPr id="3" name="Рисунок 2">
-            <a:extLst>
-              <a:ext uri="{FF2B5EF4-FFF2-40B4-BE49-F238E27FC236}">
-                <a16:creationId xmlns:a16="http://schemas.microsoft.com/office/drawing/2014/main" id="{837B2B54-C84E-4290-85BE-00CE4522987A}"/>
+          <p:cNvPr id="8" name="Рисунок 7">
+            <a:extLst>
+              <a:ext uri="{FF2B5EF4-FFF2-40B4-BE49-F238E27FC236}">
+                <a16:creationId xmlns:a16="http://schemas.microsoft.com/office/drawing/2014/main" id="{BA70BAC0-5B6F-47B6-B42C-46BD5DBCFC99}"/>
               </a:ext>
             </a:extLst>
           </p:cNvPr>
@@ -5361,50 +5948,266 @@
         </p:blipFill>
         <p:spPr>
           <a:xfrm>
-            <a:off x="0" y="0"/>
-            <a:ext cx="12192000" cy="6858000"/>
+            <a:off x="0" y="295960"/>
+            <a:ext cx="12192000" cy="6266080"/>
           </a:xfrm>
           <a:prstGeom prst="rect">
             <a:avLst/>
           </a:prstGeom>
         </p:spPr>
       </p:pic>
-      <p:pic>
-        <p:nvPicPr>
-          <p:cNvPr id="5" name="Рисунок 4">
-            <a:extLst>
-              <a:ext uri="{FF2B5EF4-FFF2-40B4-BE49-F238E27FC236}">
-                <a16:creationId xmlns:a16="http://schemas.microsoft.com/office/drawing/2014/main" id="{FE22BC67-04E5-40DB-A210-D6E512C4361C}"/>
-              </a:ext>
-            </a:extLst>
-          </p:cNvPr>
-          <p:cNvPicPr>
-            <a:picLocks noChangeAspect="1"/>
-          </p:cNvPicPr>
+    </p:spTree>
+    <p:extLst>
+      <p:ext uri="{BB962C8B-B14F-4D97-AF65-F5344CB8AC3E}">
+        <p14:creationId xmlns:p14="http://schemas.microsoft.com/office/powerpoint/2010/main" val="510561066"/>
+      </p:ext>
+    </p:extLst>
+  </p:cSld>
+  <p:clrMapOvr>
+    <a:masterClrMapping/>
+  </p:clrMapOvr>
+</p:sld>
+</file>
+
+<file path=ppt/slides/slide18.xml><?xml version="1.0" encoding="utf-8"?>
+<p:sld xmlns:a="http://schemas.openxmlformats.org/drawingml/2006/main" xmlns:r="http://schemas.openxmlformats.org/officeDocument/2006/relationships" xmlns:p="http://schemas.openxmlformats.org/presentationml/2006/main">
+  <p:cSld>
+    <p:spTree>
+      <p:nvGrpSpPr>
+        <p:cNvPr id="1" name=""/>
+        <p:cNvGrpSpPr/>
+        <p:nvPr/>
+      </p:nvGrpSpPr>
+      <p:grpSpPr>
+        <a:xfrm>
+          <a:off x="0" y="0"/>
+          <a:ext cx="0" cy="0"/>
+          <a:chOff x="0" y="0"/>
+          <a:chExt cx="0" cy="0"/>
+        </a:xfrm>
+      </p:grpSpPr>
+      <p:grpSp>
+        <p:nvGrpSpPr>
+          <p:cNvPr id="16" name="Группа 15">
+            <a:extLst>
+              <a:ext uri="{FF2B5EF4-FFF2-40B4-BE49-F238E27FC236}">
+                <a16:creationId xmlns:a16="http://schemas.microsoft.com/office/drawing/2014/main" id="{9B4A6805-B9B6-4459-9478-9DB3685E3690}"/>
+              </a:ext>
+            </a:extLst>
+          </p:cNvPr>
+          <p:cNvGrpSpPr/>
           <p:nvPr/>
-        </p:nvPicPr>
-        <p:blipFill>
-          <a:blip r:embed="rId3">
-            <a:extLst>
-              <a:ext uri="{28A0092B-C50C-407E-A947-70E740481C1C}">
-                <a14:useLocalDpi xmlns:a14="http://schemas.microsoft.com/office/drawing/2010/main" val="0"/>
-              </a:ext>
-            </a:extLst>
-          </a:blip>
-          <a:stretch>
-            <a:fillRect/>
-          </a:stretch>
-        </p:blipFill>
-        <p:spPr>
+        </p:nvGrpSpPr>
+        <p:grpSpPr>
           <a:xfrm>
-            <a:off x="6090175" y="116632"/>
-            <a:ext cx="5620534" cy="5191850"/>
+            <a:off x="179298" y="548680"/>
+            <a:ext cx="5458587" cy="4867954"/>
+            <a:chOff x="0" y="548680"/>
+            <a:chExt cx="5458587" cy="4867954"/>
           </a:xfrm>
-          <a:prstGeom prst="rect">
-            <a:avLst/>
-          </a:prstGeom>
-        </p:spPr>
-      </p:pic>
+        </p:grpSpPr>
+        <p:pic>
+          <p:nvPicPr>
+            <p:cNvPr id="9" name="Рисунок 8">
+              <a:extLst>
+                <a:ext uri="{FF2B5EF4-FFF2-40B4-BE49-F238E27FC236}">
+                  <a16:creationId xmlns:a16="http://schemas.microsoft.com/office/drawing/2014/main" id="{626804CB-E9FC-4179-9182-34FF1EAD5E65}"/>
+                </a:ext>
+              </a:extLst>
+            </p:cNvPr>
+            <p:cNvPicPr>
+              <a:picLocks noChangeAspect="1"/>
+            </p:cNvPicPr>
+            <p:nvPr/>
+          </p:nvPicPr>
+          <p:blipFill>
+            <a:blip r:embed="rId2">
+              <a:extLst>
+                <a:ext uri="{28A0092B-C50C-407E-A947-70E740481C1C}">
+                  <a14:useLocalDpi xmlns:a14="http://schemas.microsoft.com/office/drawing/2010/main" val="0"/>
+                </a:ext>
+              </a:extLst>
+            </a:blip>
+            <a:stretch>
+              <a:fillRect/>
+            </a:stretch>
+          </p:blipFill>
+          <p:spPr>
+            <a:xfrm>
+              <a:off x="0" y="548680"/>
+              <a:ext cx="5458587" cy="4867954"/>
+            </a:xfrm>
+            <a:prstGeom prst="rect">
+              <a:avLst/>
+            </a:prstGeom>
+          </p:spPr>
+        </p:pic>
+        <p:sp>
+          <p:nvSpPr>
+            <p:cNvPr id="14" name="Прямоугольник 13">
+              <a:extLst>
+                <a:ext uri="{FF2B5EF4-FFF2-40B4-BE49-F238E27FC236}">
+                  <a16:creationId xmlns:a16="http://schemas.microsoft.com/office/drawing/2014/main" id="{005BBDEE-FE94-4B47-BB61-E5F91C077E25}"/>
+                </a:ext>
+              </a:extLst>
+            </p:cNvPr>
+            <p:cNvSpPr/>
+            <p:nvPr/>
+          </p:nvSpPr>
+          <p:spPr>
+            <a:xfrm>
+              <a:off x="479376" y="1196752"/>
+              <a:ext cx="1080120" cy="504056"/>
+            </a:xfrm>
+            <a:prstGeom prst="rect">
+              <a:avLst/>
+            </a:prstGeom>
+            <a:solidFill>
+              <a:schemeClr val="bg1"/>
+            </a:solidFill>
+            <a:ln>
+              <a:solidFill>
+                <a:schemeClr val="bg1"/>
+              </a:solidFill>
+            </a:ln>
+          </p:spPr>
+          <p:style>
+            <a:lnRef idx="2">
+              <a:schemeClr val="accent1">
+                <a:shade val="50000"/>
+              </a:schemeClr>
+            </a:lnRef>
+            <a:fillRef idx="1">
+              <a:schemeClr val="accent1"/>
+            </a:fillRef>
+            <a:effectRef idx="0">
+              <a:schemeClr val="accent1"/>
+            </a:effectRef>
+            <a:fontRef idx="minor">
+              <a:schemeClr val="lt1"/>
+            </a:fontRef>
+          </p:style>
+          <p:txBody>
+            <a:bodyPr rtlCol="0" anchor="ctr"/>
+            <a:lstStyle/>
+            <a:p>
+              <a:pPr algn="ctr"/>
+              <a:endParaRPr lang="ru-RU"/>
+            </a:p>
+          </p:txBody>
+        </p:sp>
+      </p:grpSp>
+      <p:grpSp>
+        <p:nvGrpSpPr>
+          <p:cNvPr id="17" name="Группа 16">
+            <a:extLst>
+              <a:ext uri="{FF2B5EF4-FFF2-40B4-BE49-F238E27FC236}">
+                <a16:creationId xmlns:a16="http://schemas.microsoft.com/office/drawing/2014/main" id="{D0830E64-AB0C-4569-A58A-DF1EB36B47AA}"/>
+              </a:ext>
+            </a:extLst>
+          </p:cNvPr>
+          <p:cNvGrpSpPr/>
+          <p:nvPr/>
+        </p:nvGrpSpPr>
+        <p:grpSpPr>
+          <a:xfrm>
+            <a:off x="5637885" y="662996"/>
+            <a:ext cx="6554115" cy="4753638"/>
+            <a:chOff x="5879976" y="605838"/>
+            <a:chExt cx="6554115" cy="4753638"/>
+          </a:xfrm>
+        </p:grpSpPr>
+        <p:pic>
+          <p:nvPicPr>
+            <p:cNvPr id="13" name="Рисунок 12">
+              <a:extLst>
+                <a:ext uri="{FF2B5EF4-FFF2-40B4-BE49-F238E27FC236}">
+                  <a16:creationId xmlns:a16="http://schemas.microsoft.com/office/drawing/2014/main" id="{D230191F-9F10-42BC-9A31-6249DEEDE119}"/>
+                </a:ext>
+              </a:extLst>
+            </p:cNvPr>
+            <p:cNvPicPr>
+              <a:picLocks noChangeAspect="1"/>
+            </p:cNvPicPr>
+            <p:nvPr/>
+          </p:nvPicPr>
+          <p:blipFill>
+            <a:blip r:embed="rId3">
+              <a:extLst>
+                <a:ext uri="{28A0092B-C50C-407E-A947-70E740481C1C}">
+                  <a14:useLocalDpi xmlns:a14="http://schemas.microsoft.com/office/drawing/2010/main" val="0"/>
+                </a:ext>
+              </a:extLst>
+            </a:blip>
+            <a:stretch>
+              <a:fillRect/>
+            </a:stretch>
+          </p:blipFill>
+          <p:spPr>
+            <a:xfrm>
+              <a:off x="5879976" y="605838"/>
+              <a:ext cx="6554115" cy="4753638"/>
+            </a:xfrm>
+            <a:prstGeom prst="rect">
+              <a:avLst/>
+            </a:prstGeom>
+          </p:spPr>
+        </p:pic>
+        <p:sp>
+          <p:nvSpPr>
+            <p:cNvPr id="15" name="Прямоугольник 14">
+              <a:extLst>
+                <a:ext uri="{FF2B5EF4-FFF2-40B4-BE49-F238E27FC236}">
+                  <a16:creationId xmlns:a16="http://schemas.microsoft.com/office/drawing/2014/main" id="{51DA8AEE-7062-43E7-AB19-A0FCDB27E037}"/>
+                </a:ext>
+              </a:extLst>
+            </p:cNvPr>
+            <p:cNvSpPr/>
+            <p:nvPr/>
+          </p:nvSpPr>
+          <p:spPr>
+            <a:xfrm>
+              <a:off x="6328012" y="994468"/>
+              <a:ext cx="1080120" cy="504056"/>
+            </a:xfrm>
+            <a:prstGeom prst="rect">
+              <a:avLst/>
+            </a:prstGeom>
+            <a:solidFill>
+              <a:schemeClr val="bg1"/>
+            </a:solidFill>
+            <a:ln>
+              <a:solidFill>
+                <a:schemeClr val="bg1"/>
+              </a:solidFill>
+            </a:ln>
+          </p:spPr>
+          <p:style>
+            <a:lnRef idx="2">
+              <a:schemeClr val="accent1">
+                <a:shade val="50000"/>
+              </a:schemeClr>
+            </a:lnRef>
+            <a:fillRef idx="1">
+              <a:schemeClr val="accent1"/>
+            </a:fillRef>
+            <a:effectRef idx="0">
+              <a:schemeClr val="accent1"/>
+            </a:effectRef>
+            <a:fontRef idx="minor">
+              <a:schemeClr val="lt1"/>
+            </a:fontRef>
+          </p:style>
+          <p:txBody>
+            <a:bodyPr rtlCol="0" anchor="ctr"/>
+            <a:lstStyle/>
+            <a:p>
+              <a:pPr algn="ctr"/>
+              <a:endParaRPr lang="ru-RU"/>
+            </a:p>
+          </p:txBody>
+        </p:sp>
+      </p:grpSp>
     </p:spTree>
     <p:extLst>
       <p:ext uri="{BB962C8B-B14F-4D97-AF65-F5344CB8AC3E}">
@@ -5418,7 +6221,7 @@
 </p:sld>
 </file>
 
-<file path=ppt/slides/slide18.xml><?xml version="1.0" encoding="utf-8"?>
+<file path=ppt/slides/slide19.xml><?xml version="1.0" encoding="utf-8"?>
 <p:sld xmlns:a="http://schemas.openxmlformats.org/drawingml/2006/main" xmlns:r="http://schemas.openxmlformats.org/officeDocument/2006/relationships" xmlns:p="http://schemas.openxmlformats.org/presentationml/2006/main">
   <p:cSld>
     <p:spTree>
@@ -5715,61 +6518,6 @@
       </p:sp>
       <p:sp>
         <p:nvSpPr>
-          <p:cNvPr id="3" name="Заголовок 3">
-            <a:extLst>
-              <a:ext uri="{FF2B5EF4-FFF2-40B4-BE49-F238E27FC236}">
-                <a16:creationId xmlns:a16="http://schemas.microsoft.com/office/drawing/2014/main" id="{07D50FF2-49AC-4665-9BBA-BA8F10607065}"/>
-              </a:ext>
-            </a:extLst>
-          </p:cNvPr>
-          <p:cNvSpPr txBox="1">
-            <a:spLocks/>
-          </p:cNvSpPr>
-          <p:nvPr/>
-        </p:nvSpPr>
-        <p:spPr>
-          <a:xfrm>
-            <a:off x="113712" y="1495005"/>
-            <a:ext cx="3816424" cy="1089529"/>
-          </a:xfrm>
-          <a:prstGeom prst="rect">
-            <a:avLst/>
-          </a:prstGeom>
-        </p:spPr>
-        <p:txBody>
-          <a:bodyPr wrap="square">
-            <a:spAutoFit/>
-          </a:bodyPr>
-          <a:lstStyle>
-            <a:lvl1pPr algn="l" defTabSz="914400" rtl="0" eaLnBrk="1" latinLnBrk="0" hangingPunct="1">
-              <a:lnSpc>
-                <a:spcPct val="90000"/>
-              </a:lnSpc>
-              <a:spcBef>
-                <a:spcPct val="0"/>
-              </a:spcBef>
-              <a:buNone/>
-              <a:defRPr sz="4400" kern="1200">
-                <a:solidFill>
-                  <a:schemeClr val="tx1"/>
-                </a:solidFill>
-                <a:latin typeface="+mj-lt"/>
-                <a:ea typeface="+mj-ea"/>
-                <a:cs typeface="+mj-cs"/>
-              </a:defRPr>
-            </a:lvl1pPr>
-          </a:lstStyle>
-          <a:p>
-            <a:pPr algn="ctr"/>
-            <a:r>
-              <a:rPr lang="ru-RU" sz="3600" b="1" dirty="0"/>
-              <a:t>Стандартная схема или</a:t>
-            </a:r>
-          </a:p>
-        </p:txBody>
-      </p:sp>
-      <p:sp>
-        <p:nvSpPr>
           <p:cNvPr id="21" name="Стрелка: пятиугольник 20">
             <a:extLst>
               <a:ext uri="{FF2B5EF4-FFF2-40B4-BE49-F238E27FC236}">
@@ -5828,8 +6576,8 @@
         </p:nvSpPr>
         <p:spPr>
           <a:xfrm>
-            <a:off x="312565" y="3133534"/>
-            <a:ext cx="2736304" cy="590931"/>
+            <a:off x="312565" y="2884235"/>
+            <a:ext cx="2736304" cy="1089529"/>
           </a:xfrm>
           <a:prstGeom prst="rect">
             <a:avLst/>
@@ -5862,7 +6610,7 @@
             <a:pPr algn="ctr"/>
             <a:r>
               <a:rPr lang="ru-RU" sz="3600" b="1" dirty="0"/>
-              <a:t>Тромбон</a:t>
+              <a:t>Стандартная схема</a:t>
             </a:r>
           </a:p>
         </p:txBody>
@@ -6156,7 +6904,7 @@
             <a:pPr algn="ctr"/>
             <a:r>
               <a:rPr lang="ru-RU" sz="3600" b="1" dirty="0"/>
-              <a:t>Полутромбон</a:t>
+              <a:t>Тромбон</a:t>
             </a:r>
           </a:p>
         </p:txBody>
@@ -6232,7 +6980,7 @@
           <p:cNvPr id="2" name="Заголовок 3">
             <a:extLst>
               <a:ext uri="{FF2B5EF4-FFF2-40B4-BE49-F238E27FC236}">
-                <a16:creationId xmlns:a16="http://schemas.microsoft.com/office/drawing/2014/main" id="{E315E723-6F07-42B5-9EAD-FEA776A346D8}"/>
+                <a16:creationId xmlns:a16="http://schemas.microsoft.com/office/drawing/2014/main" id="{98E0285E-9EB3-4E14-B704-95611A986DA3}"/>
               </a:ext>
             </a:extLst>
           </p:cNvPr>
@@ -6244,7 +6992,7 @@
         <p:spPr>
           <a:xfrm>
             <a:off x="3755740" y="116632"/>
-            <a:ext cx="4680520" cy="1311128"/>
+            <a:ext cx="4680520" cy="701731"/>
           </a:xfrm>
           <a:prstGeom prst="rect">
             <a:avLst/>
@@ -6277,7 +7025,7 @@
             <a:pPr algn="ctr"/>
             <a:r>
               <a:rPr lang="ru-RU" b="1" dirty="0"/>
-              <a:t>Описание зоны аэропорта</a:t>
+              <a:t>Формат</a:t>
             </a:r>
           </a:p>
         </p:txBody>
@@ -6287,7 +7035,7 @@
           <p:cNvPr id="3" name="TextBox 2">
             <a:extLst>
               <a:ext uri="{FF2B5EF4-FFF2-40B4-BE49-F238E27FC236}">
-                <a16:creationId xmlns:a16="http://schemas.microsoft.com/office/drawing/2014/main" id="{9A73005A-14A7-4E86-81A2-4B96FEA55641}"/>
+                <a16:creationId xmlns:a16="http://schemas.microsoft.com/office/drawing/2014/main" id="{3728C4A8-E933-43F2-AC51-1E27CF595F5A}"/>
               </a:ext>
             </a:extLst>
           </p:cNvPr>
@@ -6297,7 +7045,7 @@
         <p:spPr>
           <a:xfrm>
             <a:off x="911424" y="1556792"/>
-            <a:ext cx="11280576" cy="2246769"/>
+            <a:ext cx="9361040" cy="2499467"/>
           </a:xfrm>
           <a:prstGeom prst="rect">
             <a:avLst/>
@@ -6311,229 +7059,47 @@
           <a:lstStyle/>
           <a:p>
             <a:pPr marL="285750" indent="-285750">
+              <a:lnSpc>
+                <a:spcPct val="150000"/>
+              </a:lnSpc>
               <a:buFont typeface="Arial" panose="020B0604020202020204" pitchFamily="34" charset="0"/>
               <a:buChar char="•"/>
             </a:pPr>
             <a:r>
-              <a:rPr lang="ru-RU" sz="2800" dirty="0"/>
-              <a:t>Файл с данными контрольных точек:</a:t>
-            </a:r>
-          </a:p>
-          <a:p>
-            <a:r>
-              <a:rPr lang="ru-RU" sz="2800" dirty="0" err="1"/>
-              <a:t>Название_точки</a:t>
-            </a:r>
-            <a:r>
-              <a:rPr lang="ru-RU" sz="2800" dirty="0"/>
-              <a:t>   </a:t>
-            </a:r>
-            <a:r>
-              <a:rPr lang="en-US" sz="2800" dirty="0"/>
-              <a:t>x</a:t>
-            </a:r>
-            <a:r>
-              <a:rPr lang="ru-RU" sz="2800" dirty="0"/>
-              <a:t>  </a:t>
-            </a:r>
-            <a:r>
-              <a:rPr lang="en-US" sz="2800" dirty="0"/>
-              <a:t> y</a:t>
-            </a:r>
-            <a:r>
-              <a:rPr lang="ru-RU" sz="2800" dirty="0"/>
-              <a:t>  </a:t>
-            </a:r>
-            <a:r>
-              <a:rPr lang="en-US" sz="2800" dirty="0"/>
-              <a:t> z </a:t>
-            </a:r>
-            <a:r>
-              <a:rPr lang="ru-RU" sz="2800" dirty="0"/>
-              <a:t>  </a:t>
-            </a:r>
-            <a:r>
-              <a:rPr lang="en-US" sz="2800" dirty="0"/>
-              <a:t>Vmin</a:t>
-            </a:r>
-            <a:r>
-              <a:rPr lang="ru-RU" sz="2800" dirty="0"/>
-              <a:t>  </a:t>
-            </a:r>
-            <a:r>
-              <a:rPr lang="en-US" sz="2800" dirty="0"/>
-              <a:t> Vmax </a:t>
-            </a:r>
-            <a:r>
-              <a:rPr lang="ru-RU" sz="2800" dirty="0"/>
-              <a:t>  </a:t>
-            </a:r>
-            <a:r>
-              <a:rPr lang="ru-RU" sz="2800" dirty="0" err="1"/>
-              <a:t>флаг_посадочной_полосы</a:t>
-            </a:r>
-            <a:endParaRPr lang="ru-RU" sz="2800" dirty="0"/>
-          </a:p>
-          <a:p>
-            <a:endParaRPr lang="ru-RU" sz="2800" dirty="0"/>
+              <a:rPr lang="ru-RU" sz="3600" dirty="0">
+                <a:latin typeface="+mj-lt"/>
+              </a:rPr>
+              <a:t>Файл с данными о контрольных точках</a:t>
+            </a:r>
           </a:p>
           <a:p>
             <a:pPr marL="285750" indent="-285750">
+              <a:lnSpc>
+                <a:spcPct val="150000"/>
+              </a:lnSpc>
               <a:buFont typeface="Arial" panose="020B0604020202020204" pitchFamily="34" charset="0"/>
               <a:buChar char="•"/>
             </a:pPr>
             <a:r>
-              <a:rPr lang="ru-RU" sz="2800" dirty="0"/>
-              <a:t>Файл с данными потоков:</a:t>
-            </a:r>
-          </a:p>
-          <a:p>
-            <a:r>
-              <a:rPr lang="ru-RU" sz="2800" dirty="0" err="1"/>
-              <a:t>Название_потока</a:t>
-            </a:r>
-            <a:r>
-              <a:rPr lang="ru-RU" sz="2800" dirty="0"/>
-              <a:t>   </a:t>
-            </a:r>
-            <a:r>
-              <a:rPr lang="ru-RU" sz="2800" dirty="0" err="1"/>
-              <a:t>Имя_первой_точки</a:t>
-            </a:r>
-            <a:endParaRPr lang="ru-RU" sz="2800" dirty="0"/>
-          </a:p>
-        </p:txBody>
-      </p:sp>
-      <p:sp>
-        <p:nvSpPr>
-          <p:cNvPr id="4" name="Прямоугольник 3">
-            <a:extLst>
-              <a:ext uri="{FF2B5EF4-FFF2-40B4-BE49-F238E27FC236}">
-                <a16:creationId xmlns:a16="http://schemas.microsoft.com/office/drawing/2014/main" id="{7883FB65-76B1-4A43-A5AF-F42C2D89A165}"/>
-              </a:ext>
-            </a:extLst>
-          </p:cNvPr>
-          <p:cNvSpPr/>
-          <p:nvPr/>
-        </p:nvSpPr>
-        <p:spPr>
-          <a:xfrm>
-            <a:off x="1919536" y="3884840"/>
-            <a:ext cx="1944216" cy="2862322"/>
-          </a:xfrm>
-          <a:prstGeom prst="rect">
-            <a:avLst/>
-          </a:prstGeom>
-        </p:spPr>
-        <p:txBody>
-          <a:bodyPr wrap="square">
-            <a:spAutoFit/>
-          </a:bodyPr>
-          <a:lstStyle/>
-          <a:p>
-            <a:r>
-              <a:rPr lang="ru-RU" dirty="0"/>
-              <a:t>9</a:t>
-            </a:r>
-          </a:p>
-          <a:p>
-            <a:r>
-              <a:rPr lang="ru-RU" dirty="0"/>
-              <a:t>a -100 0 0 5 10</a:t>
-            </a:r>
-          </a:p>
-          <a:p>
-            <a:r>
-              <a:rPr lang="ru-RU" dirty="0"/>
-              <a:t>b -50 0 0 5 10</a:t>
-            </a:r>
-          </a:p>
-          <a:p>
-            <a:r>
-              <a:rPr lang="ru-RU" dirty="0"/>
-              <a:t>c 0 0 0 5 10</a:t>
-            </a:r>
-          </a:p>
-          <a:p>
-            <a:r>
-              <a:rPr lang="ru-RU" dirty="0"/>
-              <a:t>d 50 0 0 5 10</a:t>
-            </a:r>
-          </a:p>
-          <a:p>
-            <a:r>
-              <a:rPr lang="ru-RU" dirty="0"/>
-              <a:t>e 200 0 0 4 6</a:t>
-            </a:r>
-          </a:p>
-          <a:p>
-            <a:r>
-              <a:rPr lang="ru-RU" dirty="0"/>
-              <a:t>f 50 100 0 4 8</a:t>
-            </a:r>
-          </a:p>
-          <a:p>
-            <a:r>
-              <a:rPr lang="ru-RU" dirty="0"/>
-              <a:t>g -50 50 0 5 10</a:t>
-            </a:r>
-          </a:p>
-          <a:p>
-            <a:r>
-              <a:rPr lang="ru-RU" dirty="0"/>
-              <a:t>h -200 50 0 5 10</a:t>
-            </a:r>
-          </a:p>
-          <a:p>
-            <a:r>
-              <a:rPr lang="ru-RU" dirty="0"/>
-              <a:t>r 400 0 0 2 5 LAND</a:t>
-            </a:r>
-          </a:p>
-        </p:txBody>
-      </p:sp>
-      <p:sp>
-        <p:nvSpPr>
-          <p:cNvPr id="5" name="Прямоугольник 4">
-            <a:extLst>
-              <a:ext uri="{FF2B5EF4-FFF2-40B4-BE49-F238E27FC236}">
-                <a16:creationId xmlns:a16="http://schemas.microsoft.com/office/drawing/2014/main" id="{5D429D1C-CB3D-4C54-85D2-D244AF086A11}"/>
-              </a:ext>
-            </a:extLst>
-          </p:cNvPr>
-          <p:cNvSpPr/>
-          <p:nvPr/>
-        </p:nvSpPr>
-        <p:spPr>
-          <a:xfrm>
-            <a:off x="7680176" y="3884840"/>
-            <a:ext cx="1080118" cy="923330"/>
-          </a:xfrm>
-          <a:prstGeom prst="rect">
-            <a:avLst/>
-          </a:prstGeom>
-        </p:spPr>
-        <p:txBody>
-          <a:bodyPr wrap="square">
-            <a:spAutoFit/>
-          </a:bodyPr>
-          <a:lstStyle/>
-          <a:p>
-            <a:r>
-              <a:rPr lang="ru-RU" dirty="0"/>
-              <a:t>2</a:t>
-            </a:r>
-          </a:p>
-          <a:p>
-            <a:r>
-              <a:rPr lang="ru-RU" dirty="0"/>
-              <a:t>Flow1 e</a:t>
-            </a:r>
-          </a:p>
-          <a:p>
-            <a:r>
-              <a:rPr lang="ru-RU" dirty="0"/>
-              <a:t>Flow2 a</a:t>
+              <a:rPr lang="ru-RU" sz="3600" dirty="0">
+                <a:latin typeface="+mj-lt"/>
+              </a:rPr>
+              <a:t>Файл с данными  схем (элементы трассы)</a:t>
+            </a:r>
+          </a:p>
+          <a:p>
+            <a:pPr marL="285750" indent="-285750">
+              <a:lnSpc>
+                <a:spcPct val="150000"/>
+              </a:lnSpc>
+              <a:buFont typeface="Arial" panose="020B0604020202020204" pitchFamily="34" charset="0"/>
+              <a:buChar char="•"/>
+            </a:pPr>
+            <a:r>
+              <a:rPr lang="ru-RU" sz="3600" dirty="0">
+                <a:latin typeface="+mj-lt"/>
+              </a:rPr>
+              <a:t>Файл с данными потоков</a:t>
             </a:r>
           </a:p>
         </p:txBody>
@@ -6541,7 +7107,7 @@
     </p:spTree>
     <p:extLst>
       <p:ext uri="{BB962C8B-B14F-4D97-AF65-F5344CB8AC3E}">
-        <p14:creationId xmlns:p14="http://schemas.microsoft.com/office/powerpoint/2010/main" val="38524349"/>
+        <p14:creationId xmlns:p14="http://schemas.microsoft.com/office/powerpoint/2010/main" val="451505148"/>
       </p:ext>
     </p:extLst>
   </p:cSld>
@@ -6573,7 +7139,7 @@
           <p:cNvPr id="2" name="Заголовок 3">
             <a:extLst>
               <a:ext uri="{FF2B5EF4-FFF2-40B4-BE49-F238E27FC236}">
-                <a16:creationId xmlns:a16="http://schemas.microsoft.com/office/drawing/2014/main" id="{6374CD78-ADE8-49CC-A67B-89BEEE344128}"/>
+                <a16:creationId xmlns:a16="http://schemas.microsoft.com/office/drawing/2014/main" id="{E315E723-6F07-42B5-9EAD-FEA776A346D8}"/>
               </a:ext>
             </a:extLst>
           </p:cNvPr>
@@ -6585,7 +7151,7 @@
         <p:spPr>
           <a:xfrm>
             <a:off x="3755740" y="116632"/>
-            <a:ext cx="4680520" cy="1311128"/>
+            <a:ext cx="5004554" cy="1311128"/>
           </a:xfrm>
           <a:prstGeom prst="rect">
             <a:avLst/>
@@ -6618,7 +7184,7 @@
             <a:pPr algn="ctr"/>
             <a:r>
               <a:rPr lang="ru-RU" b="1" dirty="0"/>
-              <a:t>Описание зоны аэропорта</a:t>
+              <a:t>Файл с данными о контрольных точках</a:t>
             </a:r>
           </a:p>
         </p:txBody>
@@ -6628,7 +7194,7 @@
           <p:cNvPr id="3" name="TextBox 2">
             <a:extLst>
               <a:ext uri="{FF2B5EF4-FFF2-40B4-BE49-F238E27FC236}">
-                <a16:creationId xmlns:a16="http://schemas.microsoft.com/office/drawing/2014/main" id="{BFCE3E9D-8066-4E7C-9359-974F2E7B1B06}"/>
+                <a16:creationId xmlns:a16="http://schemas.microsoft.com/office/drawing/2014/main" id="{9A73005A-14A7-4E86-81A2-4B96FEA55641}"/>
               </a:ext>
             </a:extLst>
           </p:cNvPr>
@@ -6637,8 +7203,8 @@
         </p:nvSpPr>
         <p:spPr>
           <a:xfrm>
-            <a:off x="911424" y="1772816"/>
-            <a:ext cx="11280576" cy="3539430"/>
+            <a:off x="455712" y="1556792"/>
+            <a:ext cx="11280576" cy="2246769"/>
           </a:xfrm>
           <a:prstGeom prst="rect">
             <a:avLst/>
@@ -6651,229 +7217,302 @@
           </a:bodyPr>
           <a:lstStyle/>
           <a:p>
-            <a:pPr marL="285750" indent="-285750">
-              <a:buFont typeface="Arial" panose="020B0604020202020204" pitchFamily="34" charset="0"/>
-              <a:buChar char="•"/>
-            </a:pPr>
+            <a:pPr algn="just"/>
             <a:r>
               <a:rPr lang="ru-RU" sz="2800" dirty="0"/>
-              <a:t>Файл с данными схем:</a:t>
-            </a:r>
-          </a:p>
-          <a:p>
-            <a:r>
-              <a:rPr lang="ru-RU" sz="2800" dirty="0" err="1"/>
-              <a:t>Название_схемы</a:t>
-            </a:r>
-            <a:r>
-              <a:rPr lang="ru-RU" sz="2800" dirty="0"/>
-              <a:t> (начальная точка схемы) (конечные точки схемы):</a:t>
-            </a:r>
-          </a:p>
-          <a:p>
-            <a:r>
-              <a:rPr lang="ru-RU" sz="2800" dirty="0"/>
-              <a:t>Название01 … Название0К </a:t>
-            </a:r>
-            <a:r>
-              <a:rPr lang="en-US" sz="2800" dirty="0"/>
-              <a:t>Str(</a:t>
-            </a:r>
-            <a:r>
-              <a:rPr lang="ru-RU" sz="2800" dirty="0"/>
-              <a:t>Название11 … Название1К</a:t>
-            </a:r>
-            <a:r>
-              <a:rPr lang="en-US" sz="2800" dirty="0"/>
-              <a:t>)</a:t>
-            </a:r>
-            <a:r>
-              <a:rPr lang="ru-RU" sz="2800" dirty="0"/>
-              <a:t> </a:t>
-            </a:r>
-          </a:p>
-          <a:p>
-            <a:r>
-              <a:rPr lang="ru-RU" sz="2800" dirty="0"/>
-              <a:t>Название21 … Название2К </a:t>
-            </a:r>
-            <a:r>
-              <a:rPr lang="en-US" sz="2800" dirty="0"/>
-              <a:t>/Str </a:t>
-            </a:r>
-            <a:r>
-              <a:rPr lang="ru-RU" sz="2800" dirty="0"/>
-              <a:t>Название31 … Название3К</a:t>
-            </a:r>
-          </a:p>
-          <a:p>
+              <a:t>В первой строке указывается целое число – количество контрольных точек в описываемом районе. Далее перечисляются контрольные точки по одной на строке в следующем формате:</a:t>
+            </a:r>
+          </a:p>
+          <a:p>
+            <a:pPr algn="just"/>
             <a:endParaRPr lang="ru-RU" sz="2800" dirty="0"/>
           </a:p>
           <a:p>
+            <a:pPr algn="ctr"/>
+            <a:r>
+              <a:rPr lang="ru-RU" sz="2800" i="1" dirty="0" err="1"/>
+              <a:t>Название_точки</a:t>
+            </a:r>
             <a:r>
               <a:rPr lang="ru-RU" sz="2800" i="1" dirty="0"/>
-              <a:t>Условности:</a:t>
-            </a:r>
-          </a:p>
-          <a:p>
-            <a:r>
-              <a:rPr lang="ru-RU" sz="2800" dirty="0"/>
-              <a:t>Схемы пересекаются только по начальной и конечным точкам. В одной схеме может быть только одно спрямление.</a:t>
-            </a:r>
-          </a:p>
-        </p:txBody>
-      </p:sp>
-      <mc:AlternateContent xmlns:mc="http://schemas.openxmlformats.org/markup-compatibility/2006" xmlns:psez="http://schemas.microsoft.com/office/powerpoint/2016/sectionzoom">
-        <mc:Choice Requires="psez">
-          <p:graphicFrame>
-            <p:nvGraphicFramePr>
-              <p:cNvPr id="7" name="Ссылка на раздел 6">
-                <a:extLst>
-                  <a:ext uri="{FF2B5EF4-FFF2-40B4-BE49-F238E27FC236}">
-                    <a16:creationId xmlns:a16="http://schemas.microsoft.com/office/drawing/2014/main" id="{7510E08E-A4E5-48F1-ACA4-D157EB3CB5A4}"/>
-                  </a:ext>
-                </a:extLst>
-              </p:cNvPr>
-              <p:cNvGraphicFramePr>
-                <a:graphicFrameLocks noChangeAspect="1"/>
-              </p:cNvGraphicFramePr>
-              <p:nvPr>
-                <p:extLst>
-                  <p:ext uri="{D42A27DB-BD31-4B8C-83A1-F6EECF244321}">
-                    <p14:modId xmlns:p14="http://schemas.microsoft.com/office/powerpoint/2010/main" val="3315531597"/>
-                  </p:ext>
-                </p:extLst>
-              </p:nvPr>
-            </p:nvGraphicFramePr>
-            <p:xfrm>
-              <a:off x="7968208" y="4941168"/>
-              <a:ext cx="3048000" cy="1714500"/>
-            </p:xfrm>
-            <a:graphic>
-              <a:graphicData uri="http://schemas.microsoft.com/office/powerpoint/2016/sectionzoom">
-                <psez:sectionZm>
-                  <psez:sectionZmObj sectionId="{ACDC4245-4E69-4417-8D44-2B1C83E98C20}">
-                    <psez:zmPr id="{44B19441-3ECB-4C03-A627-00CFFE599C81}" transitionDur="500">
-                      <p166:blipFill xmlns:p166="http://schemas.microsoft.com/office/powerpoint/2016/6/main">
-                        <a:blip r:embed="rId2"/>
-                        <a:stretch>
-                          <a:fillRect/>
-                        </a:stretch>
-                      </p166:blipFill>
-                      <p166:spPr xmlns:p166="http://schemas.microsoft.com/office/powerpoint/2016/6/main">
-                        <a:xfrm>
-                          <a:off x="0" y="0"/>
-                          <a:ext cx="3048000" cy="1714500"/>
-                        </a:xfrm>
-                        <a:prstGeom prst="snip2DiagRect">
-                          <a:avLst/>
-                        </a:prstGeom>
-                        <a:solidFill>
-                          <a:srgbClr val="FFFFFF">
-                            <a:shade val="85000"/>
-                          </a:srgbClr>
-                        </a:solidFill>
-                        <a:ln w="88900" cap="sq">
-                          <a:solidFill>
-                            <a:srgbClr val="FFFFFF"/>
-                          </a:solidFill>
-                          <a:miter lim="800000"/>
-                        </a:ln>
-                        <a:effectLst>
-                          <a:outerShdw blurRad="88900" algn="tl" rotWithShape="0">
-                            <a:srgbClr val="000000">
-                              <a:alpha val="45000"/>
-                            </a:srgbClr>
-                          </a:outerShdw>
-                        </a:effectLst>
-                        <a:scene3d>
-                          <a:camera prst="orthographicFront"/>
-                          <a:lightRig rig="twoPt" dir="t">
-                            <a:rot lat="0" lon="0" rev="7200000"/>
-                          </a:lightRig>
-                        </a:scene3d>
-                        <a:sp3d>
-                          <a:bevelT w="25400" h="19050"/>
-                          <a:contourClr>
-                            <a:srgbClr val="FFFFFF"/>
-                          </a:contourClr>
-                        </a:sp3d>
-                      </p166:spPr>
-                    </psez:zmPr>
-                  </psez:sectionZmObj>
-                </psez:sectionZm>
-              </a:graphicData>
-            </a:graphic>
-          </p:graphicFrame>
-        </mc:Choice>
-        <mc:Fallback xmlns="">
-          <p:pic>
-            <p:nvPicPr>
-              <p:cNvPr id="7" name="Ссылка на раздел 6">
-                <a:hlinkClick r:id="rId3" action="ppaction://hlinksldjump"/>
-                <a:extLst>
-                  <a:ext uri="{FF2B5EF4-FFF2-40B4-BE49-F238E27FC236}">
-                    <a16:creationId xmlns:a16="http://schemas.microsoft.com/office/drawing/2014/main" id="{7510E08E-A4E5-48F1-ACA4-D157EB3CB5A4}"/>
-                  </a:ext>
-                </a:extLst>
-              </p:cNvPr>
-              <p:cNvPicPr>
-                <a:picLocks noGrp="1" noRot="1" noChangeAspect="1" noMove="1" noResize="1" noEditPoints="1" noAdjustHandles="1" noChangeArrowheads="1" noChangeShapeType="1"/>
-              </p:cNvPicPr>
-              <p:nvPr/>
-            </p:nvPicPr>
-            <p:blipFill>
-              <a:blip r:embed="rId4"/>
-              <a:stretch>
-                <a:fillRect/>
-              </a:stretch>
-            </p:blipFill>
-            <p:spPr>
-              <a:xfrm>
-                <a:off x="7968208" y="4941168"/>
-                <a:ext cx="3048000" cy="1714500"/>
-              </a:xfrm>
-              <a:prstGeom prst="snip2DiagRect">
-                <a:avLst/>
-              </a:prstGeom>
-              <a:solidFill>
-                <a:srgbClr val="FFFFFF">
-                  <a:shade val="85000"/>
-                </a:srgbClr>
-              </a:solidFill>
-              <a:ln w="88900" cap="sq">
-                <a:solidFill>
-                  <a:srgbClr val="FFFFFF"/>
-                </a:solidFill>
-                <a:miter lim="800000"/>
-              </a:ln>
-              <a:effectLst>
-                <a:outerShdw blurRad="88900" algn="tl" rotWithShape="0">
-                  <a:srgbClr val="000000">
-                    <a:alpha val="45000"/>
-                  </a:srgbClr>
-                </a:outerShdw>
-              </a:effectLst>
-              <a:scene3d>
-                <a:camera prst="orthographicFront"/>
-                <a:lightRig rig="twoPt" dir="t">
-                  <a:rot lat="0" lon="0" rev="7200000"/>
-                </a:lightRig>
-              </a:scene3d>
-              <a:sp3d>
-                <a:bevelT w="25400" h="19050"/>
-                <a:contourClr>
-                  <a:srgbClr val="FFFFFF"/>
-                </a:contourClr>
-              </a:sp3d>
-            </p:spPr>
-          </p:pic>
-        </mc:Fallback>
-      </mc:AlternateContent>
+              <a:t>   </a:t>
+            </a:r>
+            <a:r>
+              <a:rPr lang="en-US" sz="2800" i="1" dirty="0"/>
+              <a:t>x</a:t>
+            </a:r>
+            <a:r>
+              <a:rPr lang="ru-RU" sz="2800" i="1" dirty="0"/>
+              <a:t>  </a:t>
+            </a:r>
+            <a:r>
+              <a:rPr lang="en-US" sz="2800" i="1" dirty="0"/>
+              <a:t> y</a:t>
+            </a:r>
+            <a:r>
+              <a:rPr lang="ru-RU" sz="2800" i="1" dirty="0"/>
+              <a:t>  </a:t>
+            </a:r>
+            <a:r>
+              <a:rPr lang="en-US" sz="2800" i="1" dirty="0"/>
+              <a:t> z </a:t>
+            </a:r>
+            <a:r>
+              <a:rPr lang="ru-RU" sz="2800" i="1" dirty="0"/>
+              <a:t>  </a:t>
+            </a:r>
+            <a:r>
+              <a:rPr lang="en-US" sz="2800" i="1" dirty="0"/>
+              <a:t>Vmin</a:t>
+            </a:r>
+            <a:r>
+              <a:rPr lang="ru-RU" sz="2800" i="1" dirty="0"/>
+              <a:t>  </a:t>
+            </a:r>
+            <a:r>
+              <a:rPr lang="en-US" sz="2800" i="1" dirty="0"/>
+              <a:t> Vmax </a:t>
+            </a:r>
+            <a:r>
+              <a:rPr lang="ru-RU" sz="2800" i="1" dirty="0"/>
+              <a:t>  </a:t>
+            </a:r>
+            <a:r>
+              <a:rPr lang="ru-RU" sz="2800" i="1" dirty="0" err="1"/>
+              <a:t>флаг_посадочной_полосы</a:t>
+            </a:r>
+            <a:endParaRPr lang="ru-RU" sz="2800" i="1" dirty="0"/>
+          </a:p>
+        </p:txBody>
+      </p:sp>
+      <p:grpSp>
+        <p:nvGrpSpPr>
+          <p:cNvPr id="7" name="Группа 6">
+            <a:extLst>
+              <a:ext uri="{FF2B5EF4-FFF2-40B4-BE49-F238E27FC236}">
+                <a16:creationId xmlns:a16="http://schemas.microsoft.com/office/drawing/2014/main" id="{BAFCFDE1-B719-4828-81E6-402F37083B39}"/>
+              </a:ext>
+            </a:extLst>
+          </p:cNvPr>
+          <p:cNvGrpSpPr/>
+          <p:nvPr/>
+        </p:nvGrpSpPr>
+        <p:grpSpPr>
+          <a:xfrm>
+            <a:off x="983432" y="4221088"/>
+            <a:ext cx="9577064" cy="1713676"/>
+            <a:chOff x="1055440" y="4581128"/>
+            <a:chExt cx="5976664" cy="1713676"/>
+          </a:xfrm>
+        </p:grpSpPr>
+        <p:sp>
+          <p:nvSpPr>
+            <p:cNvPr id="4" name="Прямоугольник 3">
+              <a:extLst>
+                <a:ext uri="{FF2B5EF4-FFF2-40B4-BE49-F238E27FC236}">
+                  <a16:creationId xmlns:a16="http://schemas.microsoft.com/office/drawing/2014/main" id="{7883FB65-76B1-4A43-A5AF-F42C2D89A165}"/>
+                </a:ext>
+              </a:extLst>
+            </p:cNvPr>
+            <p:cNvSpPr/>
+            <p:nvPr/>
+          </p:nvSpPr>
+          <p:spPr>
+            <a:xfrm>
+              <a:off x="2999656" y="4725144"/>
+              <a:ext cx="4032448" cy="1569660"/>
+            </a:xfrm>
+            <a:prstGeom prst="rect">
+              <a:avLst/>
+            </a:prstGeom>
+          </p:spPr>
+          <p:txBody>
+            <a:bodyPr wrap="square">
+              <a:spAutoFit/>
+            </a:bodyPr>
+            <a:lstStyle/>
+            <a:p>
+              <a:r>
+                <a:rPr lang="ru-RU" sz="2400" dirty="0"/>
+                <a:t>3</a:t>
+              </a:r>
+            </a:p>
+            <a:p>
+              <a:r>
+                <a:rPr lang="en-US" sz="2400" dirty="0"/>
+                <a:t>A</a:t>
+              </a:r>
+              <a:r>
+                <a:rPr lang="ru-RU" sz="2400" dirty="0"/>
+                <a:t>  </a:t>
+              </a:r>
+              <a:r>
+                <a:rPr lang="en-US" sz="2400" dirty="0"/>
+                <a:t>  </a:t>
+              </a:r>
+              <a:r>
+                <a:rPr lang="ru-RU" sz="2400" dirty="0"/>
+                <a:t>-100</a:t>
+              </a:r>
+              <a:r>
+                <a:rPr lang="en-US" sz="2400" dirty="0"/>
+                <a:t>  </a:t>
+              </a:r>
+              <a:r>
+                <a:rPr lang="ru-RU" sz="2400" dirty="0"/>
+                <a:t> 0     50  </a:t>
+              </a:r>
+              <a:r>
+                <a:rPr lang="en-US" sz="2400" dirty="0"/>
+                <a:t> </a:t>
+              </a:r>
+              <a:r>
+                <a:rPr lang="ru-RU" sz="2400" dirty="0"/>
+                <a:t>5 </a:t>
+              </a:r>
+              <a:r>
+                <a:rPr lang="en-US" sz="2400" dirty="0"/>
+                <a:t>  </a:t>
+              </a:r>
+              <a:r>
+                <a:rPr lang="ru-RU" sz="2400" dirty="0"/>
+                <a:t>10</a:t>
+              </a:r>
+            </a:p>
+            <a:p>
+              <a:r>
+                <a:rPr lang="en-US" sz="2400" dirty="0"/>
+                <a:t>B</a:t>
+              </a:r>
+              <a:r>
+                <a:rPr lang="ru-RU" sz="2400" dirty="0"/>
+                <a:t> </a:t>
+              </a:r>
+              <a:r>
+                <a:rPr lang="en-US" sz="2400" dirty="0"/>
+                <a:t>  </a:t>
+              </a:r>
+              <a:r>
+                <a:rPr lang="ru-RU" sz="2400" dirty="0"/>
+                <a:t> -50   </a:t>
+              </a:r>
+              <a:r>
+                <a:rPr lang="en-US" sz="2400" dirty="0"/>
+                <a:t>  </a:t>
+              </a:r>
+              <a:r>
+                <a:rPr lang="ru-RU" sz="2400" dirty="0"/>
+                <a:t>20   50  </a:t>
+              </a:r>
+              <a:r>
+                <a:rPr lang="en-US" sz="2400" dirty="0"/>
+                <a:t> </a:t>
+              </a:r>
+              <a:r>
+                <a:rPr lang="ru-RU" sz="2400" dirty="0"/>
+                <a:t>5 </a:t>
+              </a:r>
+              <a:r>
+                <a:rPr lang="en-US" sz="2400" dirty="0"/>
+                <a:t>  </a:t>
+              </a:r>
+              <a:r>
+                <a:rPr lang="ru-RU" sz="2400" dirty="0"/>
+                <a:t>10</a:t>
+              </a:r>
+            </a:p>
+            <a:p>
+              <a:r>
+                <a:rPr lang="en-US" sz="2400" dirty="0"/>
+                <a:t>C</a:t>
+              </a:r>
+              <a:r>
+                <a:rPr lang="ru-RU" sz="2400" dirty="0"/>
+                <a:t>   </a:t>
+              </a:r>
+              <a:r>
+                <a:rPr lang="en-US" sz="2400" dirty="0"/>
+                <a:t>  </a:t>
+              </a:r>
+              <a:r>
+                <a:rPr lang="ru-RU" sz="2400" dirty="0"/>
+                <a:t>400  </a:t>
+              </a:r>
+              <a:r>
+                <a:rPr lang="en-US" sz="2400" dirty="0"/>
+                <a:t>  </a:t>
+              </a:r>
+              <a:r>
+                <a:rPr lang="ru-RU" sz="2400" dirty="0"/>
+                <a:t>0     0 </a:t>
+              </a:r>
+              <a:r>
+                <a:rPr lang="en-US" sz="2400" dirty="0"/>
+                <a:t>    </a:t>
+              </a:r>
+              <a:r>
+                <a:rPr lang="ru-RU" sz="2400" dirty="0"/>
+                <a:t>2 </a:t>
+              </a:r>
+              <a:r>
+                <a:rPr lang="en-US" sz="2400" dirty="0"/>
+                <a:t>  </a:t>
+              </a:r>
+              <a:r>
+                <a:rPr lang="ru-RU" sz="2400" dirty="0"/>
+                <a:t>5   LAND</a:t>
+              </a:r>
+            </a:p>
+          </p:txBody>
+        </p:sp>
+        <p:sp>
+          <p:nvSpPr>
+            <p:cNvPr id="6" name="TextBox 5">
+              <a:extLst>
+                <a:ext uri="{FF2B5EF4-FFF2-40B4-BE49-F238E27FC236}">
+                  <a16:creationId xmlns:a16="http://schemas.microsoft.com/office/drawing/2014/main" id="{F1BE1D7C-49E1-42D7-AB96-07412C88D2BF}"/>
+                </a:ext>
+              </a:extLst>
+            </p:cNvPr>
+            <p:cNvSpPr txBox="1"/>
+            <p:nvPr/>
+          </p:nvSpPr>
+          <p:spPr>
+            <a:xfrm>
+              <a:off x="1055440" y="4581128"/>
+              <a:ext cx="1656184" cy="954107"/>
+            </a:xfrm>
+            <a:prstGeom prst="rect">
+              <a:avLst/>
+            </a:prstGeom>
+            <a:noFill/>
+          </p:spPr>
+          <p:txBody>
+            <a:bodyPr wrap="square" rtlCol="0">
+              <a:spAutoFit/>
+            </a:bodyPr>
+            <a:lstStyle/>
+            <a:p>
+              <a:r>
+                <a:rPr lang="ru-RU" sz="2800" dirty="0"/>
+                <a:t>Пример</a:t>
+              </a:r>
+              <a:r>
+                <a:rPr lang="en-US" sz="2800" dirty="0"/>
+                <a:t> </a:t>
+              </a:r>
+              <a:r>
+                <a:rPr lang="ru-RU" sz="2800" dirty="0"/>
+                <a:t>файла:</a:t>
+              </a:r>
+            </a:p>
+          </p:txBody>
+        </p:sp>
+      </p:grpSp>
     </p:spTree>
     <p:extLst>
       <p:ext uri="{BB962C8B-B14F-4D97-AF65-F5344CB8AC3E}">
-        <p14:creationId xmlns:p14="http://schemas.microsoft.com/office/powerpoint/2010/main" val="4125701871"/>
+        <p14:creationId xmlns:p14="http://schemas.microsoft.com/office/powerpoint/2010/main" val="38524349"/>
       </p:ext>
     </p:extLst>
   </p:cSld>
@@ -6905,7 +7544,7 @@
           <p:cNvPr id="2" name="Заголовок 3">
             <a:extLst>
               <a:ext uri="{FF2B5EF4-FFF2-40B4-BE49-F238E27FC236}">
-                <a16:creationId xmlns:a16="http://schemas.microsoft.com/office/drawing/2014/main" id="{96F8F973-663C-440E-8915-5264BEF010DE}"/>
+                <a16:creationId xmlns:a16="http://schemas.microsoft.com/office/drawing/2014/main" id="{6374CD78-ADE8-49CC-A67B-89BEEE344128}"/>
               </a:ext>
             </a:extLst>
           </p:cNvPr>
@@ -6916,8 +7555,8 @@
         </p:nvSpPr>
         <p:spPr>
           <a:xfrm>
-            <a:off x="3755740" y="116632"/>
-            <a:ext cx="4680520" cy="701731"/>
+            <a:off x="2999656" y="202332"/>
+            <a:ext cx="6372708" cy="701731"/>
           </a:xfrm>
           <a:prstGeom prst="rect">
             <a:avLst/>
@@ -6950,7 +7589,7 @@
             <a:pPr algn="ctr"/>
             <a:r>
               <a:rPr lang="ru-RU" b="1" dirty="0"/>
-              <a:t>Работа процедуры</a:t>
+              <a:t>Файл с данными о схемах</a:t>
             </a:r>
           </a:p>
         </p:txBody>
@@ -6960,7 +7599,7 @@
           <p:cNvPr id="3" name="TextBox 2">
             <a:extLst>
               <a:ext uri="{FF2B5EF4-FFF2-40B4-BE49-F238E27FC236}">
-                <a16:creationId xmlns:a16="http://schemas.microsoft.com/office/drawing/2014/main" id="{3D03046D-E28A-4081-AEC9-E466555CEC4D}"/>
+                <a16:creationId xmlns:a16="http://schemas.microsoft.com/office/drawing/2014/main" id="{BFCE3E9D-8066-4E7C-9359-974F2E7B1B06}"/>
               </a:ext>
             </a:extLst>
           </p:cNvPr>
@@ -6969,8 +7608,8 @@
         </p:nvSpPr>
         <p:spPr>
           <a:xfrm>
-            <a:off x="911424" y="1772816"/>
-            <a:ext cx="11280576" cy="3257174"/>
+            <a:off x="911424" y="1152900"/>
+            <a:ext cx="11280576" cy="2438488"/>
           </a:xfrm>
           <a:prstGeom prst="rect">
             <a:avLst/>
@@ -6983,76 +7622,182 @@
           </a:bodyPr>
           <a:lstStyle/>
           <a:p>
-            <a:pPr marL="514350" indent="-514350">
+            <a:pPr>
               <a:lnSpc>
-                <a:spcPct val="150000"/>
+                <a:spcPct val="110000"/>
               </a:lnSpc>
-              <a:buFont typeface="+mj-lt"/>
-              <a:buAutoNum type="arabicPeriod"/>
             </a:pPr>
             <a:r>
               <a:rPr lang="ru-RU" sz="2800" dirty="0"/>
-              <a:t>Чтение исходных данных</a:t>
-            </a:r>
-          </a:p>
-          <a:p>
-            <a:pPr marL="514350" indent="-514350">
+              <a:t>Файл условно разбит на два блока: схемы и стандартные схемы.</a:t>
+            </a:r>
+          </a:p>
+          <a:p>
+            <a:pPr>
               <a:lnSpc>
-                <a:spcPct val="150000"/>
+                <a:spcPct val="110000"/>
               </a:lnSpc>
-              <a:buFont typeface="+mj-lt"/>
-              <a:buAutoNum type="arabicPeriod"/>
             </a:pPr>
             <a:r>
               <a:rPr lang="ru-RU" sz="2800" dirty="0"/>
-              <a:t>Построение графа зоны аэропорта</a:t>
-            </a:r>
-          </a:p>
-          <a:p>
-            <a:pPr marL="514350" indent="-514350">
+              <a:t>В первой строке – количество схем, во второй – количество ст. схем. Далее перечисляются схемы построчно в следующем формате:</a:t>
+            </a:r>
+          </a:p>
+          <a:p>
+            <a:pPr>
               <a:lnSpc>
-                <a:spcPct val="150000"/>
+                <a:spcPct val="110000"/>
               </a:lnSpc>
-              <a:buFont typeface="+mj-lt"/>
-              <a:buAutoNum type="arabicPeriod"/>
             </a:pPr>
             <a:r>
+              <a:rPr lang="ru-RU" sz="2800" i="1" dirty="0" err="1"/>
+              <a:t>Название_схемы</a:t>
+            </a:r>
+            <a:r>
+              <a:rPr lang="ru-RU" sz="2800" i="1" dirty="0"/>
+              <a:t> (начальная точка) (конечные </a:t>
+            </a:r>
+            <a:r>
+              <a:rPr lang="ru-RU" sz="2800" i="1" dirty="0" err="1"/>
+              <a:t>точк</a:t>
+            </a:r>
+            <a:r>
+              <a:rPr lang="ru-RU" sz="2800" i="1" dirty="0"/>
+              <a:t>):</a:t>
+            </a:r>
+          </a:p>
+          <a:p>
+            <a:pPr>
+              <a:lnSpc>
+                <a:spcPct val="110000"/>
+              </a:lnSpc>
+            </a:pPr>
+            <a:r>
+              <a:rPr lang="ru-RU" sz="2800" i="1" dirty="0"/>
+              <a:t>ТОЧКИ </a:t>
+            </a:r>
+            <a:r>
+              <a:rPr lang="en-US" sz="2800" i="1" dirty="0"/>
+              <a:t>Str(</a:t>
+            </a:r>
+            <a:r>
+              <a:rPr lang="ru-RU" sz="2800" i="1" dirty="0"/>
+              <a:t>ТОЧКИ</a:t>
+            </a:r>
+            <a:r>
+              <a:rPr lang="en-US" sz="2800" i="1" dirty="0"/>
+              <a:t>)</a:t>
+            </a:r>
+            <a:r>
+              <a:rPr lang="ru-RU" sz="2800" i="1" dirty="0"/>
+              <a:t> ТОЧКИ </a:t>
+            </a:r>
+            <a:r>
+              <a:rPr lang="en-US" sz="2800" i="1" dirty="0"/>
+              <a:t>/Str </a:t>
+            </a:r>
+            <a:r>
+              <a:rPr lang="ru-RU" sz="2800" i="1" dirty="0"/>
+              <a:t>ТОЧКИ</a:t>
+            </a:r>
+            <a:endParaRPr lang="ru-RU" sz="2800" dirty="0"/>
+          </a:p>
+        </p:txBody>
+      </p:sp>
+      <p:sp>
+        <p:nvSpPr>
+          <p:cNvPr id="6" name="TextBox 5">
+            <a:extLst>
+              <a:ext uri="{FF2B5EF4-FFF2-40B4-BE49-F238E27FC236}">
+                <a16:creationId xmlns:a16="http://schemas.microsoft.com/office/drawing/2014/main" id="{69E8521B-67ED-4359-9AB1-C9A9B177F162}"/>
+              </a:ext>
+            </a:extLst>
+          </p:cNvPr>
+          <p:cNvSpPr txBox="1"/>
+          <p:nvPr/>
+        </p:nvSpPr>
+        <p:spPr>
+          <a:xfrm>
+            <a:off x="695400" y="3933056"/>
+            <a:ext cx="11208568" cy="2438488"/>
+          </a:xfrm>
+          <a:prstGeom prst="rect">
+            <a:avLst/>
+          </a:prstGeom>
+          <a:noFill/>
+        </p:spPr>
+        <p:txBody>
+          <a:bodyPr wrap="square" rtlCol="0">
+            <a:spAutoFit/>
+          </a:bodyPr>
+          <a:lstStyle/>
+          <a:p>
+            <a:pPr>
+              <a:lnSpc>
+                <a:spcPct val="110000"/>
+              </a:lnSpc>
+            </a:pPr>
+            <a:r>
               <a:rPr lang="ru-RU" sz="2800" dirty="0"/>
-              <a:t>Построение подграфов потоков</a:t>
-            </a:r>
-          </a:p>
-          <a:p>
-            <a:pPr marL="514350" indent="-514350">
+              <a:t>Примеры схем: </a:t>
+            </a:r>
+          </a:p>
+          <a:p>
+            <a:pPr marL="457200" indent="-457200">
               <a:lnSpc>
-                <a:spcPct val="150000"/>
+                <a:spcPct val="110000"/>
               </a:lnSpc>
-              <a:buFont typeface="+mj-lt"/>
-              <a:buAutoNum type="arabicPeriod"/>
+              <a:buFont typeface="Arial" panose="020B0604020202020204" pitchFamily="34" charset="0"/>
+              <a:buChar char="•"/>
             </a:pPr>
             <a:r>
+              <a:rPr lang="es-ES" sz="2800" dirty="0"/>
+              <a:t>NameA (DIPOP)(EE500 KOLOS): Str(KOLOS) DIPOP EE500 /Str</a:t>
+            </a:r>
+            <a:endParaRPr lang="ru-RU" sz="2800" dirty="0"/>
+          </a:p>
+          <a:p>
+            <a:pPr marL="457200" indent="-457200">
+              <a:lnSpc>
+                <a:spcPct val="110000"/>
+              </a:lnSpc>
+              <a:buFont typeface="Arial" panose="020B0604020202020204" pitchFamily="34" charset="0"/>
+              <a:buChar char="•"/>
+            </a:pPr>
+            <a:r>
+              <a:rPr lang="es-ES" sz="2800" dirty="0"/>
+              <a:t>NameB (KOLOS)(BEKAR) : KOLOS VALET Str(RODEL) EE020 EE021 EE022 EE023</a:t>
+            </a:r>
+            <a:r>
               <a:rPr lang="ru-RU" sz="2800" dirty="0"/>
-              <a:t>Топологическая сортировка потоков</a:t>
-            </a:r>
-          </a:p>
-          <a:p>
-            <a:pPr marL="514350" indent="-514350">
+              <a:t> </a:t>
+            </a:r>
+            <a:r>
+              <a:rPr lang="es-ES" sz="2800" dirty="0"/>
+              <a:t>EE024 EE025 /Str RODEL BEKAR</a:t>
+            </a:r>
+            <a:endParaRPr lang="ru-RU" sz="2800" dirty="0"/>
+          </a:p>
+          <a:p>
+            <a:pPr marL="457200" indent="-457200">
               <a:lnSpc>
-                <a:spcPct val="150000"/>
+                <a:spcPct val="110000"/>
               </a:lnSpc>
-              <a:buFont typeface="+mj-lt"/>
-              <a:buAutoNum type="arabicPeriod"/>
+              <a:buFont typeface="Arial" panose="020B0604020202020204" pitchFamily="34" charset="0"/>
+              <a:buChar char="•"/>
             </a:pPr>
             <a:r>
-              <a:rPr lang="ru-RU" sz="2800" dirty="0"/>
-              <a:t>Расчёт временных интервалов</a:t>
-            </a:r>
+              <a:rPr lang="es-ES" sz="2800" dirty="0"/>
+              <a:t>NameС (RODEL)(RW25R): RODEL BEKAR KVOTA EE252 EE253 RW25R</a:t>
+            </a:r>
+            <a:endParaRPr lang="ru-RU" sz="2800" dirty="0"/>
           </a:p>
         </p:txBody>
       </p:sp>
     </p:spTree>
     <p:extLst>
       <p:ext uri="{BB962C8B-B14F-4D97-AF65-F5344CB8AC3E}">
-        <p14:creationId xmlns:p14="http://schemas.microsoft.com/office/powerpoint/2010/main" val="3414441838"/>
+        <p14:creationId xmlns:p14="http://schemas.microsoft.com/office/powerpoint/2010/main" val="4125701871"/>
       </p:ext>
     </p:extLst>
   </p:cSld>
@@ -7084,7 +7829,7 @@
           <p:cNvPr id="2" name="Заголовок 3">
             <a:extLst>
               <a:ext uri="{FF2B5EF4-FFF2-40B4-BE49-F238E27FC236}">
-                <a16:creationId xmlns:a16="http://schemas.microsoft.com/office/drawing/2014/main" id="{98CDA95B-5D23-47C6-8E90-0EE4CCFDF639}"/>
+                <a16:creationId xmlns:a16="http://schemas.microsoft.com/office/drawing/2014/main" id="{6374CD78-ADE8-49CC-A67B-89BEEE344128}"/>
               </a:ext>
             </a:extLst>
           </p:cNvPr>
@@ -7095,8 +7840,8 @@
         </p:nvSpPr>
         <p:spPr>
           <a:xfrm>
-            <a:off x="3755740" y="116632"/>
-            <a:ext cx="4680520" cy="1311128"/>
+            <a:off x="2999656" y="202332"/>
+            <a:ext cx="6372708" cy="701731"/>
           </a:xfrm>
           <a:prstGeom prst="rect">
             <a:avLst/>
@@ -7129,7 +7874,7 @@
             <a:pPr algn="ctr"/>
             <a:r>
               <a:rPr lang="ru-RU" b="1" dirty="0"/>
-              <a:t>Построение графа зоны</a:t>
+              <a:t>Файл с данными о схемах</a:t>
             </a:r>
           </a:p>
         </p:txBody>
@@ -7139,7 +7884,7 @@
           <p:cNvPr id="3" name="TextBox 2">
             <a:extLst>
               <a:ext uri="{FF2B5EF4-FFF2-40B4-BE49-F238E27FC236}">
-                <a16:creationId xmlns:a16="http://schemas.microsoft.com/office/drawing/2014/main" id="{0E005D2F-828B-470E-80C3-259E6EFB69AB}"/>
+                <a16:creationId xmlns:a16="http://schemas.microsoft.com/office/drawing/2014/main" id="{BFCE3E9D-8066-4E7C-9359-974F2E7B1B06}"/>
               </a:ext>
             </a:extLst>
           </p:cNvPr>
@@ -7148,8 +7893,8 @@
         </p:nvSpPr>
         <p:spPr>
           <a:xfrm>
-            <a:off x="911424" y="1772816"/>
-            <a:ext cx="11280576" cy="1815882"/>
+            <a:off x="545722" y="1145775"/>
+            <a:ext cx="11280576" cy="954107"/>
           </a:xfrm>
           <a:prstGeom prst="rect">
             <a:avLst/>
@@ -7162,17 +7907,153 @@
           </a:bodyPr>
           <a:lstStyle/>
           <a:p>
+            <a:pPr algn="ctr"/>
+            <a:r>
+              <a:rPr lang="ru-RU" sz="2800" i="1" dirty="0" err="1"/>
+              <a:t>Название_схемы</a:t>
+            </a:r>
+            <a:r>
+              <a:rPr lang="ru-RU" sz="2800" i="1" dirty="0"/>
+              <a:t> (начальная точка) (повторы):</a:t>
+            </a:r>
+          </a:p>
+          <a:p>
+            <a:pPr algn="ctr"/>
+            <a:r>
+              <a:rPr lang="en-US" sz="2800" i="1" dirty="0"/>
+              <a:t>Start </a:t>
+            </a:r>
+            <a:r>
+              <a:rPr lang="en-US" sz="2800" i="1" dirty="0" err="1"/>
+              <a:t>Turn_end</a:t>
+            </a:r>
+            <a:r>
+              <a:rPr lang="en-US" sz="2800" i="1" dirty="0"/>
+              <a:t> </a:t>
+            </a:r>
+            <a:r>
+              <a:rPr lang="en-US" sz="2800" i="1" dirty="0" err="1"/>
+              <a:t>Back_end</a:t>
+            </a:r>
+            <a:r>
+              <a:rPr lang="ru-RU" sz="2800" i="1" dirty="0"/>
+              <a:t> </a:t>
+            </a:r>
+            <a:endParaRPr lang="ru-RU" sz="2800" dirty="0"/>
+          </a:p>
+        </p:txBody>
+      </p:sp>
+      <p:pic>
+        <p:nvPicPr>
+          <p:cNvPr id="6" name="Рисунок 5">
+            <a:extLst>
+              <a:ext uri="{FF2B5EF4-FFF2-40B4-BE49-F238E27FC236}">
+                <a16:creationId xmlns:a16="http://schemas.microsoft.com/office/drawing/2014/main" id="{7553973F-5F4F-4A65-887F-0B1C1AEFC0D9}"/>
+              </a:ext>
+            </a:extLst>
+          </p:cNvPr>
+          <p:cNvPicPr>
+            <a:picLocks noChangeAspect="1"/>
+          </p:cNvPicPr>
+          <p:nvPr/>
+        </p:nvPicPr>
+        <p:blipFill>
+          <a:blip r:embed="rId2">
+            <a:extLst>
+              <a:ext uri="{28A0092B-C50C-407E-A947-70E740481C1C}">
+                <a14:useLocalDpi xmlns:a14="http://schemas.microsoft.com/office/drawing/2010/main" val="0"/>
+              </a:ext>
+            </a:extLst>
+          </a:blip>
+          <a:stretch>
+            <a:fillRect/>
+          </a:stretch>
+        </p:blipFill>
+        <p:spPr>
+          <a:xfrm>
+            <a:off x="1271464" y="4077072"/>
+            <a:ext cx="9372364" cy="2369550"/>
+          </a:xfrm>
+          <a:prstGeom prst="rect">
+            <a:avLst/>
+          </a:prstGeom>
+        </p:spPr>
+      </p:pic>
+      <p:sp>
+        <p:nvSpPr>
+          <p:cNvPr id="8" name="TextBox 7">
+            <a:extLst>
+              <a:ext uri="{FF2B5EF4-FFF2-40B4-BE49-F238E27FC236}">
+                <a16:creationId xmlns:a16="http://schemas.microsoft.com/office/drawing/2014/main" id="{3BA7EAF1-FF8D-42BB-A69F-4D1181A534D6}"/>
+              </a:ext>
+            </a:extLst>
+          </p:cNvPr>
+          <p:cNvSpPr txBox="1"/>
+          <p:nvPr/>
+        </p:nvSpPr>
+        <p:spPr>
+          <a:xfrm>
+            <a:off x="911424" y="2070012"/>
+            <a:ext cx="11208568" cy="1490536"/>
+          </a:xfrm>
+          <a:prstGeom prst="rect">
+            <a:avLst/>
+          </a:prstGeom>
+          <a:noFill/>
+        </p:spPr>
+        <p:txBody>
+          <a:bodyPr wrap="square" rtlCol="0">
+            <a:spAutoFit/>
+          </a:bodyPr>
+          <a:lstStyle/>
+          <a:p>
+            <a:pPr>
+              <a:lnSpc>
+                <a:spcPct val="110000"/>
+              </a:lnSpc>
+            </a:pPr>
             <a:r>
               <a:rPr lang="ru-RU" sz="2800" dirty="0"/>
-              <a:t>Граф зоны будем строить списками следующих. То есть соединять ребрами данную вершину, со всеми вершинами, которые имеют связь с данной. Делать это будем следующим образом: идём по массиву схем и с помощью полей «путь» и «спрямление» строим граф зоны.</a:t>
-            </a:r>
+              <a:t>Примеры: </a:t>
+            </a:r>
+          </a:p>
+          <a:p>
+            <a:pPr marL="457200" indent="-457200">
+              <a:lnSpc>
+                <a:spcPct val="110000"/>
+              </a:lnSpc>
+              <a:buFont typeface="Arial" panose="020B0604020202020204" pitchFamily="34" charset="0"/>
+              <a:buChar char="•"/>
+            </a:pPr>
+            <a:r>
+              <a:rPr lang="es-ES" sz="2800" dirty="0"/>
+              <a:t>NameStScheme (GALEB)(5): GALEB N1 N2</a:t>
+            </a:r>
+          </a:p>
+          <a:p>
+            <a:pPr marL="457200" indent="-457200">
+              <a:lnSpc>
+                <a:spcPct val="110000"/>
+              </a:lnSpc>
+              <a:buFont typeface="Arial" panose="020B0604020202020204" pitchFamily="34" charset="0"/>
+              <a:buChar char="•"/>
+            </a:pPr>
+            <a:r>
+              <a:rPr lang="en-US" sz="2800" dirty="0" err="1"/>
+              <a:t>RALUBst</a:t>
+            </a:r>
+            <a:r>
+              <a:rPr lang="en-US" sz="2800" dirty="0"/>
+              <a:t> (RALUB)(2): RALUB RAL01 RAL02</a:t>
+            </a:r>
+            <a:endParaRPr lang="ru-RU" sz="2800" dirty="0"/>
           </a:p>
         </p:txBody>
       </p:sp>
     </p:spTree>
     <p:extLst>
       <p:ext uri="{BB962C8B-B14F-4D97-AF65-F5344CB8AC3E}">
-        <p14:creationId xmlns:p14="http://schemas.microsoft.com/office/powerpoint/2010/main" val="2888279926"/>
+        <p14:creationId xmlns:p14="http://schemas.microsoft.com/office/powerpoint/2010/main" val="2592021734"/>
       </p:ext>
     </p:extLst>
   </p:cSld>

--- a/Диплом/Презентация ВКР.pptx
+++ b/Диплом/Презентация ВКР.pptx
@@ -5,10 +5,10 @@
     <p:sldMasterId id="2147483648" r:id="rId1"/>
   </p:sldMasterIdLst>
   <p:notesMasterIdLst>
-    <p:notesMasterId r:id="rId21"/>
+    <p:notesMasterId r:id="rId26"/>
   </p:notesMasterIdLst>
   <p:handoutMasterIdLst>
-    <p:handoutMasterId r:id="rId22"/>
+    <p:handoutMasterId r:id="rId27"/>
   </p:handoutMasterIdLst>
   <p:sldIdLst>
     <p:sldId id="256" r:id="rId2"/>
@@ -22,14 +22,19 @@
     <p:sldId id="277" r:id="rId10"/>
     <p:sldId id="276" r:id="rId11"/>
     <p:sldId id="264" r:id="rId12"/>
-    <p:sldId id="278" r:id="rId13"/>
-    <p:sldId id="269" r:id="rId14"/>
-    <p:sldId id="270" r:id="rId15"/>
-    <p:sldId id="271" r:id="rId16"/>
-    <p:sldId id="279" r:id="rId17"/>
-    <p:sldId id="272" r:id="rId18"/>
-    <p:sldId id="273" r:id="rId19"/>
-    <p:sldId id="274" r:id="rId20"/>
+    <p:sldId id="282" r:id="rId13"/>
+    <p:sldId id="283" r:id="rId14"/>
+    <p:sldId id="284" r:id="rId15"/>
+    <p:sldId id="278" r:id="rId16"/>
+    <p:sldId id="269" r:id="rId17"/>
+    <p:sldId id="270" r:id="rId18"/>
+    <p:sldId id="271" r:id="rId19"/>
+    <p:sldId id="279" r:id="rId20"/>
+    <p:sldId id="272" r:id="rId21"/>
+    <p:sldId id="273" r:id="rId22"/>
+    <p:sldId id="280" r:id="rId23"/>
+    <p:sldId id="281" r:id="rId24"/>
+    <p:sldId id="274" r:id="rId25"/>
   </p:sldIdLst>
   <p:sldSz cx="12192000" cy="6858000"/>
   <p:notesSz cx="6858000" cy="9144000"/>
@@ -160,10 +165,13 @@
         <p14:section name="Работа процедуры" id="{41F4E912-60D9-4E27-B1B6-3ED0813C8316}">
           <p14:sldIdLst>
             <p14:sldId id="264"/>
+            <p14:sldId id="282"/>
+            <p14:sldId id="283"/>
+            <p14:sldId id="284"/>
             <p14:sldId id="278"/>
           </p14:sldIdLst>
         </p14:section>
-        <p14:section name="Макетный пример" id="{F67FA294-3AA7-4EE2-8C03-94946B0E0C53}">
+        <p14:section name="Модельный пример" id="{F67FA294-3AA7-4EE2-8C03-94946B0E0C53}">
           <p14:sldIdLst>
             <p14:sldId id="269"/>
             <p14:sldId id="270"/>
@@ -171,6 +179,12 @@
             <p14:sldId id="279"/>
             <p14:sldId id="272"/>
             <p14:sldId id="273"/>
+          </p14:sldIdLst>
+        </p14:section>
+        <p14:section name="Кольцово" id="{E5FD1A7E-20DF-4631-BA8A-F56662159021}">
+          <p14:sldIdLst>
+            <p14:sldId id="280"/>
+            <p14:sldId id="281"/>
           </p14:sldIdLst>
         </p14:section>
         <p14:section name="Заключение" id="{0C737BB6-F6AD-4313-BBE3-823C4BA56E7D}">
@@ -4616,8 +4630,8 @@
         </p:nvSpPr>
         <p:spPr>
           <a:xfrm>
-            <a:off x="1055440" y="1348270"/>
-            <a:ext cx="9505056" cy="4161460"/>
+            <a:off x="3485710" y="1052736"/>
+            <a:ext cx="5220580" cy="837473"/>
           </a:xfrm>
           <a:prstGeom prst="rect">
             <a:avLst/>
@@ -4630,102 +4644,49 @@
           </a:bodyPr>
           <a:lstStyle/>
           <a:p>
-            <a:pPr marL="514350" indent="-514350">
+            <a:pPr>
               <a:lnSpc>
                 <a:spcPct val="150000"/>
               </a:lnSpc>
-              <a:buFont typeface="+mj-lt"/>
-              <a:buAutoNum type="arabicPeriod"/>
             </a:pPr>
             <a:r>
               <a:rPr lang="ru-RU" sz="3600" dirty="0"/>
               <a:t>Чтение исходных данных</a:t>
             </a:r>
-            <a:r>
-              <a:rPr lang="en-US" sz="3600" dirty="0"/>
-              <a:t> (</a:t>
-            </a:r>
-            <a:r>
-              <a:rPr lang="en-US" sz="3600" dirty="0" err="1"/>
-              <a:t>RegExp</a:t>
-            </a:r>
-            <a:r>
-              <a:rPr lang="en-US" sz="3600" dirty="0"/>
-              <a:t>)</a:t>
-            </a:r>
-            <a:endParaRPr lang="ru-RU" sz="3600" dirty="0"/>
-          </a:p>
-          <a:p>
-            <a:pPr marL="514350" indent="-514350">
-              <a:lnSpc>
-                <a:spcPct val="150000"/>
-              </a:lnSpc>
-              <a:buFont typeface="+mj-lt"/>
-              <a:buAutoNum type="arabicPeriod"/>
-            </a:pPr>
-            <a:r>
-              <a:rPr lang="ru-RU" sz="3600" dirty="0"/>
-              <a:t>Построение графа зоны аэропорта</a:t>
-            </a:r>
-          </a:p>
-          <a:p>
-            <a:pPr marL="514350" indent="-514350">
-              <a:lnSpc>
-                <a:spcPct val="150000"/>
-              </a:lnSpc>
-              <a:buFont typeface="+mj-lt"/>
-              <a:buAutoNum type="arabicPeriod"/>
-            </a:pPr>
-            <a:r>
-              <a:rPr lang="ru-RU" sz="3600" dirty="0"/>
-              <a:t>Построение подграфов потоков</a:t>
-            </a:r>
-            <a:r>
-              <a:rPr lang="en-US" sz="3600" dirty="0"/>
-              <a:t> </a:t>
-            </a:r>
-            <a:r>
-              <a:rPr lang="ru-RU" sz="3600" dirty="0"/>
-              <a:t>(</a:t>
-            </a:r>
-            <a:r>
-              <a:rPr lang="en-US" sz="3600" dirty="0"/>
-              <a:t>DFS</a:t>
-            </a:r>
-            <a:r>
-              <a:rPr lang="ru-RU" sz="3600" dirty="0"/>
-              <a:t>)</a:t>
-            </a:r>
-          </a:p>
-          <a:p>
-            <a:pPr marL="514350" indent="-514350">
-              <a:lnSpc>
-                <a:spcPct val="150000"/>
-              </a:lnSpc>
-              <a:buFont typeface="+mj-lt"/>
-              <a:buAutoNum type="arabicPeriod"/>
-            </a:pPr>
-            <a:r>
-              <a:rPr lang="ru-RU" sz="3600" dirty="0"/>
-              <a:t>Топологическая сортировка потоков</a:t>
-            </a:r>
-            <a:r>
-              <a:rPr lang="en-US" sz="3600" dirty="0"/>
-              <a:t> </a:t>
-            </a:r>
-            <a:endParaRPr lang="ru-RU" sz="3600" dirty="0"/>
-          </a:p>
-          <a:p>
-            <a:pPr marL="514350" indent="-514350">
-              <a:lnSpc>
-                <a:spcPct val="150000"/>
-              </a:lnSpc>
-              <a:buFont typeface="+mj-lt"/>
-              <a:buAutoNum type="arabicPeriod"/>
-            </a:pPr>
-            <a:r>
-              <a:rPr lang="ru-RU" sz="3600" dirty="0"/>
-              <a:t>Расчёт временных интервалов</a:t>
+          </a:p>
+        </p:txBody>
+      </p:sp>
+      <p:sp>
+        <p:nvSpPr>
+          <p:cNvPr id="4" name="TextBox 3">
+            <a:extLst>
+              <a:ext uri="{FF2B5EF4-FFF2-40B4-BE49-F238E27FC236}">
+                <a16:creationId xmlns:a16="http://schemas.microsoft.com/office/drawing/2014/main" id="{0EF31442-27DE-4C57-8BE0-402597A296C7}"/>
+              </a:ext>
+            </a:extLst>
+          </p:cNvPr>
+          <p:cNvSpPr txBox="1"/>
+          <p:nvPr/>
+        </p:nvSpPr>
+        <p:spPr>
+          <a:xfrm>
+            <a:off x="767408" y="2708920"/>
+            <a:ext cx="10729192" cy="954107"/>
+          </a:xfrm>
+          <a:prstGeom prst="rect">
+            <a:avLst/>
+          </a:prstGeom>
+          <a:noFill/>
+        </p:spPr>
+        <p:txBody>
+          <a:bodyPr wrap="square" rtlCol="0">
+            <a:spAutoFit/>
+          </a:bodyPr>
+          <a:lstStyle/>
+          <a:p>
+            <a:r>
+              <a:rPr lang="ru-RU" sz="2800" dirty="0"/>
+              <a:t>Чтение происходит в соответствии с форматом с использованием регулярных выражений</a:t>
             </a:r>
           </a:p>
         </p:txBody>
@@ -4765,7 +4726,7 @@
           <p:cNvPr id="2" name="Заголовок 3">
             <a:extLst>
               <a:ext uri="{FF2B5EF4-FFF2-40B4-BE49-F238E27FC236}">
-                <a16:creationId xmlns:a16="http://schemas.microsoft.com/office/drawing/2014/main" id="{D3277D4E-4C95-4D79-AC6E-3AC88B7161BF}"/>
+                <a16:creationId xmlns:a16="http://schemas.microsoft.com/office/drawing/2014/main" id="{E25F3597-5952-42A9-9723-208F2C8ECA20}"/>
               </a:ext>
             </a:extLst>
           </p:cNvPr>
@@ -4777,7 +4738,7 @@
         <p:spPr>
           <a:xfrm>
             <a:off x="3755740" y="116632"/>
-            <a:ext cx="4680520" cy="701731"/>
+            <a:ext cx="4680520" cy="1311128"/>
           </a:xfrm>
           <a:prstGeom prst="rect">
             <a:avLst/>
@@ -4809,208 +4770,10 @@
           <a:p>
             <a:pPr algn="ctr"/>
             <a:r>
-              <a:rPr lang="ru-RU" b="1" dirty="0"/>
-              <a:t>Расчёт времён</a:t>
-            </a:r>
-          </a:p>
-        </p:txBody>
-      </p:sp>
-      <p:sp>
-        <p:nvSpPr>
-          <p:cNvPr id="3" name="Прямоугольник 2">
-            <a:extLst>
-              <a:ext uri="{FF2B5EF4-FFF2-40B4-BE49-F238E27FC236}">
-                <a16:creationId xmlns:a16="http://schemas.microsoft.com/office/drawing/2014/main" id="{9F8BD30A-A4A0-4A04-B958-9A0DDCB8FCC6}"/>
-              </a:ext>
-            </a:extLst>
-          </p:cNvPr>
-          <p:cNvSpPr/>
-          <p:nvPr/>
-        </p:nvSpPr>
-        <p:spPr>
-          <a:xfrm>
-            <a:off x="659396" y="1196752"/>
-            <a:ext cx="10873208" cy="2246769"/>
-          </a:xfrm>
-          <a:prstGeom prst="rect">
-            <a:avLst/>
-          </a:prstGeom>
-        </p:spPr>
-        <p:txBody>
-          <a:bodyPr wrap="square">
-            <a:spAutoFit/>
-          </a:bodyPr>
-          <a:lstStyle/>
-          <a:p>
-            <a:pPr algn="just"/>
-            <a:r>
-              <a:rPr lang="ru-RU" sz="2800" dirty="0"/>
-              <a:t>Так как поток топологически отсортирован, будем двигаться по возрастанию идентификатора вершин до тех пор, пока не дойдём до вершины с максимальным индексом, рассчитывая возможное время прибытия в следующие точки из данной, как при равнопеременном движении:</a:t>
-            </a:r>
-          </a:p>
-        </p:txBody>
-      </p:sp>
-      <p:pic>
-        <p:nvPicPr>
-          <p:cNvPr id="9" name="Рисунок 8">
-            <a:extLst>
-              <a:ext uri="{FF2B5EF4-FFF2-40B4-BE49-F238E27FC236}">
-                <a16:creationId xmlns:a16="http://schemas.microsoft.com/office/drawing/2014/main" id="{761EB2D8-F48A-4D6C-8AF6-0750EA4A53D6}"/>
-              </a:ext>
-            </a:extLst>
-          </p:cNvPr>
-          <p:cNvPicPr>
-            <a:picLocks noChangeAspect="1"/>
-          </p:cNvPicPr>
-          <p:nvPr/>
-        </p:nvPicPr>
-        <p:blipFill>
-          <a:blip r:embed="rId2">
-            <a:extLst>
-              <a:ext uri="{28A0092B-C50C-407E-A947-70E740481C1C}">
-                <a14:useLocalDpi xmlns:a14="http://schemas.microsoft.com/office/drawing/2010/main" val="0"/>
-              </a:ext>
-            </a:extLst>
-          </a:blip>
-          <a:stretch>
-            <a:fillRect/>
-          </a:stretch>
-        </p:blipFill>
-        <p:spPr>
-          <a:xfrm>
-            <a:off x="659396" y="4005064"/>
-            <a:ext cx="5839640" cy="733527"/>
-          </a:xfrm>
-          <a:prstGeom prst="rect">
-            <a:avLst/>
-          </a:prstGeom>
-        </p:spPr>
-      </p:pic>
-      <p:pic>
-        <p:nvPicPr>
-          <p:cNvPr id="10" name="Рисунок 9">
-            <a:extLst>
-              <a:ext uri="{FF2B5EF4-FFF2-40B4-BE49-F238E27FC236}">
-                <a16:creationId xmlns:a16="http://schemas.microsoft.com/office/drawing/2014/main" id="{1113B113-EA2A-4B4C-914B-B975E34F420A}"/>
-              </a:ext>
-            </a:extLst>
-          </p:cNvPr>
-          <p:cNvPicPr>
-            <a:picLocks noChangeAspect="1"/>
-          </p:cNvPicPr>
-          <p:nvPr/>
-        </p:nvPicPr>
-        <p:blipFill>
-          <a:blip r:embed="rId3"/>
-          <a:stretch>
-            <a:fillRect/>
-          </a:stretch>
-        </p:blipFill>
-        <p:spPr>
-          <a:xfrm>
-            <a:off x="2532485" y="2981325"/>
-            <a:ext cx="2695575" cy="895350"/>
-          </a:xfrm>
-          <a:prstGeom prst="rect">
-            <a:avLst/>
-          </a:prstGeom>
-        </p:spPr>
-      </p:pic>
-      <p:sp>
-        <p:nvSpPr>
-          <p:cNvPr id="11" name="TextBox 10">
-            <a:extLst>
-              <a:ext uri="{FF2B5EF4-FFF2-40B4-BE49-F238E27FC236}">
-                <a16:creationId xmlns:a16="http://schemas.microsoft.com/office/drawing/2014/main" id="{57EAB2BA-1D4E-4D17-932A-B982B845948A}"/>
-              </a:ext>
-            </a:extLst>
-          </p:cNvPr>
-          <p:cNvSpPr txBox="1"/>
-          <p:nvPr/>
-        </p:nvSpPr>
-        <p:spPr>
-          <a:xfrm>
-            <a:off x="5228060" y="3006114"/>
-            <a:ext cx="378630" cy="523220"/>
-          </a:xfrm>
-          <a:prstGeom prst="rect">
-            <a:avLst/>
-          </a:prstGeom>
-          <a:noFill/>
-        </p:spPr>
-        <p:txBody>
-          <a:bodyPr wrap="none" rtlCol="0">
-            <a:spAutoFit/>
-          </a:bodyPr>
-          <a:lstStyle/>
-          <a:p>
-            <a:r>
-              <a:rPr lang="ru-RU" sz="2800" dirty="0"/>
-              <a:t>и</a:t>
-            </a:r>
-          </a:p>
-        </p:txBody>
-      </p:sp>
-      <p:pic>
-        <p:nvPicPr>
-          <p:cNvPr id="12" name="Рисунок 11">
-            <a:extLst>
-              <a:ext uri="{FF2B5EF4-FFF2-40B4-BE49-F238E27FC236}">
-                <a16:creationId xmlns:a16="http://schemas.microsoft.com/office/drawing/2014/main" id="{602C174D-4B05-4783-A421-0045D0F355D5}"/>
-              </a:ext>
-            </a:extLst>
-          </p:cNvPr>
-          <p:cNvPicPr>
-            <a:picLocks noChangeAspect="1"/>
-          </p:cNvPicPr>
-          <p:nvPr/>
-        </p:nvPicPr>
-        <p:blipFill>
-          <a:blip r:embed="rId4"/>
-          <a:stretch>
-            <a:fillRect/>
-          </a:stretch>
-        </p:blipFill>
-        <p:spPr>
-          <a:xfrm>
-            <a:off x="5568529" y="2981325"/>
-            <a:ext cx="2790825" cy="790575"/>
-          </a:xfrm>
-          <a:prstGeom prst="rect">
-            <a:avLst/>
-          </a:prstGeom>
-        </p:spPr>
-      </p:pic>
-      <p:sp>
-        <p:nvSpPr>
-          <p:cNvPr id="13" name="Прямоугольник 12">
-            <a:extLst>
-              <a:ext uri="{FF2B5EF4-FFF2-40B4-BE49-F238E27FC236}">
-                <a16:creationId xmlns:a16="http://schemas.microsoft.com/office/drawing/2014/main" id="{84541296-AB9C-4BD2-BBFE-504DEF8D0691}"/>
-              </a:ext>
-            </a:extLst>
-          </p:cNvPr>
-          <p:cNvSpPr/>
-          <p:nvPr/>
-        </p:nvSpPr>
-        <p:spPr>
-          <a:xfrm>
-            <a:off x="659396" y="5338696"/>
-            <a:ext cx="10873208" cy="954107"/>
-          </a:xfrm>
-          <a:prstGeom prst="rect">
-            <a:avLst/>
-          </a:prstGeom>
-        </p:spPr>
-        <p:txBody>
-          <a:bodyPr wrap="square">
-            <a:spAutoFit/>
-          </a:bodyPr>
-          <a:lstStyle/>
-          <a:p>
-            <a:r>
-              <a:rPr lang="ru-RU" sz="2800" dirty="0"/>
-              <a:t>После чего добавляем к каждому интервалу полученные времена, и этот новый интервал записываем в массив времён потомка.</a:t>
+              <a:rPr lang="ru-RU" dirty="0">
+                <a:latin typeface="+mn-lt"/>
+              </a:rPr>
+              <a:t>Построение графа зоны аэропорта</a:t>
             </a:r>
           </a:p>
         </p:txBody>
@@ -5018,7 +4781,7 @@
     </p:spTree>
     <p:extLst>
       <p:ext uri="{BB962C8B-B14F-4D97-AF65-F5344CB8AC3E}">
-        <p14:creationId xmlns:p14="http://schemas.microsoft.com/office/powerpoint/2010/main" val="1358298524"/>
+        <p14:creationId xmlns:p14="http://schemas.microsoft.com/office/powerpoint/2010/main" val="2000096817"/>
       </p:ext>
     </p:extLst>
   </p:cSld>
@@ -5050,7 +4813,7 @@
           <p:cNvPr id="2" name="Заголовок 3">
             <a:extLst>
               <a:ext uri="{FF2B5EF4-FFF2-40B4-BE49-F238E27FC236}">
-                <a16:creationId xmlns:a16="http://schemas.microsoft.com/office/drawing/2014/main" id="{446CA8A5-B9A9-4692-94D4-4BBB57C84FAB}"/>
+                <a16:creationId xmlns:a16="http://schemas.microsoft.com/office/drawing/2014/main" id="{EB03893A-3768-4803-ADB9-E29077BE964C}"/>
               </a:ext>
             </a:extLst>
           </p:cNvPr>
@@ -5061,8 +4824,8 @@
         </p:nvSpPr>
         <p:spPr>
           <a:xfrm>
-            <a:off x="2909646" y="116632"/>
-            <a:ext cx="6372708" cy="701731"/>
+            <a:off x="3089666" y="116632"/>
+            <a:ext cx="6012668" cy="1311128"/>
           </a:xfrm>
           <a:prstGeom prst="rect">
             <a:avLst/>
@@ -5094,8 +4857,467 @@
           <a:p>
             <a:pPr algn="ctr"/>
             <a:r>
+              <a:rPr lang="ru-RU" dirty="0">
+                <a:latin typeface="+mn-lt"/>
+              </a:rPr>
+              <a:t>Построение подграфов потоков</a:t>
+            </a:r>
+          </a:p>
+        </p:txBody>
+      </p:sp>
+    </p:spTree>
+    <p:extLst>
+      <p:ext uri="{BB962C8B-B14F-4D97-AF65-F5344CB8AC3E}">
+        <p14:creationId xmlns:p14="http://schemas.microsoft.com/office/powerpoint/2010/main" val="2727094837"/>
+      </p:ext>
+    </p:extLst>
+  </p:cSld>
+  <p:clrMapOvr>
+    <a:masterClrMapping/>
+  </p:clrMapOvr>
+</p:sld>
+</file>
+
+<file path=ppt/slides/slide14.xml><?xml version="1.0" encoding="utf-8"?>
+<p:sld xmlns:a="http://schemas.openxmlformats.org/drawingml/2006/main" xmlns:r="http://schemas.openxmlformats.org/officeDocument/2006/relationships" xmlns:p="http://schemas.openxmlformats.org/presentationml/2006/main">
+  <p:cSld>
+    <p:spTree>
+      <p:nvGrpSpPr>
+        <p:cNvPr id="1" name=""/>
+        <p:cNvGrpSpPr/>
+        <p:nvPr/>
+      </p:nvGrpSpPr>
+      <p:grpSpPr>
+        <a:xfrm>
+          <a:off x="0" y="0"/>
+          <a:ext cx="0" cy="0"/>
+          <a:chOff x="0" y="0"/>
+          <a:chExt cx="0" cy="0"/>
+        </a:xfrm>
+      </p:grpSpPr>
+      <p:sp>
+        <p:nvSpPr>
+          <p:cNvPr id="2" name="Заголовок 3">
+            <a:extLst>
+              <a:ext uri="{FF2B5EF4-FFF2-40B4-BE49-F238E27FC236}">
+                <a16:creationId xmlns:a16="http://schemas.microsoft.com/office/drawing/2014/main" id="{C6B1A208-C438-4704-B456-87F0836BDDEA}"/>
+              </a:ext>
+            </a:extLst>
+          </p:cNvPr>
+          <p:cNvSpPr txBox="1">
+            <a:spLocks/>
+          </p:cNvSpPr>
+          <p:nvPr/>
+        </p:nvSpPr>
+        <p:spPr>
+          <a:xfrm>
+            <a:off x="3089666" y="116632"/>
+            <a:ext cx="6012668" cy="1311128"/>
+          </a:xfrm>
+          <a:prstGeom prst="rect">
+            <a:avLst/>
+          </a:prstGeom>
+        </p:spPr>
+        <p:txBody>
+          <a:bodyPr wrap="square">
+            <a:spAutoFit/>
+          </a:bodyPr>
+          <a:lstStyle>
+            <a:lvl1pPr algn="l" defTabSz="914400" rtl="0" eaLnBrk="1" latinLnBrk="0" hangingPunct="1">
+              <a:lnSpc>
+                <a:spcPct val="90000"/>
+              </a:lnSpc>
+              <a:spcBef>
+                <a:spcPct val="0"/>
+              </a:spcBef>
+              <a:buNone/>
+              <a:defRPr sz="4400" kern="1200">
+                <a:solidFill>
+                  <a:schemeClr val="tx1"/>
+                </a:solidFill>
+                <a:latin typeface="+mj-lt"/>
+                <a:ea typeface="+mj-ea"/>
+                <a:cs typeface="+mj-cs"/>
+              </a:defRPr>
+            </a:lvl1pPr>
+          </a:lstStyle>
+          <a:p>
+            <a:pPr algn="ctr"/>
+            <a:r>
+              <a:rPr lang="ru-RU" dirty="0">
+                <a:latin typeface="+mn-lt"/>
+              </a:rPr>
+              <a:t>Топологическая сортировка потоков</a:t>
+            </a:r>
+          </a:p>
+        </p:txBody>
+      </p:sp>
+    </p:spTree>
+    <p:extLst>
+      <p:ext uri="{BB962C8B-B14F-4D97-AF65-F5344CB8AC3E}">
+        <p14:creationId xmlns:p14="http://schemas.microsoft.com/office/powerpoint/2010/main" val="4096562998"/>
+      </p:ext>
+    </p:extLst>
+  </p:cSld>
+  <p:clrMapOvr>
+    <a:masterClrMapping/>
+  </p:clrMapOvr>
+</p:sld>
+</file>
+
+<file path=ppt/slides/slide15.xml><?xml version="1.0" encoding="utf-8"?>
+<p:sld xmlns:a="http://schemas.openxmlformats.org/drawingml/2006/main" xmlns:r="http://schemas.openxmlformats.org/officeDocument/2006/relationships" xmlns:p="http://schemas.openxmlformats.org/presentationml/2006/main">
+  <p:cSld>
+    <p:spTree>
+      <p:nvGrpSpPr>
+        <p:cNvPr id="1" name=""/>
+        <p:cNvGrpSpPr/>
+        <p:nvPr/>
+      </p:nvGrpSpPr>
+      <p:grpSpPr>
+        <a:xfrm>
+          <a:off x="0" y="0"/>
+          <a:ext cx="0" cy="0"/>
+          <a:chOff x="0" y="0"/>
+          <a:chExt cx="0" cy="0"/>
+        </a:xfrm>
+      </p:grpSpPr>
+      <p:sp>
+        <p:nvSpPr>
+          <p:cNvPr id="2" name="Заголовок 3">
+            <a:extLst>
+              <a:ext uri="{FF2B5EF4-FFF2-40B4-BE49-F238E27FC236}">
+                <a16:creationId xmlns:a16="http://schemas.microsoft.com/office/drawing/2014/main" id="{D3277D4E-4C95-4D79-AC6E-3AC88B7161BF}"/>
+              </a:ext>
+            </a:extLst>
+          </p:cNvPr>
+          <p:cNvSpPr txBox="1">
+            <a:spLocks/>
+          </p:cNvSpPr>
+          <p:nvPr/>
+        </p:nvSpPr>
+        <p:spPr>
+          <a:xfrm>
+            <a:off x="3755740" y="116632"/>
+            <a:ext cx="4680520" cy="701731"/>
+          </a:xfrm>
+          <a:prstGeom prst="rect">
+            <a:avLst/>
+          </a:prstGeom>
+        </p:spPr>
+        <p:txBody>
+          <a:bodyPr wrap="square">
+            <a:spAutoFit/>
+          </a:bodyPr>
+          <a:lstStyle>
+            <a:lvl1pPr algn="l" defTabSz="914400" rtl="0" eaLnBrk="1" latinLnBrk="0" hangingPunct="1">
+              <a:lnSpc>
+                <a:spcPct val="90000"/>
+              </a:lnSpc>
+              <a:spcBef>
+                <a:spcPct val="0"/>
+              </a:spcBef>
+              <a:buNone/>
+              <a:defRPr sz="4400" kern="1200">
+                <a:solidFill>
+                  <a:schemeClr val="tx1"/>
+                </a:solidFill>
+                <a:latin typeface="+mj-lt"/>
+                <a:ea typeface="+mj-ea"/>
+                <a:cs typeface="+mj-cs"/>
+              </a:defRPr>
+            </a:lvl1pPr>
+          </a:lstStyle>
+          <a:p>
+            <a:pPr algn="ctr"/>
+            <a:r>
               <a:rPr lang="ru-RU" b="1" dirty="0"/>
-              <a:t>Макетный пример</a:t>
+              <a:t>Расчёт времён</a:t>
+            </a:r>
+          </a:p>
+        </p:txBody>
+      </p:sp>
+      <p:sp>
+        <p:nvSpPr>
+          <p:cNvPr id="3" name="Прямоугольник 2">
+            <a:extLst>
+              <a:ext uri="{FF2B5EF4-FFF2-40B4-BE49-F238E27FC236}">
+                <a16:creationId xmlns:a16="http://schemas.microsoft.com/office/drawing/2014/main" id="{9F8BD30A-A4A0-4A04-B958-9A0DDCB8FCC6}"/>
+              </a:ext>
+            </a:extLst>
+          </p:cNvPr>
+          <p:cNvSpPr/>
+          <p:nvPr/>
+        </p:nvSpPr>
+        <p:spPr>
+          <a:xfrm>
+            <a:off x="659396" y="1196752"/>
+            <a:ext cx="10873208" cy="2246769"/>
+          </a:xfrm>
+          <a:prstGeom prst="rect">
+            <a:avLst/>
+          </a:prstGeom>
+        </p:spPr>
+        <p:txBody>
+          <a:bodyPr wrap="square">
+            <a:spAutoFit/>
+          </a:bodyPr>
+          <a:lstStyle/>
+          <a:p>
+            <a:pPr algn="just"/>
+            <a:r>
+              <a:rPr lang="ru-RU" sz="2800" dirty="0"/>
+              <a:t>Так как поток топологически отсортирован, будем двигаться по возрастанию идентификатора вершин до тех пор, пока не дойдём до вершины с максимальным индексом, рассчитывая возможное время прибытия в следующие точки из данной, как при равнопеременном движении:</a:t>
+            </a:r>
+          </a:p>
+        </p:txBody>
+      </p:sp>
+      <p:pic>
+        <p:nvPicPr>
+          <p:cNvPr id="9" name="Рисунок 8">
+            <a:extLst>
+              <a:ext uri="{FF2B5EF4-FFF2-40B4-BE49-F238E27FC236}">
+                <a16:creationId xmlns:a16="http://schemas.microsoft.com/office/drawing/2014/main" id="{761EB2D8-F48A-4D6C-8AF6-0750EA4A53D6}"/>
+              </a:ext>
+            </a:extLst>
+          </p:cNvPr>
+          <p:cNvPicPr>
+            <a:picLocks noChangeAspect="1"/>
+          </p:cNvPicPr>
+          <p:nvPr/>
+        </p:nvPicPr>
+        <p:blipFill>
+          <a:blip r:embed="rId2">
+            <a:extLst>
+              <a:ext uri="{28A0092B-C50C-407E-A947-70E740481C1C}">
+                <a14:useLocalDpi xmlns:a14="http://schemas.microsoft.com/office/drawing/2010/main" val="0"/>
+              </a:ext>
+            </a:extLst>
+          </a:blip>
+          <a:stretch>
+            <a:fillRect/>
+          </a:stretch>
+        </p:blipFill>
+        <p:spPr>
+          <a:xfrm>
+            <a:off x="659396" y="4005064"/>
+            <a:ext cx="5839640" cy="733527"/>
+          </a:xfrm>
+          <a:prstGeom prst="rect">
+            <a:avLst/>
+          </a:prstGeom>
+        </p:spPr>
+      </p:pic>
+      <p:pic>
+        <p:nvPicPr>
+          <p:cNvPr id="10" name="Рисунок 9">
+            <a:extLst>
+              <a:ext uri="{FF2B5EF4-FFF2-40B4-BE49-F238E27FC236}">
+                <a16:creationId xmlns:a16="http://schemas.microsoft.com/office/drawing/2014/main" id="{1113B113-EA2A-4B4C-914B-B975E34F420A}"/>
+              </a:ext>
+            </a:extLst>
+          </p:cNvPr>
+          <p:cNvPicPr>
+            <a:picLocks noChangeAspect="1"/>
+          </p:cNvPicPr>
+          <p:nvPr/>
+        </p:nvPicPr>
+        <p:blipFill>
+          <a:blip r:embed="rId3"/>
+          <a:stretch>
+            <a:fillRect/>
+          </a:stretch>
+        </p:blipFill>
+        <p:spPr>
+          <a:xfrm>
+            <a:off x="2532485" y="2981325"/>
+            <a:ext cx="2695575" cy="895350"/>
+          </a:xfrm>
+          <a:prstGeom prst="rect">
+            <a:avLst/>
+          </a:prstGeom>
+        </p:spPr>
+      </p:pic>
+      <p:sp>
+        <p:nvSpPr>
+          <p:cNvPr id="11" name="TextBox 10">
+            <a:extLst>
+              <a:ext uri="{FF2B5EF4-FFF2-40B4-BE49-F238E27FC236}">
+                <a16:creationId xmlns:a16="http://schemas.microsoft.com/office/drawing/2014/main" id="{57EAB2BA-1D4E-4D17-932A-B982B845948A}"/>
+              </a:ext>
+            </a:extLst>
+          </p:cNvPr>
+          <p:cNvSpPr txBox="1"/>
+          <p:nvPr/>
+        </p:nvSpPr>
+        <p:spPr>
+          <a:xfrm>
+            <a:off x="5228060" y="3006114"/>
+            <a:ext cx="378630" cy="523220"/>
+          </a:xfrm>
+          <a:prstGeom prst="rect">
+            <a:avLst/>
+          </a:prstGeom>
+          <a:noFill/>
+        </p:spPr>
+        <p:txBody>
+          <a:bodyPr wrap="none" rtlCol="0">
+            <a:spAutoFit/>
+          </a:bodyPr>
+          <a:lstStyle/>
+          <a:p>
+            <a:r>
+              <a:rPr lang="ru-RU" sz="2800" dirty="0"/>
+              <a:t>и</a:t>
+            </a:r>
+          </a:p>
+        </p:txBody>
+      </p:sp>
+      <p:pic>
+        <p:nvPicPr>
+          <p:cNvPr id="12" name="Рисунок 11">
+            <a:extLst>
+              <a:ext uri="{FF2B5EF4-FFF2-40B4-BE49-F238E27FC236}">
+                <a16:creationId xmlns:a16="http://schemas.microsoft.com/office/drawing/2014/main" id="{602C174D-4B05-4783-A421-0045D0F355D5}"/>
+              </a:ext>
+            </a:extLst>
+          </p:cNvPr>
+          <p:cNvPicPr>
+            <a:picLocks noChangeAspect="1"/>
+          </p:cNvPicPr>
+          <p:nvPr/>
+        </p:nvPicPr>
+        <p:blipFill>
+          <a:blip r:embed="rId4"/>
+          <a:stretch>
+            <a:fillRect/>
+          </a:stretch>
+        </p:blipFill>
+        <p:spPr>
+          <a:xfrm>
+            <a:off x="5568529" y="2981325"/>
+            <a:ext cx="2790825" cy="790575"/>
+          </a:xfrm>
+          <a:prstGeom prst="rect">
+            <a:avLst/>
+          </a:prstGeom>
+        </p:spPr>
+      </p:pic>
+      <p:sp>
+        <p:nvSpPr>
+          <p:cNvPr id="13" name="Прямоугольник 12">
+            <a:extLst>
+              <a:ext uri="{FF2B5EF4-FFF2-40B4-BE49-F238E27FC236}">
+                <a16:creationId xmlns:a16="http://schemas.microsoft.com/office/drawing/2014/main" id="{84541296-AB9C-4BD2-BBFE-504DEF8D0691}"/>
+              </a:ext>
+            </a:extLst>
+          </p:cNvPr>
+          <p:cNvSpPr/>
+          <p:nvPr/>
+        </p:nvSpPr>
+        <p:spPr>
+          <a:xfrm>
+            <a:off x="659396" y="5338696"/>
+            <a:ext cx="10873208" cy="954107"/>
+          </a:xfrm>
+          <a:prstGeom prst="rect">
+            <a:avLst/>
+          </a:prstGeom>
+        </p:spPr>
+        <p:txBody>
+          <a:bodyPr wrap="square">
+            <a:spAutoFit/>
+          </a:bodyPr>
+          <a:lstStyle/>
+          <a:p>
+            <a:r>
+              <a:rPr lang="ru-RU" sz="2800" dirty="0"/>
+              <a:t>После чего добавляем к каждому интервалу полученные времена, и этот новый интервал записываем в массив времён потомка.</a:t>
+            </a:r>
+          </a:p>
+        </p:txBody>
+      </p:sp>
+    </p:spTree>
+    <p:extLst>
+      <p:ext uri="{BB962C8B-B14F-4D97-AF65-F5344CB8AC3E}">
+        <p14:creationId xmlns:p14="http://schemas.microsoft.com/office/powerpoint/2010/main" val="1358298524"/>
+      </p:ext>
+    </p:extLst>
+  </p:cSld>
+  <p:clrMapOvr>
+    <a:masterClrMapping/>
+  </p:clrMapOvr>
+</p:sld>
+</file>
+
+<file path=ppt/slides/slide16.xml><?xml version="1.0" encoding="utf-8"?>
+<p:sld xmlns:a="http://schemas.openxmlformats.org/drawingml/2006/main" xmlns:r="http://schemas.openxmlformats.org/officeDocument/2006/relationships" xmlns:p="http://schemas.openxmlformats.org/presentationml/2006/main">
+  <p:cSld>
+    <p:spTree>
+      <p:nvGrpSpPr>
+        <p:cNvPr id="1" name=""/>
+        <p:cNvGrpSpPr/>
+        <p:nvPr/>
+      </p:nvGrpSpPr>
+      <p:grpSpPr>
+        <a:xfrm>
+          <a:off x="0" y="0"/>
+          <a:ext cx="0" cy="0"/>
+          <a:chOff x="0" y="0"/>
+          <a:chExt cx="0" cy="0"/>
+        </a:xfrm>
+      </p:grpSpPr>
+      <p:sp>
+        <p:nvSpPr>
+          <p:cNvPr id="2" name="Заголовок 3">
+            <a:extLst>
+              <a:ext uri="{FF2B5EF4-FFF2-40B4-BE49-F238E27FC236}">
+                <a16:creationId xmlns:a16="http://schemas.microsoft.com/office/drawing/2014/main" id="{446CA8A5-B9A9-4692-94D4-4BBB57C84FAB}"/>
+              </a:ext>
+            </a:extLst>
+          </p:cNvPr>
+          <p:cNvSpPr txBox="1">
+            <a:spLocks/>
+          </p:cNvSpPr>
+          <p:nvPr/>
+        </p:nvSpPr>
+        <p:spPr>
+          <a:xfrm>
+            <a:off x="2909646" y="116632"/>
+            <a:ext cx="6372708" cy="701731"/>
+          </a:xfrm>
+          <a:prstGeom prst="rect">
+            <a:avLst/>
+          </a:prstGeom>
+        </p:spPr>
+        <p:txBody>
+          <a:bodyPr wrap="square">
+            <a:spAutoFit/>
+          </a:bodyPr>
+          <a:lstStyle>
+            <a:lvl1pPr algn="l" defTabSz="914400" rtl="0" eaLnBrk="1" latinLnBrk="0" hangingPunct="1">
+              <a:lnSpc>
+                <a:spcPct val="90000"/>
+              </a:lnSpc>
+              <a:spcBef>
+                <a:spcPct val="0"/>
+              </a:spcBef>
+              <a:buNone/>
+              <a:defRPr sz="4400" kern="1200">
+                <a:solidFill>
+                  <a:schemeClr val="tx1"/>
+                </a:solidFill>
+                <a:latin typeface="+mj-lt"/>
+                <a:ea typeface="+mj-ea"/>
+                <a:cs typeface="+mj-cs"/>
+              </a:defRPr>
+            </a:lvl1pPr>
+          </a:lstStyle>
+          <a:p>
+            <a:pPr algn="ctr"/>
+            <a:r>
+              <a:rPr lang="ru-RU" b="1" dirty="0"/>
+              <a:t>Модельный пример</a:t>
             </a:r>
           </a:p>
         </p:txBody>
@@ -5143,7 +5365,7 @@
 </p:sld>
 </file>
 
-<file path=ppt/slides/slide14.xml><?xml version="1.0" encoding="utf-8"?>
+<file path=ppt/slides/slide17.xml><?xml version="1.0" encoding="utf-8"?>
 <p:sld xmlns:a="http://schemas.openxmlformats.org/drawingml/2006/main" xmlns:r="http://schemas.openxmlformats.org/officeDocument/2006/relationships" xmlns:p="http://schemas.openxmlformats.org/presentationml/2006/main">
   <p:cSld>
     <p:spTree>
@@ -5210,7 +5432,7 @@
             <a:pPr algn="ctr"/>
             <a:r>
               <a:rPr lang="ru-RU" b="1" dirty="0"/>
-              <a:t>Макетный пример</a:t>
+              <a:t>Модельный пример</a:t>
             </a:r>
           </a:p>
         </p:txBody>
@@ -5560,7 +5782,7 @@
 </p:sld>
 </file>
 
-<file path=ppt/slides/slide15.xml><?xml version="1.0" encoding="utf-8"?>
+<file path=ppt/slides/slide18.xml><?xml version="1.0" encoding="utf-8"?>
 <p:sld xmlns:a="http://schemas.openxmlformats.org/drawingml/2006/main" xmlns:r="http://schemas.openxmlformats.org/officeDocument/2006/relationships" xmlns:p="http://schemas.openxmlformats.org/presentationml/2006/main">
   <p:cSld>
     <p:spTree>
@@ -5627,7 +5849,7 @@
             <a:pPr algn="ctr"/>
             <a:r>
               <a:rPr lang="ru-RU" b="1" dirty="0"/>
-              <a:t>Макетный пример</a:t>
+              <a:t>Модельный пример</a:t>
             </a:r>
           </a:p>
         </p:txBody>
@@ -5681,7 +5903,7 @@
 </p:sld>
 </file>
 
-<file path=ppt/slides/slide16.xml><?xml version="1.0" encoding="utf-8"?>
+<file path=ppt/slides/slide19.xml><?xml version="1.0" encoding="utf-8"?>
 <p:sld xmlns:a="http://schemas.openxmlformats.org/drawingml/2006/main" xmlns:r="http://schemas.openxmlformats.org/officeDocument/2006/relationships" xmlns:p="http://schemas.openxmlformats.org/presentationml/2006/main">
   <p:cSld>
     <p:spTree>
@@ -5885,7 +6107,7 @@
             <a:pPr algn="ctr"/>
             <a:r>
               <a:rPr lang="ru-RU" b="1" dirty="0"/>
-              <a:t>Макетный пример</a:t>
+              <a:t>Модельный пример</a:t>
             </a:r>
           </a:p>
         </p:txBody>
@@ -5903,7 +6125,109 @@
 </p:sld>
 </file>
 
-<file path=ppt/slides/slide17.xml><?xml version="1.0" encoding="utf-8"?>
+<file path=ppt/slides/slide2.xml><?xml version="1.0" encoding="utf-8"?>
+<p:sld xmlns:a="http://schemas.openxmlformats.org/drawingml/2006/main" xmlns:r="http://schemas.openxmlformats.org/officeDocument/2006/relationships" xmlns:p="http://schemas.openxmlformats.org/presentationml/2006/main">
+  <p:cSld>
+    <p:spTree>
+      <p:nvGrpSpPr>
+        <p:cNvPr id="1" name=""/>
+        <p:cNvGrpSpPr/>
+        <p:nvPr/>
+      </p:nvGrpSpPr>
+      <p:grpSpPr>
+        <a:xfrm>
+          <a:off x="0" y="0"/>
+          <a:ext cx="0" cy="0"/>
+          <a:chOff x="0" y="0"/>
+          <a:chExt cx="0" cy="0"/>
+        </a:xfrm>
+      </p:grpSpPr>
+      <p:pic>
+        <p:nvPicPr>
+          <p:cNvPr id="6" name="Рисунок 5">
+            <a:extLst>
+              <a:ext uri="{FF2B5EF4-FFF2-40B4-BE49-F238E27FC236}">
+                <a16:creationId xmlns:a16="http://schemas.microsoft.com/office/drawing/2014/main" id="{12123E01-CD6A-4E18-9F5F-69B9E7FB251E}"/>
+              </a:ext>
+            </a:extLst>
+          </p:cNvPr>
+          <p:cNvPicPr>
+            <a:picLocks noChangeAspect="1"/>
+          </p:cNvPicPr>
+          <p:nvPr/>
+        </p:nvPicPr>
+        <p:blipFill>
+          <a:blip r:embed="rId2">
+            <a:extLst>
+              <a:ext uri="{28A0092B-C50C-407E-A947-70E740481C1C}">
+                <a14:useLocalDpi xmlns:a14="http://schemas.microsoft.com/office/drawing/2010/main" val="0"/>
+              </a:ext>
+            </a:extLst>
+          </a:blip>
+          <a:stretch>
+            <a:fillRect/>
+          </a:stretch>
+        </p:blipFill>
+        <p:spPr>
+          <a:xfrm>
+            <a:off x="1199456" y="0"/>
+            <a:ext cx="9075967" cy="6854181"/>
+          </a:xfrm>
+          <a:prstGeom prst="rect">
+            <a:avLst/>
+          </a:prstGeom>
+        </p:spPr>
+      </p:pic>
+      <p:sp>
+        <p:nvSpPr>
+          <p:cNvPr id="4" name="Заголовок 3">
+            <a:extLst>
+              <a:ext uri="{FF2B5EF4-FFF2-40B4-BE49-F238E27FC236}">
+                <a16:creationId xmlns:a16="http://schemas.microsoft.com/office/drawing/2014/main" id="{792EB9D3-AC6E-4F62-8400-7B97B0B7014A}"/>
+              </a:ext>
+            </a:extLst>
+          </p:cNvPr>
+          <p:cNvSpPr>
+            <a:spLocks noGrp="1"/>
+          </p:cNvSpPr>
+          <p:nvPr>
+            <p:ph type="title"/>
+          </p:nvPr>
+        </p:nvSpPr>
+        <p:spPr>
+          <a:xfrm>
+            <a:off x="4295800" y="5755"/>
+            <a:ext cx="2594720" cy="701731"/>
+          </a:xfrm>
+        </p:spPr>
+        <p:txBody>
+          <a:bodyPr>
+            <a:spAutoFit/>
+          </a:bodyPr>
+          <a:lstStyle/>
+          <a:p>
+            <a:pPr algn="ctr"/>
+            <a:r>
+              <a:rPr lang="ru-RU" b="1" dirty="0"/>
+              <a:t>Введение</a:t>
+            </a:r>
+          </a:p>
+        </p:txBody>
+      </p:sp>
+    </p:spTree>
+    <p:extLst>
+      <p:ext uri="{BB962C8B-B14F-4D97-AF65-F5344CB8AC3E}">
+        <p14:creationId xmlns:p14="http://schemas.microsoft.com/office/powerpoint/2010/main" val="1287133187"/>
+      </p:ext>
+    </p:extLst>
+  </p:cSld>
+  <p:clrMapOvr>
+    <a:masterClrMapping/>
+  </p:clrMapOvr>
+</p:sld>
+</file>
+
+<file path=ppt/slides/slide20.xml><?xml version="1.0" encoding="utf-8"?>
 <p:sld xmlns:a="http://schemas.openxmlformats.org/drawingml/2006/main" xmlns:r="http://schemas.openxmlformats.org/officeDocument/2006/relationships" xmlns:p="http://schemas.openxmlformats.org/presentationml/2006/main">
   <p:cSld>
     <p:spTree>
@@ -5969,7 +6293,7 @@
 </p:sld>
 </file>
 
-<file path=ppt/slides/slide18.xml><?xml version="1.0" encoding="utf-8"?>
+<file path=ppt/slides/slide21.xml><?xml version="1.0" encoding="utf-8"?>
 <p:sld xmlns:a="http://schemas.openxmlformats.org/drawingml/2006/main" xmlns:r="http://schemas.openxmlformats.org/officeDocument/2006/relationships" xmlns:p="http://schemas.openxmlformats.org/presentationml/2006/main">
   <p:cSld>
     <p:spTree>
@@ -6221,7 +6545,7 @@
 </p:sld>
 </file>
 
-<file path=ppt/slides/slide19.xml><?xml version="1.0" encoding="utf-8"?>
+<file path=ppt/slides/slide22.xml><?xml version="1.0" encoding="utf-8"?>
 <p:sld xmlns:a="http://schemas.openxmlformats.org/drawingml/2006/main" xmlns:r="http://schemas.openxmlformats.org/officeDocument/2006/relationships" xmlns:p="http://schemas.openxmlformats.org/presentationml/2006/main">
   <p:cSld>
     <p:spTree>
@@ -6238,6 +6562,138 @@
           <a:chExt cx="0" cy="0"/>
         </a:xfrm>
       </p:grpSpPr>
+      <p:pic>
+        <p:nvPicPr>
+          <p:cNvPr id="3" name="Рисунок 2">
+            <a:extLst>
+              <a:ext uri="{FF2B5EF4-FFF2-40B4-BE49-F238E27FC236}">
+                <a16:creationId xmlns:a16="http://schemas.microsoft.com/office/drawing/2014/main" id="{FC07CD25-5622-4D9D-988E-B0ECC27E90C1}"/>
+              </a:ext>
+            </a:extLst>
+          </p:cNvPr>
+          <p:cNvPicPr>
+            <a:picLocks noChangeAspect="1"/>
+          </p:cNvPicPr>
+          <p:nvPr/>
+        </p:nvPicPr>
+        <p:blipFill>
+          <a:blip r:embed="rId2">
+            <a:extLst>
+              <a:ext uri="{28A0092B-C50C-407E-A947-70E740481C1C}">
+                <a14:useLocalDpi xmlns:a14="http://schemas.microsoft.com/office/drawing/2010/main" val="0"/>
+              </a:ext>
+            </a:extLst>
+          </a:blip>
+          <a:stretch>
+            <a:fillRect/>
+          </a:stretch>
+        </p:blipFill>
+        <p:spPr>
+          <a:xfrm>
+            <a:off x="1091957" y="0"/>
+            <a:ext cx="10008086" cy="6858000"/>
+          </a:xfrm>
+          <a:prstGeom prst="rect">
+            <a:avLst/>
+          </a:prstGeom>
+        </p:spPr>
+      </p:pic>
+    </p:spTree>
+    <p:extLst>
+      <p:ext uri="{BB962C8B-B14F-4D97-AF65-F5344CB8AC3E}">
+        <p14:creationId xmlns:p14="http://schemas.microsoft.com/office/powerpoint/2010/main" val="692905411"/>
+      </p:ext>
+    </p:extLst>
+  </p:cSld>
+  <p:clrMapOvr>
+    <a:masterClrMapping/>
+  </p:clrMapOvr>
+</p:sld>
+</file>
+
+<file path=ppt/slides/slide23.xml><?xml version="1.0" encoding="utf-8"?>
+<p:sld xmlns:a="http://schemas.openxmlformats.org/drawingml/2006/main" xmlns:r="http://schemas.openxmlformats.org/officeDocument/2006/relationships" xmlns:p="http://schemas.openxmlformats.org/presentationml/2006/main">
+  <p:cSld>
+    <p:spTree>
+      <p:nvGrpSpPr>
+        <p:cNvPr id="1" name=""/>
+        <p:cNvGrpSpPr/>
+        <p:nvPr/>
+      </p:nvGrpSpPr>
+      <p:grpSpPr>
+        <a:xfrm>
+          <a:off x="0" y="0"/>
+          <a:ext cx="0" cy="0"/>
+          <a:chOff x="0" y="0"/>
+          <a:chExt cx="0" cy="0"/>
+        </a:xfrm>
+      </p:grpSpPr>
+      <p:pic>
+        <p:nvPicPr>
+          <p:cNvPr id="3" name="Рисунок 2">
+            <a:extLst>
+              <a:ext uri="{FF2B5EF4-FFF2-40B4-BE49-F238E27FC236}">
+                <a16:creationId xmlns:a16="http://schemas.microsoft.com/office/drawing/2014/main" id="{479B3E1F-0D01-467F-919C-3EF37C73D05F}"/>
+              </a:ext>
+            </a:extLst>
+          </p:cNvPr>
+          <p:cNvPicPr>
+            <a:picLocks noChangeAspect="1"/>
+          </p:cNvPicPr>
+          <p:nvPr/>
+        </p:nvPicPr>
+        <p:blipFill>
+          <a:blip r:embed="rId2">
+            <a:extLst>
+              <a:ext uri="{28A0092B-C50C-407E-A947-70E740481C1C}">
+                <a14:useLocalDpi xmlns:a14="http://schemas.microsoft.com/office/drawing/2010/main" val="0"/>
+              </a:ext>
+            </a:extLst>
+          </a:blip>
+          <a:stretch>
+            <a:fillRect/>
+          </a:stretch>
+        </p:blipFill>
+        <p:spPr>
+          <a:xfrm>
+            <a:off x="2117480" y="0"/>
+            <a:ext cx="7957039" cy="6858000"/>
+          </a:xfrm>
+          <a:prstGeom prst="rect">
+            <a:avLst/>
+          </a:prstGeom>
+        </p:spPr>
+      </p:pic>
+    </p:spTree>
+    <p:extLst>
+      <p:ext uri="{BB962C8B-B14F-4D97-AF65-F5344CB8AC3E}">
+        <p14:creationId xmlns:p14="http://schemas.microsoft.com/office/powerpoint/2010/main" val="1804486333"/>
+      </p:ext>
+    </p:extLst>
+  </p:cSld>
+  <p:clrMapOvr>
+    <a:masterClrMapping/>
+  </p:clrMapOvr>
+</p:sld>
+</file>
+
+<file path=ppt/slides/slide24.xml><?xml version="1.0" encoding="utf-8"?>
+<p:sld xmlns:a="http://schemas.openxmlformats.org/drawingml/2006/main" xmlns:r="http://schemas.openxmlformats.org/officeDocument/2006/relationships" xmlns:p="http://schemas.openxmlformats.org/presentationml/2006/main">
+  <p:cSld>
+    <p:spTree>
+      <p:nvGrpSpPr>
+        <p:cNvPr id="1" name=""/>
+        <p:cNvGrpSpPr/>
+        <p:nvPr/>
+      </p:nvGrpSpPr>
+      <p:grpSpPr>
+        <a:xfrm>
+          <a:off x="0" y="0"/>
+          <a:ext cx="0" cy="0"/>
+          <a:chOff x="0" y="0"/>
+          <a:chExt cx="0" cy="0"/>
+        </a:xfrm>
+      </p:grpSpPr>
       <p:sp>
         <p:nvSpPr>
           <p:cNvPr id="3" name="Заголовок 3">
@@ -6255,7 +6711,7 @@
         <p:spPr>
           <a:xfrm>
             <a:off x="2639616" y="1268760"/>
-            <a:ext cx="6372708" cy="840230"/>
+            <a:ext cx="7344816" cy="840230"/>
           </a:xfrm>
           <a:prstGeom prst="rect">
             <a:avLst/>
@@ -6288,7 +6744,7 @@
             <a:pPr algn="ctr"/>
             <a:r>
               <a:rPr lang="ru-RU" sz="5400" b="1" dirty="0"/>
-              <a:t>Спасибо за внимание</a:t>
+              <a:t>Спасибо за внимание!</a:t>
             </a:r>
           </a:p>
         </p:txBody>
@@ -6297,108 +6753,6 @@
     <p:extLst>
       <p:ext uri="{BB962C8B-B14F-4D97-AF65-F5344CB8AC3E}">
         <p14:creationId xmlns:p14="http://schemas.microsoft.com/office/powerpoint/2010/main" val="251902452"/>
-      </p:ext>
-    </p:extLst>
-  </p:cSld>
-  <p:clrMapOvr>
-    <a:masterClrMapping/>
-  </p:clrMapOvr>
-</p:sld>
-</file>
-
-<file path=ppt/slides/slide2.xml><?xml version="1.0" encoding="utf-8"?>
-<p:sld xmlns:a="http://schemas.openxmlformats.org/drawingml/2006/main" xmlns:r="http://schemas.openxmlformats.org/officeDocument/2006/relationships" xmlns:p="http://schemas.openxmlformats.org/presentationml/2006/main">
-  <p:cSld>
-    <p:spTree>
-      <p:nvGrpSpPr>
-        <p:cNvPr id="1" name=""/>
-        <p:cNvGrpSpPr/>
-        <p:nvPr/>
-      </p:nvGrpSpPr>
-      <p:grpSpPr>
-        <a:xfrm>
-          <a:off x="0" y="0"/>
-          <a:ext cx="0" cy="0"/>
-          <a:chOff x="0" y="0"/>
-          <a:chExt cx="0" cy="0"/>
-        </a:xfrm>
-      </p:grpSpPr>
-      <p:pic>
-        <p:nvPicPr>
-          <p:cNvPr id="6" name="Рисунок 5">
-            <a:extLst>
-              <a:ext uri="{FF2B5EF4-FFF2-40B4-BE49-F238E27FC236}">
-                <a16:creationId xmlns:a16="http://schemas.microsoft.com/office/drawing/2014/main" id="{12123E01-CD6A-4E18-9F5F-69B9E7FB251E}"/>
-              </a:ext>
-            </a:extLst>
-          </p:cNvPr>
-          <p:cNvPicPr>
-            <a:picLocks noChangeAspect="1"/>
-          </p:cNvPicPr>
-          <p:nvPr/>
-        </p:nvPicPr>
-        <p:blipFill>
-          <a:blip r:embed="rId2">
-            <a:extLst>
-              <a:ext uri="{28A0092B-C50C-407E-A947-70E740481C1C}">
-                <a14:useLocalDpi xmlns:a14="http://schemas.microsoft.com/office/drawing/2010/main" val="0"/>
-              </a:ext>
-            </a:extLst>
-          </a:blip>
-          <a:stretch>
-            <a:fillRect/>
-          </a:stretch>
-        </p:blipFill>
-        <p:spPr>
-          <a:xfrm>
-            <a:off x="1199456" y="0"/>
-            <a:ext cx="9075967" cy="6854181"/>
-          </a:xfrm>
-          <a:prstGeom prst="rect">
-            <a:avLst/>
-          </a:prstGeom>
-        </p:spPr>
-      </p:pic>
-      <p:sp>
-        <p:nvSpPr>
-          <p:cNvPr id="4" name="Заголовок 3">
-            <a:extLst>
-              <a:ext uri="{FF2B5EF4-FFF2-40B4-BE49-F238E27FC236}">
-                <a16:creationId xmlns:a16="http://schemas.microsoft.com/office/drawing/2014/main" id="{792EB9D3-AC6E-4F62-8400-7B97B0B7014A}"/>
-              </a:ext>
-            </a:extLst>
-          </p:cNvPr>
-          <p:cNvSpPr>
-            <a:spLocks noGrp="1"/>
-          </p:cNvSpPr>
-          <p:nvPr>
-            <p:ph type="title"/>
-          </p:nvPr>
-        </p:nvSpPr>
-        <p:spPr>
-          <a:xfrm>
-            <a:off x="4295800" y="5755"/>
-            <a:ext cx="2594720" cy="701731"/>
-          </a:xfrm>
-        </p:spPr>
-        <p:txBody>
-          <a:bodyPr>
-            <a:spAutoFit/>
-          </a:bodyPr>
-          <a:lstStyle/>
-          <a:p>
-            <a:pPr algn="ctr"/>
-            <a:r>
-              <a:rPr lang="ru-RU" b="1" dirty="0"/>
-              <a:t>Введение</a:t>
-            </a:r>
-          </a:p>
-        </p:txBody>
-      </p:sp>
-    </p:spTree>
-    <p:extLst>
-      <p:ext uri="{BB962C8B-B14F-4D97-AF65-F5344CB8AC3E}">
-        <p14:creationId xmlns:p14="http://schemas.microsoft.com/office/powerpoint/2010/main" val="1287133187"/>
       </p:ext>
     </p:extLst>
   </p:cSld>

--- a/Диплом/Презентация ВКР.pptx
+++ b/Диплом/Презентация ВКР.pptx
@@ -5,10 +5,10 @@
     <p:sldMasterId id="2147483648" r:id="rId1"/>
   </p:sldMasterIdLst>
   <p:notesMasterIdLst>
-    <p:notesMasterId r:id="rId26"/>
+    <p:notesMasterId r:id="rId29"/>
   </p:notesMasterIdLst>
   <p:handoutMasterIdLst>
-    <p:handoutMasterId r:id="rId27"/>
+    <p:handoutMasterId r:id="rId30"/>
   </p:handoutMasterIdLst>
   <p:sldIdLst>
     <p:sldId id="256" r:id="rId2"/>
@@ -24,17 +24,20 @@
     <p:sldId id="264" r:id="rId12"/>
     <p:sldId id="282" r:id="rId13"/>
     <p:sldId id="283" r:id="rId14"/>
-    <p:sldId id="284" r:id="rId15"/>
-    <p:sldId id="278" r:id="rId16"/>
-    <p:sldId id="269" r:id="rId17"/>
-    <p:sldId id="270" r:id="rId18"/>
-    <p:sldId id="271" r:id="rId19"/>
-    <p:sldId id="279" r:id="rId20"/>
-    <p:sldId id="272" r:id="rId21"/>
-    <p:sldId id="273" r:id="rId22"/>
-    <p:sldId id="280" r:id="rId23"/>
-    <p:sldId id="281" r:id="rId24"/>
-    <p:sldId id="274" r:id="rId25"/>
+    <p:sldId id="285" r:id="rId15"/>
+    <p:sldId id="286" r:id="rId16"/>
+    <p:sldId id="287" r:id="rId17"/>
+    <p:sldId id="288" r:id="rId18"/>
+    <p:sldId id="278" r:id="rId19"/>
+    <p:sldId id="269" r:id="rId20"/>
+    <p:sldId id="270" r:id="rId21"/>
+    <p:sldId id="271" r:id="rId22"/>
+    <p:sldId id="279" r:id="rId23"/>
+    <p:sldId id="272" r:id="rId24"/>
+    <p:sldId id="273" r:id="rId25"/>
+    <p:sldId id="280" r:id="rId26"/>
+    <p:sldId id="281" r:id="rId27"/>
+    <p:sldId id="274" r:id="rId28"/>
   </p:sldIdLst>
   <p:sldSz cx="12192000" cy="6858000"/>
   <p:notesSz cx="6858000" cy="9144000"/>
@@ -167,7 +170,10 @@
             <p14:sldId id="264"/>
             <p14:sldId id="282"/>
             <p14:sldId id="283"/>
-            <p14:sldId id="284"/>
+            <p14:sldId id="285"/>
+            <p14:sldId id="286"/>
+            <p14:sldId id="287"/>
+            <p14:sldId id="288"/>
             <p14:sldId id="278"/>
           </p14:sldIdLst>
         </p14:section>
@@ -4721,63 +4727,164 @@
           <a:chExt cx="0" cy="0"/>
         </a:xfrm>
       </p:grpSpPr>
-      <p:sp>
-        <p:nvSpPr>
-          <p:cNvPr id="2" name="Заголовок 3">
-            <a:extLst>
-              <a:ext uri="{FF2B5EF4-FFF2-40B4-BE49-F238E27FC236}">
-                <a16:creationId xmlns:a16="http://schemas.microsoft.com/office/drawing/2014/main" id="{E25F3597-5952-42A9-9723-208F2C8ECA20}"/>
-              </a:ext>
-            </a:extLst>
-          </p:cNvPr>
-          <p:cNvSpPr txBox="1">
-            <a:spLocks/>
-          </p:cNvSpPr>
+      <p:grpSp>
+        <p:nvGrpSpPr>
+          <p:cNvPr id="9" name="Группа 8">
+            <a:extLst>
+              <a:ext uri="{FF2B5EF4-FFF2-40B4-BE49-F238E27FC236}">
+                <a16:creationId xmlns:a16="http://schemas.microsoft.com/office/drawing/2014/main" id="{5F75790D-C9BE-4B9C-ABFD-C84A57718D84}"/>
+              </a:ext>
+            </a:extLst>
+          </p:cNvPr>
+          <p:cNvGrpSpPr/>
           <p:nvPr/>
-        </p:nvSpPr>
+        </p:nvGrpSpPr>
+        <p:grpSpPr>
+          <a:xfrm>
+            <a:off x="0" y="2468737"/>
+            <a:ext cx="3475182" cy="2039763"/>
+            <a:chOff x="0" y="2468737"/>
+            <a:chExt cx="3475182" cy="2039763"/>
+          </a:xfrm>
+        </p:grpSpPr>
+        <p:sp>
+          <p:nvSpPr>
+            <p:cNvPr id="8" name="Прямоугольник 7">
+              <a:extLst>
+                <a:ext uri="{FF2B5EF4-FFF2-40B4-BE49-F238E27FC236}">
+                  <a16:creationId xmlns:a16="http://schemas.microsoft.com/office/drawing/2014/main" id="{577B45E8-24D0-4110-9E29-E3FB94BF0421}"/>
+                </a:ext>
+              </a:extLst>
+            </p:cNvPr>
+            <p:cNvSpPr/>
+            <p:nvPr/>
+          </p:nvSpPr>
+          <p:spPr>
+            <a:xfrm>
+              <a:off x="0" y="2468737"/>
+              <a:ext cx="3475182" cy="2039763"/>
+            </a:xfrm>
+            <a:prstGeom prst="rect">
+              <a:avLst/>
+            </a:prstGeom>
+          </p:spPr>
+          <p:style>
+            <a:lnRef idx="1">
+              <a:schemeClr val="accent3"/>
+            </a:lnRef>
+            <a:fillRef idx="2">
+              <a:schemeClr val="accent3"/>
+            </a:fillRef>
+            <a:effectRef idx="1">
+              <a:schemeClr val="accent3"/>
+            </a:effectRef>
+            <a:fontRef idx="minor">
+              <a:schemeClr val="dk1"/>
+            </a:fontRef>
+          </p:style>
+          <p:txBody>
+            <a:bodyPr rtlCol="0" anchor="ctr"/>
+            <a:lstStyle/>
+            <a:p>
+              <a:pPr algn="ctr"/>
+              <a:endParaRPr lang="ru-RU"/>
+            </a:p>
+          </p:txBody>
+        </p:sp>
+        <p:sp>
+          <p:nvSpPr>
+            <p:cNvPr id="2" name="Заголовок 3">
+              <a:extLst>
+                <a:ext uri="{FF2B5EF4-FFF2-40B4-BE49-F238E27FC236}">
+                  <a16:creationId xmlns:a16="http://schemas.microsoft.com/office/drawing/2014/main" id="{E25F3597-5952-42A9-9723-208F2C8ECA20}"/>
+                </a:ext>
+              </a:extLst>
+            </p:cNvPr>
+            <p:cNvSpPr txBox="1">
+              <a:spLocks/>
+            </p:cNvSpPr>
+            <p:nvPr/>
+          </p:nvSpPr>
+          <p:spPr>
+            <a:xfrm>
+              <a:off x="191344" y="2468737"/>
+              <a:ext cx="3024336" cy="1920526"/>
+            </a:xfrm>
+            <a:prstGeom prst="rect">
+              <a:avLst/>
+            </a:prstGeom>
+          </p:spPr>
+          <p:txBody>
+            <a:bodyPr wrap="square">
+              <a:spAutoFit/>
+            </a:bodyPr>
+            <a:lstStyle>
+              <a:lvl1pPr algn="l" defTabSz="914400" rtl="0" eaLnBrk="1" latinLnBrk="0" hangingPunct="1">
+                <a:lnSpc>
+                  <a:spcPct val="90000"/>
+                </a:lnSpc>
+                <a:spcBef>
+                  <a:spcPct val="0"/>
+                </a:spcBef>
+                <a:buNone/>
+                <a:defRPr sz="4400" kern="1200">
+                  <a:solidFill>
+                    <a:schemeClr val="tx1"/>
+                  </a:solidFill>
+                  <a:latin typeface="+mj-lt"/>
+                  <a:ea typeface="+mj-ea"/>
+                  <a:cs typeface="+mj-cs"/>
+                </a:defRPr>
+              </a:lvl1pPr>
+            </a:lstStyle>
+            <a:p>
+              <a:pPr algn="ctr"/>
+              <a:r>
+                <a:rPr lang="ru-RU" dirty="0">
+                  <a:latin typeface="+mn-lt"/>
+                </a:rPr>
+                <a:t>Построение графа зоны аэропорта</a:t>
+              </a:r>
+            </a:p>
+          </p:txBody>
+        </p:sp>
+      </p:grpSp>
+      <p:pic>
+        <p:nvPicPr>
+          <p:cNvPr id="6" name="Рисунок 5">
+            <a:extLst>
+              <a:ext uri="{FF2B5EF4-FFF2-40B4-BE49-F238E27FC236}">
+                <a16:creationId xmlns:a16="http://schemas.microsoft.com/office/drawing/2014/main" id="{C6F11385-47DE-481A-A231-DF40D3B23E37}"/>
+              </a:ext>
+            </a:extLst>
+          </p:cNvPr>
+          <p:cNvPicPr>
+            <a:picLocks noChangeAspect="1"/>
+          </p:cNvPicPr>
+          <p:nvPr/>
+        </p:nvPicPr>
+        <p:blipFill>
+          <a:blip r:embed="rId2">
+            <a:extLst>
+              <a:ext uri="{28A0092B-C50C-407E-A947-70E740481C1C}">
+                <a14:useLocalDpi xmlns:a14="http://schemas.microsoft.com/office/drawing/2010/main" val="0"/>
+              </a:ext>
+            </a:extLst>
+          </a:blip>
+          <a:stretch>
+            <a:fillRect/>
+          </a:stretch>
+        </p:blipFill>
         <p:spPr>
           <a:xfrm>
-            <a:off x="3755740" y="116632"/>
-            <a:ext cx="4680520" cy="1311128"/>
+            <a:off x="3475182" y="0"/>
+            <a:ext cx="8716818" cy="6858000"/>
           </a:xfrm>
           <a:prstGeom prst="rect">
             <a:avLst/>
           </a:prstGeom>
         </p:spPr>
-        <p:txBody>
-          <a:bodyPr wrap="square">
-            <a:spAutoFit/>
-          </a:bodyPr>
-          <a:lstStyle>
-            <a:lvl1pPr algn="l" defTabSz="914400" rtl="0" eaLnBrk="1" latinLnBrk="0" hangingPunct="1">
-              <a:lnSpc>
-                <a:spcPct val="90000"/>
-              </a:lnSpc>
-              <a:spcBef>
-                <a:spcPct val="0"/>
-              </a:spcBef>
-              <a:buNone/>
-              <a:defRPr sz="4400" kern="1200">
-                <a:solidFill>
-                  <a:schemeClr val="tx1"/>
-                </a:solidFill>
-                <a:latin typeface="+mj-lt"/>
-                <a:ea typeface="+mj-ea"/>
-                <a:cs typeface="+mj-cs"/>
-              </a:defRPr>
-            </a:lvl1pPr>
-          </a:lstStyle>
-          <a:p>
-            <a:pPr algn="ctr"/>
-            <a:r>
-              <a:rPr lang="ru-RU" dirty="0">
-                <a:latin typeface="+mn-lt"/>
-              </a:rPr>
-              <a:t>Построение графа зоны аэропорта</a:t>
-            </a:r>
-          </a:p>
-        </p:txBody>
-      </p:sp>
+      </p:pic>
     </p:spTree>
     <p:extLst>
       <p:ext uri="{BB962C8B-B14F-4D97-AF65-F5344CB8AC3E}">
@@ -4808,63 +4915,164 @@
           <a:chExt cx="0" cy="0"/>
         </a:xfrm>
       </p:grpSpPr>
-      <p:sp>
-        <p:nvSpPr>
-          <p:cNvPr id="2" name="Заголовок 3">
-            <a:extLst>
-              <a:ext uri="{FF2B5EF4-FFF2-40B4-BE49-F238E27FC236}">
-                <a16:creationId xmlns:a16="http://schemas.microsoft.com/office/drawing/2014/main" id="{EB03893A-3768-4803-ADB9-E29077BE964C}"/>
-              </a:ext>
-            </a:extLst>
-          </p:cNvPr>
-          <p:cNvSpPr txBox="1">
-            <a:spLocks/>
-          </p:cNvSpPr>
+      <p:grpSp>
+        <p:nvGrpSpPr>
+          <p:cNvPr id="7" name="Группа 6">
+            <a:extLst>
+              <a:ext uri="{FF2B5EF4-FFF2-40B4-BE49-F238E27FC236}">
+                <a16:creationId xmlns:a16="http://schemas.microsoft.com/office/drawing/2014/main" id="{D6BFBBF6-722D-412C-9FF5-35EF1D2D825A}"/>
+              </a:ext>
+            </a:extLst>
+          </p:cNvPr>
+          <p:cNvGrpSpPr/>
           <p:nvPr/>
-        </p:nvSpPr>
+        </p:nvGrpSpPr>
+        <p:grpSpPr>
+          <a:xfrm>
+            <a:off x="0" y="2468737"/>
+            <a:ext cx="3475182" cy="2039763"/>
+            <a:chOff x="0" y="2468737"/>
+            <a:chExt cx="3475182" cy="2039763"/>
+          </a:xfrm>
+        </p:grpSpPr>
+        <p:sp>
+          <p:nvSpPr>
+            <p:cNvPr id="8" name="Прямоугольник 7">
+              <a:extLst>
+                <a:ext uri="{FF2B5EF4-FFF2-40B4-BE49-F238E27FC236}">
+                  <a16:creationId xmlns:a16="http://schemas.microsoft.com/office/drawing/2014/main" id="{AB1CE6FC-550E-46FC-AC00-6C49CAD4FB3D}"/>
+                </a:ext>
+              </a:extLst>
+            </p:cNvPr>
+            <p:cNvSpPr/>
+            <p:nvPr/>
+          </p:nvSpPr>
+          <p:spPr>
+            <a:xfrm>
+              <a:off x="0" y="2468737"/>
+              <a:ext cx="3475182" cy="2039763"/>
+            </a:xfrm>
+            <a:prstGeom prst="rect">
+              <a:avLst/>
+            </a:prstGeom>
+          </p:spPr>
+          <p:style>
+            <a:lnRef idx="1">
+              <a:schemeClr val="accent3"/>
+            </a:lnRef>
+            <a:fillRef idx="2">
+              <a:schemeClr val="accent3"/>
+            </a:fillRef>
+            <a:effectRef idx="1">
+              <a:schemeClr val="accent3"/>
+            </a:effectRef>
+            <a:fontRef idx="minor">
+              <a:schemeClr val="dk1"/>
+            </a:fontRef>
+          </p:style>
+          <p:txBody>
+            <a:bodyPr rtlCol="0" anchor="ctr"/>
+            <a:lstStyle/>
+            <a:p>
+              <a:pPr algn="ctr"/>
+              <a:endParaRPr lang="ru-RU"/>
+            </a:p>
+          </p:txBody>
+        </p:sp>
+        <p:sp>
+          <p:nvSpPr>
+            <p:cNvPr id="9" name="Заголовок 3">
+              <a:extLst>
+                <a:ext uri="{FF2B5EF4-FFF2-40B4-BE49-F238E27FC236}">
+                  <a16:creationId xmlns:a16="http://schemas.microsoft.com/office/drawing/2014/main" id="{55EF2725-1681-4CDB-B318-EEF1C430EB6A}"/>
+                </a:ext>
+              </a:extLst>
+            </p:cNvPr>
+            <p:cNvSpPr txBox="1">
+              <a:spLocks/>
+            </p:cNvSpPr>
+            <p:nvPr/>
+          </p:nvSpPr>
+          <p:spPr>
+            <a:xfrm>
+              <a:off x="225423" y="2773436"/>
+              <a:ext cx="3024336" cy="1311128"/>
+            </a:xfrm>
+            <a:prstGeom prst="rect">
+              <a:avLst/>
+            </a:prstGeom>
+          </p:spPr>
+          <p:txBody>
+            <a:bodyPr wrap="square">
+              <a:spAutoFit/>
+            </a:bodyPr>
+            <a:lstStyle>
+              <a:lvl1pPr algn="l" defTabSz="914400" rtl="0" eaLnBrk="1" latinLnBrk="0" hangingPunct="1">
+                <a:lnSpc>
+                  <a:spcPct val="90000"/>
+                </a:lnSpc>
+                <a:spcBef>
+                  <a:spcPct val="0"/>
+                </a:spcBef>
+                <a:buNone/>
+                <a:defRPr sz="4400" kern="1200">
+                  <a:solidFill>
+                    <a:schemeClr val="tx1"/>
+                  </a:solidFill>
+                  <a:latin typeface="+mj-lt"/>
+                  <a:ea typeface="+mj-ea"/>
+                  <a:cs typeface="+mj-cs"/>
+                </a:defRPr>
+              </a:lvl1pPr>
+            </a:lstStyle>
+            <a:p>
+              <a:pPr algn="ctr"/>
+              <a:r>
+                <a:rPr lang="ru-RU" dirty="0">
+                  <a:latin typeface="+mn-lt"/>
+                </a:rPr>
+                <a:t>Построение потоков</a:t>
+              </a:r>
+            </a:p>
+          </p:txBody>
+        </p:sp>
+      </p:grpSp>
+      <p:pic>
+        <p:nvPicPr>
+          <p:cNvPr id="13" name="Рисунок 12">
+            <a:extLst>
+              <a:ext uri="{FF2B5EF4-FFF2-40B4-BE49-F238E27FC236}">
+                <a16:creationId xmlns:a16="http://schemas.microsoft.com/office/drawing/2014/main" id="{70E1039E-3AF2-4BF9-8616-60A80EA38EDC}"/>
+              </a:ext>
+            </a:extLst>
+          </p:cNvPr>
+          <p:cNvPicPr>
+            <a:picLocks noChangeAspect="1"/>
+          </p:cNvPicPr>
+          <p:nvPr/>
+        </p:nvPicPr>
+        <p:blipFill>
+          <a:blip r:embed="rId2">
+            <a:extLst>
+              <a:ext uri="{28A0092B-C50C-407E-A947-70E740481C1C}">
+                <a14:useLocalDpi xmlns:a14="http://schemas.microsoft.com/office/drawing/2010/main" val="0"/>
+              </a:ext>
+            </a:extLst>
+          </a:blip>
+          <a:stretch>
+            <a:fillRect/>
+          </a:stretch>
+        </p:blipFill>
         <p:spPr>
           <a:xfrm>
-            <a:off x="3089666" y="116632"/>
-            <a:ext cx="6012668" cy="1311128"/>
+            <a:off x="3468994" y="-540"/>
+            <a:ext cx="8716818" cy="6858000"/>
           </a:xfrm>
           <a:prstGeom prst="rect">
             <a:avLst/>
           </a:prstGeom>
         </p:spPr>
-        <p:txBody>
-          <a:bodyPr wrap="square">
-            <a:spAutoFit/>
-          </a:bodyPr>
-          <a:lstStyle>
-            <a:lvl1pPr algn="l" defTabSz="914400" rtl="0" eaLnBrk="1" latinLnBrk="0" hangingPunct="1">
-              <a:lnSpc>
-                <a:spcPct val="90000"/>
-              </a:lnSpc>
-              <a:spcBef>
-                <a:spcPct val="0"/>
-              </a:spcBef>
-              <a:buNone/>
-              <a:defRPr sz="4400" kern="1200">
-                <a:solidFill>
-                  <a:schemeClr val="tx1"/>
-                </a:solidFill>
-                <a:latin typeface="+mj-lt"/>
-                <a:ea typeface="+mj-ea"/>
-                <a:cs typeface="+mj-cs"/>
-              </a:defRPr>
-            </a:lvl1pPr>
-          </a:lstStyle>
-          <a:p>
-            <a:pPr algn="ctr"/>
-            <a:r>
-              <a:rPr lang="ru-RU" dirty="0">
-                <a:latin typeface="+mn-lt"/>
-              </a:rPr>
-              <a:t>Построение подграфов потоков</a:t>
-            </a:r>
-          </a:p>
-        </p:txBody>
-      </p:sp>
+      </p:pic>
     </p:spTree>
     <p:extLst>
       <p:ext uri="{BB962C8B-B14F-4D97-AF65-F5344CB8AC3E}">
@@ -4895,67 +5103,168 @@
           <a:chExt cx="0" cy="0"/>
         </a:xfrm>
       </p:grpSpPr>
-      <p:sp>
-        <p:nvSpPr>
-          <p:cNvPr id="2" name="Заголовок 3">
-            <a:extLst>
-              <a:ext uri="{FF2B5EF4-FFF2-40B4-BE49-F238E27FC236}">
-                <a16:creationId xmlns:a16="http://schemas.microsoft.com/office/drawing/2014/main" id="{C6B1A208-C438-4704-B456-87F0836BDDEA}"/>
-              </a:ext>
-            </a:extLst>
-          </p:cNvPr>
-          <p:cNvSpPr txBox="1">
-            <a:spLocks/>
-          </p:cNvSpPr>
+      <p:grpSp>
+        <p:nvGrpSpPr>
+          <p:cNvPr id="7" name="Группа 6">
+            <a:extLst>
+              <a:ext uri="{FF2B5EF4-FFF2-40B4-BE49-F238E27FC236}">
+                <a16:creationId xmlns:a16="http://schemas.microsoft.com/office/drawing/2014/main" id="{D6BFBBF6-722D-412C-9FF5-35EF1D2D825A}"/>
+              </a:ext>
+            </a:extLst>
+          </p:cNvPr>
+          <p:cNvGrpSpPr/>
           <p:nvPr/>
-        </p:nvSpPr>
+        </p:nvGrpSpPr>
+        <p:grpSpPr>
+          <a:xfrm>
+            <a:off x="0" y="2468737"/>
+            <a:ext cx="3475182" cy="2039763"/>
+            <a:chOff x="0" y="2468737"/>
+            <a:chExt cx="3475182" cy="2039763"/>
+          </a:xfrm>
+        </p:grpSpPr>
+        <p:sp>
+          <p:nvSpPr>
+            <p:cNvPr id="8" name="Прямоугольник 7">
+              <a:extLst>
+                <a:ext uri="{FF2B5EF4-FFF2-40B4-BE49-F238E27FC236}">
+                  <a16:creationId xmlns:a16="http://schemas.microsoft.com/office/drawing/2014/main" id="{AB1CE6FC-550E-46FC-AC00-6C49CAD4FB3D}"/>
+                </a:ext>
+              </a:extLst>
+            </p:cNvPr>
+            <p:cNvSpPr/>
+            <p:nvPr/>
+          </p:nvSpPr>
+          <p:spPr>
+            <a:xfrm>
+              <a:off x="0" y="2468737"/>
+              <a:ext cx="3475182" cy="2039763"/>
+            </a:xfrm>
+            <a:prstGeom prst="rect">
+              <a:avLst/>
+            </a:prstGeom>
+          </p:spPr>
+          <p:style>
+            <a:lnRef idx="1">
+              <a:schemeClr val="accent3"/>
+            </a:lnRef>
+            <a:fillRef idx="2">
+              <a:schemeClr val="accent3"/>
+            </a:fillRef>
+            <a:effectRef idx="1">
+              <a:schemeClr val="accent3"/>
+            </a:effectRef>
+            <a:fontRef idx="minor">
+              <a:schemeClr val="dk1"/>
+            </a:fontRef>
+          </p:style>
+          <p:txBody>
+            <a:bodyPr rtlCol="0" anchor="ctr"/>
+            <a:lstStyle/>
+            <a:p>
+              <a:pPr algn="ctr"/>
+              <a:endParaRPr lang="ru-RU"/>
+            </a:p>
+          </p:txBody>
+        </p:sp>
+        <p:sp>
+          <p:nvSpPr>
+            <p:cNvPr id="9" name="Заголовок 3">
+              <a:extLst>
+                <a:ext uri="{FF2B5EF4-FFF2-40B4-BE49-F238E27FC236}">
+                  <a16:creationId xmlns:a16="http://schemas.microsoft.com/office/drawing/2014/main" id="{55EF2725-1681-4CDB-B318-EEF1C430EB6A}"/>
+                </a:ext>
+              </a:extLst>
+            </p:cNvPr>
+            <p:cNvSpPr txBox="1">
+              <a:spLocks/>
+            </p:cNvSpPr>
+            <p:nvPr/>
+          </p:nvSpPr>
+          <p:spPr>
+            <a:xfrm>
+              <a:off x="225423" y="2773436"/>
+              <a:ext cx="3024336" cy="1311128"/>
+            </a:xfrm>
+            <a:prstGeom prst="rect">
+              <a:avLst/>
+            </a:prstGeom>
+          </p:spPr>
+          <p:txBody>
+            <a:bodyPr wrap="square">
+              <a:spAutoFit/>
+            </a:bodyPr>
+            <a:lstStyle>
+              <a:lvl1pPr algn="l" defTabSz="914400" rtl="0" eaLnBrk="1" latinLnBrk="0" hangingPunct="1">
+                <a:lnSpc>
+                  <a:spcPct val="90000"/>
+                </a:lnSpc>
+                <a:spcBef>
+                  <a:spcPct val="0"/>
+                </a:spcBef>
+                <a:buNone/>
+                <a:defRPr sz="4400" kern="1200">
+                  <a:solidFill>
+                    <a:schemeClr val="tx1"/>
+                  </a:solidFill>
+                  <a:latin typeface="+mj-lt"/>
+                  <a:ea typeface="+mj-ea"/>
+                  <a:cs typeface="+mj-cs"/>
+                </a:defRPr>
+              </a:lvl1pPr>
+            </a:lstStyle>
+            <a:p>
+              <a:pPr algn="ctr"/>
+              <a:r>
+                <a:rPr lang="ru-RU" dirty="0">
+                  <a:latin typeface="+mn-lt"/>
+                </a:rPr>
+                <a:t>Построение потоков</a:t>
+              </a:r>
+            </a:p>
+          </p:txBody>
+        </p:sp>
+      </p:grpSp>
+      <p:pic>
+        <p:nvPicPr>
+          <p:cNvPr id="3" name="Рисунок 2">
+            <a:extLst>
+              <a:ext uri="{FF2B5EF4-FFF2-40B4-BE49-F238E27FC236}">
+                <a16:creationId xmlns:a16="http://schemas.microsoft.com/office/drawing/2014/main" id="{B5CA581F-E74D-4900-B961-40C45DBAC6E5}"/>
+              </a:ext>
+            </a:extLst>
+          </p:cNvPr>
+          <p:cNvPicPr>
+            <a:picLocks noChangeAspect="1"/>
+          </p:cNvPicPr>
+          <p:nvPr/>
+        </p:nvPicPr>
+        <p:blipFill>
+          <a:blip r:embed="rId2">
+            <a:extLst>
+              <a:ext uri="{28A0092B-C50C-407E-A947-70E740481C1C}">
+                <a14:useLocalDpi xmlns:a14="http://schemas.microsoft.com/office/drawing/2010/main" val="0"/>
+              </a:ext>
+            </a:extLst>
+          </a:blip>
+          <a:stretch>
+            <a:fillRect/>
+          </a:stretch>
+        </p:blipFill>
         <p:spPr>
           <a:xfrm>
-            <a:off x="3089666" y="116632"/>
-            <a:ext cx="6012668" cy="1311128"/>
+            <a:off x="3485018" y="0"/>
+            <a:ext cx="8716818" cy="6858000"/>
           </a:xfrm>
           <a:prstGeom prst="rect">
             <a:avLst/>
           </a:prstGeom>
         </p:spPr>
-        <p:txBody>
-          <a:bodyPr wrap="square">
-            <a:spAutoFit/>
-          </a:bodyPr>
-          <a:lstStyle>
-            <a:lvl1pPr algn="l" defTabSz="914400" rtl="0" eaLnBrk="1" latinLnBrk="0" hangingPunct="1">
-              <a:lnSpc>
-                <a:spcPct val="90000"/>
-              </a:lnSpc>
-              <a:spcBef>
-                <a:spcPct val="0"/>
-              </a:spcBef>
-              <a:buNone/>
-              <a:defRPr sz="4400" kern="1200">
-                <a:solidFill>
-                  <a:schemeClr val="tx1"/>
-                </a:solidFill>
-                <a:latin typeface="+mj-lt"/>
-                <a:ea typeface="+mj-ea"/>
-                <a:cs typeface="+mj-cs"/>
-              </a:defRPr>
-            </a:lvl1pPr>
-          </a:lstStyle>
-          <a:p>
-            <a:pPr algn="ctr"/>
-            <a:r>
-              <a:rPr lang="ru-RU" dirty="0">
-                <a:latin typeface="+mn-lt"/>
-              </a:rPr>
-              <a:t>Топологическая сортировка потоков</a:t>
-            </a:r>
-          </a:p>
-        </p:txBody>
-      </p:sp>
+      </p:pic>
     </p:spTree>
     <p:extLst>
       <p:ext uri="{BB962C8B-B14F-4D97-AF65-F5344CB8AC3E}">
-        <p14:creationId xmlns:p14="http://schemas.microsoft.com/office/powerpoint/2010/main" val="4096562998"/>
+        <p14:creationId xmlns:p14="http://schemas.microsoft.com/office/powerpoint/2010/main" val="1262581895"/>
       </p:ext>
     </p:extLst>
   </p:cSld>
@@ -4982,6 +5291,597 @@
           <a:chExt cx="0" cy="0"/>
         </a:xfrm>
       </p:grpSpPr>
+      <p:grpSp>
+        <p:nvGrpSpPr>
+          <p:cNvPr id="7" name="Группа 6">
+            <a:extLst>
+              <a:ext uri="{FF2B5EF4-FFF2-40B4-BE49-F238E27FC236}">
+                <a16:creationId xmlns:a16="http://schemas.microsoft.com/office/drawing/2014/main" id="{D6BFBBF6-722D-412C-9FF5-35EF1D2D825A}"/>
+              </a:ext>
+            </a:extLst>
+          </p:cNvPr>
+          <p:cNvGrpSpPr/>
+          <p:nvPr/>
+        </p:nvGrpSpPr>
+        <p:grpSpPr>
+          <a:xfrm>
+            <a:off x="0" y="2468736"/>
+            <a:ext cx="4655840" cy="2164191"/>
+            <a:chOff x="0" y="2468737"/>
+            <a:chExt cx="3475182" cy="2039763"/>
+          </a:xfrm>
+        </p:grpSpPr>
+        <p:sp>
+          <p:nvSpPr>
+            <p:cNvPr id="8" name="Прямоугольник 7">
+              <a:extLst>
+                <a:ext uri="{FF2B5EF4-FFF2-40B4-BE49-F238E27FC236}">
+                  <a16:creationId xmlns:a16="http://schemas.microsoft.com/office/drawing/2014/main" id="{AB1CE6FC-550E-46FC-AC00-6C49CAD4FB3D}"/>
+                </a:ext>
+              </a:extLst>
+            </p:cNvPr>
+            <p:cNvSpPr/>
+            <p:nvPr/>
+          </p:nvSpPr>
+          <p:spPr>
+            <a:xfrm>
+              <a:off x="0" y="2468737"/>
+              <a:ext cx="3475182" cy="2039763"/>
+            </a:xfrm>
+            <a:prstGeom prst="rect">
+              <a:avLst/>
+            </a:prstGeom>
+          </p:spPr>
+          <p:style>
+            <a:lnRef idx="1">
+              <a:schemeClr val="accent3"/>
+            </a:lnRef>
+            <a:fillRef idx="2">
+              <a:schemeClr val="accent3"/>
+            </a:fillRef>
+            <a:effectRef idx="1">
+              <a:schemeClr val="accent3"/>
+            </a:effectRef>
+            <a:fontRef idx="minor">
+              <a:schemeClr val="dk1"/>
+            </a:fontRef>
+          </p:style>
+          <p:txBody>
+            <a:bodyPr rtlCol="0" anchor="ctr"/>
+            <a:lstStyle/>
+            <a:p>
+              <a:pPr algn="ctr"/>
+              <a:endParaRPr lang="ru-RU"/>
+            </a:p>
+          </p:txBody>
+        </p:sp>
+        <p:sp>
+          <p:nvSpPr>
+            <p:cNvPr id="9" name="Заголовок 3">
+              <a:extLst>
+                <a:ext uri="{FF2B5EF4-FFF2-40B4-BE49-F238E27FC236}">
+                  <a16:creationId xmlns:a16="http://schemas.microsoft.com/office/drawing/2014/main" id="{55EF2725-1681-4CDB-B318-EEF1C430EB6A}"/>
+                </a:ext>
+              </a:extLst>
+            </p:cNvPr>
+            <p:cNvSpPr txBox="1">
+              <a:spLocks/>
+            </p:cNvSpPr>
+            <p:nvPr/>
+          </p:nvSpPr>
+          <p:spPr>
+            <a:xfrm>
+              <a:off x="225423" y="2528355"/>
+              <a:ext cx="3024336" cy="1810107"/>
+            </a:xfrm>
+            <a:prstGeom prst="rect">
+              <a:avLst/>
+            </a:prstGeom>
+          </p:spPr>
+          <p:txBody>
+            <a:bodyPr wrap="square">
+              <a:spAutoFit/>
+            </a:bodyPr>
+            <a:lstStyle>
+              <a:lvl1pPr algn="l" defTabSz="914400" rtl="0" eaLnBrk="1" latinLnBrk="0" hangingPunct="1">
+                <a:lnSpc>
+                  <a:spcPct val="90000"/>
+                </a:lnSpc>
+                <a:spcBef>
+                  <a:spcPct val="0"/>
+                </a:spcBef>
+                <a:buNone/>
+                <a:defRPr sz="4400" kern="1200">
+                  <a:solidFill>
+                    <a:schemeClr val="tx1"/>
+                  </a:solidFill>
+                  <a:latin typeface="+mj-lt"/>
+                  <a:ea typeface="+mj-ea"/>
+                  <a:cs typeface="+mj-cs"/>
+                </a:defRPr>
+              </a:lvl1pPr>
+            </a:lstStyle>
+            <a:p>
+              <a:pPr algn="ctr"/>
+              <a:r>
+                <a:rPr lang="ru-RU" dirty="0">
+                  <a:latin typeface="+mn-lt"/>
+                </a:rPr>
+                <a:t>Топологическая сортировка</a:t>
+              </a:r>
+            </a:p>
+            <a:p>
+              <a:pPr algn="ctr"/>
+              <a:r>
+                <a:rPr lang="ru-RU" dirty="0">
+                  <a:latin typeface="+mn-lt"/>
+                </a:rPr>
+                <a:t>потоков</a:t>
+              </a:r>
+            </a:p>
+          </p:txBody>
+        </p:sp>
+      </p:grpSp>
+      <p:pic>
+        <p:nvPicPr>
+          <p:cNvPr id="3" name="Рисунок 2">
+            <a:extLst>
+              <a:ext uri="{FF2B5EF4-FFF2-40B4-BE49-F238E27FC236}">
+                <a16:creationId xmlns:a16="http://schemas.microsoft.com/office/drawing/2014/main" id="{A8685E2D-F9D0-4167-B315-20D5BCEB3D3A}"/>
+              </a:ext>
+            </a:extLst>
+          </p:cNvPr>
+          <p:cNvPicPr>
+            <a:picLocks noChangeAspect="1"/>
+          </p:cNvPicPr>
+          <p:nvPr/>
+        </p:nvPicPr>
+        <p:blipFill>
+          <a:blip r:embed="rId2">
+            <a:extLst>
+              <a:ext uri="{28A0092B-C50C-407E-A947-70E740481C1C}">
+                <a14:useLocalDpi xmlns:a14="http://schemas.microsoft.com/office/drawing/2010/main" val="0"/>
+              </a:ext>
+            </a:extLst>
+          </a:blip>
+          <a:stretch>
+            <a:fillRect/>
+          </a:stretch>
+        </p:blipFill>
+        <p:spPr>
+          <a:xfrm>
+            <a:off x="4374483" y="-14028"/>
+            <a:ext cx="8716818" cy="6858000"/>
+          </a:xfrm>
+          <a:prstGeom prst="rect">
+            <a:avLst/>
+          </a:prstGeom>
+        </p:spPr>
+      </p:pic>
+    </p:spTree>
+    <p:extLst>
+      <p:ext uri="{BB962C8B-B14F-4D97-AF65-F5344CB8AC3E}">
+        <p14:creationId xmlns:p14="http://schemas.microsoft.com/office/powerpoint/2010/main" val="488591147"/>
+      </p:ext>
+    </p:extLst>
+  </p:cSld>
+  <p:clrMapOvr>
+    <a:masterClrMapping/>
+  </p:clrMapOvr>
+</p:sld>
+</file>
+
+<file path=ppt/slides/slide16.xml><?xml version="1.0" encoding="utf-8"?>
+<p:sld xmlns:a="http://schemas.openxmlformats.org/drawingml/2006/main" xmlns:r="http://schemas.openxmlformats.org/officeDocument/2006/relationships" xmlns:p="http://schemas.openxmlformats.org/presentationml/2006/main">
+  <p:cSld>
+    <p:spTree>
+      <p:nvGrpSpPr>
+        <p:cNvPr id="1" name=""/>
+        <p:cNvGrpSpPr/>
+        <p:nvPr/>
+      </p:nvGrpSpPr>
+      <p:grpSpPr>
+        <a:xfrm>
+          <a:off x="0" y="0"/>
+          <a:ext cx="0" cy="0"/>
+          <a:chOff x="0" y="0"/>
+          <a:chExt cx="0" cy="0"/>
+        </a:xfrm>
+      </p:grpSpPr>
+      <p:grpSp>
+        <p:nvGrpSpPr>
+          <p:cNvPr id="7" name="Группа 6">
+            <a:extLst>
+              <a:ext uri="{FF2B5EF4-FFF2-40B4-BE49-F238E27FC236}">
+                <a16:creationId xmlns:a16="http://schemas.microsoft.com/office/drawing/2014/main" id="{D6BFBBF6-722D-412C-9FF5-35EF1D2D825A}"/>
+              </a:ext>
+            </a:extLst>
+          </p:cNvPr>
+          <p:cNvGrpSpPr/>
+          <p:nvPr/>
+        </p:nvGrpSpPr>
+        <p:grpSpPr>
+          <a:xfrm>
+            <a:off x="0" y="2468736"/>
+            <a:ext cx="4655840" cy="2164191"/>
+            <a:chOff x="0" y="2468737"/>
+            <a:chExt cx="3475182" cy="2039763"/>
+          </a:xfrm>
+        </p:grpSpPr>
+        <p:sp>
+          <p:nvSpPr>
+            <p:cNvPr id="8" name="Прямоугольник 7">
+              <a:extLst>
+                <a:ext uri="{FF2B5EF4-FFF2-40B4-BE49-F238E27FC236}">
+                  <a16:creationId xmlns:a16="http://schemas.microsoft.com/office/drawing/2014/main" id="{AB1CE6FC-550E-46FC-AC00-6C49CAD4FB3D}"/>
+                </a:ext>
+              </a:extLst>
+            </p:cNvPr>
+            <p:cNvSpPr/>
+            <p:nvPr/>
+          </p:nvSpPr>
+          <p:spPr>
+            <a:xfrm>
+              <a:off x="0" y="2468737"/>
+              <a:ext cx="3475182" cy="2039763"/>
+            </a:xfrm>
+            <a:prstGeom prst="rect">
+              <a:avLst/>
+            </a:prstGeom>
+          </p:spPr>
+          <p:style>
+            <a:lnRef idx="1">
+              <a:schemeClr val="accent3"/>
+            </a:lnRef>
+            <a:fillRef idx="2">
+              <a:schemeClr val="accent3"/>
+            </a:fillRef>
+            <a:effectRef idx="1">
+              <a:schemeClr val="accent3"/>
+            </a:effectRef>
+            <a:fontRef idx="minor">
+              <a:schemeClr val="dk1"/>
+            </a:fontRef>
+          </p:style>
+          <p:txBody>
+            <a:bodyPr rtlCol="0" anchor="ctr"/>
+            <a:lstStyle/>
+            <a:p>
+              <a:pPr algn="ctr"/>
+              <a:endParaRPr lang="ru-RU"/>
+            </a:p>
+          </p:txBody>
+        </p:sp>
+        <p:sp>
+          <p:nvSpPr>
+            <p:cNvPr id="9" name="Заголовок 3">
+              <a:extLst>
+                <a:ext uri="{FF2B5EF4-FFF2-40B4-BE49-F238E27FC236}">
+                  <a16:creationId xmlns:a16="http://schemas.microsoft.com/office/drawing/2014/main" id="{55EF2725-1681-4CDB-B318-EEF1C430EB6A}"/>
+                </a:ext>
+              </a:extLst>
+            </p:cNvPr>
+            <p:cNvSpPr txBox="1">
+              <a:spLocks/>
+            </p:cNvSpPr>
+            <p:nvPr/>
+          </p:nvSpPr>
+          <p:spPr>
+            <a:xfrm>
+              <a:off x="225423" y="2528355"/>
+              <a:ext cx="3024336" cy="1810107"/>
+            </a:xfrm>
+            <a:prstGeom prst="rect">
+              <a:avLst/>
+            </a:prstGeom>
+          </p:spPr>
+          <p:txBody>
+            <a:bodyPr wrap="square">
+              <a:spAutoFit/>
+            </a:bodyPr>
+            <a:lstStyle>
+              <a:lvl1pPr algn="l" defTabSz="914400" rtl="0" eaLnBrk="1" latinLnBrk="0" hangingPunct="1">
+                <a:lnSpc>
+                  <a:spcPct val="90000"/>
+                </a:lnSpc>
+                <a:spcBef>
+                  <a:spcPct val="0"/>
+                </a:spcBef>
+                <a:buNone/>
+                <a:defRPr sz="4400" kern="1200">
+                  <a:solidFill>
+                    <a:schemeClr val="tx1"/>
+                  </a:solidFill>
+                  <a:latin typeface="+mj-lt"/>
+                  <a:ea typeface="+mj-ea"/>
+                  <a:cs typeface="+mj-cs"/>
+                </a:defRPr>
+              </a:lvl1pPr>
+            </a:lstStyle>
+            <a:p>
+              <a:pPr algn="ctr"/>
+              <a:r>
+                <a:rPr lang="ru-RU" dirty="0">
+                  <a:latin typeface="+mn-lt"/>
+                </a:rPr>
+                <a:t>Топологическая сортировка</a:t>
+              </a:r>
+            </a:p>
+            <a:p>
+              <a:pPr algn="ctr"/>
+              <a:r>
+                <a:rPr lang="ru-RU" dirty="0">
+                  <a:latin typeface="+mn-lt"/>
+                </a:rPr>
+                <a:t>потоков</a:t>
+              </a:r>
+            </a:p>
+          </p:txBody>
+        </p:sp>
+      </p:grpSp>
+      <p:pic>
+        <p:nvPicPr>
+          <p:cNvPr id="3" name="Рисунок 2">
+            <a:extLst>
+              <a:ext uri="{FF2B5EF4-FFF2-40B4-BE49-F238E27FC236}">
+                <a16:creationId xmlns:a16="http://schemas.microsoft.com/office/drawing/2014/main" id="{AF23B3C1-C48A-472C-901C-5AB3EDBBD9F0}"/>
+              </a:ext>
+            </a:extLst>
+          </p:cNvPr>
+          <p:cNvPicPr>
+            <a:picLocks noChangeAspect="1"/>
+          </p:cNvPicPr>
+          <p:nvPr/>
+        </p:nvPicPr>
+        <p:blipFill>
+          <a:blip r:embed="rId2">
+            <a:extLst>
+              <a:ext uri="{28A0092B-C50C-407E-A947-70E740481C1C}">
+                <a14:useLocalDpi xmlns:a14="http://schemas.microsoft.com/office/drawing/2010/main" val="0"/>
+              </a:ext>
+            </a:extLst>
+          </a:blip>
+          <a:stretch>
+            <a:fillRect/>
+          </a:stretch>
+        </p:blipFill>
+        <p:spPr>
+          <a:xfrm>
+            <a:off x="4655840" y="0"/>
+            <a:ext cx="8716818" cy="6858000"/>
+          </a:xfrm>
+          <a:prstGeom prst="rect">
+            <a:avLst/>
+          </a:prstGeom>
+        </p:spPr>
+      </p:pic>
+    </p:spTree>
+    <p:extLst>
+      <p:ext uri="{BB962C8B-B14F-4D97-AF65-F5344CB8AC3E}">
+        <p14:creationId xmlns:p14="http://schemas.microsoft.com/office/powerpoint/2010/main" val="856612281"/>
+      </p:ext>
+    </p:extLst>
+  </p:cSld>
+  <p:clrMapOvr>
+    <a:masterClrMapping/>
+  </p:clrMapOvr>
+</p:sld>
+</file>
+
+<file path=ppt/slides/slide17.xml><?xml version="1.0" encoding="utf-8"?>
+<p:sld xmlns:a="http://schemas.openxmlformats.org/drawingml/2006/main" xmlns:r="http://schemas.openxmlformats.org/officeDocument/2006/relationships" xmlns:p="http://schemas.openxmlformats.org/presentationml/2006/main">
+  <p:cSld>
+    <p:spTree>
+      <p:nvGrpSpPr>
+        <p:cNvPr id="1" name=""/>
+        <p:cNvGrpSpPr/>
+        <p:nvPr/>
+      </p:nvGrpSpPr>
+      <p:grpSpPr>
+        <a:xfrm>
+          <a:off x="0" y="0"/>
+          <a:ext cx="0" cy="0"/>
+          <a:chOff x="0" y="0"/>
+          <a:chExt cx="0" cy="0"/>
+        </a:xfrm>
+      </p:grpSpPr>
+      <p:grpSp>
+        <p:nvGrpSpPr>
+          <p:cNvPr id="7" name="Группа 6">
+            <a:extLst>
+              <a:ext uri="{FF2B5EF4-FFF2-40B4-BE49-F238E27FC236}">
+                <a16:creationId xmlns:a16="http://schemas.microsoft.com/office/drawing/2014/main" id="{D6BFBBF6-722D-412C-9FF5-35EF1D2D825A}"/>
+              </a:ext>
+            </a:extLst>
+          </p:cNvPr>
+          <p:cNvGrpSpPr/>
+          <p:nvPr/>
+        </p:nvGrpSpPr>
+        <p:grpSpPr>
+          <a:xfrm>
+            <a:off x="0" y="2468736"/>
+            <a:ext cx="4655840" cy="2164191"/>
+            <a:chOff x="0" y="2468737"/>
+            <a:chExt cx="3475182" cy="2039763"/>
+          </a:xfrm>
+        </p:grpSpPr>
+        <p:sp>
+          <p:nvSpPr>
+            <p:cNvPr id="8" name="Прямоугольник 7">
+              <a:extLst>
+                <a:ext uri="{FF2B5EF4-FFF2-40B4-BE49-F238E27FC236}">
+                  <a16:creationId xmlns:a16="http://schemas.microsoft.com/office/drawing/2014/main" id="{AB1CE6FC-550E-46FC-AC00-6C49CAD4FB3D}"/>
+                </a:ext>
+              </a:extLst>
+            </p:cNvPr>
+            <p:cNvSpPr/>
+            <p:nvPr/>
+          </p:nvSpPr>
+          <p:spPr>
+            <a:xfrm>
+              <a:off x="0" y="2468737"/>
+              <a:ext cx="3475182" cy="2039763"/>
+            </a:xfrm>
+            <a:prstGeom prst="rect">
+              <a:avLst/>
+            </a:prstGeom>
+          </p:spPr>
+          <p:style>
+            <a:lnRef idx="1">
+              <a:schemeClr val="accent3"/>
+            </a:lnRef>
+            <a:fillRef idx="2">
+              <a:schemeClr val="accent3"/>
+            </a:fillRef>
+            <a:effectRef idx="1">
+              <a:schemeClr val="accent3"/>
+            </a:effectRef>
+            <a:fontRef idx="minor">
+              <a:schemeClr val="dk1"/>
+            </a:fontRef>
+          </p:style>
+          <p:txBody>
+            <a:bodyPr rtlCol="0" anchor="ctr"/>
+            <a:lstStyle/>
+            <a:p>
+              <a:pPr algn="ctr"/>
+              <a:endParaRPr lang="ru-RU"/>
+            </a:p>
+          </p:txBody>
+        </p:sp>
+        <p:sp>
+          <p:nvSpPr>
+            <p:cNvPr id="9" name="Заголовок 3">
+              <a:extLst>
+                <a:ext uri="{FF2B5EF4-FFF2-40B4-BE49-F238E27FC236}">
+                  <a16:creationId xmlns:a16="http://schemas.microsoft.com/office/drawing/2014/main" id="{55EF2725-1681-4CDB-B318-EEF1C430EB6A}"/>
+                </a:ext>
+              </a:extLst>
+            </p:cNvPr>
+            <p:cNvSpPr txBox="1">
+              <a:spLocks/>
+            </p:cNvSpPr>
+            <p:nvPr/>
+          </p:nvSpPr>
+          <p:spPr>
+            <a:xfrm>
+              <a:off x="225423" y="2528355"/>
+              <a:ext cx="3024336" cy="1810107"/>
+            </a:xfrm>
+            <a:prstGeom prst="rect">
+              <a:avLst/>
+            </a:prstGeom>
+          </p:spPr>
+          <p:txBody>
+            <a:bodyPr wrap="square">
+              <a:spAutoFit/>
+            </a:bodyPr>
+            <a:lstStyle>
+              <a:lvl1pPr algn="l" defTabSz="914400" rtl="0" eaLnBrk="1" latinLnBrk="0" hangingPunct="1">
+                <a:lnSpc>
+                  <a:spcPct val="90000"/>
+                </a:lnSpc>
+                <a:spcBef>
+                  <a:spcPct val="0"/>
+                </a:spcBef>
+                <a:buNone/>
+                <a:defRPr sz="4400" kern="1200">
+                  <a:solidFill>
+                    <a:schemeClr val="tx1"/>
+                  </a:solidFill>
+                  <a:latin typeface="+mj-lt"/>
+                  <a:ea typeface="+mj-ea"/>
+                  <a:cs typeface="+mj-cs"/>
+                </a:defRPr>
+              </a:lvl1pPr>
+            </a:lstStyle>
+            <a:p>
+              <a:pPr algn="ctr"/>
+              <a:r>
+                <a:rPr lang="ru-RU" dirty="0">
+                  <a:latin typeface="+mn-lt"/>
+                </a:rPr>
+                <a:t>Топологическая сортировка</a:t>
+              </a:r>
+            </a:p>
+            <a:p>
+              <a:pPr algn="ctr"/>
+              <a:r>
+                <a:rPr lang="ru-RU" dirty="0">
+                  <a:latin typeface="+mn-lt"/>
+                </a:rPr>
+                <a:t>потоков</a:t>
+              </a:r>
+            </a:p>
+          </p:txBody>
+        </p:sp>
+      </p:grpSp>
+      <p:pic>
+        <p:nvPicPr>
+          <p:cNvPr id="3" name="Рисунок 2">
+            <a:extLst>
+              <a:ext uri="{FF2B5EF4-FFF2-40B4-BE49-F238E27FC236}">
+                <a16:creationId xmlns:a16="http://schemas.microsoft.com/office/drawing/2014/main" id="{3A6EF677-8B96-4F4D-98A3-3C61AA347A6F}"/>
+              </a:ext>
+            </a:extLst>
+          </p:cNvPr>
+          <p:cNvPicPr>
+            <a:picLocks noChangeAspect="1"/>
+          </p:cNvPicPr>
+          <p:nvPr/>
+        </p:nvPicPr>
+        <p:blipFill>
+          <a:blip r:embed="rId2">
+            <a:extLst>
+              <a:ext uri="{28A0092B-C50C-407E-A947-70E740481C1C}">
+                <a14:useLocalDpi xmlns:a14="http://schemas.microsoft.com/office/drawing/2010/main" val="0"/>
+              </a:ext>
+            </a:extLst>
+          </a:blip>
+          <a:stretch>
+            <a:fillRect/>
+          </a:stretch>
+        </p:blipFill>
+        <p:spPr>
+          <a:xfrm>
+            <a:off x="4655840" y="544"/>
+            <a:ext cx="8716818" cy="6858000"/>
+          </a:xfrm>
+          <a:prstGeom prst="rect">
+            <a:avLst/>
+          </a:prstGeom>
+        </p:spPr>
+      </p:pic>
+    </p:spTree>
+    <p:extLst>
+      <p:ext uri="{BB962C8B-B14F-4D97-AF65-F5344CB8AC3E}">
+        <p14:creationId xmlns:p14="http://schemas.microsoft.com/office/powerpoint/2010/main" val="310231424"/>
+      </p:ext>
+    </p:extLst>
+  </p:cSld>
+  <p:clrMapOvr>
+    <a:masterClrMapping/>
+  </p:clrMapOvr>
+</p:sld>
+</file>
+
+<file path=ppt/slides/slide18.xml><?xml version="1.0" encoding="utf-8"?>
+<p:sld xmlns:a="http://schemas.openxmlformats.org/drawingml/2006/main" xmlns:r="http://schemas.openxmlformats.org/officeDocument/2006/relationships" xmlns:p="http://schemas.openxmlformats.org/presentationml/2006/main">
+  <p:cSld>
+    <p:spTree>
+      <p:nvGrpSpPr>
+        <p:cNvPr id="1" name=""/>
+        <p:cNvGrpSpPr/>
+        <p:nvPr/>
+      </p:nvGrpSpPr>
+      <p:grpSpPr>
+        <a:xfrm>
+          <a:off x="0" y="0"/>
+          <a:ext cx="0" cy="0"/>
+          <a:chOff x="0" y="0"/>
+          <a:chExt cx="0" cy="0"/>
+        </a:xfrm>
+      </p:grpSpPr>
       <p:sp>
         <p:nvSpPr>
           <p:cNvPr id="2" name="Заголовок 3">
@@ -5250,7 +6150,7 @@
 </p:sld>
 </file>
 
-<file path=ppt/slides/slide16.xml><?xml version="1.0" encoding="utf-8"?>
+<file path=ppt/slides/slide19.xml><?xml version="1.0" encoding="utf-8"?>
 <p:sld xmlns:a="http://schemas.openxmlformats.org/drawingml/2006/main" xmlns:r="http://schemas.openxmlformats.org/officeDocument/2006/relationships" xmlns:p="http://schemas.openxmlformats.org/presentationml/2006/main">
   <p:cSld>
     <p:spTree>
@@ -5365,766 +6265,6 @@
 </p:sld>
 </file>
 
-<file path=ppt/slides/slide17.xml><?xml version="1.0" encoding="utf-8"?>
-<p:sld xmlns:a="http://schemas.openxmlformats.org/drawingml/2006/main" xmlns:r="http://schemas.openxmlformats.org/officeDocument/2006/relationships" xmlns:p="http://schemas.openxmlformats.org/presentationml/2006/main">
-  <p:cSld>
-    <p:spTree>
-      <p:nvGrpSpPr>
-        <p:cNvPr id="1" name=""/>
-        <p:cNvGrpSpPr/>
-        <p:nvPr/>
-      </p:nvGrpSpPr>
-      <p:grpSpPr>
-        <a:xfrm>
-          <a:off x="0" y="0"/>
-          <a:ext cx="0" cy="0"/>
-          <a:chOff x="0" y="0"/>
-          <a:chExt cx="0" cy="0"/>
-        </a:xfrm>
-      </p:grpSpPr>
-      <p:sp>
-        <p:nvSpPr>
-          <p:cNvPr id="2" name="Заголовок 3">
-            <a:extLst>
-              <a:ext uri="{FF2B5EF4-FFF2-40B4-BE49-F238E27FC236}">
-                <a16:creationId xmlns:a16="http://schemas.microsoft.com/office/drawing/2014/main" id="{C0407515-3124-45F4-A075-40601AB2F9D6}"/>
-              </a:ext>
-            </a:extLst>
-          </p:cNvPr>
-          <p:cNvSpPr txBox="1">
-            <a:spLocks/>
-          </p:cNvSpPr>
-          <p:nvPr/>
-        </p:nvSpPr>
-        <p:spPr>
-          <a:xfrm>
-            <a:off x="2909646" y="116632"/>
-            <a:ext cx="6372708" cy="701731"/>
-          </a:xfrm>
-          <a:prstGeom prst="rect">
-            <a:avLst/>
-          </a:prstGeom>
-        </p:spPr>
-        <p:txBody>
-          <a:bodyPr wrap="square">
-            <a:spAutoFit/>
-          </a:bodyPr>
-          <a:lstStyle>
-            <a:lvl1pPr algn="l" defTabSz="914400" rtl="0" eaLnBrk="1" latinLnBrk="0" hangingPunct="1">
-              <a:lnSpc>
-                <a:spcPct val="90000"/>
-              </a:lnSpc>
-              <a:spcBef>
-                <a:spcPct val="0"/>
-              </a:spcBef>
-              <a:buNone/>
-              <a:defRPr sz="4400" kern="1200">
-                <a:solidFill>
-                  <a:schemeClr val="tx1"/>
-                </a:solidFill>
-                <a:latin typeface="+mj-lt"/>
-                <a:ea typeface="+mj-ea"/>
-                <a:cs typeface="+mj-cs"/>
-              </a:defRPr>
-            </a:lvl1pPr>
-          </a:lstStyle>
-          <a:p>
-            <a:pPr algn="ctr"/>
-            <a:r>
-              <a:rPr lang="ru-RU" b="1" dirty="0"/>
-              <a:t>Модельный пример</a:t>
-            </a:r>
-          </a:p>
-        </p:txBody>
-      </p:sp>
-      <p:sp>
-        <p:nvSpPr>
-          <p:cNvPr id="3" name="Прямоугольник 2">
-            <a:extLst>
-              <a:ext uri="{FF2B5EF4-FFF2-40B4-BE49-F238E27FC236}">
-                <a16:creationId xmlns:a16="http://schemas.microsoft.com/office/drawing/2014/main" id="{78FC5744-28FA-45E8-B91F-E7C800780244}"/>
-              </a:ext>
-            </a:extLst>
-          </p:cNvPr>
-          <p:cNvSpPr/>
-          <p:nvPr/>
-        </p:nvSpPr>
-        <p:spPr>
-          <a:xfrm>
-            <a:off x="573885" y="1340768"/>
-            <a:ext cx="3312368" cy="5136471"/>
-          </a:xfrm>
-          <a:prstGeom prst="rect">
-            <a:avLst/>
-          </a:prstGeom>
-        </p:spPr>
-        <p:txBody>
-          <a:bodyPr wrap="square">
-            <a:spAutoFit/>
-          </a:bodyPr>
-          <a:lstStyle/>
-          <a:p>
-            <a:pPr>
-              <a:lnSpc>
-                <a:spcPct val="125000"/>
-              </a:lnSpc>
-            </a:pPr>
-            <a:r>
-              <a:rPr lang="ru-RU" sz="2400" dirty="0"/>
-              <a:t>Файл с данными точек:</a:t>
-            </a:r>
-          </a:p>
-          <a:p>
-            <a:pPr>
-              <a:lnSpc>
-                <a:spcPct val="125000"/>
-              </a:lnSpc>
-            </a:pPr>
-            <a:r>
-              <a:rPr lang="ru-RU" sz="2400" dirty="0"/>
-              <a:t>9</a:t>
-            </a:r>
-          </a:p>
-          <a:p>
-            <a:pPr>
-              <a:lnSpc>
-                <a:spcPct val="125000"/>
-              </a:lnSpc>
-            </a:pPr>
-            <a:r>
-              <a:rPr lang="ru-RU" sz="2400" dirty="0"/>
-              <a:t>a -100 0 0 5 10</a:t>
-            </a:r>
-          </a:p>
-          <a:p>
-            <a:pPr>
-              <a:lnSpc>
-                <a:spcPct val="125000"/>
-              </a:lnSpc>
-            </a:pPr>
-            <a:r>
-              <a:rPr lang="ru-RU" sz="2400" dirty="0"/>
-              <a:t>b -50 0 0 5 10</a:t>
-            </a:r>
-          </a:p>
-          <a:p>
-            <a:pPr>
-              <a:lnSpc>
-                <a:spcPct val="125000"/>
-              </a:lnSpc>
-            </a:pPr>
-            <a:r>
-              <a:rPr lang="ru-RU" sz="2400" dirty="0"/>
-              <a:t>c 0 0 0 5 10</a:t>
-            </a:r>
-          </a:p>
-          <a:p>
-            <a:pPr>
-              <a:lnSpc>
-                <a:spcPct val="125000"/>
-              </a:lnSpc>
-            </a:pPr>
-            <a:r>
-              <a:rPr lang="ru-RU" sz="2400" dirty="0"/>
-              <a:t>d 50 0 0 5 10</a:t>
-            </a:r>
-          </a:p>
-          <a:p>
-            <a:pPr>
-              <a:lnSpc>
-                <a:spcPct val="125000"/>
-              </a:lnSpc>
-            </a:pPr>
-            <a:r>
-              <a:rPr lang="ru-RU" sz="2400" dirty="0"/>
-              <a:t>e 200 0 0 4 6</a:t>
-            </a:r>
-          </a:p>
-          <a:p>
-            <a:pPr>
-              <a:lnSpc>
-                <a:spcPct val="125000"/>
-              </a:lnSpc>
-            </a:pPr>
-            <a:r>
-              <a:rPr lang="ru-RU" sz="2400" dirty="0"/>
-              <a:t>f 50 100 0 4 8</a:t>
-            </a:r>
-          </a:p>
-          <a:p>
-            <a:pPr>
-              <a:lnSpc>
-                <a:spcPct val="125000"/>
-              </a:lnSpc>
-            </a:pPr>
-            <a:r>
-              <a:rPr lang="ru-RU" sz="2400" dirty="0"/>
-              <a:t>g -50 50 0 5 10</a:t>
-            </a:r>
-          </a:p>
-          <a:p>
-            <a:pPr>
-              <a:lnSpc>
-                <a:spcPct val="125000"/>
-              </a:lnSpc>
-            </a:pPr>
-            <a:r>
-              <a:rPr lang="ru-RU" sz="2400" dirty="0"/>
-              <a:t>h -200 50 0 5 10</a:t>
-            </a:r>
-          </a:p>
-          <a:p>
-            <a:pPr>
-              <a:lnSpc>
-                <a:spcPct val="125000"/>
-              </a:lnSpc>
-            </a:pPr>
-            <a:r>
-              <a:rPr lang="ru-RU" sz="2400" dirty="0"/>
-              <a:t>r 400 0 0 2 5 LAND</a:t>
-            </a:r>
-          </a:p>
-        </p:txBody>
-      </p:sp>
-      <p:sp>
-        <p:nvSpPr>
-          <p:cNvPr id="4" name="Прямоугольник 3">
-            <a:extLst>
-              <a:ext uri="{FF2B5EF4-FFF2-40B4-BE49-F238E27FC236}">
-                <a16:creationId xmlns:a16="http://schemas.microsoft.com/office/drawing/2014/main" id="{1BCDB8CD-E7DA-4196-BB21-86F1DBB13225}"/>
-              </a:ext>
-            </a:extLst>
-          </p:cNvPr>
-          <p:cNvSpPr/>
-          <p:nvPr/>
-        </p:nvSpPr>
-        <p:spPr>
-          <a:xfrm>
-            <a:off x="4390308" y="1340768"/>
-            <a:ext cx="4441996" cy="2828147"/>
-          </a:xfrm>
-          <a:prstGeom prst="rect">
-            <a:avLst/>
-          </a:prstGeom>
-        </p:spPr>
-        <p:txBody>
-          <a:bodyPr wrap="square">
-            <a:spAutoFit/>
-          </a:bodyPr>
-          <a:lstStyle/>
-          <a:p>
-            <a:pPr>
-              <a:lnSpc>
-                <a:spcPct val="125000"/>
-              </a:lnSpc>
-            </a:pPr>
-            <a:r>
-              <a:rPr lang="ru-RU" sz="2400" dirty="0"/>
-              <a:t>Файл с данными схем:</a:t>
-            </a:r>
-          </a:p>
-          <a:p>
-            <a:pPr>
-              <a:lnSpc>
-                <a:spcPct val="125000"/>
-              </a:lnSpc>
-            </a:pPr>
-            <a:r>
-              <a:rPr lang="ru-RU" sz="2400" dirty="0"/>
-              <a:t>3</a:t>
-            </a:r>
-          </a:p>
-          <a:p>
-            <a:pPr>
-              <a:lnSpc>
-                <a:spcPct val="125000"/>
-              </a:lnSpc>
-            </a:pPr>
-            <a:r>
-              <a:rPr lang="ru-RU" sz="2400" dirty="0"/>
-              <a:t>1</a:t>
-            </a:r>
-          </a:p>
-          <a:p>
-            <a:pPr>
-              <a:lnSpc>
-                <a:spcPct val="125000"/>
-              </a:lnSpc>
-            </a:pPr>
-            <a:r>
-              <a:rPr lang="ru-RU" sz="2400" dirty="0"/>
-              <a:t>Name1 (e)(r):</a:t>
-            </a:r>
-          </a:p>
-          <a:p>
-            <a:pPr>
-              <a:lnSpc>
-                <a:spcPct val="125000"/>
-              </a:lnSpc>
-            </a:pPr>
-            <a:r>
-              <a:rPr lang="ru-RU" sz="2400" dirty="0"/>
-              <a:t>Name2 (a)(e): a </a:t>
-            </a:r>
-            <a:r>
-              <a:rPr lang="ru-RU" sz="2400" dirty="0" err="1"/>
-              <a:t>Str</a:t>
-            </a:r>
-            <a:r>
-              <a:rPr lang="ru-RU" sz="2400" dirty="0"/>
-              <a:t>(f) b c d /</a:t>
-            </a:r>
-            <a:r>
-              <a:rPr lang="ru-RU" sz="2400" dirty="0" err="1"/>
-              <a:t>Str</a:t>
-            </a:r>
-            <a:r>
-              <a:rPr lang="ru-RU" sz="2400" dirty="0"/>
-              <a:t> f e</a:t>
-            </a:r>
-          </a:p>
-          <a:p>
-            <a:pPr>
-              <a:lnSpc>
-                <a:spcPct val="125000"/>
-              </a:lnSpc>
-            </a:pPr>
-            <a:r>
-              <a:rPr lang="ru-RU" sz="2400" dirty="0"/>
-              <a:t>NameSt1 (0): b g h</a:t>
-            </a:r>
-          </a:p>
-        </p:txBody>
-      </p:sp>
-      <p:sp>
-        <p:nvSpPr>
-          <p:cNvPr id="5" name="Прямоугольник 4">
-            <a:extLst>
-              <a:ext uri="{FF2B5EF4-FFF2-40B4-BE49-F238E27FC236}">
-                <a16:creationId xmlns:a16="http://schemas.microsoft.com/office/drawing/2014/main" id="{71B92E7F-3771-4856-9039-4D25B6740BC4}"/>
-              </a:ext>
-            </a:extLst>
-          </p:cNvPr>
-          <p:cNvSpPr/>
-          <p:nvPr/>
-        </p:nvSpPr>
-        <p:spPr>
-          <a:xfrm>
-            <a:off x="9336359" y="1340768"/>
-            <a:ext cx="2614789" cy="2366482"/>
-          </a:xfrm>
-          <a:prstGeom prst="rect">
-            <a:avLst/>
-          </a:prstGeom>
-        </p:spPr>
-        <p:txBody>
-          <a:bodyPr wrap="square">
-            <a:spAutoFit/>
-          </a:bodyPr>
-          <a:lstStyle/>
-          <a:p>
-            <a:pPr>
-              <a:lnSpc>
-                <a:spcPct val="125000"/>
-              </a:lnSpc>
-            </a:pPr>
-            <a:r>
-              <a:rPr lang="ru-RU" sz="2400" dirty="0"/>
-              <a:t>Файл с данными потоков:</a:t>
-            </a:r>
-          </a:p>
-          <a:p>
-            <a:pPr>
-              <a:lnSpc>
-                <a:spcPct val="125000"/>
-              </a:lnSpc>
-            </a:pPr>
-            <a:r>
-              <a:rPr lang="en-US" sz="2400" dirty="0"/>
-              <a:t>2</a:t>
-            </a:r>
-            <a:endParaRPr lang="ru-RU" sz="2400" dirty="0"/>
-          </a:p>
-          <a:p>
-            <a:pPr>
-              <a:lnSpc>
-                <a:spcPct val="125000"/>
-              </a:lnSpc>
-            </a:pPr>
-            <a:r>
-              <a:rPr lang="ru-RU" sz="2400" dirty="0"/>
-              <a:t>Flow1 e</a:t>
-            </a:r>
-          </a:p>
-          <a:p>
-            <a:pPr>
-              <a:lnSpc>
-                <a:spcPct val="125000"/>
-              </a:lnSpc>
-            </a:pPr>
-            <a:r>
-              <a:rPr lang="ru-RU" sz="2400" dirty="0"/>
-              <a:t>Flow2 a</a:t>
-            </a:r>
-          </a:p>
-        </p:txBody>
-      </p:sp>
-    </p:spTree>
-    <p:extLst>
-      <p:ext uri="{BB962C8B-B14F-4D97-AF65-F5344CB8AC3E}">
-        <p14:creationId xmlns:p14="http://schemas.microsoft.com/office/powerpoint/2010/main" val="3125061401"/>
-      </p:ext>
-    </p:extLst>
-  </p:cSld>
-  <p:clrMapOvr>
-    <a:masterClrMapping/>
-  </p:clrMapOvr>
-</p:sld>
-</file>
-
-<file path=ppt/slides/slide18.xml><?xml version="1.0" encoding="utf-8"?>
-<p:sld xmlns:a="http://schemas.openxmlformats.org/drawingml/2006/main" xmlns:r="http://schemas.openxmlformats.org/officeDocument/2006/relationships" xmlns:p="http://schemas.openxmlformats.org/presentationml/2006/main">
-  <p:cSld>
-    <p:spTree>
-      <p:nvGrpSpPr>
-        <p:cNvPr id="1" name=""/>
-        <p:cNvGrpSpPr/>
-        <p:nvPr/>
-      </p:nvGrpSpPr>
-      <p:grpSpPr>
-        <a:xfrm>
-          <a:off x="0" y="0"/>
-          <a:ext cx="0" cy="0"/>
-          <a:chOff x="0" y="0"/>
-          <a:chExt cx="0" cy="0"/>
-        </a:xfrm>
-      </p:grpSpPr>
-      <p:sp>
-        <p:nvSpPr>
-          <p:cNvPr id="2" name="Заголовок 3">
-            <a:extLst>
-              <a:ext uri="{FF2B5EF4-FFF2-40B4-BE49-F238E27FC236}">
-                <a16:creationId xmlns:a16="http://schemas.microsoft.com/office/drawing/2014/main" id="{C0407515-3124-45F4-A075-40601AB2F9D6}"/>
-              </a:ext>
-            </a:extLst>
-          </p:cNvPr>
-          <p:cNvSpPr txBox="1">
-            <a:spLocks/>
-          </p:cNvSpPr>
-          <p:nvPr/>
-        </p:nvSpPr>
-        <p:spPr>
-          <a:xfrm>
-            <a:off x="2909646" y="116632"/>
-            <a:ext cx="6372708" cy="701731"/>
-          </a:xfrm>
-          <a:prstGeom prst="rect">
-            <a:avLst/>
-          </a:prstGeom>
-        </p:spPr>
-        <p:txBody>
-          <a:bodyPr wrap="square">
-            <a:spAutoFit/>
-          </a:bodyPr>
-          <a:lstStyle>
-            <a:lvl1pPr algn="l" defTabSz="914400" rtl="0" eaLnBrk="1" latinLnBrk="0" hangingPunct="1">
-              <a:lnSpc>
-                <a:spcPct val="90000"/>
-              </a:lnSpc>
-              <a:spcBef>
-                <a:spcPct val="0"/>
-              </a:spcBef>
-              <a:buNone/>
-              <a:defRPr sz="4400" kern="1200">
-                <a:solidFill>
-                  <a:schemeClr val="tx1"/>
-                </a:solidFill>
-                <a:latin typeface="+mj-lt"/>
-                <a:ea typeface="+mj-ea"/>
-                <a:cs typeface="+mj-cs"/>
-              </a:defRPr>
-            </a:lvl1pPr>
-          </a:lstStyle>
-          <a:p>
-            <a:pPr algn="ctr"/>
-            <a:r>
-              <a:rPr lang="ru-RU" b="1" dirty="0"/>
-              <a:t>Модельный пример</a:t>
-            </a:r>
-          </a:p>
-        </p:txBody>
-      </p:sp>
-      <p:pic>
-        <p:nvPicPr>
-          <p:cNvPr id="7" name="Рисунок 6" descr="Изображение выглядит как снимок экрана&#10;&#10;Автоматически созданное описание">
-            <a:extLst>
-              <a:ext uri="{FF2B5EF4-FFF2-40B4-BE49-F238E27FC236}">
-                <a16:creationId xmlns:a16="http://schemas.microsoft.com/office/drawing/2014/main" id="{62A93D3F-ECAF-4C02-9E17-F21D04413562}"/>
-              </a:ext>
-            </a:extLst>
-          </p:cNvPr>
-          <p:cNvPicPr>
-            <a:picLocks noChangeAspect="1"/>
-          </p:cNvPicPr>
-          <p:nvPr/>
-        </p:nvPicPr>
-        <p:blipFill>
-          <a:blip r:embed="rId2">
-            <a:extLst>
-              <a:ext uri="{28A0092B-C50C-407E-A947-70E740481C1C}">
-                <a14:useLocalDpi xmlns:a14="http://schemas.microsoft.com/office/drawing/2010/main" val="0"/>
-              </a:ext>
-            </a:extLst>
-          </a:blip>
-          <a:stretch>
-            <a:fillRect/>
-          </a:stretch>
-        </p:blipFill>
-        <p:spPr>
-          <a:xfrm>
-            <a:off x="394492" y="818363"/>
-            <a:ext cx="11403016" cy="5953956"/>
-          </a:xfrm>
-          <a:prstGeom prst="rect">
-            <a:avLst/>
-          </a:prstGeom>
-        </p:spPr>
-      </p:pic>
-    </p:spTree>
-    <p:extLst>
-      <p:ext uri="{BB962C8B-B14F-4D97-AF65-F5344CB8AC3E}">
-        <p14:creationId xmlns:p14="http://schemas.microsoft.com/office/powerpoint/2010/main" val="2146539531"/>
-      </p:ext>
-    </p:extLst>
-  </p:cSld>
-  <p:clrMapOvr>
-    <a:masterClrMapping/>
-  </p:clrMapOvr>
-</p:sld>
-</file>
-
-<file path=ppt/slides/slide19.xml><?xml version="1.0" encoding="utf-8"?>
-<p:sld xmlns:a="http://schemas.openxmlformats.org/drawingml/2006/main" xmlns:r="http://schemas.openxmlformats.org/officeDocument/2006/relationships" xmlns:p="http://schemas.openxmlformats.org/presentationml/2006/main">
-  <p:cSld>
-    <p:spTree>
-      <p:nvGrpSpPr>
-        <p:cNvPr id="1" name=""/>
-        <p:cNvGrpSpPr/>
-        <p:nvPr/>
-      </p:nvGrpSpPr>
-      <p:grpSpPr>
-        <a:xfrm>
-          <a:off x="0" y="0"/>
-          <a:ext cx="0" cy="0"/>
-          <a:chOff x="0" y="0"/>
-          <a:chExt cx="0" cy="0"/>
-        </a:xfrm>
-      </p:grpSpPr>
-      <p:sp>
-        <p:nvSpPr>
-          <p:cNvPr id="2" name="Прямоугольник 1">
-            <a:extLst>
-              <a:ext uri="{FF2B5EF4-FFF2-40B4-BE49-F238E27FC236}">
-                <a16:creationId xmlns:a16="http://schemas.microsoft.com/office/drawing/2014/main" id="{484B75B1-60F0-4026-90AD-32DA40FD947B}"/>
-              </a:ext>
-            </a:extLst>
-          </p:cNvPr>
-          <p:cNvSpPr/>
-          <p:nvPr/>
-        </p:nvSpPr>
-        <p:spPr>
-          <a:xfrm>
-            <a:off x="2387588" y="1340768"/>
-            <a:ext cx="7416824" cy="4361322"/>
-          </a:xfrm>
-          <a:prstGeom prst="rect">
-            <a:avLst/>
-          </a:prstGeom>
-        </p:spPr>
-        <p:txBody>
-          <a:bodyPr wrap="square">
-            <a:spAutoFit/>
-          </a:bodyPr>
-          <a:lstStyle/>
-          <a:p>
-            <a:pPr>
-              <a:lnSpc>
-                <a:spcPct val="125000"/>
-              </a:lnSpc>
-            </a:pPr>
-            <a:r>
-              <a:rPr lang="ru-RU" sz="2800" dirty="0"/>
-              <a:t>Теперь «запустим» стандартную схему:</a:t>
-            </a:r>
-          </a:p>
-          <a:p>
-            <a:pPr>
-              <a:lnSpc>
-                <a:spcPct val="125000"/>
-              </a:lnSpc>
-            </a:pPr>
-            <a:endParaRPr lang="en-US" sz="2800" dirty="0"/>
-          </a:p>
-          <a:p>
-            <a:pPr>
-              <a:lnSpc>
-                <a:spcPct val="125000"/>
-              </a:lnSpc>
-            </a:pPr>
-            <a:r>
-              <a:rPr lang="ru-RU" sz="2800" dirty="0"/>
-              <a:t>Файл с данными схем:</a:t>
-            </a:r>
-          </a:p>
-          <a:p>
-            <a:pPr>
-              <a:lnSpc>
-                <a:spcPct val="125000"/>
-              </a:lnSpc>
-            </a:pPr>
-            <a:r>
-              <a:rPr lang="ru-RU" sz="2800" dirty="0"/>
-              <a:t>3</a:t>
-            </a:r>
-          </a:p>
-          <a:p>
-            <a:pPr>
-              <a:lnSpc>
-                <a:spcPct val="125000"/>
-              </a:lnSpc>
-            </a:pPr>
-            <a:r>
-              <a:rPr lang="ru-RU" sz="2800" dirty="0"/>
-              <a:t>1</a:t>
-            </a:r>
-          </a:p>
-          <a:p>
-            <a:pPr>
-              <a:lnSpc>
-                <a:spcPct val="125000"/>
-              </a:lnSpc>
-            </a:pPr>
-            <a:r>
-              <a:rPr lang="ru-RU" sz="2800" dirty="0"/>
-              <a:t>Name1 (e)(r):</a:t>
-            </a:r>
-          </a:p>
-          <a:p>
-            <a:pPr>
-              <a:lnSpc>
-                <a:spcPct val="125000"/>
-              </a:lnSpc>
-            </a:pPr>
-            <a:r>
-              <a:rPr lang="ru-RU" sz="2800" dirty="0"/>
-              <a:t>Name2 (a)(e): a </a:t>
-            </a:r>
-            <a:r>
-              <a:rPr lang="ru-RU" sz="2800" dirty="0" err="1"/>
-              <a:t>Str</a:t>
-            </a:r>
-            <a:r>
-              <a:rPr lang="ru-RU" sz="2800" dirty="0"/>
-              <a:t>(f) b c d /</a:t>
-            </a:r>
-            <a:r>
-              <a:rPr lang="ru-RU" sz="2800" dirty="0" err="1"/>
-              <a:t>Str</a:t>
-            </a:r>
-            <a:r>
-              <a:rPr lang="ru-RU" sz="2800" dirty="0"/>
-              <a:t> f e</a:t>
-            </a:r>
-          </a:p>
-          <a:p>
-            <a:pPr>
-              <a:lnSpc>
-                <a:spcPct val="125000"/>
-              </a:lnSpc>
-            </a:pPr>
-            <a:r>
-              <a:rPr lang="ru-RU" sz="2800" dirty="0"/>
-              <a:t>NameSt1 (</a:t>
-            </a:r>
-            <a:r>
-              <a:rPr lang="ru-RU" sz="2800" b="1" u="sng" dirty="0"/>
-              <a:t> 1 </a:t>
-            </a:r>
-            <a:r>
-              <a:rPr lang="ru-RU" sz="2800" dirty="0"/>
-              <a:t>): b g h</a:t>
-            </a:r>
-          </a:p>
-        </p:txBody>
-      </p:sp>
-      <p:sp>
-        <p:nvSpPr>
-          <p:cNvPr id="3" name="Заголовок 3">
-            <a:extLst>
-              <a:ext uri="{FF2B5EF4-FFF2-40B4-BE49-F238E27FC236}">
-                <a16:creationId xmlns:a16="http://schemas.microsoft.com/office/drawing/2014/main" id="{6E73DE99-0E74-444F-8B10-72835CCDD05A}"/>
-              </a:ext>
-            </a:extLst>
-          </p:cNvPr>
-          <p:cNvSpPr txBox="1">
-            <a:spLocks/>
-          </p:cNvSpPr>
-          <p:nvPr/>
-        </p:nvSpPr>
-        <p:spPr>
-          <a:xfrm>
-            <a:off x="2909646" y="116632"/>
-            <a:ext cx="6372708" cy="701731"/>
-          </a:xfrm>
-          <a:prstGeom prst="rect">
-            <a:avLst/>
-          </a:prstGeom>
-        </p:spPr>
-        <p:txBody>
-          <a:bodyPr wrap="square">
-            <a:spAutoFit/>
-          </a:bodyPr>
-          <a:lstStyle>
-            <a:lvl1pPr algn="l" defTabSz="914400" rtl="0" eaLnBrk="1" latinLnBrk="0" hangingPunct="1">
-              <a:lnSpc>
-                <a:spcPct val="90000"/>
-              </a:lnSpc>
-              <a:spcBef>
-                <a:spcPct val="0"/>
-              </a:spcBef>
-              <a:buNone/>
-              <a:defRPr sz="4400" kern="1200">
-                <a:solidFill>
-                  <a:schemeClr val="tx1"/>
-                </a:solidFill>
-                <a:latin typeface="+mj-lt"/>
-                <a:ea typeface="+mj-ea"/>
-                <a:cs typeface="+mj-cs"/>
-              </a:defRPr>
-            </a:lvl1pPr>
-          </a:lstStyle>
-          <a:p>
-            <a:pPr algn="ctr"/>
-            <a:r>
-              <a:rPr lang="ru-RU" b="1" dirty="0"/>
-              <a:t>Модельный пример</a:t>
-            </a:r>
-          </a:p>
-        </p:txBody>
-      </p:sp>
-    </p:spTree>
-    <p:extLst>
-      <p:ext uri="{BB962C8B-B14F-4D97-AF65-F5344CB8AC3E}">
-        <p14:creationId xmlns:p14="http://schemas.microsoft.com/office/powerpoint/2010/main" val="3429685726"/>
-      </p:ext>
-    </p:extLst>
-  </p:cSld>
-  <p:clrMapOvr>
-    <a:masterClrMapping/>
-  </p:clrMapOvr>
-</p:sld>
-</file>
-
 <file path=ppt/slides/slide2.xml><?xml version="1.0" encoding="utf-8"?>
 <p:sld xmlns:a="http://schemas.openxmlformats.org/drawingml/2006/main" xmlns:r="http://schemas.openxmlformats.org/officeDocument/2006/relationships" xmlns:p="http://schemas.openxmlformats.org/presentationml/2006/main">
   <p:cSld>
@@ -6244,6 +6384,766 @@
           <a:chExt cx="0" cy="0"/>
         </a:xfrm>
       </p:grpSpPr>
+      <p:sp>
+        <p:nvSpPr>
+          <p:cNvPr id="2" name="Заголовок 3">
+            <a:extLst>
+              <a:ext uri="{FF2B5EF4-FFF2-40B4-BE49-F238E27FC236}">
+                <a16:creationId xmlns:a16="http://schemas.microsoft.com/office/drawing/2014/main" id="{C0407515-3124-45F4-A075-40601AB2F9D6}"/>
+              </a:ext>
+            </a:extLst>
+          </p:cNvPr>
+          <p:cNvSpPr txBox="1">
+            <a:spLocks/>
+          </p:cNvSpPr>
+          <p:nvPr/>
+        </p:nvSpPr>
+        <p:spPr>
+          <a:xfrm>
+            <a:off x="2909646" y="116632"/>
+            <a:ext cx="6372708" cy="701731"/>
+          </a:xfrm>
+          <a:prstGeom prst="rect">
+            <a:avLst/>
+          </a:prstGeom>
+        </p:spPr>
+        <p:txBody>
+          <a:bodyPr wrap="square">
+            <a:spAutoFit/>
+          </a:bodyPr>
+          <a:lstStyle>
+            <a:lvl1pPr algn="l" defTabSz="914400" rtl="0" eaLnBrk="1" latinLnBrk="0" hangingPunct="1">
+              <a:lnSpc>
+                <a:spcPct val="90000"/>
+              </a:lnSpc>
+              <a:spcBef>
+                <a:spcPct val="0"/>
+              </a:spcBef>
+              <a:buNone/>
+              <a:defRPr sz="4400" kern="1200">
+                <a:solidFill>
+                  <a:schemeClr val="tx1"/>
+                </a:solidFill>
+                <a:latin typeface="+mj-lt"/>
+                <a:ea typeface="+mj-ea"/>
+                <a:cs typeface="+mj-cs"/>
+              </a:defRPr>
+            </a:lvl1pPr>
+          </a:lstStyle>
+          <a:p>
+            <a:pPr algn="ctr"/>
+            <a:r>
+              <a:rPr lang="ru-RU" b="1" dirty="0"/>
+              <a:t>Модельный пример</a:t>
+            </a:r>
+          </a:p>
+        </p:txBody>
+      </p:sp>
+      <p:sp>
+        <p:nvSpPr>
+          <p:cNvPr id="3" name="Прямоугольник 2">
+            <a:extLst>
+              <a:ext uri="{FF2B5EF4-FFF2-40B4-BE49-F238E27FC236}">
+                <a16:creationId xmlns:a16="http://schemas.microsoft.com/office/drawing/2014/main" id="{78FC5744-28FA-45E8-B91F-E7C800780244}"/>
+              </a:ext>
+            </a:extLst>
+          </p:cNvPr>
+          <p:cNvSpPr/>
+          <p:nvPr/>
+        </p:nvSpPr>
+        <p:spPr>
+          <a:xfrm>
+            <a:off x="573885" y="1340768"/>
+            <a:ext cx="3312368" cy="5136471"/>
+          </a:xfrm>
+          <a:prstGeom prst="rect">
+            <a:avLst/>
+          </a:prstGeom>
+        </p:spPr>
+        <p:txBody>
+          <a:bodyPr wrap="square">
+            <a:spAutoFit/>
+          </a:bodyPr>
+          <a:lstStyle/>
+          <a:p>
+            <a:pPr>
+              <a:lnSpc>
+                <a:spcPct val="125000"/>
+              </a:lnSpc>
+            </a:pPr>
+            <a:r>
+              <a:rPr lang="ru-RU" sz="2400" dirty="0"/>
+              <a:t>Файл с данными точек:</a:t>
+            </a:r>
+          </a:p>
+          <a:p>
+            <a:pPr>
+              <a:lnSpc>
+                <a:spcPct val="125000"/>
+              </a:lnSpc>
+            </a:pPr>
+            <a:r>
+              <a:rPr lang="ru-RU" sz="2400" dirty="0"/>
+              <a:t>9</a:t>
+            </a:r>
+          </a:p>
+          <a:p>
+            <a:pPr>
+              <a:lnSpc>
+                <a:spcPct val="125000"/>
+              </a:lnSpc>
+            </a:pPr>
+            <a:r>
+              <a:rPr lang="ru-RU" sz="2400" dirty="0"/>
+              <a:t>a -100 0 0 5 10</a:t>
+            </a:r>
+          </a:p>
+          <a:p>
+            <a:pPr>
+              <a:lnSpc>
+                <a:spcPct val="125000"/>
+              </a:lnSpc>
+            </a:pPr>
+            <a:r>
+              <a:rPr lang="ru-RU" sz="2400" dirty="0"/>
+              <a:t>b -50 0 0 5 10</a:t>
+            </a:r>
+          </a:p>
+          <a:p>
+            <a:pPr>
+              <a:lnSpc>
+                <a:spcPct val="125000"/>
+              </a:lnSpc>
+            </a:pPr>
+            <a:r>
+              <a:rPr lang="ru-RU" sz="2400" dirty="0"/>
+              <a:t>c 0 0 0 5 10</a:t>
+            </a:r>
+          </a:p>
+          <a:p>
+            <a:pPr>
+              <a:lnSpc>
+                <a:spcPct val="125000"/>
+              </a:lnSpc>
+            </a:pPr>
+            <a:r>
+              <a:rPr lang="ru-RU" sz="2400" dirty="0"/>
+              <a:t>d 50 0 0 5 10</a:t>
+            </a:r>
+          </a:p>
+          <a:p>
+            <a:pPr>
+              <a:lnSpc>
+                <a:spcPct val="125000"/>
+              </a:lnSpc>
+            </a:pPr>
+            <a:r>
+              <a:rPr lang="ru-RU" sz="2400" dirty="0"/>
+              <a:t>e 200 0 0 4 6</a:t>
+            </a:r>
+          </a:p>
+          <a:p>
+            <a:pPr>
+              <a:lnSpc>
+                <a:spcPct val="125000"/>
+              </a:lnSpc>
+            </a:pPr>
+            <a:r>
+              <a:rPr lang="ru-RU" sz="2400" dirty="0"/>
+              <a:t>f 50 100 0 4 8</a:t>
+            </a:r>
+          </a:p>
+          <a:p>
+            <a:pPr>
+              <a:lnSpc>
+                <a:spcPct val="125000"/>
+              </a:lnSpc>
+            </a:pPr>
+            <a:r>
+              <a:rPr lang="ru-RU" sz="2400" dirty="0"/>
+              <a:t>g -50 50 0 5 10</a:t>
+            </a:r>
+          </a:p>
+          <a:p>
+            <a:pPr>
+              <a:lnSpc>
+                <a:spcPct val="125000"/>
+              </a:lnSpc>
+            </a:pPr>
+            <a:r>
+              <a:rPr lang="ru-RU" sz="2400" dirty="0"/>
+              <a:t>h -200 50 0 5 10</a:t>
+            </a:r>
+          </a:p>
+          <a:p>
+            <a:pPr>
+              <a:lnSpc>
+                <a:spcPct val="125000"/>
+              </a:lnSpc>
+            </a:pPr>
+            <a:r>
+              <a:rPr lang="ru-RU" sz="2400" dirty="0"/>
+              <a:t>r 400 0 0 2 5 LAND</a:t>
+            </a:r>
+          </a:p>
+        </p:txBody>
+      </p:sp>
+      <p:sp>
+        <p:nvSpPr>
+          <p:cNvPr id="4" name="Прямоугольник 3">
+            <a:extLst>
+              <a:ext uri="{FF2B5EF4-FFF2-40B4-BE49-F238E27FC236}">
+                <a16:creationId xmlns:a16="http://schemas.microsoft.com/office/drawing/2014/main" id="{1BCDB8CD-E7DA-4196-BB21-86F1DBB13225}"/>
+              </a:ext>
+            </a:extLst>
+          </p:cNvPr>
+          <p:cNvSpPr/>
+          <p:nvPr/>
+        </p:nvSpPr>
+        <p:spPr>
+          <a:xfrm>
+            <a:off x="4390308" y="1340768"/>
+            <a:ext cx="4441996" cy="2828147"/>
+          </a:xfrm>
+          <a:prstGeom prst="rect">
+            <a:avLst/>
+          </a:prstGeom>
+        </p:spPr>
+        <p:txBody>
+          <a:bodyPr wrap="square">
+            <a:spAutoFit/>
+          </a:bodyPr>
+          <a:lstStyle/>
+          <a:p>
+            <a:pPr>
+              <a:lnSpc>
+                <a:spcPct val="125000"/>
+              </a:lnSpc>
+            </a:pPr>
+            <a:r>
+              <a:rPr lang="ru-RU" sz="2400" dirty="0"/>
+              <a:t>Файл с данными схем:</a:t>
+            </a:r>
+          </a:p>
+          <a:p>
+            <a:pPr>
+              <a:lnSpc>
+                <a:spcPct val="125000"/>
+              </a:lnSpc>
+            </a:pPr>
+            <a:r>
+              <a:rPr lang="ru-RU" sz="2400" dirty="0"/>
+              <a:t>3</a:t>
+            </a:r>
+          </a:p>
+          <a:p>
+            <a:pPr>
+              <a:lnSpc>
+                <a:spcPct val="125000"/>
+              </a:lnSpc>
+            </a:pPr>
+            <a:r>
+              <a:rPr lang="ru-RU" sz="2400" dirty="0"/>
+              <a:t>1</a:t>
+            </a:r>
+          </a:p>
+          <a:p>
+            <a:pPr>
+              <a:lnSpc>
+                <a:spcPct val="125000"/>
+              </a:lnSpc>
+            </a:pPr>
+            <a:r>
+              <a:rPr lang="ru-RU" sz="2400" dirty="0"/>
+              <a:t>Name1 (e)(r):</a:t>
+            </a:r>
+          </a:p>
+          <a:p>
+            <a:pPr>
+              <a:lnSpc>
+                <a:spcPct val="125000"/>
+              </a:lnSpc>
+            </a:pPr>
+            <a:r>
+              <a:rPr lang="ru-RU" sz="2400" dirty="0"/>
+              <a:t>Name2 (a)(e): a </a:t>
+            </a:r>
+            <a:r>
+              <a:rPr lang="ru-RU" sz="2400" dirty="0" err="1"/>
+              <a:t>Str</a:t>
+            </a:r>
+            <a:r>
+              <a:rPr lang="ru-RU" sz="2400" dirty="0"/>
+              <a:t>(f) b c d /</a:t>
+            </a:r>
+            <a:r>
+              <a:rPr lang="ru-RU" sz="2400" dirty="0" err="1"/>
+              <a:t>Str</a:t>
+            </a:r>
+            <a:r>
+              <a:rPr lang="ru-RU" sz="2400" dirty="0"/>
+              <a:t> f e</a:t>
+            </a:r>
+          </a:p>
+          <a:p>
+            <a:pPr>
+              <a:lnSpc>
+                <a:spcPct val="125000"/>
+              </a:lnSpc>
+            </a:pPr>
+            <a:r>
+              <a:rPr lang="ru-RU" sz="2400" dirty="0"/>
+              <a:t>NameSt1 (0): b g h</a:t>
+            </a:r>
+          </a:p>
+        </p:txBody>
+      </p:sp>
+      <p:sp>
+        <p:nvSpPr>
+          <p:cNvPr id="5" name="Прямоугольник 4">
+            <a:extLst>
+              <a:ext uri="{FF2B5EF4-FFF2-40B4-BE49-F238E27FC236}">
+                <a16:creationId xmlns:a16="http://schemas.microsoft.com/office/drawing/2014/main" id="{71B92E7F-3771-4856-9039-4D25B6740BC4}"/>
+              </a:ext>
+            </a:extLst>
+          </p:cNvPr>
+          <p:cNvSpPr/>
+          <p:nvPr/>
+        </p:nvSpPr>
+        <p:spPr>
+          <a:xfrm>
+            <a:off x="9336359" y="1340768"/>
+            <a:ext cx="2614789" cy="2366482"/>
+          </a:xfrm>
+          <a:prstGeom prst="rect">
+            <a:avLst/>
+          </a:prstGeom>
+        </p:spPr>
+        <p:txBody>
+          <a:bodyPr wrap="square">
+            <a:spAutoFit/>
+          </a:bodyPr>
+          <a:lstStyle/>
+          <a:p>
+            <a:pPr>
+              <a:lnSpc>
+                <a:spcPct val="125000"/>
+              </a:lnSpc>
+            </a:pPr>
+            <a:r>
+              <a:rPr lang="ru-RU" sz="2400" dirty="0"/>
+              <a:t>Файл с данными потоков:</a:t>
+            </a:r>
+          </a:p>
+          <a:p>
+            <a:pPr>
+              <a:lnSpc>
+                <a:spcPct val="125000"/>
+              </a:lnSpc>
+            </a:pPr>
+            <a:r>
+              <a:rPr lang="en-US" sz="2400" dirty="0"/>
+              <a:t>2</a:t>
+            </a:r>
+            <a:endParaRPr lang="ru-RU" sz="2400" dirty="0"/>
+          </a:p>
+          <a:p>
+            <a:pPr>
+              <a:lnSpc>
+                <a:spcPct val="125000"/>
+              </a:lnSpc>
+            </a:pPr>
+            <a:r>
+              <a:rPr lang="ru-RU" sz="2400" dirty="0"/>
+              <a:t>Flow1 e</a:t>
+            </a:r>
+          </a:p>
+          <a:p>
+            <a:pPr>
+              <a:lnSpc>
+                <a:spcPct val="125000"/>
+              </a:lnSpc>
+            </a:pPr>
+            <a:r>
+              <a:rPr lang="ru-RU" sz="2400" dirty="0"/>
+              <a:t>Flow2 a</a:t>
+            </a:r>
+          </a:p>
+        </p:txBody>
+      </p:sp>
+    </p:spTree>
+    <p:extLst>
+      <p:ext uri="{BB962C8B-B14F-4D97-AF65-F5344CB8AC3E}">
+        <p14:creationId xmlns:p14="http://schemas.microsoft.com/office/powerpoint/2010/main" val="3125061401"/>
+      </p:ext>
+    </p:extLst>
+  </p:cSld>
+  <p:clrMapOvr>
+    <a:masterClrMapping/>
+  </p:clrMapOvr>
+</p:sld>
+</file>
+
+<file path=ppt/slides/slide21.xml><?xml version="1.0" encoding="utf-8"?>
+<p:sld xmlns:a="http://schemas.openxmlformats.org/drawingml/2006/main" xmlns:r="http://schemas.openxmlformats.org/officeDocument/2006/relationships" xmlns:p="http://schemas.openxmlformats.org/presentationml/2006/main">
+  <p:cSld>
+    <p:spTree>
+      <p:nvGrpSpPr>
+        <p:cNvPr id="1" name=""/>
+        <p:cNvGrpSpPr/>
+        <p:nvPr/>
+      </p:nvGrpSpPr>
+      <p:grpSpPr>
+        <a:xfrm>
+          <a:off x="0" y="0"/>
+          <a:ext cx="0" cy="0"/>
+          <a:chOff x="0" y="0"/>
+          <a:chExt cx="0" cy="0"/>
+        </a:xfrm>
+      </p:grpSpPr>
+      <p:sp>
+        <p:nvSpPr>
+          <p:cNvPr id="2" name="Заголовок 3">
+            <a:extLst>
+              <a:ext uri="{FF2B5EF4-FFF2-40B4-BE49-F238E27FC236}">
+                <a16:creationId xmlns:a16="http://schemas.microsoft.com/office/drawing/2014/main" id="{C0407515-3124-45F4-A075-40601AB2F9D6}"/>
+              </a:ext>
+            </a:extLst>
+          </p:cNvPr>
+          <p:cNvSpPr txBox="1">
+            <a:spLocks/>
+          </p:cNvSpPr>
+          <p:nvPr/>
+        </p:nvSpPr>
+        <p:spPr>
+          <a:xfrm>
+            <a:off x="2909646" y="116632"/>
+            <a:ext cx="6372708" cy="701731"/>
+          </a:xfrm>
+          <a:prstGeom prst="rect">
+            <a:avLst/>
+          </a:prstGeom>
+        </p:spPr>
+        <p:txBody>
+          <a:bodyPr wrap="square">
+            <a:spAutoFit/>
+          </a:bodyPr>
+          <a:lstStyle>
+            <a:lvl1pPr algn="l" defTabSz="914400" rtl="0" eaLnBrk="1" latinLnBrk="0" hangingPunct="1">
+              <a:lnSpc>
+                <a:spcPct val="90000"/>
+              </a:lnSpc>
+              <a:spcBef>
+                <a:spcPct val="0"/>
+              </a:spcBef>
+              <a:buNone/>
+              <a:defRPr sz="4400" kern="1200">
+                <a:solidFill>
+                  <a:schemeClr val="tx1"/>
+                </a:solidFill>
+                <a:latin typeface="+mj-lt"/>
+                <a:ea typeface="+mj-ea"/>
+                <a:cs typeface="+mj-cs"/>
+              </a:defRPr>
+            </a:lvl1pPr>
+          </a:lstStyle>
+          <a:p>
+            <a:pPr algn="ctr"/>
+            <a:r>
+              <a:rPr lang="ru-RU" b="1" dirty="0"/>
+              <a:t>Модельный пример</a:t>
+            </a:r>
+          </a:p>
+        </p:txBody>
+      </p:sp>
+      <p:pic>
+        <p:nvPicPr>
+          <p:cNvPr id="7" name="Рисунок 6" descr="Изображение выглядит как снимок экрана&#10;&#10;Автоматически созданное описание">
+            <a:extLst>
+              <a:ext uri="{FF2B5EF4-FFF2-40B4-BE49-F238E27FC236}">
+                <a16:creationId xmlns:a16="http://schemas.microsoft.com/office/drawing/2014/main" id="{62A93D3F-ECAF-4C02-9E17-F21D04413562}"/>
+              </a:ext>
+            </a:extLst>
+          </p:cNvPr>
+          <p:cNvPicPr>
+            <a:picLocks noChangeAspect="1"/>
+          </p:cNvPicPr>
+          <p:nvPr/>
+        </p:nvPicPr>
+        <p:blipFill>
+          <a:blip r:embed="rId2">
+            <a:extLst>
+              <a:ext uri="{28A0092B-C50C-407E-A947-70E740481C1C}">
+                <a14:useLocalDpi xmlns:a14="http://schemas.microsoft.com/office/drawing/2010/main" val="0"/>
+              </a:ext>
+            </a:extLst>
+          </a:blip>
+          <a:stretch>
+            <a:fillRect/>
+          </a:stretch>
+        </p:blipFill>
+        <p:spPr>
+          <a:xfrm>
+            <a:off x="394492" y="818363"/>
+            <a:ext cx="11403016" cy="5953956"/>
+          </a:xfrm>
+          <a:prstGeom prst="rect">
+            <a:avLst/>
+          </a:prstGeom>
+        </p:spPr>
+      </p:pic>
+    </p:spTree>
+    <p:extLst>
+      <p:ext uri="{BB962C8B-B14F-4D97-AF65-F5344CB8AC3E}">
+        <p14:creationId xmlns:p14="http://schemas.microsoft.com/office/powerpoint/2010/main" val="2146539531"/>
+      </p:ext>
+    </p:extLst>
+  </p:cSld>
+  <p:clrMapOvr>
+    <a:masterClrMapping/>
+  </p:clrMapOvr>
+</p:sld>
+</file>
+
+<file path=ppt/slides/slide22.xml><?xml version="1.0" encoding="utf-8"?>
+<p:sld xmlns:a="http://schemas.openxmlformats.org/drawingml/2006/main" xmlns:r="http://schemas.openxmlformats.org/officeDocument/2006/relationships" xmlns:p="http://schemas.openxmlformats.org/presentationml/2006/main">
+  <p:cSld>
+    <p:spTree>
+      <p:nvGrpSpPr>
+        <p:cNvPr id="1" name=""/>
+        <p:cNvGrpSpPr/>
+        <p:nvPr/>
+      </p:nvGrpSpPr>
+      <p:grpSpPr>
+        <a:xfrm>
+          <a:off x="0" y="0"/>
+          <a:ext cx="0" cy="0"/>
+          <a:chOff x="0" y="0"/>
+          <a:chExt cx="0" cy="0"/>
+        </a:xfrm>
+      </p:grpSpPr>
+      <p:sp>
+        <p:nvSpPr>
+          <p:cNvPr id="2" name="Прямоугольник 1">
+            <a:extLst>
+              <a:ext uri="{FF2B5EF4-FFF2-40B4-BE49-F238E27FC236}">
+                <a16:creationId xmlns:a16="http://schemas.microsoft.com/office/drawing/2014/main" id="{484B75B1-60F0-4026-90AD-32DA40FD947B}"/>
+              </a:ext>
+            </a:extLst>
+          </p:cNvPr>
+          <p:cNvSpPr/>
+          <p:nvPr/>
+        </p:nvSpPr>
+        <p:spPr>
+          <a:xfrm>
+            <a:off x="2387588" y="1340768"/>
+            <a:ext cx="7416824" cy="4361322"/>
+          </a:xfrm>
+          <a:prstGeom prst="rect">
+            <a:avLst/>
+          </a:prstGeom>
+        </p:spPr>
+        <p:txBody>
+          <a:bodyPr wrap="square">
+            <a:spAutoFit/>
+          </a:bodyPr>
+          <a:lstStyle/>
+          <a:p>
+            <a:pPr>
+              <a:lnSpc>
+                <a:spcPct val="125000"/>
+              </a:lnSpc>
+            </a:pPr>
+            <a:r>
+              <a:rPr lang="ru-RU" sz="2800" dirty="0"/>
+              <a:t>Теперь «запустим» стандартную схему:</a:t>
+            </a:r>
+          </a:p>
+          <a:p>
+            <a:pPr>
+              <a:lnSpc>
+                <a:spcPct val="125000"/>
+              </a:lnSpc>
+            </a:pPr>
+            <a:endParaRPr lang="en-US" sz="2800" dirty="0"/>
+          </a:p>
+          <a:p>
+            <a:pPr>
+              <a:lnSpc>
+                <a:spcPct val="125000"/>
+              </a:lnSpc>
+            </a:pPr>
+            <a:r>
+              <a:rPr lang="ru-RU" sz="2800" dirty="0"/>
+              <a:t>Файл с данными схем:</a:t>
+            </a:r>
+          </a:p>
+          <a:p>
+            <a:pPr>
+              <a:lnSpc>
+                <a:spcPct val="125000"/>
+              </a:lnSpc>
+            </a:pPr>
+            <a:r>
+              <a:rPr lang="ru-RU" sz="2800" dirty="0"/>
+              <a:t>3</a:t>
+            </a:r>
+          </a:p>
+          <a:p>
+            <a:pPr>
+              <a:lnSpc>
+                <a:spcPct val="125000"/>
+              </a:lnSpc>
+            </a:pPr>
+            <a:r>
+              <a:rPr lang="ru-RU" sz="2800" dirty="0"/>
+              <a:t>1</a:t>
+            </a:r>
+          </a:p>
+          <a:p>
+            <a:pPr>
+              <a:lnSpc>
+                <a:spcPct val="125000"/>
+              </a:lnSpc>
+            </a:pPr>
+            <a:r>
+              <a:rPr lang="ru-RU" sz="2800" dirty="0"/>
+              <a:t>Name1 (e)(r):</a:t>
+            </a:r>
+          </a:p>
+          <a:p>
+            <a:pPr>
+              <a:lnSpc>
+                <a:spcPct val="125000"/>
+              </a:lnSpc>
+            </a:pPr>
+            <a:r>
+              <a:rPr lang="ru-RU" sz="2800" dirty="0"/>
+              <a:t>Name2 (a)(e): a </a:t>
+            </a:r>
+            <a:r>
+              <a:rPr lang="ru-RU" sz="2800" dirty="0" err="1"/>
+              <a:t>Str</a:t>
+            </a:r>
+            <a:r>
+              <a:rPr lang="ru-RU" sz="2800" dirty="0"/>
+              <a:t>(f) b c d /</a:t>
+            </a:r>
+            <a:r>
+              <a:rPr lang="ru-RU" sz="2800" dirty="0" err="1"/>
+              <a:t>Str</a:t>
+            </a:r>
+            <a:r>
+              <a:rPr lang="ru-RU" sz="2800" dirty="0"/>
+              <a:t> f e</a:t>
+            </a:r>
+          </a:p>
+          <a:p>
+            <a:pPr>
+              <a:lnSpc>
+                <a:spcPct val="125000"/>
+              </a:lnSpc>
+            </a:pPr>
+            <a:r>
+              <a:rPr lang="ru-RU" sz="2800" dirty="0"/>
+              <a:t>NameSt1 (</a:t>
+            </a:r>
+            <a:r>
+              <a:rPr lang="ru-RU" sz="2800" b="1" u="sng" dirty="0"/>
+              <a:t> 1 </a:t>
+            </a:r>
+            <a:r>
+              <a:rPr lang="ru-RU" sz="2800" dirty="0"/>
+              <a:t>): b g h</a:t>
+            </a:r>
+          </a:p>
+        </p:txBody>
+      </p:sp>
+      <p:sp>
+        <p:nvSpPr>
+          <p:cNvPr id="3" name="Заголовок 3">
+            <a:extLst>
+              <a:ext uri="{FF2B5EF4-FFF2-40B4-BE49-F238E27FC236}">
+                <a16:creationId xmlns:a16="http://schemas.microsoft.com/office/drawing/2014/main" id="{6E73DE99-0E74-444F-8B10-72835CCDD05A}"/>
+              </a:ext>
+            </a:extLst>
+          </p:cNvPr>
+          <p:cNvSpPr txBox="1">
+            <a:spLocks/>
+          </p:cNvSpPr>
+          <p:nvPr/>
+        </p:nvSpPr>
+        <p:spPr>
+          <a:xfrm>
+            <a:off x="2909646" y="116632"/>
+            <a:ext cx="6372708" cy="701731"/>
+          </a:xfrm>
+          <a:prstGeom prst="rect">
+            <a:avLst/>
+          </a:prstGeom>
+        </p:spPr>
+        <p:txBody>
+          <a:bodyPr wrap="square">
+            <a:spAutoFit/>
+          </a:bodyPr>
+          <a:lstStyle>
+            <a:lvl1pPr algn="l" defTabSz="914400" rtl="0" eaLnBrk="1" latinLnBrk="0" hangingPunct="1">
+              <a:lnSpc>
+                <a:spcPct val="90000"/>
+              </a:lnSpc>
+              <a:spcBef>
+                <a:spcPct val="0"/>
+              </a:spcBef>
+              <a:buNone/>
+              <a:defRPr sz="4400" kern="1200">
+                <a:solidFill>
+                  <a:schemeClr val="tx1"/>
+                </a:solidFill>
+                <a:latin typeface="+mj-lt"/>
+                <a:ea typeface="+mj-ea"/>
+                <a:cs typeface="+mj-cs"/>
+              </a:defRPr>
+            </a:lvl1pPr>
+          </a:lstStyle>
+          <a:p>
+            <a:pPr algn="ctr"/>
+            <a:r>
+              <a:rPr lang="ru-RU" b="1" dirty="0"/>
+              <a:t>Модельный пример</a:t>
+            </a:r>
+          </a:p>
+        </p:txBody>
+      </p:sp>
+    </p:spTree>
+    <p:extLst>
+      <p:ext uri="{BB962C8B-B14F-4D97-AF65-F5344CB8AC3E}">
+        <p14:creationId xmlns:p14="http://schemas.microsoft.com/office/powerpoint/2010/main" val="3429685726"/>
+      </p:ext>
+    </p:extLst>
+  </p:cSld>
+  <p:clrMapOvr>
+    <a:masterClrMapping/>
+  </p:clrMapOvr>
+</p:sld>
+</file>
+
+<file path=ppt/slides/slide23.xml><?xml version="1.0" encoding="utf-8"?>
+<p:sld xmlns:a="http://schemas.openxmlformats.org/drawingml/2006/main" xmlns:r="http://schemas.openxmlformats.org/officeDocument/2006/relationships" xmlns:p="http://schemas.openxmlformats.org/presentationml/2006/main">
+  <p:cSld>
+    <p:spTree>
+      <p:nvGrpSpPr>
+        <p:cNvPr id="1" name=""/>
+        <p:cNvGrpSpPr/>
+        <p:nvPr/>
+      </p:nvGrpSpPr>
+      <p:grpSpPr>
+        <a:xfrm>
+          <a:off x="0" y="0"/>
+          <a:ext cx="0" cy="0"/>
+          <a:chOff x="0" y="0"/>
+          <a:chExt cx="0" cy="0"/>
+        </a:xfrm>
+      </p:grpSpPr>
       <p:pic>
         <p:nvPicPr>
           <p:cNvPr id="8" name="Рисунок 7">
@@ -6293,7 +7193,7 @@
 </p:sld>
 </file>
 
-<file path=ppt/slides/slide21.xml><?xml version="1.0" encoding="utf-8"?>
+<file path=ppt/slides/slide24.xml><?xml version="1.0" encoding="utf-8"?>
 <p:sld xmlns:a="http://schemas.openxmlformats.org/drawingml/2006/main" xmlns:r="http://schemas.openxmlformats.org/officeDocument/2006/relationships" xmlns:p="http://schemas.openxmlformats.org/presentationml/2006/main">
   <p:cSld>
     <p:spTree>
@@ -6545,7 +7445,7 @@
 </p:sld>
 </file>
 
-<file path=ppt/slides/slide22.xml><?xml version="1.0" encoding="utf-8"?>
+<file path=ppt/slides/slide25.xml><?xml version="1.0" encoding="utf-8"?>
 <p:sld xmlns:a="http://schemas.openxmlformats.org/drawingml/2006/main" xmlns:r="http://schemas.openxmlformats.org/officeDocument/2006/relationships" xmlns:p="http://schemas.openxmlformats.org/presentationml/2006/main">
   <p:cSld>
     <p:spTree>
@@ -6611,7 +7511,7 @@
 </p:sld>
 </file>
 
-<file path=ppt/slides/slide23.xml><?xml version="1.0" encoding="utf-8"?>
+<file path=ppt/slides/slide26.xml><?xml version="1.0" encoding="utf-8"?>
 <p:sld xmlns:a="http://schemas.openxmlformats.org/drawingml/2006/main" xmlns:r="http://schemas.openxmlformats.org/officeDocument/2006/relationships" xmlns:p="http://schemas.openxmlformats.org/presentationml/2006/main">
   <p:cSld>
     <p:spTree>
@@ -6677,7 +7577,7 @@
 </p:sld>
 </file>
 
-<file path=ppt/slides/slide24.xml><?xml version="1.0" encoding="utf-8"?>
+<file path=ppt/slides/slide27.xml><?xml version="1.0" encoding="utf-8"?>
 <p:sld xmlns:a="http://schemas.openxmlformats.org/drawingml/2006/main" xmlns:r="http://schemas.openxmlformats.org/officeDocument/2006/relationships" xmlns:p="http://schemas.openxmlformats.org/presentationml/2006/main">
   <p:cSld>
     <p:spTree>

--- a/Диплом/Презентация ВКР.pptx
+++ b/Диплом/Презентация ВКР.pptx
@@ -5,10 +5,10 @@
     <p:sldMasterId id="2147483648" r:id="rId1"/>
   </p:sldMasterIdLst>
   <p:notesMasterIdLst>
-    <p:notesMasterId r:id="rId29"/>
+    <p:notesMasterId r:id="rId30"/>
   </p:notesMasterIdLst>
   <p:handoutMasterIdLst>
-    <p:handoutMasterId r:id="rId30"/>
+    <p:handoutMasterId r:id="rId31"/>
   </p:handoutMasterIdLst>
   <p:sldIdLst>
     <p:sldId id="256" r:id="rId2"/>
@@ -29,15 +29,16 @@
     <p:sldId id="287" r:id="rId17"/>
     <p:sldId id="288" r:id="rId18"/>
     <p:sldId id="278" r:id="rId19"/>
-    <p:sldId id="269" r:id="rId20"/>
-    <p:sldId id="270" r:id="rId21"/>
-    <p:sldId id="271" r:id="rId22"/>
-    <p:sldId id="279" r:id="rId23"/>
-    <p:sldId id="272" r:id="rId24"/>
-    <p:sldId id="273" r:id="rId25"/>
-    <p:sldId id="280" r:id="rId26"/>
-    <p:sldId id="281" r:id="rId27"/>
-    <p:sldId id="274" r:id="rId28"/>
+    <p:sldId id="289" r:id="rId20"/>
+    <p:sldId id="269" r:id="rId21"/>
+    <p:sldId id="270" r:id="rId22"/>
+    <p:sldId id="271" r:id="rId23"/>
+    <p:sldId id="279" r:id="rId24"/>
+    <p:sldId id="272" r:id="rId25"/>
+    <p:sldId id="273" r:id="rId26"/>
+    <p:sldId id="280" r:id="rId27"/>
+    <p:sldId id="281" r:id="rId28"/>
+    <p:sldId id="274" r:id="rId29"/>
   </p:sldIdLst>
   <p:sldSz cx="12192000" cy="6858000"/>
   <p:notesSz cx="6858000" cy="9144000"/>
@@ -175,6 +176,7 @@
             <p14:sldId id="287"/>
             <p14:sldId id="288"/>
             <p14:sldId id="278"/>
+            <p14:sldId id="289"/>
           </p14:sldIdLst>
         </p14:section>
         <p14:section name="Модельный пример" id="{F67FA294-3AA7-4EE2-8C03-94946B0E0C53}">
@@ -6169,10 +6171,90 @@
       </p:grpSpPr>
       <p:sp>
         <p:nvSpPr>
-          <p:cNvPr id="2" name="Заголовок 3">
-            <a:extLst>
-              <a:ext uri="{FF2B5EF4-FFF2-40B4-BE49-F238E27FC236}">
-                <a16:creationId xmlns:a16="http://schemas.microsoft.com/office/drawing/2014/main" id="{446CA8A5-B9A9-4692-94D4-4BBB57C84FAB}"/>
+          <p:cNvPr id="4" name="Прямоугольник 3">
+            <a:extLst>
+              <a:ext uri="{FF2B5EF4-FFF2-40B4-BE49-F238E27FC236}">
+                <a16:creationId xmlns:a16="http://schemas.microsoft.com/office/drawing/2014/main" id="{ED724F8B-E3E3-4421-A751-56D43E1DD641}"/>
+              </a:ext>
+            </a:extLst>
+          </p:cNvPr>
+          <p:cNvSpPr/>
+          <p:nvPr/>
+        </p:nvSpPr>
+        <p:spPr>
+          <a:xfrm>
+            <a:off x="263352" y="2555729"/>
+            <a:ext cx="3816424" cy="1440160"/>
+          </a:xfrm>
+          <a:prstGeom prst="rect">
+            <a:avLst/>
+          </a:prstGeom>
+        </p:spPr>
+        <p:style>
+          <a:lnRef idx="1">
+            <a:schemeClr val="accent3"/>
+          </a:lnRef>
+          <a:fillRef idx="2">
+            <a:schemeClr val="accent3"/>
+          </a:fillRef>
+          <a:effectRef idx="1">
+            <a:schemeClr val="accent3"/>
+          </a:effectRef>
+          <a:fontRef idx="minor">
+            <a:schemeClr val="dk1"/>
+          </a:fontRef>
+        </p:style>
+        <p:txBody>
+          <a:bodyPr rtlCol="0" anchor="ctr"/>
+          <a:lstStyle/>
+          <a:p>
+            <a:pPr algn="ctr"/>
+            <a:endParaRPr lang="ru-RU"/>
+          </a:p>
+        </p:txBody>
+      </p:sp>
+      <p:pic>
+        <p:nvPicPr>
+          <p:cNvPr id="2" name="Рисунок 1">
+            <a:extLst>
+              <a:ext uri="{FF2B5EF4-FFF2-40B4-BE49-F238E27FC236}">
+                <a16:creationId xmlns:a16="http://schemas.microsoft.com/office/drawing/2014/main" id="{687177DB-A8ED-432A-9F94-A68A4DBAACEF}"/>
+              </a:ext>
+            </a:extLst>
+          </p:cNvPr>
+          <p:cNvPicPr>
+            <a:picLocks noChangeAspect="1"/>
+          </p:cNvPicPr>
+          <p:nvPr/>
+        </p:nvPicPr>
+        <p:blipFill>
+          <a:blip r:embed="rId2">
+            <a:extLst>
+              <a:ext uri="{28A0092B-C50C-407E-A947-70E740481C1C}">
+                <a14:useLocalDpi xmlns:a14="http://schemas.microsoft.com/office/drawing/2010/main" val="0"/>
+              </a:ext>
+            </a:extLst>
+          </a:blip>
+          <a:stretch>
+            <a:fillRect/>
+          </a:stretch>
+        </p:blipFill>
+        <p:spPr>
+          <a:xfrm>
+            <a:off x="4503277" y="0"/>
+            <a:ext cx="8716818" cy="6858000"/>
+          </a:xfrm>
+          <a:prstGeom prst="rect">
+            <a:avLst/>
+          </a:prstGeom>
+        </p:spPr>
+      </p:pic>
+      <p:sp>
+        <p:nvSpPr>
+          <p:cNvPr id="3" name="Заголовок 3">
+            <a:extLst>
+              <a:ext uri="{FF2B5EF4-FFF2-40B4-BE49-F238E27FC236}">
+                <a16:creationId xmlns:a16="http://schemas.microsoft.com/office/drawing/2014/main" id="{A7180F03-0A56-4E82-A3F5-79556458A2E5}"/>
               </a:ext>
             </a:extLst>
           </p:cNvPr>
@@ -6183,8 +6265,8 @@
         </p:nvSpPr>
         <p:spPr>
           <a:xfrm>
-            <a:off x="2909646" y="116632"/>
-            <a:ext cx="6372708" cy="701731"/>
+            <a:off x="-168696" y="2924944"/>
+            <a:ext cx="4680520" cy="701731"/>
           </a:xfrm>
           <a:prstGeom prst="rect">
             <a:avLst/>
@@ -6217,45 +6299,15 @@
             <a:pPr algn="ctr"/>
             <a:r>
               <a:rPr lang="ru-RU" b="1" dirty="0"/>
-              <a:t>Модельный пример</a:t>
-            </a:r>
-          </a:p>
-        </p:txBody>
-      </p:sp>
-      <p:pic>
-        <p:nvPicPr>
-          <p:cNvPr id="3" name="Рисунок 2">
-            <a:extLst>
-              <a:ext uri="{FF2B5EF4-FFF2-40B4-BE49-F238E27FC236}">
-                <a16:creationId xmlns:a16="http://schemas.microsoft.com/office/drawing/2014/main" id="{C2DE7F4A-F8C3-4925-B479-8213DFD2B27D}"/>
-              </a:ext>
-            </a:extLst>
-          </p:cNvPr>
-          <p:cNvPicPr>
-            <a:picLocks noChangeAspect="1"/>
-          </p:cNvPicPr>
-          <p:nvPr/>
-        </p:nvPicPr>
-        <p:blipFill>
-          <a:blip r:embed="rId2"/>
-          <a:stretch>
-            <a:fillRect/>
-          </a:stretch>
-        </p:blipFill>
-        <p:spPr>
-          <a:xfrm>
-            <a:off x="0" y="1772816"/>
-            <a:ext cx="12218821" cy="3988391"/>
-          </a:xfrm>
-          <a:prstGeom prst="rect">
-            <a:avLst/>
-          </a:prstGeom>
-        </p:spPr>
-      </p:pic>
+              <a:t>Расчёт времён</a:t>
+            </a:r>
+          </a:p>
+        </p:txBody>
+      </p:sp>
     </p:spTree>
     <p:extLst>
       <p:ext uri="{BB962C8B-B14F-4D97-AF65-F5344CB8AC3E}">
-        <p14:creationId xmlns:p14="http://schemas.microsoft.com/office/powerpoint/2010/main" val="1283031420"/>
+        <p14:creationId xmlns:p14="http://schemas.microsoft.com/office/powerpoint/2010/main" val="2115958821"/>
       </p:ext>
     </p:extLst>
   </p:cSld>
@@ -6389,7 +6441,7 @@
           <p:cNvPr id="2" name="Заголовок 3">
             <a:extLst>
               <a:ext uri="{FF2B5EF4-FFF2-40B4-BE49-F238E27FC236}">
-                <a16:creationId xmlns:a16="http://schemas.microsoft.com/office/drawing/2014/main" id="{C0407515-3124-45F4-A075-40601AB2F9D6}"/>
+                <a16:creationId xmlns:a16="http://schemas.microsoft.com/office/drawing/2014/main" id="{446CA8A5-B9A9-4692-94D4-4BBB57C84FAB}"/>
               </a:ext>
             </a:extLst>
           </p:cNvPr>
@@ -6439,342 +6491,40 @@
           </a:p>
         </p:txBody>
       </p:sp>
-      <p:sp>
-        <p:nvSpPr>
-          <p:cNvPr id="3" name="Прямоугольник 2">
-            <a:extLst>
-              <a:ext uri="{FF2B5EF4-FFF2-40B4-BE49-F238E27FC236}">
-                <a16:creationId xmlns:a16="http://schemas.microsoft.com/office/drawing/2014/main" id="{78FC5744-28FA-45E8-B91F-E7C800780244}"/>
-              </a:ext>
-            </a:extLst>
-          </p:cNvPr>
-          <p:cNvSpPr/>
+      <p:pic>
+        <p:nvPicPr>
+          <p:cNvPr id="3" name="Рисунок 2">
+            <a:extLst>
+              <a:ext uri="{FF2B5EF4-FFF2-40B4-BE49-F238E27FC236}">
+                <a16:creationId xmlns:a16="http://schemas.microsoft.com/office/drawing/2014/main" id="{C2DE7F4A-F8C3-4925-B479-8213DFD2B27D}"/>
+              </a:ext>
+            </a:extLst>
+          </p:cNvPr>
+          <p:cNvPicPr>
+            <a:picLocks noChangeAspect="1"/>
+          </p:cNvPicPr>
           <p:nvPr/>
-        </p:nvSpPr>
+        </p:nvPicPr>
+        <p:blipFill>
+          <a:blip r:embed="rId2"/>
+          <a:stretch>
+            <a:fillRect/>
+          </a:stretch>
+        </p:blipFill>
         <p:spPr>
           <a:xfrm>
-            <a:off x="573885" y="1340768"/>
-            <a:ext cx="3312368" cy="5136471"/>
+            <a:off x="0" y="1772816"/>
+            <a:ext cx="12218821" cy="3988391"/>
           </a:xfrm>
           <a:prstGeom prst="rect">
             <a:avLst/>
           </a:prstGeom>
         </p:spPr>
-        <p:txBody>
-          <a:bodyPr wrap="square">
-            <a:spAutoFit/>
-          </a:bodyPr>
-          <a:lstStyle/>
-          <a:p>
-            <a:pPr>
-              <a:lnSpc>
-                <a:spcPct val="125000"/>
-              </a:lnSpc>
-            </a:pPr>
-            <a:r>
-              <a:rPr lang="ru-RU" sz="2400" dirty="0"/>
-              <a:t>Файл с данными точек:</a:t>
-            </a:r>
-          </a:p>
-          <a:p>
-            <a:pPr>
-              <a:lnSpc>
-                <a:spcPct val="125000"/>
-              </a:lnSpc>
-            </a:pPr>
-            <a:r>
-              <a:rPr lang="ru-RU" sz="2400" dirty="0"/>
-              <a:t>9</a:t>
-            </a:r>
-          </a:p>
-          <a:p>
-            <a:pPr>
-              <a:lnSpc>
-                <a:spcPct val="125000"/>
-              </a:lnSpc>
-            </a:pPr>
-            <a:r>
-              <a:rPr lang="ru-RU" sz="2400" dirty="0"/>
-              <a:t>a -100 0 0 5 10</a:t>
-            </a:r>
-          </a:p>
-          <a:p>
-            <a:pPr>
-              <a:lnSpc>
-                <a:spcPct val="125000"/>
-              </a:lnSpc>
-            </a:pPr>
-            <a:r>
-              <a:rPr lang="ru-RU" sz="2400" dirty="0"/>
-              <a:t>b -50 0 0 5 10</a:t>
-            </a:r>
-          </a:p>
-          <a:p>
-            <a:pPr>
-              <a:lnSpc>
-                <a:spcPct val="125000"/>
-              </a:lnSpc>
-            </a:pPr>
-            <a:r>
-              <a:rPr lang="ru-RU" sz="2400" dirty="0"/>
-              <a:t>c 0 0 0 5 10</a:t>
-            </a:r>
-          </a:p>
-          <a:p>
-            <a:pPr>
-              <a:lnSpc>
-                <a:spcPct val="125000"/>
-              </a:lnSpc>
-            </a:pPr>
-            <a:r>
-              <a:rPr lang="ru-RU" sz="2400" dirty="0"/>
-              <a:t>d 50 0 0 5 10</a:t>
-            </a:r>
-          </a:p>
-          <a:p>
-            <a:pPr>
-              <a:lnSpc>
-                <a:spcPct val="125000"/>
-              </a:lnSpc>
-            </a:pPr>
-            <a:r>
-              <a:rPr lang="ru-RU" sz="2400" dirty="0"/>
-              <a:t>e 200 0 0 4 6</a:t>
-            </a:r>
-          </a:p>
-          <a:p>
-            <a:pPr>
-              <a:lnSpc>
-                <a:spcPct val="125000"/>
-              </a:lnSpc>
-            </a:pPr>
-            <a:r>
-              <a:rPr lang="ru-RU" sz="2400" dirty="0"/>
-              <a:t>f 50 100 0 4 8</a:t>
-            </a:r>
-          </a:p>
-          <a:p>
-            <a:pPr>
-              <a:lnSpc>
-                <a:spcPct val="125000"/>
-              </a:lnSpc>
-            </a:pPr>
-            <a:r>
-              <a:rPr lang="ru-RU" sz="2400" dirty="0"/>
-              <a:t>g -50 50 0 5 10</a:t>
-            </a:r>
-          </a:p>
-          <a:p>
-            <a:pPr>
-              <a:lnSpc>
-                <a:spcPct val="125000"/>
-              </a:lnSpc>
-            </a:pPr>
-            <a:r>
-              <a:rPr lang="ru-RU" sz="2400" dirty="0"/>
-              <a:t>h -200 50 0 5 10</a:t>
-            </a:r>
-          </a:p>
-          <a:p>
-            <a:pPr>
-              <a:lnSpc>
-                <a:spcPct val="125000"/>
-              </a:lnSpc>
-            </a:pPr>
-            <a:r>
-              <a:rPr lang="ru-RU" sz="2400" dirty="0"/>
-              <a:t>r 400 0 0 2 5 LAND</a:t>
-            </a:r>
-          </a:p>
-        </p:txBody>
-      </p:sp>
-      <p:sp>
-        <p:nvSpPr>
-          <p:cNvPr id="4" name="Прямоугольник 3">
-            <a:extLst>
-              <a:ext uri="{FF2B5EF4-FFF2-40B4-BE49-F238E27FC236}">
-                <a16:creationId xmlns:a16="http://schemas.microsoft.com/office/drawing/2014/main" id="{1BCDB8CD-E7DA-4196-BB21-86F1DBB13225}"/>
-              </a:ext>
-            </a:extLst>
-          </p:cNvPr>
-          <p:cNvSpPr/>
-          <p:nvPr/>
-        </p:nvSpPr>
-        <p:spPr>
-          <a:xfrm>
-            <a:off x="4390308" y="1340768"/>
-            <a:ext cx="4441996" cy="2828147"/>
-          </a:xfrm>
-          <a:prstGeom prst="rect">
-            <a:avLst/>
-          </a:prstGeom>
-        </p:spPr>
-        <p:txBody>
-          <a:bodyPr wrap="square">
-            <a:spAutoFit/>
-          </a:bodyPr>
-          <a:lstStyle/>
-          <a:p>
-            <a:pPr>
-              <a:lnSpc>
-                <a:spcPct val="125000"/>
-              </a:lnSpc>
-            </a:pPr>
-            <a:r>
-              <a:rPr lang="ru-RU" sz="2400" dirty="0"/>
-              <a:t>Файл с данными схем:</a:t>
-            </a:r>
-          </a:p>
-          <a:p>
-            <a:pPr>
-              <a:lnSpc>
-                <a:spcPct val="125000"/>
-              </a:lnSpc>
-            </a:pPr>
-            <a:r>
-              <a:rPr lang="ru-RU" sz="2400" dirty="0"/>
-              <a:t>3</a:t>
-            </a:r>
-          </a:p>
-          <a:p>
-            <a:pPr>
-              <a:lnSpc>
-                <a:spcPct val="125000"/>
-              </a:lnSpc>
-            </a:pPr>
-            <a:r>
-              <a:rPr lang="ru-RU" sz="2400" dirty="0"/>
-              <a:t>1</a:t>
-            </a:r>
-          </a:p>
-          <a:p>
-            <a:pPr>
-              <a:lnSpc>
-                <a:spcPct val="125000"/>
-              </a:lnSpc>
-            </a:pPr>
-            <a:r>
-              <a:rPr lang="ru-RU" sz="2400" dirty="0"/>
-              <a:t>Name1 (e)(r):</a:t>
-            </a:r>
-          </a:p>
-          <a:p>
-            <a:pPr>
-              <a:lnSpc>
-                <a:spcPct val="125000"/>
-              </a:lnSpc>
-            </a:pPr>
-            <a:r>
-              <a:rPr lang="ru-RU" sz="2400" dirty="0"/>
-              <a:t>Name2 (a)(e): a </a:t>
-            </a:r>
-            <a:r>
-              <a:rPr lang="ru-RU" sz="2400" dirty="0" err="1"/>
-              <a:t>Str</a:t>
-            </a:r>
-            <a:r>
-              <a:rPr lang="ru-RU" sz="2400" dirty="0"/>
-              <a:t>(f) b c d /</a:t>
-            </a:r>
-            <a:r>
-              <a:rPr lang="ru-RU" sz="2400" dirty="0" err="1"/>
-              <a:t>Str</a:t>
-            </a:r>
-            <a:r>
-              <a:rPr lang="ru-RU" sz="2400" dirty="0"/>
-              <a:t> f e</a:t>
-            </a:r>
-          </a:p>
-          <a:p>
-            <a:pPr>
-              <a:lnSpc>
-                <a:spcPct val="125000"/>
-              </a:lnSpc>
-            </a:pPr>
-            <a:r>
-              <a:rPr lang="ru-RU" sz="2400" dirty="0"/>
-              <a:t>NameSt1 (0): b g h</a:t>
-            </a:r>
-          </a:p>
-        </p:txBody>
-      </p:sp>
-      <p:sp>
-        <p:nvSpPr>
-          <p:cNvPr id="5" name="Прямоугольник 4">
-            <a:extLst>
-              <a:ext uri="{FF2B5EF4-FFF2-40B4-BE49-F238E27FC236}">
-                <a16:creationId xmlns:a16="http://schemas.microsoft.com/office/drawing/2014/main" id="{71B92E7F-3771-4856-9039-4D25B6740BC4}"/>
-              </a:ext>
-            </a:extLst>
-          </p:cNvPr>
-          <p:cNvSpPr/>
-          <p:nvPr/>
-        </p:nvSpPr>
-        <p:spPr>
-          <a:xfrm>
-            <a:off x="9336359" y="1340768"/>
-            <a:ext cx="2614789" cy="2366482"/>
-          </a:xfrm>
-          <a:prstGeom prst="rect">
-            <a:avLst/>
-          </a:prstGeom>
-        </p:spPr>
-        <p:txBody>
-          <a:bodyPr wrap="square">
-            <a:spAutoFit/>
-          </a:bodyPr>
-          <a:lstStyle/>
-          <a:p>
-            <a:pPr>
-              <a:lnSpc>
-                <a:spcPct val="125000"/>
-              </a:lnSpc>
-            </a:pPr>
-            <a:r>
-              <a:rPr lang="ru-RU" sz="2400" dirty="0"/>
-              <a:t>Файл с данными потоков:</a:t>
-            </a:r>
-          </a:p>
-          <a:p>
-            <a:pPr>
-              <a:lnSpc>
-                <a:spcPct val="125000"/>
-              </a:lnSpc>
-            </a:pPr>
-            <a:r>
-              <a:rPr lang="en-US" sz="2400" dirty="0"/>
-              <a:t>2</a:t>
-            </a:r>
-            <a:endParaRPr lang="ru-RU" sz="2400" dirty="0"/>
-          </a:p>
-          <a:p>
-            <a:pPr>
-              <a:lnSpc>
-                <a:spcPct val="125000"/>
-              </a:lnSpc>
-            </a:pPr>
-            <a:r>
-              <a:rPr lang="ru-RU" sz="2400" dirty="0"/>
-              <a:t>Flow1 e</a:t>
-            </a:r>
-          </a:p>
-          <a:p>
-            <a:pPr>
-              <a:lnSpc>
-                <a:spcPct val="125000"/>
-              </a:lnSpc>
-            </a:pPr>
-            <a:r>
-              <a:rPr lang="ru-RU" sz="2400" dirty="0"/>
-              <a:t>Flow2 a</a:t>
-            </a:r>
-          </a:p>
-        </p:txBody>
-      </p:sp>
+      </p:pic>
     </p:spTree>
     <p:extLst>
       <p:ext uri="{BB962C8B-B14F-4D97-AF65-F5344CB8AC3E}">
-        <p14:creationId xmlns:p14="http://schemas.microsoft.com/office/powerpoint/2010/main" val="3125061401"/>
+        <p14:creationId xmlns:p14="http://schemas.microsoft.com/office/powerpoint/2010/main" val="1283031420"/>
       </p:ext>
     </p:extLst>
   </p:cSld>
@@ -6856,46 +6606,342 @@
           </a:p>
         </p:txBody>
       </p:sp>
-      <p:pic>
-        <p:nvPicPr>
-          <p:cNvPr id="7" name="Рисунок 6" descr="Изображение выглядит как снимок экрана&#10;&#10;Автоматически созданное описание">
-            <a:extLst>
-              <a:ext uri="{FF2B5EF4-FFF2-40B4-BE49-F238E27FC236}">
-                <a16:creationId xmlns:a16="http://schemas.microsoft.com/office/drawing/2014/main" id="{62A93D3F-ECAF-4C02-9E17-F21D04413562}"/>
-              </a:ext>
-            </a:extLst>
-          </p:cNvPr>
-          <p:cNvPicPr>
-            <a:picLocks noChangeAspect="1"/>
-          </p:cNvPicPr>
+      <p:sp>
+        <p:nvSpPr>
+          <p:cNvPr id="3" name="Прямоугольник 2">
+            <a:extLst>
+              <a:ext uri="{FF2B5EF4-FFF2-40B4-BE49-F238E27FC236}">
+                <a16:creationId xmlns:a16="http://schemas.microsoft.com/office/drawing/2014/main" id="{78FC5744-28FA-45E8-B91F-E7C800780244}"/>
+              </a:ext>
+            </a:extLst>
+          </p:cNvPr>
+          <p:cNvSpPr/>
           <p:nvPr/>
-        </p:nvPicPr>
-        <p:blipFill>
-          <a:blip r:embed="rId2">
-            <a:extLst>
-              <a:ext uri="{28A0092B-C50C-407E-A947-70E740481C1C}">
-                <a14:useLocalDpi xmlns:a14="http://schemas.microsoft.com/office/drawing/2010/main" val="0"/>
-              </a:ext>
-            </a:extLst>
-          </a:blip>
-          <a:stretch>
-            <a:fillRect/>
-          </a:stretch>
-        </p:blipFill>
+        </p:nvSpPr>
         <p:spPr>
           <a:xfrm>
-            <a:off x="394492" y="818363"/>
-            <a:ext cx="11403016" cy="5953956"/>
+            <a:off x="573885" y="1340768"/>
+            <a:ext cx="3312368" cy="5136471"/>
           </a:xfrm>
           <a:prstGeom prst="rect">
             <a:avLst/>
           </a:prstGeom>
         </p:spPr>
-      </p:pic>
+        <p:txBody>
+          <a:bodyPr wrap="square">
+            <a:spAutoFit/>
+          </a:bodyPr>
+          <a:lstStyle/>
+          <a:p>
+            <a:pPr>
+              <a:lnSpc>
+                <a:spcPct val="125000"/>
+              </a:lnSpc>
+            </a:pPr>
+            <a:r>
+              <a:rPr lang="ru-RU" sz="2400" dirty="0"/>
+              <a:t>Файл с данными точек:</a:t>
+            </a:r>
+          </a:p>
+          <a:p>
+            <a:pPr>
+              <a:lnSpc>
+                <a:spcPct val="125000"/>
+              </a:lnSpc>
+            </a:pPr>
+            <a:r>
+              <a:rPr lang="ru-RU" sz="2400" dirty="0"/>
+              <a:t>9</a:t>
+            </a:r>
+          </a:p>
+          <a:p>
+            <a:pPr>
+              <a:lnSpc>
+                <a:spcPct val="125000"/>
+              </a:lnSpc>
+            </a:pPr>
+            <a:r>
+              <a:rPr lang="ru-RU" sz="2400" dirty="0"/>
+              <a:t>a -100 0 0 5 10</a:t>
+            </a:r>
+          </a:p>
+          <a:p>
+            <a:pPr>
+              <a:lnSpc>
+                <a:spcPct val="125000"/>
+              </a:lnSpc>
+            </a:pPr>
+            <a:r>
+              <a:rPr lang="ru-RU" sz="2400" dirty="0"/>
+              <a:t>b -50 0 0 5 10</a:t>
+            </a:r>
+          </a:p>
+          <a:p>
+            <a:pPr>
+              <a:lnSpc>
+                <a:spcPct val="125000"/>
+              </a:lnSpc>
+            </a:pPr>
+            <a:r>
+              <a:rPr lang="ru-RU" sz="2400" dirty="0"/>
+              <a:t>c 0 0 0 5 10</a:t>
+            </a:r>
+          </a:p>
+          <a:p>
+            <a:pPr>
+              <a:lnSpc>
+                <a:spcPct val="125000"/>
+              </a:lnSpc>
+            </a:pPr>
+            <a:r>
+              <a:rPr lang="ru-RU" sz="2400" dirty="0"/>
+              <a:t>d 50 0 0 5 10</a:t>
+            </a:r>
+          </a:p>
+          <a:p>
+            <a:pPr>
+              <a:lnSpc>
+                <a:spcPct val="125000"/>
+              </a:lnSpc>
+            </a:pPr>
+            <a:r>
+              <a:rPr lang="ru-RU" sz="2400" dirty="0"/>
+              <a:t>e 200 0 0 4 6</a:t>
+            </a:r>
+          </a:p>
+          <a:p>
+            <a:pPr>
+              <a:lnSpc>
+                <a:spcPct val="125000"/>
+              </a:lnSpc>
+            </a:pPr>
+            <a:r>
+              <a:rPr lang="ru-RU" sz="2400" dirty="0"/>
+              <a:t>f 50 100 0 4 8</a:t>
+            </a:r>
+          </a:p>
+          <a:p>
+            <a:pPr>
+              <a:lnSpc>
+                <a:spcPct val="125000"/>
+              </a:lnSpc>
+            </a:pPr>
+            <a:r>
+              <a:rPr lang="ru-RU" sz="2400" dirty="0"/>
+              <a:t>g -50 50 0 5 10</a:t>
+            </a:r>
+          </a:p>
+          <a:p>
+            <a:pPr>
+              <a:lnSpc>
+                <a:spcPct val="125000"/>
+              </a:lnSpc>
+            </a:pPr>
+            <a:r>
+              <a:rPr lang="ru-RU" sz="2400" dirty="0"/>
+              <a:t>h -200 50 0 5 10</a:t>
+            </a:r>
+          </a:p>
+          <a:p>
+            <a:pPr>
+              <a:lnSpc>
+                <a:spcPct val="125000"/>
+              </a:lnSpc>
+            </a:pPr>
+            <a:r>
+              <a:rPr lang="ru-RU" sz="2400" dirty="0"/>
+              <a:t>r 400 0 0 2 5 LAND</a:t>
+            </a:r>
+          </a:p>
+        </p:txBody>
+      </p:sp>
+      <p:sp>
+        <p:nvSpPr>
+          <p:cNvPr id="4" name="Прямоугольник 3">
+            <a:extLst>
+              <a:ext uri="{FF2B5EF4-FFF2-40B4-BE49-F238E27FC236}">
+                <a16:creationId xmlns:a16="http://schemas.microsoft.com/office/drawing/2014/main" id="{1BCDB8CD-E7DA-4196-BB21-86F1DBB13225}"/>
+              </a:ext>
+            </a:extLst>
+          </p:cNvPr>
+          <p:cNvSpPr/>
+          <p:nvPr/>
+        </p:nvSpPr>
+        <p:spPr>
+          <a:xfrm>
+            <a:off x="4390308" y="1340768"/>
+            <a:ext cx="4441996" cy="2828147"/>
+          </a:xfrm>
+          <a:prstGeom prst="rect">
+            <a:avLst/>
+          </a:prstGeom>
+        </p:spPr>
+        <p:txBody>
+          <a:bodyPr wrap="square">
+            <a:spAutoFit/>
+          </a:bodyPr>
+          <a:lstStyle/>
+          <a:p>
+            <a:pPr>
+              <a:lnSpc>
+                <a:spcPct val="125000"/>
+              </a:lnSpc>
+            </a:pPr>
+            <a:r>
+              <a:rPr lang="ru-RU" sz="2400" dirty="0"/>
+              <a:t>Файл с данными схем:</a:t>
+            </a:r>
+          </a:p>
+          <a:p>
+            <a:pPr>
+              <a:lnSpc>
+                <a:spcPct val="125000"/>
+              </a:lnSpc>
+            </a:pPr>
+            <a:r>
+              <a:rPr lang="ru-RU" sz="2400" dirty="0"/>
+              <a:t>3</a:t>
+            </a:r>
+          </a:p>
+          <a:p>
+            <a:pPr>
+              <a:lnSpc>
+                <a:spcPct val="125000"/>
+              </a:lnSpc>
+            </a:pPr>
+            <a:r>
+              <a:rPr lang="ru-RU" sz="2400" dirty="0"/>
+              <a:t>1</a:t>
+            </a:r>
+          </a:p>
+          <a:p>
+            <a:pPr>
+              <a:lnSpc>
+                <a:spcPct val="125000"/>
+              </a:lnSpc>
+            </a:pPr>
+            <a:r>
+              <a:rPr lang="ru-RU" sz="2400" dirty="0"/>
+              <a:t>Name1 (e)(r):</a:t>
+            </a:r>
+          </a:p>
+          <a:p>
+            <a:pPr>
+              <a:lnSpc>
+                <a:spcPct val="125000"/>
+              </a:lnSpc>
+            </a:pPr>
+            <a:r>
+              <a:rPr lang="ru-RU" sz="2400" dirty="0"/>
+              <a:t>Name2 (a)(e): a </a:t>
+            </a:r>
+            <a:r>
+              <a:rPr lang="ru-RU" sz="2400" dirty="0" err="1"/>
+              <a:t>Str</a:t>
+            </a:r>
+            <a:r>
+              <a:rPr lang="ru-RU" sz="2400" dirty="0"/>
+              <a:t>(f) b c d /</a:t>
+            </a:r>
+            <a:r>
+              <a:rPr lang="ru-RU" sz="2400" dirty="0" err="1"/>
+              <a:t>Str</a:t>
+            </a:r>
+            <a:r>
+              <a:rPr lang="ru-RU" sz="2400" dirty="0"/>
+              <a:t> f e</a:t>
+            </a:r>
+          </a:p>
+          <a:p>
+            <a:pPr>
+              <a:lnSpc>
+                <a:spcPct val="125000"/>
+              </a:lnSpc>
+            </a:pPr>
+            <a:r>
+              <a:rPr lang="ru-RU" sz="2400" dirty="0"/>
+              <a:t>NameSt1 (0): b g h</a:t>
+            </a:r>
+          </a:p>
+        </p:txBody>
+      </p:sp>
+      <p:sp>
+        <p:nvSpPr>
+          <p:cNvPr id="5" name="Прямоугольник 4">
+            <a:extLst>
+              <a:ext uri="{FF2B5EF4-FFF2-40B4-BE49-F238E27FC236}">
+                <a16:creationId xmlns:a16="http://schemas.microsoft.com/office/drawing/2014/main" id="{71B92E7F-3771-4856-9039-4D25B6740BC4}"/>
+              </a:ext>
+            </a:extLst>
+          </p:cNvPr>
+          <p:cNvSpPr/>
+          <p:nvPr/>
+        </p:nvSpPr>
+        <p:spPr>
+          <a:xfrm>
+            <a:off x="9336359" y="1340768"/>
+            <a:ext cx="2614789" cy="2366482"/>
+          </a:xfrm>
+          <a:prstGeom prst="rect">
+            <a:avLst/>
+          </a:prstGeom>
+        </p:spPr>
+        <p:txBody>
+          <a:bodyPr wrap="square">
+            <a:spAutoFit/>
+          </a:bodyPr>
+          <a:lstStyle/>
+          <a:p>
+            <a:pPr>
+              <a:lnSpc>
+                <a:spcPct val="125000"/>
+              </a:lnSpc>
+            </a:pPr>
+            <a:r>
+              <a:rPr lang="ru-RU" sz="2400" dirty="0"/>
+              <a:t>Файл с данными потоков:</a:t>
+            </a:r>
+          </a:p>
+          <a:p>
+            <a:pPr>
+              <a:lnSpc>
+                <a:spcPct val="125000"/>
+              </a:lnSpc>
+            </a:pPr>
+            <a:r>
+              <a:rPr lang="en-US" sz="2400" dirty="0"/>
+              <a:t>2</a:t>
+            </a:r>
+            <a:endParaRPr lang="ru-RU" sz="2400" dirty="0"/>
+          </a:p>
+          <a:p>
+            <a:pPr>
+              <a:lnSpc>
+                <a:spcPct val="125000"/>
+              </a:lnSpc>
+            </a:pPr>
+            <a:r>
+              <a:rPr lang="ru-RU" sz="2400" dirty="0"/>
+              <a:t>Flow1 e</a:t>
+            </a:r>
+          </a:p>
+          <a:p>
+            <a:pPr>
+              <a:lnSpc>
+                <a:spcPct val="125000"/>
+              </a:lnSpc>
+            </a:pPr>
+            <a:r>
+              <a:rPr lang="ru-RU" sz="2400" dirty="0"/>
+              <a:t>Flow2 a</a:t>
+            </a:r>
+          </a:p>
+        </p:txBody>
+      </p:sp>
     </p:spTree>
     <p:extLst>
       <p:ext uri="{BB962C8B-B14F-4D97-AF65-F5344CB8AC3E}">
-        <p14:creationId xmlns:p14="http://schemas.microsoft.com/office/powerpoint/2010/main" val="2146539531"/>
+        <p14:creationId xmlns:p14="http://schemas.microsoft.com/office/powerpoint/2010/main" val="3125061401"/>
       </p:ext>
     </p:extLst>
   </p:cSld>
@@ -6924,147 +6970,10 @@
       </p:grpSpPr>
       <p:sp>
         <p:nvSpPr>
-          <p:cNvPr id="2" name="Прямоугольник 1">
-            <a:extLst>
-              <a:ext uri="{FF2B5EF4-FFF2-40B4-BE49-F238E27FC236}">
-                <a16:creationId xmlns:a16="http://schemas.microsoft.com/office/drawing/2014/main" id="{484B75B1-60F0-4026-90AD-32DA40FD947B}"/>
-              </a:ext>
-            </a:extLst>
-          </p:cNvPr>
-          <p:cNvSpPr/>
-          <p:nvPr/>
-        </p:nvSpPr>
-        <p:spPr>
-          <a:xfrm>
-            <a:off x="2387588" y="1340768"/>
-            <a:ext cx="7416824" cy="4361322"/>
-          </a:xfrm>
-          <a:prstGeom prst="rect">
-            <a:avLst/>
-          </a:prstGeom>
-        </p:spPr>
-        <p:txBody>
-          <a:bodyPr wrap="square">
-            <a:spAutoFit/>
-          </a:bodyPr>
-          <a:lstStyle/>
-          <a:p>
-            <a:pPr>
-              <a:lnSpc>
-                <a:spcPct val="125000"/>
-              </a:lnSpc>
-            </a:pPr>
-            <a:r>
-              <a:rPr lang="ru-RU" sz="2800" dirty="0"/>
-              <a:t>Теперь «запустим» стандартную схему:</a:t>
-            </a:r>
-          </a:p>
-          <a:p>
-            <a:pPr>
-              <a:lnSpc>
-                <a:spcPct val="125000"/>
-              </a:lnSpc>
-            </a:pPr>
-            <a:endParaRPr lang="en-US" sz="2800" dirty="0"/>
-          </a:p>
-          <a:p>
-            <a:pPr>
-              <a:lnSpc>
-                <a:spcPct val="125000"/>
-              </a:lnSpc>
-            </a:pPr>
-            <a:r>
-              <a:rPr lang="ru-RU" sz="2800" dirty="0"/>
-              <a:t>Файл с данными схем:</a:t>
-            </a:r>
-          </a:p>
-          <a:p>
-            <a:pPr>
-              <a:lnSpc>
-                <a:spcPct val="125000"/>
-              </a:lnSpc>
-            </a:pPr>
-            <a:r>
-              <a:rPr lang="ru-RU" sz="2800" dirty="0"/>
-              <a:t>3</a:t>
-            </a:r>
-          </a:p>
-          <a:p>
-            <a:pPr>
-              <a:lnSpc>
-                <a:spcPct val="125000"/>
-              </a:lnSpc>
-            </a:pPr>
-            <a:r>
-              <a:rPr lang="ru-RU" sz="2800" dirty="0"/>
-              <a:t>1</a:t>
-            </a:r>
-          </a:p>
-          <a:p>
-            <a:pPr>
-              <a:lnSpc>
-                <a:spcPct val="125000"/>
-              </a:lnSpc>
-            </a:pPr>
-            <a:r>
-              <a:rPr lang="ru-RU" sz="2800" dirty="0"/>
-              <a:t>Name1 (e)(r):</a:t>
-            </a:r>
-          </a:p>
-          <a:p>
-            <a:pPr>
-              <a:lnSpc>
-                <a:spcPct val="125000"/>
-              </a:lnSpc>
-            </a:pPr>
-            <a:r>
-              <a:rPr lang="ru-RU" sz="2800" dirty="0"/>
-              <a:t>Name2 (a)(e): a </a:t>
-            </a:r>
-            <a:r>
-              <a:rPr lang="ru-RU" sz="2800" dirty="0" err="1"/>
-              <a:t>Str</a:t>
-            </a:r>
-            <a:r>
-              <a:rPr lang="ru-RU" sz="2800" dirty="0"/>
-              <a:t>(f) b c d /</a:t>
-            </a:r>
-            <a:r>
-              <a:rPr lang="ru-RU" sz="2800" dirty="0" err="1"/>
-              <a:t>Str</a:t>
-            </a:r>
-            <a:r>
-              <a:rPr lang="ru-RU" sz="2800" dirty="0"/>
-              <a:t> f e</a:t>
-            </a:r>
-          </a:p>
-          <a:p>
-            <a:pPr>
-              <a:lnSpc>
-                <a:spcPct val="125000"/>
-              </a:lnSpc>
-            </a:pPr>
-            <a:r>
-              <a:rPr lang="ru-RU" sz="2800" dirty="0"/>
-              <a:t>NameSt1 (</a:t>
-            </a:r>
-            <a:r>
-              <a:rPr lang="ru-RU" sz="2800" b="1" u="sng" dirty="0"/>
-              <a:t> 1 </a:t>
-            </a:r>
-            <a:r>
-              <a:rPr lang="ru-RU" sz="2800" dirty="0"/>
-              <a:t>): b g h</a:t>
-            </a:r>
-          </a:p>
-        </p:txBody>
-      </p:sp>
-      <p:sp>
-        <p:nvSpPr>
-          <p:cNvPr id="3" name="Заголовок 3">
-            <a:extLst>
-              <a:ext uri="{FF2B5EF4-FFF2-40B4-BE49-F238E27FC236}">
-                <a16:creationId xmlns:a16="http://schemas.microsoft.com/office/drawing/2014/main" id="{6E73DE99-0E74-444F-8B10-72835CCDD05A}"/>
+          <p:cNvPr id="2" name="Заголовок 3">
+            <a:extLst>
+              <a:ext uri="{FF2B5EF4-FFF2-40B4-BE49-F238E27FC236}">
+                <a16:creationId xmlns:a16="http://schemas.microsoft.com/office/drawing/2014/main" id="{C0407515-3124-45F4-A075-40601AB2F9D6}"/>
               </a:ext>
             </a:extLst>
           </p:cNvPr>
@@ -7114,10 +7023,46 @@
           </a:p>
         </p:txBody>
       </p:sp>
+      <p:pic>
+        <p:nvPicPr>
+          <p:cNvPr id="7" name="Рисунок 6" descr="Изображение выглядит как снимок экрана&#10;&#10;Автоматически созданное описание">
+            <a:extLst>
+              <a:ext uri="{FF2B5EF4-FFF2-40B4-BE49-F238E27FC236}">
+                <a16:creationId xmlns:a16="http://schemas.microsoft.com/office/drawing/2014/main" id="{62A93D3F-ECAF-4C02-9E17-F21D04413562}"/>
+              </a:ext>
+            </a:extLst>
+          </p:cNvPr>
+          <p:cNvPicPr>
+            <a:picLocks noChangeAspect="1"/>
+          </p:cNvPicPr>
+          <p:nvPr/>
+        </p:nvPicPr>
+        <p:blipFill>
+          <a:blip r:embed="rId2">
+            <a:extLst>
+              <a:ext uri="{28A0092B-C50C-407E-A947-70E740481C1C}">
+                <a14:useLocalDpi xmlns:a14="http://schemas.microsoft.com/office/drawing/2010/main" val="0"/>
+              </a:ext>
+            </a:extLst>
+          </a:blip>
+          <a:stretch>
+            <a:fillRect/>
+          </a:stretch>
+        </p:blipFill>
+        <p:spPr>
+          <a:xfrm>
+            <a:off x="394492" y="818363"/>
+            <a:ext cx="11403016" cy="5953956"/>
+          </a:xfrm>
+          <a:prstGeom prst="rect">
+            <a:avLst/>
+          </a:prstGeom>
+        </p:spPr>
+      </p:pic>
     </p:spTree>
     <p:extLst>
       <p:ext uri="{BB962C8B-B14F-4D97-AF65-F5344CB8AC3E}">
-        <p14:creationId xmlns:p14="http://schemas.microsoft.com/office/powerpoint/2010/main" val="3429685726"/>
+        <p14:creationId xmlns:p14="http://schemas.microsoft.com/office/powerpoint/2010/main" val="2146539531"/>
       </p:ext>
     </p:extLst>
   </p:cSld>
@@ -7144,6 +7089,228 @@
           <a:chExt cx="0" cy="0"/>
         </a:xfrm>
       </p:grpSpPr>
+      <p:sp>
+        <p:nvSpPr>
+          <p:cNvPr id="2" name="Прямоугольник 1">
+            <a:extLst>
+              <a:ext uri="{FF2B5EF4-FFF2-40B4-BE49-F238E27FC236}">
+                <a16:creationId xmlns:a16="http://schemas.microsoft.com/office/drawing/2014/main" id="{484B75B1-60F0-4026-90AD-32DA40FD947B}"/>
+              </a:ext>
+            </a:extLst>
+          </p:cNvPr>
+          <p:cNvSpPr/>
+          <p:nvPr/>
+        </p:nvSpPr>
+        <p:spPr>
+          <a:xfrm>
+            <a:off x="2387588" y="1340768"/>
+            <a:ext cx="7416824" cy="4361322"/>
+          </a:xfrm>
+          <a:prstGeom prst="rect">
+            <a:avLst/>
+          </a:prstGeom>
+        </p:spPr>
+        <p:txBody>
+          <a:bodyPr wrap="square">
+            <a:spAutoFit/>
+          </a:bodyPr>
+          <a:lstStyle/>
+          <a:p>
+            <a:pPr>
+              <a:lnSpc>
+                <a:spcPct val="125000"/>
+              </a:lnSpc>
+            </a:pPr>
+            <a:r>
+              <a:rPr lang="ru-RU" sz="2800" dirty="0"/>
+              <a:t>Теперь «запустим» стандартную схему:</a:t>
+            </a:r>
+          </a:p>
+          <a:p>
+            <a:pPr>
+              <a:lnSpc>
+                <a:spcPct val="125000"/>
+              </a:lnSpc>
+            </a:pPr>
+            <a:endParaRPr lang="en-US" sz="2800" dirty="0"/>
+          </a:p>
+          <a:p>
+            <a:pPr>
+              <a:lnSpc>
+                <a:spcPct val="125000"/>
+              </a:lnSpc>
+            </a:pPr>
+            <a:r>
+              <a:rPr lang="ru-RU" sz="2800" dirty="0"/>
+              <a:t>Файл с данными схем:</a:t>
+            </a:r>
+          </a:p>
+          <a:p>
+            <a:pPr>
+              <a:lnSpc>
+                <a:spcPct val="125000"/>
+              </a:lnSpc>
+            </a:pPr>
+            <a:r>
+              <a:rPr lang="ru-RU" sz="2800" dirty="0"/>
+              <a:t>3</a:t>
+            </a:r>
+          </a:p>
+          <a:p>
+            <a:pPr>
+              <a:lnSpc>
+                <a:spcPct val="125000"/>
+              </a:lnSpc>
+            </a:pPr>
+            <a:r>
+              <a:rPr lang="ru-RU" sz="2800" dirty="0"/>
+              <a:t>1</a:t>
+            </a:r>
+          </a:p>
+          <a:p>
+            <a:pPr>
+              <a:lnSpc>
+                <a:spcPct val="125000"/>
+              </a:lnSpc>
+            </a:pPr>
+            <a:r>
+              <a:rPr lang="ru-RU" sz="2800" dirty="0"/>
+              <a:t>Name1 (e)(r):</a:t>
+            </a:r>
+          </a:p>
+          <a:p>
+            <a:pPr>
+              <a:lnSpc>
+                <a:spcPct val="125000"/>
+              </a:lnSpc>
+            </a:pPr>
+            <a:r>
+              <a:rPr lang="ru-RU" sz="2800" dirty="0"/>
+              <a:t>Name2 (a)(e): a </a:t>
+            </a:r>
+            <a:r>
+              <a:rPr lang="ru-RU" sz="2800" dirty="0" err="1"/>
+              <a:t>Str</a:t>
+            </a:r>
+            <a:r>
+              <a:rPr lang="ru-RU" sz="2800" dirty="0"/>
+              <a:t>(f) b c d /</a:t>
+            </a:r>
+            <a:r>
+              <a:rPr lang="ru-RU" sz="2800" dirty="0" err="1"/>
+              <a:t>Str</a:t>
+            </a:r>
+            <a:r>
+              <a:rPr lang="ru-RU" sz="2800" dirty="0"/>
+              <a:t> f e</a:t>
+            </a:r>
+          </a:p>
+          <a:p>
+            <a:pPr>
+              <a:lnSpc>
+                <a:spcPct val="125000"/>
+              </a:lnSpc>
+            </a:pPr>
+            <a:r>
+              <a:rPr lang="ru-RU" sz="2800" dirty="0"/>
+              <a:t>NameSt1 (</a:t>
+            </a:r>
+            <a:r>
+              <a:rPr lang="ru-RU" sz="2800" b="1" u="sng" dirty="0"/>
+              <a:t> 1 </a:t>
+            </a:r>
+            <a:r>
+              <a:rPr lang="ru-RU" sz="2800" dirty="0"/>
+              <a:t>): b g h</a:t>
+            </a:r>
+          </a:p>
+        </p:txBody>
+      </p:sp>
+      <p:sp>
+        <p:nvSpPr>
+          <p:cNvPr id="3" name="Заголовок 3">
+            <a:extLst>
+              <a:ext uri="{FF2B5EF4-FFF2-40B4-BE49-F238E27FC236}">
+                <a16:creationId xmlns:a16="http://schemas.microsoft.com/office/drawing/2014/main" id="{6E73DE99-0E74-444F-8B10-72835CCDD05A}"/>
+              </a:ext>
+            </a:extLst>
+          </p:cNvPr>
+          <p:cNvSpPr txBox="1">
+            <a:spLocks/>
+          </p:cNvSpPr>
+          <p:nvPr/>
+        </p:nvSpPr>
+        <p:spPr>
+          <a:xfrm>
+            <a:off x="2909646" y="116632"/>
+            <a:ext cx="6372708" cy="701731"/>
+          </a:xfrm>
+          <a:prstGeom prst="rect">
+            <a:avLst/>
+          </a:prstGeom>
+        </p:spPr>
+        <p:txBody>
+          <a:bodyPr wrap="square">
+            <a:spAutoFit/>
+          </a:bodyPr>
+          <a:lstStyle>
+            <a:lvl1pPr algn="l" defTabSz="914400" rtl="0" eaLnBrk="1" latinLnBrk="0" hangingPunct="1">
+              <a:lnSpc>
+                <a:spcPct val="90000"/>
+              </a:lnSpc>
+              <a:spcBef>
+                <a:spcPct val="0"/>
+              </a:spcBef>
+              <a:buNone/>
+              <a:defRPr sz="4400" kern="1200">
+                <a:solidFill>
+                  <a:schemeClr val="tx1"/>
+                </a:solidFill>
+                <a:latin typeface="+mj-lt"/>
+                <a:ea typeface="+mj-ea"/>
+                <a:cs typeface="+mj-cs"/>
+              </a:defRPr>
+            </a:lvl1pPr>
+          </a:lstStyle>
+          <a:p>
+            <a:pPr algn="ctr"/>
+            <a:r>
+              <a:rPr lang="ru-RU" b="1" dirty="0"/>
+              <a:t>Модельный пример</a:t>
+            </a:r>
+          </a:p>
+        </p:txBody>
+      </p:sp>
+    </p:spTree>
+    <p:extLst>
+      <p:ext uri="{BB962C8B-B14F-4D97-AF65-F5344CB8AC3E}">
+        <p14:creationId xmlns:p14="http://schemas.microsoft.com/office/powerpoint/2010/main" val="3429685726"/>
+      </p:ext>
+    </p:extLst>
+  </p:cSld>
+  <p:clrMapOvr>
+    <a:masterClrMapping/>
+  </p:clrMapOvr>
+</p:sld>
+</file>
+
+<file path=ppt/slides/slide24.xml><?xml version="1.0" encoding="utf-8"?>
+<p:sld xmlns:a="http://schemas.openxmlformats.org/drawingml/2006/main" xmlns:r="http://schemas.openxmlformats.org/officeDocument/2006/relationships" xmlns:p="http://schemas.openxmlformats.org/presentationml/2006/main">
+  <p:cSld>
+    <p:spTree>
+      <p:nvGrpSpPr>
+        <p:cNvPr id="1" name=""/>
+        <p:cNvGrpSpPr/>
+        <p:nvPr/>
+      </p:nvGrpSpPr>
+      <p:grpSpPr>
+        <a:xfrm>
+          <a:off x="0" y="0"/>
+          <a:ext cx="0" cy="0"/>
+          <a:chOff x="0" y="0"/>
+          <a:chExt cx="0" cy="0"/>
+        </a:xfrm>
+      </p:grpSpPr>
       <p:pic>
         <p:nvPicPr>
           <p:cNvPr id="8" name="Рисунок 7">
@@ -7193,7 +7360,7 @@
 </p:sld>
 </file>
 
-<file path=ppt/slides/slide24.xml><?xml version="1.0" encoding="utf-8"?>
+<file path=ppt/slides/slide25.xml><?xml version="1.0" encoding="utf-8"?>
 <p:sld xmlns:a="http://schemas.openxmlformats.org/drawingml/2006/main" xmlns:r="http://schemas.openxmlformats.org/officeDocument/2006/relationships" xmlns:p="http://schemas.openxmlformats.org/presentationml/2006/main">
   <p:cSld>
     <p:spTree>
@@ -7445,72 +7612,6 @@
 </p:sld>
 </file>
 
-<file path=ppt/slides/slide25.xml><?xml version="1.0" encoding="utf-8"?>
-<p:sld xmlns:a="http://schemas.openxmlformats.org/drawingml/2006/main" xmlns:r="http://schemas.openxmlformats.org/officeDocument/2006/relationships" xmlns:p="http://schemas.openxmlformats.org/presentationml/2006/main">
-  <p:cSld>
-    <p:spTree>
-      <p:nvGrpSpPr>
-        <p:cNvPr id="1" name=""/>
-        <p:cNvGrpSpPr/>
-        <p:nvPr/>
-      </p:nvGrpSpPr>
-      <p:grpSpPr>
-        <a:xfrm>
-          <a:off x="0" y="0"/>
-          <a:ext cx="0" cy="0"/>
-          <a:chOff x="0" y="0"/>
-          <a:chExt cx="0" cy="0"/>
-        </a:xfrm>
-      </p:grpSpPr>
-      <p:pic>
-        <p:nvPicPr>
-          <p:cNvPr id="3" name="Рисунок 2">
-            <a:extLst>
-              <a:ext uri="{FF2B5EF4-FFF2-40B4-BE49-F238E27FC236}">
-                <a16:creationId xmlns:a16="http://schemas.microsoft.com/office/drawing/2014/main" id="{FC07CD25-5622-4D9D-988E-B0ECC27E90C1}"/>
-              </a:ext>
-            </a:extLst>
-          </p:cNvPr>
-          <p:cNvPicPr>
-            <a:picLocks noChangeAspect="1"/>
-          </p:cNvPicPr>
-          <p:nvPr/>
-        </p:nvPicPr>
-        <p:blipFill>
-          <a:blip r:embed="rId2">
-            <a:extLst>
-              <a:ext uri="{28A0092B-C50C-407E-A947-70E740481C1C}">
-                <a14:useLocalDpi xmlns:a14="http://schemas.microsoft.com/office/drawing/2010/main" val="0"/>
-              </a:ext>
-            </a:extLst>
-          </a:blip>
-          <a:stretch>
-            <a:fillRect/>
-          </a:stretch>
-        </p:blipFill>
-        <p:spPr>
-          <a:xfrm>
-            <a:off x="1091957" y="0"/>
-            <a:ext cx="10008086" cy="6858000"/>
-          </a:xfrm>
-          <a:prstGeom prst="rect">
-            <a:avLst/>
-          </a:prstGeom>
-        </p:spPr>
-      </p:pic>
-    </p:spTree>
-    <p:extLst>
-      <p:ext uri="{BB962C8B-B14F-4D97-AF65-F5344CB8AC3E}">
-        <p14:creationId xmlns:p14="http://schemas.microsoft.com/office/powerpoint/2010/main" val="692905411"/>
-      </p:ext>
-    </p:extLst>
-  </p:cSld>
-  <p:clrMapOvr>
-    <a:masterClrMapping/>
-  </p:clrMapOvr>
-</p:sld>
-</file>
-
 <file path=ppt/slides/slide26.xml><?xml version="1.0" encoding="utf-8"?>
 <p:sld xmlns:a="http://schemas.openxmlformats.org/drawingml/2006/main" xmlns:r="http://schemas.openxmlformats.org/officeDocument/2006/relationships" xmlns:p="http://schemas.openxmlformats.org/presentationml/2006/main">
   <p:cSld>
@@ -7533,6 +7634,72 @@
           <p:cNvPr id="3" name="Рисунок 2">
             <a:extLst>
               <a:ext uri="{FF2B5EF4-FFF2-40B4-BE49-F238E27FC236}">
+                <a16:creationId xmlns:a16="http://schemas.microsoft.com/office/drawing/2014/main" id="{FC07CD25-5622-4D9D-988E-B0ECC27E90C1}"/>
+              </a:ext>
+            </a:extLst>
+          </p:cNvPr>
+          <p:cNvPicPr>
+            <a:picLocks noChangeAspect="1"/>
+          </p:cNvPicPr>
+          <p:nvPr/>
+        </p:nvPicPr>
+        <p:blipFill>
+          <a:blip r:embed="rId2">
+            <a:extLst>
+              <a:ext uri="{28A0092B-C50C-407E-A947-70E740481C1C}">
+                <a14:useLocalDpi xmlns:a14="http://schemas.microsoft.com/office/drawing/2010/main" val="0"/>
+              </a:ext>
+            </a:extLst>
+          </a:blip>
+          <a:stretch>
+            <a:fillRect/>
+          </a:stretch>
+        </p:blipFill>
+        <p:spPr>
+          <a:xfrm>
+            <a:off x="1091957" y="0"/>
+            <a:ext cx="10008086" cy="6858000"/>
+          </a:xfrm>
+          <a:prstGeom prst="rect">
+            <a:avLst/>
+          </a:prstGeom>
+        </p:spPr>
+      </p:pic>
+    </p:spTree>
+    <p:extLst>
+      <p:ext uri="{BB962C8B-B14F-4D97-AF65-F5344CB8AC3E}">
+        <p14:creationId xmlns:p14="http://schemas.microsoft.com/office/powerpoint/2010/main" val="692905411"/>
+      </p:ext>
+    </p:extLst>
+  </p:cSld>
+  <p:clrMapOvr>
+    <a:masterClrMapping/>
+  </p:clrMapOvr>
+</p:sld>
+</file>
+
+<file path=ppt/slides/slide27.xml><?xml version="1.0" encoding="utf-8"?>
+<p:sld xmlns:a="http://schemas.openxmlformats.org/drawingml/2006/main" xmlns:r="http://schemas.openxmlformats.org/officeDocument/2006/relationships" xmlns:p="http://schemas.openxmlformats.org/presentationml/2006/main">
+  <p:cSld>
+    <p:spTree>
+      <p:nvGrpSpPr>
+        <p:cNvPr id="1" name=""/>
+        <p:cNvGrpSpPr/>
+        <p:nvPr/>
+      </p:nvGrpSpPr>
+      <p:grpSpPr>
+        <a:xfrm>
+          <a:off x="0" y="0"/>
+          <a:ext cx="0" cy="0"/>
+          <a:chOff x="0" y="0"/>
+          <a:chExt cx="0" cy="0"/>
+        </a:xfrm>
+      </p:grpSpPr>
+      <p:pic>
+        <p:nvPicPr>
+          <p:cNvPr id="3" name="Рисунок 2">
+            <a:extLst>
+              <a:ext uri="{FF2B5EF4-FFF2-40B4-BE49-F238E27FC236}">
                 <a16:creationId xmlns:a16="http://schemas.microsoft.com/office/drawing/2014/main" id="{479B3E1F-0D01-467F-919C-3EF37C73D05F}"/>
               </a:ext>
             </a:extLst>
@@ -7577,7 +7744,7 @@
 </p:sld>
 </file>
 
-<file path=ppt/slides/slide27.xml><?xml version="1.0" encoding="utf-8"?>
+<file path=ppt/slides/slide28.xml><?xml version="1.0" encoding="utf-8"?>
 <p:sld xmlns:a="http://schemas.openxmlformats.org/drawingml/2006/main" xmlns:r="http://schemas.openxmlformats.org/officeDocument/2006/relationships" xmlns:p="http://schemas.openxmlformats.org/presentationml/2006/main">
   <p:cSld>
     <p:spTree>
